--- a/unit_01/slides/Unit01-PartI.pptx
+++ b/unit_01/slides/Unit01-PartI.pptx
@@ -230,7 +230,7 @@
           <a:p>
             <a:fld id="{DEF45A3F-F083-4E1A-8339-FCD652B27D36}" type="datetimeFigureOut">
               <a:rPr lang="en-US" smtClean="0"/>
-              <a:t>7/7/2020</a:t>
+              <a:t>9/2/2020</a:t>
             </a:fld>
             <a:endParaRPr lang="en-US" dirty="0"/>
           </a:p>
@@ -294,38 +294,37 @@
           <a:p>
             <a:pPr lvl="0"/>
             <a:r>
-              <a:rPr lang="en-US" smtClean="0"/>
+              <a:rPr lang="en-US"/>
               <a:t>Click to edit Master text styles</a:t>
             </a:r>
           </a:p>
           <a:p>
             <a:pPr lvl="1"/>
             <a:r>
-              <a:rPr lang="en-US" smtClean="0"/>
+              <a:rPr lang="en-US"/>
               <a:t>Second level</a:t>
             </a:r>
           </a:p>
           <a:p>
             <a:pPr lvl="2"/>
             <a:r>
-              <a:rPr lang="en-US" smtClean="0"/>
+              <a:rPr lang="en-US"/>
               <a:t>Third level</a:t>
             </a:r>
           </a:p>
           <a:p>
             <a:pPr lvl="3"/>
             <a:r>
-              <a:rPr lang="en-US" smtClean="0"/>
+              <a:rPr lang="en-US"/>
               <a:t>Fourth level</a:t>
             </a:r>
           </a:p>
           <a:p>
             <a:pPr lvl="4"/>
             <a:r>
-              <a:rPr lang="en-US" smtClean="0"/>
+              <a:rPr lang="en-US"/>
               <a:t>Fifth level</a:t>
             </a:r>
-            <a:endParaRPr lang="en-US"/>
           </a:p>
         </p:txBody>
       </p:sp>
@@ -604,7 +603,7 @@
           <p:cNvPr id="5" name="Rectangle 4">
             <a:extLst>
               <a:ext uri="{FF2B5EF4-FFF2-40B4-BE49-F238E27FC236}">
-                <a16:creationId xmlns:a16="http://schemas.microsoft.com/office/drawing/2014/main" xmlns="" id="{904DB13E-F722-4ED6-BB00-556651E95281}"/>
+                <a16:creationId xmlns:a16="http://schemas.microsoft.com/office/drawing/2014/main" id="{904DB13E-F722-4ED6-BB00-556651E95281}"/>
               </a:ext>
             </a:extLst>
           </p:cNvPr>
@@ -753,7 +752,7 @@
           <p:cNvPr id="7" name="Group 6">
             <a:extLst>
               <a:ext uri="{FF2B5EF4-FFF2-40B4-BE49-F238E27FC236}">
-                <a16:creationId xmlns:a16="http://schemas.microsoft.com/office/drawing/2014/main" xmlns="" id="{E26428D7-C6F3-473D-A360-A3F5C3E8728C}"/>
+                <a16:creationId xmlns:a16="http://schemas.microsoft.com/office/drawing/2014/main" id="{E26428D7-C6F3-473D-A360-A3F5C3E8728C}"/>
               </a:ext>
             </a:extLst>
           </p:cNvPr>
@@ -1051,7 +1050,7 @@
           <a:p>
             <a:fld id="{EB2553B6-A683-4C13-ADF3-6E78B5B860F6}" type="datetime1">
               <a:rPr lang="en-US" smtClean="0"/>
-              <a:t>7/7/2020</a:t>
+              <a:t>9/2/2020</a:t>
             </a:fld>
             <a:endParaRPr lang="en-US" dirty="0"/>
           </a:p>
@@ -1253,7 +1252,7 @@
           <a:p>
             <a:fld id="{6DA00B11-1D47-4652-AEE5-4C2B1235CB66}" type="datetime1">
               <a:rPr lang="en-US" smtClean="0"/>
-              <a:t>7/7/2020</a:t>
+              <a:t>9/2/2020</a:t>
             </a:fld>
             <a:endParaRPr lang="en-US" dirty="0"/>
           </a:p>
@@ -1336,7 +1335,7 @@
           <p:cNvPr id="15" name="Rectangle 14">
             <a:extLst>
               <a:ext uri="{FF2B5EF4-FFF2-40B4-BE49-F238E27FC236}">
-                <a16:creationId xmlns:a16="http://schemas.microsoft.com/office/drawing/2014/main" xmlns="" id="{0A4A1889-E37C-4EC3-9E41-9DAD221CF389}"/>
+                <a16:creationId xmlns:a16="http://schemas.microsoft.com/office/drawing/2014/main" id="{0A4A1889-E37C-4EC3-9E41-9DAD221CF389}"/>
               </a:ext>
             </a:extLst>
           </p:cNvPr>
@@ -1533,7 +1532,7 @@
           <p:cNvPr id="16" name="Group 15">
             <a:extLst>
               <a:ext uri="{FF2B5EF4-FFF2-40B4-BE49-F238E27FC236}">
-                <a16:creationId xmlns:a16="http://schemas.microsoft.com/office/drawing/2014/main" xmlns="" id="{1683EB04-C23E-490C-A1A6-030CF79D23C8}"/>
+                <a16:creationId xmlns:a16="http://schemas.microsoft.com/office/drawing/2014/main" id="{1683EB04-C23E-490C-A1A6-030CF79D23C8}"/>
               </a:ext>
             </a:extLst>
           </p:cNvPr>
@@ -1553,7 +1552,7 @@
             <p:cNvPr id="17" name="Straight Connector 16">
               <a:extLst>
                 <a:ext uri="{FF2B5EF4-FFF2-40B4-BE49-F238E27FC236}">
-                  <a16:creationId xmlns:a16="http://schemas.microsoft.com/office/drawing/2014/main" xmlns="" id="{F8A84C03-E1CA-4A4E-81D6-9BB0C335B7A0}"/>
+                  <a16:creationId xmlns:a16="http://schemas.microsoft.com/office/drawing/2014/main" id="{F8A84C03-E1CA-4A4E-81D6-9BB0C335B7A0}"/>
                 </a:ext>
               </a:extLst>
             </p:cNvPr>
@@ -1601,7 +1600,7 @@
             <p:cNvPr id="18" name="Straight Connector 17">
               <a:extLst>
                 <a:ext uri="{FF2B5EF4-FFF2-40B4-BE49-F238E27FC236}">
-                  <a16:creationId xmlns:a16="http://schemas.microsoft.com/office/drawing/2014/main" xmlns="" id="{4A26FB5A-D5D1-4DAB-AC43-7F51A7F2D197}"/>
+                  <a16:creationId xmlns:a16="http://schemas.microsoft.com/office/drawing/2014/main" id="{4A26FB5A-D5D1-4DAB-AC43-7F51A7F2D197}"/>
                 </a:ext>
               </a:extLst>
             </p:cNvPr>
@@ -1649,7 +1648,7 @@
             <p:cNvPr id="19" name="Straight Connector 18">
               <a:extLst>
                 <a:ext uri="{FF2B5EF4-FFF2-40B4-BE49-F238E27FC236}">
-                  <a16:creationId xmlns:a16="http://schemas.microsoft.com/office/drawing/2014/main" xmlns="" id="{49303F14-E560-4C02-94F4-B4695FE26813}"/>
+                  <a16:creationId xmlns:a16="http://schemas.microsoft.com/office/drawing/2014/main" id="{49303F14-E560-4C02-94F4-B4695FE26813}"/>
                 </a:ext>
               </a:extLst>
             </p:cNvPr>
@@ -1852,7 +1851,7 @@
           <a:p>
             <a:fld id="{90AC2323-8C5A-462B-92B9-62EA14FA9E94}" type="datetime1">
               <a:rPr lang="en-US" smtClean="0"/>
-              <a:t>7/7/2020</a:t>
+              <a:t>9/2/2020</a:t>
             </a:fld>
             <a:endParaRPr lang="en-US" dirty="0"/>
           </a:p>
@@ -2172,7 +2171,7 @@
           <a:p>
             <a:fld id="{10DC40C2-59E9-46C8-B03E-7C20E5F4F12D}" type="datetime1">
               <a:rPr lang="en-US" smtClean="0"/>
-              <a:t>7/7/2020</a:t>
+              <a:t>9/2/2020</a:t>
             </a:fld>
             <a:endParaRPr lang="en-US" dirty="0"/>
           </a:p>
@@ -2609,7 +2608,7 @@
           <a:p>
             <a:fld id="{7FBC8CB6-941B-4270-8276-FD8E92A373DA}" type="datetime1">
               <a:rPr lang="en-US" smtClean="0"/>
-              <a:t>7/7/2020</a:t>
+              <a:t>9/2/2020</a:t>
             </a:fld>
             <a:endParaRPr lang="en-US" dirty="0"/>
           </a:p>
@@ -2727,7 +2726,7 @@
           <a:p>
             <a:fld id="{15E57E43-E251-46CB-9ADD-5572689A0D73}" type="datetime1">
               <a:rPr lang="en-US" smtClean="0"/>
-              <a:t>7/7/2020</a:t>
+              <a:t>9/2/2020</a:t>
             </a:fld>
             <a:endParaRPr lang="en-US" dirty="0"/>
           </a:p>
@@ -2822,7 +2821,7 @@
           <a:p>
             <a:fld id="{9582FC12-F480-42AE-9F3F-3DA69EB64A0D}" type="datetime1">
               <a:rPr lang="en-US" smtClean="0"/>
-              <a:t>7/7/2020</a:t>
+              <a:t>9/2/2020</a:t>
             </a:fld>
             <a:endParaRPr lang="en-US" dirty="0"/>
           </a:p>
@@ -2905,7 +2904,7 @@
           <p:cNvPr id="10" name="Rectangle 9">
             <a:extLst>
               <a:ext uri="{FF2B5EF4-FFF2-40B4-BE49-F238E27FC236}">
-                <a16:creationId xmlns:a16="http://schemas.microsoft.com/office/drawing/2014/main" xmlns="" id="{D5E1BBF9-8BEF-4353-BA68-30AAF9EBD8D8}"/>
+                <a16:creationId xmlns:a16="http://schemas.microsoft.com/office/drawing/2014/main" id="{D5E1BBF9-8BEF-4353-BA68-30AAF9EBD8D8}"/>
               </a:ext>
             </a:extLst>
           </p:cNvPr>
@@ -2952,7 +2951,7 @@
           <p:cNvPr id="13" name="Rectangle 12">
             <a:extLst>
               <a:ext uri="{FF2B5EF4-FFF2-40B4-BE49-F238E27FC236}">
-                <a16:creationId xmlns:a16="http://schemas.microsoft.com/office/drawing/2014/main" xmlns="" id="{5B941C21-2A5D-4912-AB06-1BB0C0EB6AE1}"/>
+                <a16:creationId xmlns:a16="http://schemas.microsoft.com/office/drawing/2014/main" id="{5B941C21-2A5D-4912-AB06-1BB0C0EB6AE1}"/>
               </a:ext>
             </a:extLst>
           </p:cNvPr>
@@ -3239,7 +3238,7 @@
           <a:p>
             <a:fld id="{545CEF3F-6F6A-4297-B757-FFB5D4A3AD64}" type="datetime1">
               <a:rPr lang="en-US" smtClean="0"/>
-              <a:t>7/7/2020</a:t>
+              <a:t>9/2/2020</a:t>
             </a:fld>
             <a:endParaRPr lang="en-US" dirty="0"/>
           </a:p>
@@ -3347,7 +3346,7 @@
           <p:cNvPr id="11" name="Rectangle 10">
             <a:extLst>
               <a:ext uri="{FF2B5EF4-FFF2-40B4-BE49-F238E27FC236}">
-                <a16:creationId xmlns:a16="http://schemas.microsoft.com/office/drawing/2014/main" xmlns="" id="{E687CA98-D9C7-497F-A1DA-7D22F8753BCE}"/>
+                <a16:creationId xmlns:a16="http://schemas.microsoft.com/office/drawing/2014/main" id="{E687CA98-D9C7-497F-A1DA-7D22F8753BCE}"/>
               </a:ext>
             </a:extLst>
           </p:cNvPr>
@@ -3499,7 +3498,7 @@
           <a:p>
             <a:fld id="{EE2F6E23-5248-4ECD-8C29-1FB95B395C86}" type="datetime1">
               <a:rPr lang="en-US" smtClean="0"/>
-              <a:t>7/7/2020</a:t>
+              <a:t>9/2/2020</a:t>
             </a:fld>
             <a:endParaRPr lang="en-US" dirty="0"/>
           </a:p>
@@ -3581,7 +3580,7 @@
           <p:cNvPr id="12" name="Rectangle 11">
             <a:extLst>
               <a:ext uri="{FF2B5EF4-FFF2-40B4-BE49-F238E27FC236}">
-                <a16:creationId xmlns:a16="http://schemas.microsoft.com/office/drawing/2014/main" xmlns="" id="{F8B3D8CC-BB13-41A5-8F34-B8E84A4F9534}"/>
+                <a16:creationId xmlns:a16="http://schemas.microsoft.com/office/drawing/2014/main" id="{F8B3D8CC-BB13-41A5-8F34-B8E84A4F9534}"/>
               </a:ext>
             </a:extLst>
           </p:cNvPr>
@@ -3783,7 +3782,7 @@
           <p:cNvPr id="9" name="Rectangle 8">
             <a:extLst>
               <a:ext uri="{FF2B5EF4-FFF2-40B4-BE49-F238E27FC236}">
-                <a16:creationId xmlns:a16="http://schemas.microsoft.com/office/drawing/2014/main" xmlns="" id="{1E94681D-2A4C-4A8D-B9B5-31D440D0328D}"/>
+                <a16:creationId xmlns:a16="http://schemas.microsoft.com/office/drawing/2014/main" id="{1E94681D-2A4C-4A8D-B9B5-31D440D0328D}"/>
               </a:ext>
             </a:extLst>
           </p:cNvPr>
@@ -4015,7 +4014,7 @@
           <a:p>
             <a:fld id="{5DE9F2A3-885D-46CC-9642-01CAAE4EB600}" type="datetime1">
               <a:rPr lang="en-US" smtClean="0"/>
-              <a:t>7/7/2020</a:t>
+              <a:t>9/2/2020</a:t>
             </a:fld>
             <a:endParaRPr lang="en-US" dirty="0"/>
           </a:p>
@@ -4495,7 +4494,7 @@
           <p:cNvPr id="6" name="Picture 5" descr="abstract image">
             <a:extLst>
               <a:ext uri="{FF2B5EF4-FFF2-40B4-BE49-F238E27FC236}">
-                <a16:creationId xmlns:a16="http://schemas.microsoft.com/office/drawing/2014/main" xmlns="" id="{8045422F-7258-40AC-BD2E-2469AA448922}"/>
+                <a16:creationId xmlns:a16="http://schemas.microsoft.com/office/drawing/2014/main" id="{8045422F-7258-40AC-BD2E-2469AA448922}"/>
               </a:ext>
             </a:extLst>
           </p:cNvPr>
@@ -4530,10 +4529,10 @@
           <p:cNvPr id="82" name="Rectangle 81">
             <a:extLst>
               <a:ext uri="{FF2B5EF4-FFF2-40B4-BE49-F238E27FC236}">
-                <a16:creationId xmlns:a16="http://schemas.microsoft.com/office/drawing/2014/main" xmlns="" id="{2644B391-9BFE-445C-A9EC-F544BB85FBC7}"/>
+                <a16:creationId xmlns:a16="http://schemas.microsoft.com/office/drawing/2014/main" id="{2644B391-9BFE-445C-A9EC-F544BB85FBC7}"/>
               </a:ext>
               <a:ext uri="{C183D7F6-B498-43B3-948B-1728B52AA6E4}">
-                <adec:decorative xmlns:adec="http://schemas.microsoft.com/office/drawing/2017/decorative" xmlns="" val="1"/>
+                <adec:decorative xmlns:adec="http://schemas.microsoft.com/office/drawing/2017/decorative" val="1"/>
               </a:ext>
             </a:extLst>
           </p:cNvPr>
@@ -4543,7 +4542,7 @@
           <p:nvPr>
             <p:extLst>
               <p:ext uri="{386F3935-93C4-4BCD-93E2-E3B085C9AB24}">
-                <p16:designElem xmlns:p16="http://schemas.microsoft.com/office/powerpoint/2015/main" xmlns="" val="1"/>
+                <p16:designElem xmlns:p16="http://schemas.microsoft.com/office/powerpoint/2015/main" val="1"/>
               </p:ext>
             </p:extLst>
           </p:nvPr>
@@ -4575,10 +4574,10 @@
           <p:cNvPr id="84" name="Rectangle 83">
             <a:extLst>
               <a:ext uri="{FF2B5EF4-FFF2-40B4-BE49-F238E27FC236}">
-                <a16:creationId xmlns:a16="http://schemas.microsoft.com/office/drawing/2014/main" xmlns="" id="{80F26E69-87D9-4655-AE7B-280A87AA3CAD}"/>
+                <a16:creationId xmlns:a16="http://schemas.microsoft.com/office/drawing/2014/main" id="{80F26E69-87D9-4655-AE7B-280A87AA3CAD}"/>
               </a:ext>
               <a:ext uri="{C183D7F6-B498-43B3-948B-1728B52AA6E4}">
-                <adec:decorative xmlns:adec="http://schemas.microsoft.com/office/drawing/2017/decorative" xmlns="" val="1"/>
+                <adec:decorative xmlns:adec="http://schemas.microsoft.com/office/drawing/2017/decorative" val="1"/>
               </a:ext>
             </a:extLst>
           </p:cNvPr>
@@ -4588,7 +4587,7 @@
           <p:nvPr>
             <p:extLst>
               <p:ext uri="{386F3935-93C4-4BCD-93E2-E3B085C9AB24}">
-                <p16:designElem xmlns:p16="http://schemas.microsoft.com/office/powerpoint/2015/main" xmlns="" val="1"/>
+                <p16:designElem xmlns:p16="http://schemas.microsoft.com/office/powerpoint/2015/main" val="1"/>
               </p:ext>
             </p:extLst>
           </p:nvPr>
@@ -4619,7 +4618,7 @@
           <p:cNvPr id="2" name="Title 1">
             <a:extLst>
               <a:ext uri="{FF2B5EF4-FFF2-40B4-BE49-F238E27FC236}">
-                <a16:creationId xmlns:a16="http://schemas.microsoft.com/office/drawing/2014/main" xmlns="" id="{18C3B467-088C-4F3D-A9A7-105C4E1E20CD}"/>
+                <a16:creationId xmlns:a16="http://schemas.microsoft.com/office/drawing/2014/main" id="{18C3B467-088C-4F3D-A9A7-105C4E1E20CD}"/>
               </a:ext>
             </a:extLst>
           </p:cNvPr>
@@ -4643,18 +4642,21 @@
           <a:lstStyle/>
           <a:p>
             <a:r>
-              <a:rPr lang="en-US" sz="4400" b="1" dirty="0" smtClean="0">
+              <a:rPr lang="en-US" sz="4400">
                 <a:solidFill>
                   <a:schemeClr val="tx1"/>
                 </a:solidFill>
               </a:rPr>
-              <a:t>Unit01 Intro to node.js Part I</a:t>
-            </a:r>
-            <a:endParaRPr lang="en-US" sz="4400" b="1" dirty="0">
-              <a:solidFill>
-                <a:schemeClr val="tx1"/>
-              </a:solidFill>
-            </a:endParaRPr>
+              <a:t>node</a:t>
+            </a:r>
+            <a:r>
+              <a:rPr lang="en-US" sz="4400" dirty="0">
+                <a:solidFill>
+                  <a:schemeClr val="tx1"/>
+                </a:solidFill>
+              </a:rPr>
+              <a:t>.js Part I</a:t>
+            </a:r>
           </a:p>
         </p:txBody>
       </p:sp>
@@ -4663,7 +4665,7 @@
           <p:cNvPr id="3" name="Subtitle 2">
             <a:extLst>
               <a:ext uri="{FF2B5EF4-FFF2-40B4-BE49-F238E27FC236}">
-                <a16:creationId xmlns:a16="http://schemas.microsoft.com/office/drawing/2014/main" xmlns="" id="{C8722DDC-8EEE-4A06-8DFE-B44871EAA2CF}"/>
+                <a16:creationId xmlns:a16="http://schemas.microsoft.com/office/drawing/2014/main" id="{C8722DDC-8EEE-4A06-8DFE-B44871EAA2CF}"/>
               </a:ext>
             </a:extLst>
           </p:cNvPr>
@@ -4712,13 +4714,6 @@
   <p:clrMapOvr>
     <a:overrideClrMapping bg1="dk1" tx1="lt1" bg2="dk2" tx2="lt2" accent1="accent1" accent2="accent2" accent3="accent3" accent4="accent4" accent5="accent5" accent6="accent6" hlink="hlink" folHlink="folHlink"/>
   </p:clrMapOvr>
-  <p:timing>
-    <p:tnLst>
-      <p:par>
-        <p:cTn id="1" dur="indefinite" restart="never" nodeType="tmRoot"/>
-      </p:par>
-    </p:tnLst>
-  </p:timing>
 </p:sld>
 </file>
 
@@ -4744,7 +4739,7 @@
           <p:cNvPr id="2" name="Title 1">
             <a:extLst>
               <a:ext uri="{FF2B5EF4-FFF2-40B4-BE49-F238E27FC236}">
-                <a16:creationId xmlns:a16="http://schemas.microsoft.com/office/drawing/2014/main" xmlns="" id="{BDFAC13C-59B1-436E-B58F-C304E1C705CF}"/>
+                <a16:creationId xmlns:a16="http://schemas.microsoft.com/office/drawing/2014/main" id="{BDFAC13C-59B1-436E-B58F-C304E1C705CF}"/>
               </a:ext>
             </a:extLst>
           </p:cNvPr>
@@ -4768,10 +4763,9 @@
           <a:lstStyle/>
           <a:p>
             <a:r>
-              <a:rPr lang="en-US" u="sng" dirty="0" smtClean="0"/>
+              <a:rPr lang="en-US" u="sng" dirty="0"/>
               <a:t>Node.js Simple Web Server</a:t>
             </a:r>
-            <a:endParaRPr lang="en-US" u="sng" dirty="0"/>
           </a:p>
         </p:txBody>
       </p:sp>
@@ -4780,7 +4774,7 @@
           <p:cNvPr id="3" name="Content Placeholder 2">
             <a:extLst>
               <a:ext uri="{FF2B5EF4-FFF2-40B4-BE49-F238E27FC236}">
-                <a16:creationId xmlns:a16="http://schemas.microsoft.com/office/drawing/2014/main" xmlns="" id="{844A3DC5-46BF-4BFF-8008-98FD467C4904}"/>
+                <a16:creationId xmlns:a16="http://schemas.microsoft.com/office/drawing/2014/main" id="{844A3DC5-46BF-4BFF-8008-98FD467C4904}"/>
               </a:ext>
             </a:extLst>
           </p:cNvPr>
@@ -4804,13 +4798,13 @@
           <a:lstStyle/>
           <a:p>
             <a:r>
-              <a:rPr lang="en-US" sz="1800" dirty="0" smtClean="0"/>
+              <a:rPr lang="en-US" sz="1800" dirty="0"/>
               <a:t>Save the main.js file</a:t>
             </a:r>
           </a:p>
           <a:p>
             <a:r>
-              <a:rPr lang="en-US" sz="1800" dirty="0" smtClean="0"/>
+              <a:rPr lang="en-US" sz="1800" dirty="0"/>
               <a:t>From the Git command line, enter in the following command and hit &lt;enter&gt;</a:t>
             </a:r>
           </a:p>
@@ -4822,13 +4816,7 @@
               <a:rPr lang="en-US" sz="1800" dirty="0">
                 <a:latin typeface="Consolas" panose="020B0609020204030204" pitchFamily="49" charset="0"/>
               </a:rPr>
-              <a:t>n</a:t>
-            </a:r>
-            <a:r>
-              <a:rPr lang="en-US" sz="1800" dirty="0" smtClean="0">
-                <a:latin typeface="Consolas" panose="020B0609020204030204" pitchFamily="49" charset="0"/>
-              </a:rPr>
-              <a:t>ode main.js</a:t>
+              <a:t>node main.js</a:t>
             </a:r>
           </a:p>
           <a:p>
@@ -4836,7 +4824,7 @@
               <a:buNone/>
             </a:pPr>
             <a:r>
-              <a:rPr lang="en-US" sz="1800" dirty="0" smtClean="0"/>
+              <a:rPr lang="en-US" sz="1800" dirty="0"/>
               <a:t>An associated screenshot of the terminal is shown on the next page, followed by a screenshot of the associated server up and running on the page after that</a:t>
             </a:r>
           </a:p>
@@ -4844,7 +4832,7 @@
             <a:pPr marL="169863" indent="0">
               <a:buNone/>
             </a:pPr>
-            <a:endParaRPr lang="en-US" sz="1800" dirty="0" smtClean="0"/>
+            <a:endParaRPr lang="en-US" sz="1800" dirty="0"/>
           </a:p>
           <a:p>
             <a:endParaRPr lang="en-US" sz="1800" dirty="0"/>
@@ -4884,13 +4872,6 @@
   <p:clrMapOvr>
     <a:masterClrMapping/>
   </p:clrMapOvr>
-  <p:timing>
-    <p:tnLst>
-      <p:par>
-        <p:cTn id="1" dur="indefinite" restart="never" nodeType="tmRoot"/>
-      </p:par>
-    </p:tnLst>
-  </p:timing>
 </p:sld>
 </file>
 
@@ -4916,7 +4897,7 @@
           <p:cNvPr id="2" name="Title 1">
             <a:extLst>
               <a:ext uri="{FF2B5EF4-FFF2-40B4-BE49-F238E27FC236}">
-                <a16:creationId xmlns:a16="http://schemas.microsoft.com/office/drawing/2014/main" xmlns="" id="{BDFAC13C-59B1-436E-B58F-C304E1C705CF}"/>
+                <a16:creationId xmlns:a16="http://schemas.microsoft.com/office/drawing/2014/main" id="{BDFAC13C-59B1-436E-B58F-C304E1C705CF}"/>
               </a:ext>
             </a:extLst>
           </p:cNvPr>
@@ -4940,10 +4921,9 @@
           <a:lstStyle/>
           <a:p>
             <a:r>
-              <a:rPr lang="en-US" u="sng" dirty="0" smtClean="0"/>
+              <a:rPr lang="en-US" u="sng" dirty="0"/>
               <a:t>Node.js Simple Web Server</a:t>
             </a:r>
-            <a:endParaRPr lang="en-US" u="sng" dirty="0"/>
           </a:p>
         </p:txBody>
       </p:sp>
@@ -4952,7 +4932,7 @@
           <p:cNvPr id="3" name="Content Placeholder 2">
             <a:extLst>
               <a:ext uri="{FF2B5EF4-FFF2-40B4-BE49-F238E27FC236}">
-                <a16:creationId xmlns:a16="http://schemas.microsoft.com/office/drawing/2014/main" xmlns="" id="{844A3DC5-46BF-4BFF-8008-98FD467C4904}"/>
+                <a16:creationId xmlns:a16="http://schemas.microsoft.com/office/drawing/2014/main" id="{844A3DC5-46BF-4BFF-8008-98FD467C4904}"/>
               </a:ext>
             </a:extLst>
           </p:cNvPr>
@@ -4978,7 +4958,7 @@
             <a:pPr marL="169863" indent="0">
               <a:buNone/>
             </a:pPr>
-            <a:endParaRPr lang="en-US" sz="1800" dirty="0" smtClean="0"/>
+            <a:endParaRPr lang="en-US" sz="1800" dirty="0"/>
           </a:p>
           <a:p>
             <a:endParaRPr lang="en-US" sz="1800" dirty="0"/>
@@ -5042,13 +5022,6 @@
   <p:clrMapOvr>
     <a:masterClrMapping/>
   </p:clrMapOvr>
-  <p:timing>
-    <p:tnLst>
-      <p:par>
-        <p:cTn id="1" dur="indefinite" restart="never" nodeType="tmRoot"/>
-      </p:par>
-    </p:tnLst>
-  </p:timing>
 </p:sld>
 </file>
 
@@ -5074,7 +5047,7 @@
           <p:cNvPr id="2" name="Title 1">
             <a:extLst>
               <a:ext uri="{FF2B5EF4-FFF2-40B4-BE49-F238E27FC236}">
-                <a16:creationId xmlns:a16="http://schemas.microsoft.com/office/drawing/2014/main" xmlns="" id="{BDFAC13C-59B1-436E-B58F-C304E1C705CF}"/>
+                <a16:creationId xmlns:a16="http://schemas.microsoft.com/office/drawing/2014/main" id="{BDFAC13C-59B1-436E-B58F-C304E1C705CF}"/>
               </a:ext>
             </a:extLst>
           </p:cNvPr>
@@ -5098,10 +5071,9 @@
           <a:lstStyle/>
           <a:p>
             <a:r>
-              <a:rPr lang="en-US" u="sng" dirty="0" smtClean="0"/>
+              <a:rPr lang="en-US" u="sng" dirty="0"/>
               <a:t>Node.js Simple Web Server</a:t>
             </a:r>
-            <a:endParaRPr lang="en-US" u="sng" dirty="0"/>
           </a:p>
         </p:txBody>
       </p:sp>
@@ -5110,7 +5082,7 @@
           <p:cNvPr id="3" name="Content Placeholder 2">
             <a:extLst>
               <a:ext uri="{FF2B5EF4-FFF2-40B4-BE49-F238E27FC236}">
-                <a16:creationId xmlns:a16="http://schemas.microsoft.com/office/drawing/2014/main" xmlns="" id="{844A3DC5-46BF-4BFF-8008-98FD467C4904}"/>
+                <a16:creationId xmlns:a16="http://schemas.microsoft.com/office/drawing/2014/main" id="{844A3DC5-46BF-4BFF-8008-98FD467C4904}"/>
               </a:ext>
             </a:extLst>
           </p:cNvPr>
@@ -5136,7 +5108,7 @@
             <a:pPr marL="169863" indent="0">
               <a:buNone/>
             </a:pPr>
-            <a:endParaRPr lang="en-US" sz="1800" dirty="0" smtClean="0"/>
+            <a:endParaRPr lang="en-US" sz="1800" dirty="0"/>
           </a:p>
           <a:p>
             <a:endParaRPr lang="en-US" sz="1800" dirty="0"/>
@@ -5200,13 +5172,6 @@
   <p:clrMapOvr>
     <a:masterClrMapping/>
   </p:clrMapOvr>
-  <p:timing>
-    <p:tnLst>
-      <p:par>
-        <p:cTn id="1" dur="indefinite" restart="never" nodeType="tmRoot"/>
-      </p:par>
-    </p:tnLst>
-  </p:timing>
 </p:sld>
 </file>
 
@@ -5232,7 +5197,7 @@
           <p:cNvPr id="2" name="Title 1">
             <a:extLst>
               <a:ext uri="{FF2B5EF4-FFF2-40B4-BE49-F238E27FC236}">
-                <a16:creationId xmlns:a16="http://schemas.microsoft.com/office/drawing/2014/main" xmlns="" id="{BDFAC13C-59B1-436E-B58F-C304E1C705CF}"/>
+                <a16:creationId xmlns:a16="http://schemas.microsoft.com/office/drawing/2014/main" id="{BDFAC13C-59B1-436E-B58F-C304E1C705CF}"/>
               </a:ext>
             </a:extLst>
           </p:cNvPr>
@@ -5256,14 +5221,14 @@
           <a:lstStyle/>
           <a:p>
             <a:r>
-              <a:rPr lang="en-US" u="sng" dirty="0" smtClean="0"/>
+              <a:rPr lang="en-US" u="sng" dirty="0"/>
               <a:t>Node.js Simple Web Server</a:t>
             </a:r>
             <a:br>
-              <a:rPr lang="en-US" u="sng" dirty="0" smtClean="0"/>
+              <a:rPr lang="en-US" u="sng" dirty="0"/>
             </a:br>
             <a:r>
-              <a:rPr lang="en-US" sz="2400" dirty="0" smtClean="0"/>
+              <a:rPr lang="en-US" sz="2400" dirty="0"/>
               <a:t>(each statement explained)</a:t>
             </a:r>
             <a:endParaRPr lang="en-US" u="sng" dirty="0"/>
@@ -5275,7 +5240,7 @@
           <p:cNvPr id="3" name="Content Placeholder 2">
             <a:extLst>
               <a:ext uri="{FF2B5EF4-FFF2-40B4-BE49-F238E27FC236}">
-                <a16:creationId xmlns:a16="http://schemas.microsoft.com/office/drawing/2014/main" xmlns="" id="{844A3DC5-46BF-4BFF-8008-98FD467C4904}"/>
+                <a16:creationId xmlns:a16="http://schemas.microsoft.com/office/drawing/2014/main" id="{844A3DC5-46BF-4BFF-8008-98FD467C4904}"/>
               </a:ext>
             </a:extLst>
           </p:cNvPr>
@@ -5311,30 +5276,13 @@
           <a:p>
             <a:r>
               <a:rPr lang="en-US" sz="1800" dirty="0"/>
-              <a:t>Node.js has a built-in module called HTTP, which allows Node.js to transfer data over the Hyper Text Transfer Protocol (HTTP</a:t>
-            </a:r>
-            <a:r>
-              <a:rPr lang="en-US" sz="1800" dirty="0" smtClean="0"/>
-              <a:t>).</a:t>
-            </a:r>
-            <a:endParaRPr lang="en-US" sz="1800" dirty="0"/>
+              <a:t>Node.js has a built-in module called HTTP, which allows Node.js to transfer data over the Hyper Text Transfer Protocol (HTTP).</a:t>
+            </a:r>
           </a:p>
           <a:p>
             <a:r>
               <a:rPr lang="en-US" sz="1800" dirty="0"/>
-              <a:t>To include the HTTP </a:t>
-            </a:r>
-            <a:r>
-              <a:rPr lang="en-US" sz="1800" dirty="0" smtClean="0"/>
-              <a:t>module (i.e. make it program available), the </a:t>
-            </a:r>
-            <a:r>
-              <a:rPr lang="en-US" sz="1800" dirty="0"/>
-              <a:t>require() </a:t>
-            </a:r>
-            <a:r>
-              <a:rPr lang="en-US" sz="1800" dirty="0" smtClean="0"/>
-              <a:t>method is used</a:t>
+              <a:t>To include the HTTP module (i.e. make it program available), the require() method is used</a:t>
             </a:r>
           </a:p>
           <a:p>
@@ -5370,7 +5318,7 @@
           <p:cNvPr id="6" name="Rectangle 5">
             <a:extLst>
               <a:ext uri="{FF2B5EF4-FFF2-40B4-BE49-F238E27FC236}">
-                <a16:creationId xmlns:a16="http://schemas.microsoft.com/office/drawing/2014/main" xmlns="" id="{0C71533A-4A29-47E2-A4D4-85E44356516A}"/>
+                <a16:creationId xmlns:a16="http://schemas.microsoft.com/office/drawing/2014/main" id="{0C71533A-4A29-47E2-A4D4-85E44356516A}"/>
               </a:ext>
             </a:extLst>
           </p:cNvPr>
@@ -5393,7 +5341,7 @@
           <a:lstStyle/>
           <a:p>
             <a:r>
-              <a:rPr lang="en-US" sz="1600" b="1" dirty="0" smtClean="0"/>
+              <a:rPr lang="en-US" sz="1600" b="1" dirty="0"/>
               <a:t>Source</a:t>
             </a:r>
           </a:p>
@@ -5422,13 +5370,6 @@
   <p:clrMapOvr>
     <a:masterClrMapping/>
   </p:clrMapOvr>
-  <p:timing>
-    <p:tnLst>
-      <p:par>
-        <p:cTn id="1" dur="indefinite" restart="never" nodeType="tmRoot"/>
-      </p:par>
-    </p:tnLst>
-  </p:timing>
 </p:sld>
 </file>
 
@@ -5454,7 +5395,7 @@
           <p:cNvPr id="2" name="Title 1">
             <a:extLst>
               <a:ext uri="{FF2B5EF4-FFF2-40B4-BE49-F238E27FC236}">
-                <a16:creationId xmlns:a16="http://schemas.microsoft.com/office/drawing/2014/main" xmlns="" id="{BDFAC13C-59B1-436E-B58F-C304E1C705CF}"/>
+                <a16:creationId xmlns:a16="http://schemas.microsoft.com/office/drawing/2014/main" id="{BDFAC13C-59B1-436E-B58F-C304E1C705CF}"/>
               </a:ext>
             </a:extLst>
           </p:cNvPr>
@@ -5478,23 +5419,15 @@
           <a:lstStyle/>
           <a:p>
             <a:r>
-              <a:rPr lang="en-US" u="sng" dirty="0" smtClean="0"/>
+              <a:rPr lang="en-US" u="sng" dirty="0"/>
               <a:t>Node.js Simple Web Server</a:t>
             </a:r>
             <a:br>
-              <a:rPr lang="en-US" u="sng" dirty="0" smtClean="0"/>
+              <a:rPr lang="en-US" u="sng" dirty="0"/>
             </a:br>
             <a:r>
-              <a:rPr lang="en-US" sz="2400" dirty="0" smtClean="0"/>
-              <a:t>(each </a:t>
-            </a:r>
-            <a:r>
               <a:rPr lang="en-US" sz="2400" dirty="0"/>
-              <a:t>statement</a:t>
-            </a:r>
-            <a:r>
-              <a:rPr lang="en-US" sz="2400" dirty="0" smtClean="0"/>
-              <a:t> explained)</a:t>
+              <a:t>(each statement explained)</a:t>
             </a:r>
             <a:endParaRPr lang="en-US" u="sng" dirty="0"/>
           </a:p>
@@ -5505,7 +5438,7 @@
           <p:cNvPr id="3" name="Content Placeholder 2">
             <a:extLst>
               <a:ext uri="{FF2B5EF4-FFF2-40B4-BE49-F238E27FC236}">
-                <a16:creationId xmlns:a16="http://schemas.microsoft.com/office/drawing/2014/main" xmlns="" id="{844A3DC5-46BF-4BFF-8008-98FD467C4904}"/>
+                <a16:creationId xmlns:a16="http://schemas.microsoft.com/office/drawing/2014/main" id="{844A3DC5-46BF-4BFF-8008-98FD467C4904}"/>
               </a:ext>
             </a:extLst>
           </p:cNvPr>
@@ -5541,47 +5474,14 @@
           <a:p>
             <a:r>
               <a:rPr lang="en-US" sz="1800" dirty="0"/>
-              <a:t>In many environments, you can set the environment variable PORT to tell </a:t>
-            </a:r>
-            <a:r>
-              <a:rPr lang="en-US" sz="1800" dirty="0" smtClean="0"/>
-              <a:t>the web </a:t>
-            </a:r>
+              <a:t>In many environments, you can set the environment variable PORT to tell the web server what port to listen on</a:t>
+            </a:r>
+          </a:p>
+          <a:p>
             <a:r>
               <a:rPr lang="en-US" sz="1800" dirty="0"/>
-              <a:t>server what port to listen on</a:t>
-            </a:r>
-          </a:p>
-          <a:p>
-            <a:r>
-              <a:rPr lang="en-US" sz="1800" dirty="0" smtClean="0"/>
-              <a:t>So, process.env.PORT </a:t>
-            </a:r>
-            <a:r>
-              <a:rPr lang="en-US" sz="1800" dirty="0"/>
-              <a:t>|| 3000 </a:t>
-            </a:r>
-            <a:r>
-              <a:rPr lang="en-US" sz="1800" dirty="0" smtClean="0"/>
-              <a:t>means set PORT to whatever </a:t>
-            </a:r>
-            <a:r>
-              <a:rPr lang="en-US" sz="1800" dirty="0"/>
-              <a:t>is in the environment variable PORT, or </a:t>
-            </a:r>
-            <a:r>
-              <a:rPr lang="en-US" sz="1800" dirty="0" smtClean="0"/>
-              <a:t>use port 3000 </a:t>
-            </a:r>
-            <a:r>
-              <a:rPr lang="en-US" sz="1800" dirty="0"/>
-              <a:t>if </a:t>
-            </a:r>
-            <a:r>
-              <a:rPr lang="en-US" sz="1800" dirty="0" smtClean="0"/>
-              <a:t>the environment variable has not been set</a:t>
-            </a:r>
-            <a:endParaRPr lang="en-US" sz="1800" dirty="0"/>
+              <a:t>So, process.env.PORT || 3000 means set PORT to whatever is in the environment variable PORT, or use port 3000 if the environment variable has not been set</a:t>
+            </a:r>
           </a:p>
         </p:txBody>
       </p:sp>
@@ -5613,7 +5513,7 @@
           <p:cNvPr id="6" name="Rectangle 5">
             <a:extLst>
               <a:ext uri="{FF2B5EF4-FFF2-40B4-BE49-F238E27FC236}">
-                <a16:creationId xmlns:a16="http://schemas.microsoft.com/office/drawing/2014/main" xmlns="" id="{0C71533A-4A29-47E2-A4D4-85E44356516A}"/>
+                <a16:creationId xmlns:a16="http://schemas.microsoft.com/office/drawing/2014/main" id="{0C71533A-4A29-47E2-A4D4-85E44356516A}"/>
               </a:ext>
             </a:extLst>
           </p:cNvPr>
@@ -5636,7 +5536,7 @@
           <a:lstStyle/>
           <a:p>
             <a:r>
-              <a:rPr lang="en-US" sz="1600" b="1" dirty="0" smtClean="0"/>
+              <a:rPr lang="en-US" sz="1600" b="1" dirty="0"/>
               <a:t>Source</a:t>
             </a:r>
           </a:p>
@@ -5665,13 +5565,6 @@
   <p:clrMapOvr>
     <a:masterClrMapping/>
   </p:clrMapOvr>
-  <p:timing>
-    <p:tnLst>
-      <p:par>
-        <p:cTn id="1" dur="indefinite" restart="never" nodeType="tmRoot"/>
-      </p:par>
-    </p:tnLst>
-  </p:timing>
 </p:sld>
 </file>
 
@@ -5697,7 +5590,7 @@
           <p:cNvPr id="2" name="Title 1">
             <a:extLst>
               <a:ext uri="{FF2B5EF4-FFF2-40B4-BE49-F238E27FC236}">
-                <a16:creationId xmlns:a16="http://schemas.microsoft.com/office/drawing/2014/main" xmlns="" id="{BDFAC13C-59B1-436E-B58F-C304E1C705CF}"/>
+                <a16:creationId xmlns:a16="http://schemas.microsoft.com/office/drawing/2014/main" id="{BDFAC13C-59B1-436E-B58F-C304E1C705CF}"/>
               </a:ext>
             </a:extLst>
           </p:cNvPr>
@@ -5721,23 +5614,15 @@
           <a:lstStyle/>
           <a:p>
             <a:r>
-              <a:rPr lang="en-US" u="sng" dirty="0" smtClean="0"/>
+              <a:rPr lang="en-US" u="sng" dirty="0"/>
               <a:t>Node.js Simple Web Server</a:t>
             </a:r>
             <a:br>
-              <a:rPr lang="en-US" u="sng" dirty="0" smtClean="0"/>
+              <a:rPr lang="en-US" u="sng" dirty="0"/>
             </a:br>
             <a:r>
-              <a:rPr lang="en-US" sz="2400" dirty="0" smtClean="0"/>
-              <a:t>(each </a:t>
-            </a:r>
-            <a:r>
               <a:rPr lang="en-US" sz="2400" dirty="0"/>
-              <a:t>statement</a:t>
-            </a:r>
-            <a:r>
-              <a:rPr lang="en-US" sz="2400" dirty="0" smtClean="0"/>
-              <a:t> explained)</a:t>
+              <a:t>(each statement explained)</a:t>
             </a:r>
             <a:endParaRPr lang="en-US" u="sng" dirty="0"/>
           </a:p>
@@ -5748,7 +5633,7 @@
           <p:cNvPr id="3" name="Content Placeholder 2">
             <a:extLst>
               <a:ext uri="{FF2B5EF4-FFF2-40B4-BE49-F238E27FC236}">
-                <a16:creationId xmlns:a16="http://schemas.microsoft.com/office/drawing/2014/main" xmlns="" id="{844A3DC5-46BF-4BFF-8008-98FD467C4904}"/>
+                <a16:creationId xmlns:a16="http://schemas.microsoft.com/office/drawing/2014/main" id="{844A3DC5-46BF-4BFF-8008-98FD467C4904}"/>
               </a:ext>
             </a:extLst>
           </p:cNvPr>
@@ -5808,7 +5693,7 @@
               <a:buNone/>
             </a:pPr>
             <a:r>
-              <a:rPr lang="en-US" sz="1800" dirty="0" smtClean="0">
+              <a:rPr lang="en-US" sz="1800" dirty="0">
                 <a:latin typeface="Consolas" panose="020B0609020204030204" pitchFamily="49" charset="0"/>
               </a:rPr>
               <a:t>});</a:t>
@@ -5816,10 +5701,9 @@
           </a:p>
           <a:p>
             <a:r>
-              <a:rPr lang="en-US" sz="1800" dirty="0" smtClean="0"/>
+              <a:rPr lang="en-US" sz="1800" dirty="0"/>
               <a:t>This code actually creates the server.  The server is told (via the writeHead) to return 200 (OK), expect plain text input, and output the text Hello World! </a:t>
             </a:r>
-            <a:endParaRPr lang="en-US" sz="1800" dirty="0"/>
           </a:p>
         </p:txBody>
       </p:sp>
@@ -5856,13 +5740,6 @@
   <p:clrMapOvr>
     <a:masterClrMapping/>
   </p:clrMapOvr>
-  <p:timing>
-    <p:tnLst>
-      <p:par>
-        <p:cTn id="1" dur="indefinite" restart="never" nodeType="tmRoot"/>
-      </p:par>
-    </p:tnLst>
-  </p:timing>
 </p:sld>
 </file>
 
@@ -5888,7 +5765,7 @@
           <p:cNvPr id="2" name="Title 1">
             <a:extLst>
               <a:ext uri="{FF2B5EF4-FFF2-40B4-BE49-F238E27FC236}">
-                <a16:creationId xmlns:a16="http://schemas.microsoft.com/office/drawing/2014/main" xmlns="" id="{BDFAC13C-59B1-436E-B58F-C304E1C705CF}"/>
+                <a16:creationId xmlns:a16="http://schemas.microsoft.com/office/drawing/2014/main" id="{BDFAC13C-59B1-436E-B58F-C304E1C705CF}"/>
               </a:ext>
             </a:extLst>
           </p:cNvPr>
@@ -5912,23 +5789,15 @@
           <a:lstStyle/>
           <a:p>
             <a:r>
-              <a:rPr lang="en-US" u="sng" dirty="0" smtClean="0"/>
+              <a:rPr lang="en-US" u="sng" dirty="0"/>
               <a:t>Node.js Simple Web Server</a:t>
             </a:r>
             <a:br>
-              <a:rPr lang="en-US" u="sng" dirty="0" smtClean="0"/>
+              <a:rPr lang="en-US" u="sng" dirty="0"/>
             </a:br>
             <a:r>
-              <a:rPr lang="en-US" sz="2400" dirty="0" smtClean="0"/>
-              <a:t>(each </a:t>
-            </a:r>
-            <a:r>
               <a:rPr lang="en-US" sz="2400" dirty="0"/>
-              <a:t>statement</a:t>
-            </a:r>
-            <a:r>
-              <a:rPr lang="en-US" sz="2400" dirty="0" smtClean="0"/>
-              <a:t> explained)</a:t>
+              <a:t>(each statement explained)</a:t>
             </a:r>
             <a:endParaRPr lang="en-US" u="sng" dirty="0"/>
           </a:p>
@@ -5939,7 +5808,7 @@
           <p:cNvPr id="3" name="Content Placeholder 2">
             <a:extLst>
               <a:ext uri="{FF2B5EF4-FFF2-40B4-BE49-F238E27FC236}">
-                <a16:creationId xmlns:a16="http://schemas.microsoft.com/office/drawing/2014/main" xmlns="" id="{844A3DC5-46BF-4BFF-8008-98FD467C4904}"/>
+                <a16:creationId xmlns:a16="http://schemas.microsoft.com/office/drawing/2014/main" id="{844A3DC5-46BF-4BFF-8008-98FD467C4904}"/>
               </a:ext>
             </a:extLst>
           </p:cNvPr>
@@ -5974,48 +5843,31 @@
           </a:p>
           <a:p>
             <a:r>
-              <a:rPr lang="en-US" sz="1800" dirty="0" smtClean="0"/>
+              <a:rPr lang="en-US" sz="1800" dirty="0"/>
               <a:t>This code will write the text App is up and running on the port number set by the </a:t>
             </a:r>
             <a:r>
-              <a:rPr lang="en-US" sz="1800" dirty="0" smtClean="0">
+              <a:rPr lang="en-US" sz="1800" dirty="0">
                 <a:latin typeface="Consolas" panose="020B0609020204030204" pitchFamily="49" charset="0"/>
               </a:rPr>
               <a:t>process.env.PORT </a:t>
             </a:r>
             <a:r>
-              <a:rPr lang="en-US" sz="1800" dirty="0" smtClean="0"/>
+              <a:rPr lang="en-US" sz="1800" dirty="0"/>
               <a:t>variable (if it has been set) or 3000 if it has not been set</a:t>
             </a:r>
           </a:p>
           <a:p>
             <a:r>
-              <a:rPr lang="en-US" sz="1800" dirty="0" smtClean="0"/>
-              <a:t>Note the use of `` in this line of code.  </a:t>
-            </a:r>
-            <a:r>
               <a:rPr lang="en-US" sz="1800" dirty="0"/>
-              <a:t>These represent </a:t>
-            </a:r>
-            <a:r>
-              <a:rPr lang="en-US" sz="1800" dirty="0" smtClean="0"/>
-              <a:t>Java ES6 template literals.  These literals </a:t>
-            </a:r>
+              <a:t>Note the use of `` in this line of code.  These represent Java ES6 template literals.  These literals contain placeholders, which are indicated by the dollar sign and curly braces ($(expression})</a:t>
+            </a:r>
+          </a:p>
+          <a:p>
             <a:r>
               <a:rPr lang="en-US" sz="1800" dirty="0"/>
-              <a:t>contain placeholders, which are indicated by the dollar sign and curly braces ($(expression</a:t>
-            </a:r>
-            <a:r>
-              <a:rPr lang="en-US" sz="1800" dirty="0" smtClean="0"/>
-              <a:t>})</a:t>
-            </a:r>
-          </a:p>
-          <a:p>
-            <a:r>
-              <a:rPr lang="en-US" sz="1800" dirty="0" smtClean="0"/>
               <a:t>When the program runs, this is replaced with the value of the variable</a:t>
             </a:r>
-            <a:endParaRPr lang="en-US" sz="1800" dirty="0"/>
           </a:p>
         </p:txBody>
       </p:sp>
@@ -6047,7 +5899,7 @@
           <p:cNvPr id="6" name="Rectangle 5">
             <a:extLst>
               <a:ext uri="{FF2B5EF4-FFF2-40B4-BE49-F238E27FC236}">
-                <a16:creationId xmlns:a16="http://schemas.microsoft.com/office/drawing/2014/main" xmlns="" id="{0C71533A-4A29-47E2-A4D4-85E44356516A}"/>
+                <a16:creationId xmlns:a16="http://schemas.microsoft.com/office/drawing/2014/main" id="{0C71533A-4A29-47E2-A4D4-85E44356516A}"/>
               </a:ext>
             </a:extLst>
           </p:cNvPr>
@@ -6070,7 +5922,7 @@
           <a:lstStyle/>
           <a:p>
             <a:r>
-              <a:rPr lang="en-US" sz="1600" b="1" dirty="0" smtClean="0"/>
+              <a:rPr lang="en-US" sz="1600" b="1" dirty="0"/>
               <a:t>Source</a:t>
             </a:r>
           </a:p>
@@ -6099,13 +5951,6 @@
   <p:clrMapOvr>
     <a:masterClrMapping/>
   </p:clrMapOvr>
-  <p:timing>
-    <p:tnLst>
-      <p:par>
-        <p:cTn id="1" dur="indefinite" restart="never" nodeType="tmRoot"/>
-      </p:par>
-    </p:tnLst>
-  </p:timing>
 </p:sld>
 </file>
 
@@ -6131,7 +5976,7 @@
           <p:cNvPr id="2" name="Title 1">
             <a:extLst>
               <a:ext uri="{FF2B5EF4-FFF2-40B4-BE49-F238E27FC236}">
-                <a16:creationId xmlns:a16="http://schemas.microsoft.com/office/drawing/2014/main" xmlns="" id="{BDFAC13C-59B1-436E-B58F-C304E1C705CF}"/>
+                <a16:creationId xmlns:a16="http://schemas.microsoft.com/office/drawing/2014/main" id="{BDFAC13C-59B1-436E-B58F-C304E1C705CF}"/>
               </a:ext>
             </a:extLst>
           </p:cNvPr>
@@ -6155,11 +6000,11 @@
           <a:lstStyle/>
           <a:p>
             <a:r>
-              <a:rPr lang="en-US" u="sng" dirty="0" smtClean="0"/>
+              <a:rPr lang="en-US" u="sng" dirty="0"/>
               <a:t>Asynchronous JavaScript</a:t>
             </a:r>
             <a:br>
-              <a:rPr lang="en-US" u="sng" dirty="0" smtClean="0"/>
+              <a:rPr lang="en-US" u="sng" dirty="0"/>
             </a:br>
             <a:endParaRPr lang="en-US" u="sng" dirty="0"/>
           </a:p>
@@ -6170,7 +6015,7 @@
           <p:cNvPr id="3" name="Content Placeholder 2">
             <a:extLst>
               <a:ext uri="{FF2B5EF4-FFF2-40B4-BE49-F238E27FC236}">
-                <a16:creationId xmlns:a16="http://schemas.microsoft.com/office/drawing/2014/main" xmlns="" id="{844A3DC5-46BF-4BFF-8008-98FD467C4904}"/>
+                <a16:creationId xmlns:a16="http://schemas.microsoft.com/office/drawing/2014/main" id="{844A3DC5-46BF-4BFF-8008-98FD467C4904}"/>
               </a:ext>
             </a:extLst>
           </p:cNvPr>
@@ -6195,26 +6040,14 @@
           <a:p>
             <a:r>
               <a:rPr lang="en-US" sz="1800" dirty="0"/>
-              <a:t>Normally, </a:t>
-            </a:r>
-            <a:r>
-              <a:rPr lang="en-US" sz="1800" dirty="0" smtClean="0"/>
-              <a:t>program </a:t>
+              <a:t>Normally, program code runs straight along, with only one thing happening at once. If a function relies on the result of another function, it has to wait for the other function to finish and return, and until that happens, the entire program is essentially stopped from the perspective of the user.  This is a.k.a. </a:t>
+            </a:r>
+            <a:r>
+              <a:rPr lang="en-US" sz="1800" i="1" dirty="0"/>
+              <a:t>synchronous</a:t>
             </a:r>
             <a:r>
               <a:rPr lang="en-US" sz="1800" dirty="0"/>
-              <a:t>code runs straight along, with only one thing happening at once. If a function relies on the result of another function, it has to wait for the other function to finish and return, and until that happens, the entire program is essentially stopped from the perspective of the </a:t>
-            </a:r>
-            <a:r>
-              <a:rPr lang="en-US" sz="1800" dirty="0" smtClean="0"/>
-              <a:t>user.  This is a.k.a. </a:t>
-            </a:r>
-            <a:r>
-              <a:rPr lang="en-US" sz="1800" i="1" dirty="0" smtClean="0"/>
-              <a:t>synchronous</a:t>
-            </a:r>
-            <a:r>
-              <a:rPr lang="en-US" sz="1800" dirty="0" smtClean="0"/>
               <a:t> programming</a:t>
             </a:r>
           </a:p>
@@ -6248,7 +6081,7 @@
           <p:cNvPr id="6" name="Rectangle 5">
             <a:extLst>
               <a:ext uri="{FF2B5EF4-FFF2-40B4-BE49-F238E27FC236}">
-                <a16:creationId xmlns:a16="http://schemas.microsoft.com/office/drawing/2014/main" xmlns="" id="{0C71533A-4A29-47E2-A4D4-85E44356516A}"/>
+                <a16:creationId xmlns:a16="http://schemas.microsoft.com/office/drawing/2014/main" id="{0C71533A-4A29-47E2-A4D4-85E44356516A}"/>
               </a:ext>
             </a:extLst>
           </p:cNvPr>
@@ -6271,7 +6104,7 @@
           <a:lstStyle/>
           <a:p>
             <a:r>
-              <a:rPr lang="en-US" sz="1600" b="1" dirty="0" smtClean="0"/>
+              <a:rPr lang="en-US" sz="1600" b="1" dirty="0"/>
               <a:t>Source</a:t>
             </a:r>
           </a:p>
@@ -6300,13 +6133,6 @@
   <p:clrMapOvr>
     <a:masterClrMapping/>
   </p:clrMapOvr>
-  <p:timing>
-    <p:tnLst>
-      <p:par>
-        <p:cTn id="1" dur="indefinite" restart="never" nodeType="tmRoot"/>
-      </p:par>
-    </p:tnLst>
-  </p:timing>
 </p:sld>
 </file>
 
@@ -6332,7 +6158,7 @@
           <p:cNvPr id="2" name="Title 1">
             <a:extLst>
               <a:ext uri="{FF2B5EF4-FFF2-40B4-BE49-F238E27FC236}">
-                <a16:creationId xmlns:a16="http://schemas.microsoft.com/office/drawing/2014/main" xmlns="" id="{BDFAC13C-59B1-436E-B58F-C304E1C705CF}"/>
+                <a16:creationId xmlns:a16="http://schemas.microsoft.com/office/drawing/2014/main" id="{BDFAC13C-59B1-436E-B58F-C304E1C705CF}"/>
               </a:ext>
             </a:extLst>
           </p:cNvPr>
@@ -6356,11 +6182,11 @@
           <a:lstStyle/>
           <a:p>
             <a:r>
-              <a:rPr lang="en-US" u="sng" dirty="0" smtClean="0"/>
+              <a:rPr lang="en-US" u="sng" dirty="0"/>
               <a:t>Asynchronous JavaScript</a:t>
             </a:r>
             <a:br>
-              <a:rPr lang="en-US" u="sng" dirty="0" smtClean="0"/>
+              <a:rPr lang="en-US" u="sng" dirty="0"/>
             </a:br>
             <a:endParaRPr lang="en-US" u="sng" dirty="0"/>
           </a:p>
@@ -6371,7 +6197,7 @@
           <p:cNvPr id="3" name="Content Placeholder 2">
             <a:extLst>
               <a:ext uri="{FF2B5EF4-FFF2-40B4-BE49-F238E27FC236}">
-                <a16:creationId xmlns:a16="http://schemas.microsoft.com/office/drawing/2014/main" xmlns="" id="{844A3DC5-46BF-4BFF-8008-98FD467C4904}"/>
+                <a16:creationId xmlns:a16="http://schemas.microsoft.com/office/drawing/2014/main" id="{844A3DC5-46BF-4BFF-8008-98FD467C4904}"/>
               </a:ext>
             </a:extLst>
           </p:cNvPr>
@@ -6396,63 +6222,18 @@
           <a:p>
             <a:r>
               <a:rPr lang="en-US" sz="1800" dirty="0"/>
-              <a:t>This is not a good use of computer processing </a:t>
-            </a:r>
-            <a:r>
-              <a:rPr lang="en-US" sz="1800" dirty="0" smtClean="0"/>
-              <a:t>power. </a:t>
-            </a:r>
+              <a:t>This is not a good use of computer processing power. There's no sense waiting for something when you could let another task begin and let you know when it's done. This lets you get other work done in the meantime, which is the basis of asynchronous programming</a:t>
+            </a:r>
+          </a:p>
+          <a:p>
             <a:r>
               <a:rPr lang="en-US" sz="1800" dirty="0"/>
-              <a:t>There's no sense </a:t>
-            </a:r>
-            <a:r>
-              <a:rPr lang="en-US" sz="1800" dirty="0" smtClean="0"/>
-              <a:t>waiting </a:t>
-            </a:r>
-            <a:r>
-              <a:rPr lang="en-US" sz="1800" dirty="0"/>
-              <a:t>for something when you could let </a:t>
-            </a:r>
-            <a:r>
-              <a:rPr lang="en-US" sz="1800" dirty="0" smtClean="0"/>
-              <a:t>another task begin and </a:t>
-            </a:r>
-            <a:r>
-              <a:rPr lang="en-US" sz="1800" dirty="0"/>
-              <a:t>let you know when it's done. This lets you get other work done in the meantime, which is the basis of asynchronous </a:t>
-            </a:r>
-            <a:r>
-              <a:rPr lang="en-US" sz="1800" dirty="0" smtClean="0"/>
-              <a:t>programming</a:t>
-            </a:r>
-          </a:p>
-          <a:p>
-            <a:r>
-              <a:rPr lang="en-US" sz="1800" dirty="0" smtClean="0"/>
-              <a:t>It </a:t>
-            </a:r>
-            <a:r>
-              <a:rPr lang="en-US" sz="1800" dirty="0"/>
-              <a:t>is up to the programming environment you are using (web browsers, in the case of web development) to provide </a:t>
-            </a:r>
-            <a:r>
-              <a:rPr lang="en-US" sz="1800" dirty="0" smtClean="0"/>
-              <a:t>APIs </a:t>
-            </a:r>
-            <a:r>
-              <a:rPr lang="en-US" sz="1800" dirty="0"/>
-              <a:t>that allow </a:t>
-            </a:r>
-            <a:r>
-              <a:rPr lang="en-US" sz="1800" dirty="0" smtClean="0"/>
-              <a:t>tasks to run </a:t>
+              <a:t>It is up to the programming environment you are using (web browsers, in the case of web development) to provide APIs that allow tasks to run </a:t>
             </a:r>
             <a:r>
               <a:rPr lang="en-US" sz="1800" i="1" dirty="0"/>
               <a:t>asynchronously</a:t>
             </a:r>
-            <a:endParaRPr lang="en-US" sz="1800" i="1" dirty="0" smtClean="0"/>
           </a:p>
         </p:txBody>
       </p:sp>
@@ -6484,7 +6265,7 @@
           <p:cNvPr id="6" name="Rectangle 5">
             <a:extLst>
               <a:ext uri="{FF2B5EF4-FFF2-40B4-BE49-F238E27FC236}">
-                <a16:creationId xmlns:a16="http://schemas.microsoft.com/office/drawing/2014/main" xmlns="" id="{0C71533A-4A29-47E2-A4D4-85E44356516A}"/>
+                <a16:creationId xmlns:a16="http://schemas.microsoft.com/office/drawing/2014/main" id="{0C71533A-4A29-47E2-A4D4-85E44356516A}"/>
               </a:ext>
             </a:extLst>
           </p:cNvPr>
@@ -6507,7 +6288,7 @@
           <a:lstStyle/>
           <a:p>
             <a:r>
-              <a:rPr lang="en-US" sz="1600" b="1" dirty="0" smtClean="0"/>
+              <a:rPr lang="en-US" sz="1600" b="1" dirty="0"/>
               <a:t>Source</a:t>
             </a:r>
           </a:p>
@@ -6536,13 +6317,6 @@
   <p:clrMapOvr>
     <a:masterClrMapping/>
   </p:clrMapOvr>
-  <p:timing>
-    <p:tnLst>
-      <p:par>
-        <p:cTn id="1" dur="indefinite" restart="never" nodeType="tmRoot"/>
-      </p:par>
-    </p:tnLst>
-  </p:timing>
 </p:sld>
 </file>
 
@@ -6568,7 +6342,7 @@
           <p:cNvPr id="2" name="Title 1">
             <a:extLst>
               <a:ext uri="{FF2B5EF4-FFF2-40B4-BE49-F238E27FC236}">
-                <a16:creationId xmlns:a16="http://schemas.microsoft.com/office/drawing/2014/main" xmlns="" id="{BDFAC13C-59B1-436E-B58F-C304E1C705CF}"/>
+                <a16:creationId xmlns:a16="http://schemas.microsoft.com/office/drawing/2014/main" id="{BDFAC13C-59B1-436E-B58F-C304E1C705CF}"/>
               </a:ext>
             </a:extLst>
           </p:cNvPr>
@@ -6592,11 +6366,11 @@
           <a:lstStyle/>
           <a:p>
             <a:r>
-              <a:rPr lang="en-US" u="sng" dirty="0" smtClean="0"/>
+              <a:rPr lang="en-US" u="sng" dirty="0"/>
               <a:t>Asynchronous JavaScript</a:t>
             </a:r>
             <a:br>
-              <a:rPr lang="en-US" u="sng" dirty="0" smtClean="0"/>
+              <a:rPr lang="en-US" u="sng" dirty="0"/>
             </a:br>
             <a:endParaRPr lang="en-US" u="sng" dirty="0"/>
           </a:p>
@@ -6607,7 +6381,7 @@
           <p:cNvPr id="3" name="Content Placeholder 2">
             <a:extLst>
               <a:ext uri="{FF2B5EF4-FFF2-40B4-BE49-F238E27FC236}">
-                <a16:creationId xmlns:a16="http://schemas.microsoft.com/office/drawing/2014/main" xmlns="" id="{844A3DC5-46BF-4BFF-8008-98FD467C4904}"/>
+                <a16:creationId xmlns:a16="http://schemas.microsoft.com/office/drawing/2014/main" id="{844A3DC5-46BF-4BFF-8008-98FD467C4904}"/>
               </a:ext>
             </a:extLst>
           </p:cNvPr>
@@ -6631,7 +6405,7 @@
           <a:lstStyle/>
           <a:p>
             <a:r>
-              <a:rPr lang="en-US" sz="1800" dirty="0" smtClean="0"/>
+              <a:rPr lang="en-US" sz="1800" dirty="0"/>
               <a:t>JavaScript provides three ways to program asynchronously:</a:t>
             </a:r>
           </a:p>
@@ -6640,42 +6414,42 @@
               <a:buNone/>
             </a:pPr>
             <a:r>
-              <a:rPr lang="en-US" sz="1800" dirty="0" smtClean="0"/>
+              <a:rPr lang="en-US" sz="1800" dirty="0"/>
               <a:t>Asynchronous JavaScript programming via the use of </a:t>
             </a:r>
             <a:r>
-              <a:rPr lang="en-US" sz="1800" i="1" dirty="0" smtClean="0"/>
+              <a:rPr lang="en-US" sz="1800" i="1" dirty="0"/>
               <a:t>callbacks</a:t>
             </a:r>
-            <a:endParaRPr lang="en-US" sz="1800" dirty="0" smtClean="0"/>
+            <a:endParaRPr lang="en-US" sz="1800" dirty="0"/>
           </a:p>
           <a:p>
             <a:pPr marL="169863" indent="0">
               <a:buNone/>
             </a:pPr>
             <a:r>
-              <a:rPr lang="en-US" sz="1800" dirty="0" smtClean="0"/>
+              <a:rPr lang="en-US" sz="1800" dirty="0"/>
               <a:t>Asynchronous JavaScript programming via the use of </a:t>
             </a:r>
             <a:r>
-              <a:rPr lang="en-US" sz="1800" i="1" dirty="0" smtClean="0"/>
+              <a:rPr lang="en-US" sz="1800" i="1" dirty="0"/>
               <a:t>promises</a:t>
             </a:r>
-            <a:endParaRPr lang="en-US" sz="1800" dirty="0" smtClean="0"/>
+            <a:endParaRPr lang="en-US" sz="1800" dirty="0"/>
           </a:p>
           <a:p>
             <a:pPr marL="169863" indent="0">
               <a:buNone/>
             </a:pPr>
             <a:r>
-              <a:rPr lang="en-US" sz="1800" dirty="0" smtClean="0"/>
+              <a:rPr lang="en-US" sz="1800" dirty="0"/>
               <a:t>Asynchronous JavaScript programming via the use of </a:t>
             </a:r>
             <a:r>
-              <a:rPr lang="en-US" sz="1800" i="1" dirty="0" smtClean="0"/>
+              <a:rPr lang="en-US" sz="1800" i="1" dirty="0"/>
               <a:t>async-await</a:t>
             </a:r>
-            <a:endParaRPr lang="en-US" sz="1800" dirty="0" smtClean="0"/>
+            <a:endParaRPr lang="en-US" sz="1800" dirty="0"/>
           </a:p>
         </p:txBody>
       </p:sp>
@@ -6712,13 +6486,6 @@
   <p:clrMapOvr>
     <a:masterClrMapping/>
   </p:clrMapOvr>
-  <p:timing>
-    <p:tnLst>
-      <p:par>
-        <p:cTn id="1" dur="indefinite" restart="never" nodeType="tmRoot"/>
-      </p:par>
-    </p:tnLst>
-  </p:timing>
 </p:sld>
 </file>
 
@@ -6744,7 +6511,7 @@
           <p:cNvPr id="2" name="Title 1">
             <a:extLst>
               <a:ext uri="{FF2B5EF4-FFF2-40B4-BE49-F238E27FC236}">
-                <a16:creationId xmlns:a16="http://schemas.microsoft.com/office/drawing/2014/main" xmlns="" id="{BDFAC13C-59B1-436E-B58F-C304E1C705CF}"/>
+                <a16:creationId xmlns:a16="http://schemas.microsoft.com/office/drawing/2014/main" id="{BDFAC13C-59B1-436E-B58F-C304E1C705CF}"/>
               </a:ext>
             </a:extLst>
           </p:cNvPr>
@@ -6768,10 +6535,9 @@
           <a:lstStyle/>
           <a:p>
             <a:r>
-              <a:rPr lang="en-US" u="sng" dirty="0" smtClean="0"/>
+              <a:rPr lang="en-US" u="sng" dirty="0"/>
               <a:t>Objectives</a:t>
             </a:r>
-            <a:endParaRPr lang="en-US" u="sng" dirty="0"/>
           </a:p>
         </p:txBody>
       </p:sp>
@@ -6780,7 +6546,7 @@
           <p:cNvPr id="3" name="Content Placeholder 2">
             <a:extLst>
               <a:ext uri="{FF2B5EF4-FFF2-40B4-BE49-F238E27FC236}">
-                <a16:creationId xmlns:a16="http://schemas.microsoft.com/office/drawing/2014/main" xmlns="" id="{844A3DC5-46BF-4BFF-8008-98FD467C4904}"/>
+                <a16:creationId xmlns:a16="http://schemas.microsoft.com/office/drawing/2014/main" id="{844A3DC5-46BF-4BFF-8008-98FD467C4904}"/>
               </a:ext>
             </a:extLst>
           </p:cNvPr>
@@ -6804,28 +6570,27 @@
           <a:lstStyle/>
           <a:p>
             <a:r>
-              <a:rPr lang="en-US" sz="1800" dirty="0" smtClean="0"/>
+              <a:rPr lang="en-US" sz="1800" dirty="0"/>
               <a:t>Go through installation instructions for Node.js</a:t>
             </a:r>
           </a:p>
           <a:p>
             <a:r>
-              <a:rPr lang="en-US" sz="1800" dirty="0" smtClean="0"/>
+              <a:rPr lang="en-US" sz="1800" dirty="0"/>
               <a:t>Build and run a simple Node.js application</a:t>
             </a:r>
           </a:p>
           <a:p>
             <a:r>
-              <a:rPr lang="en-US" sz="1800" dirty="0" smtClean="0"/>
+              <a:rPr lang="en-US" sz="1800" dirty="0"/>
               <a:t>Build and run a simple Node.js web server</a:t>
             </a:r>
           </a:p>
           <a:p>
             <a:r>
-              <a:rPr lang="en-US" sz="1800" dirty="0" smtClean="0"/>
+              <a:rPr lang="en-US" sz="1800" dirty="0"/>
               <a:t>Understand basic JavaScript asynchronous methods</a:t>
             </a:r>
-            <a:endParaRPr lang="en-US" sz="1800" dirty="0"/>
           </a:p>
         </p:txBody>
       </p:sp>
@@ -6834,7 +6599,7 @@
           <p:cNvPr id="4" name="Rectangle 3">
             <a:extLst>
               <a:ext uri="{FF2B5EF4-FFF2-40B4-BE49-F238E27FC236}">
-                <a16:creationId xmlns:a16="http://schemas.microsoft.com/office/drawing/2014/main" xmlns="" id="{0C71533A-4A29-47E2-A4D4-85E44356516A}"/>
+                <a16:creationId xmlns:a16="http://schemas.microsoft.com/office/drawing/2014/main" id="{0C71533A-4A29-47E2-A4D4-85E44356516A}"/>
               </a:ext>
             </a:extLst>
           </p:cNvPr>
@@ -6909,13 +6674,6 @@
   <p:clrMapOvr>
     <a:masterClrMapping/>
   </p:clrMapOvr>
-  <p:timing>
-    <p:tnLst>
-      <p:par>
-        <p:cTn id="1" dur="indefinite" restart="never" nodeType="tmRoot"/>
-      </p:par>
-    </p:tnLst>
-  </p:timing>
 </p:sld>
 </file>
 
@@ -6941,7 +6699,7 @@
           <p:cNvPr id="2" name="Title 1">
             <a:extLst>
               <a:ext uri="{FF2B5EF4-FFF2-40B4-BE49-F238E27FC236}">
-                <a16:creationId xmlns:a16="http://schemas.microsoft.com/office/drawing/2014/main" xmlns="" id="{BDFAC13C-59B1-436E-B58F-C304E1C705CF}"/>
+                <a16:creationId xmlns:a16="http://schemas.microsoft.com/office/drawing/2014/main" id="{BDFAC13C-59B1-436E-B58F-C304E1C705CF}"/>
               </a:ext>
             </a:extLst>
           </p:cNvPr>
@@ -6965,14 +6723,9 @@
           <a:lstStyle/>
           <a:p>
             <a:r>
-              <a:rPr lang="en-US" u="sng" dirty="0" smtClean="0"/>
-              <a:t>Asynchronous JS Via </a:t>
-            </a:r>
-            <a:r>
-              <a:rPr lang="en-US" u="sng" dirty="0" smtClean="0"/>
-              <a:t>callbacks</a:t>
-            </a:r>
-            <a:endParaRPr lang="en-US" u="sng" dirty="0"/>
+              <a:rPr lang="en-US" u="sng" dirty="0"/>
+              <a:t>Asynchronous JS Via callbacks</a:t>
+            </a:r>
           </a:p>
         </p:txBody>
       </p:sp>
@@ -6981,7 +6734,7 @@
           <p:cNvPr id="3" name="Content Placeholder 2">
             <a:extLst>
               <a:ext uri="{FF2B5EF4-FFF2-40B4-BE49-F238E27FC236}">
-                <a16:creationId xmlns:a16="http://schemas.microsoft.com/office/drawing/2014/main" xmlns="" id="{844A3DC5-46BF-4BFF-8008-98FD467C4904}"/>
+                <a16:creationId xmlns:a16="http://schemas.microsoft.com/office/drawing/2014/main" id="{844A3DC5-46BF-4BFF-8008-98FD467C4904}"/>
               </a:ext>
             </a:extLst>
           </p:cNvPr>
@@ -7006,16 +6759,12 @@
           <a:p>
             <a:r>
               <a:rPr lang="en-US" sz="1800" dirty="0"/>
-              <a:t>Callbacks are simple functions which are used to notify the calling instance when an asynchronous code block has been executed and the result is </a:t>
-            </a:r>
-            <a:r>
-              <a:rPr lang="en-US" sz="1800" dirty="0" smtClean="0"/>
-              <a:t>available</a:t>
-            </a:r>
-          </a:p>
-          <a:p>
-            <a:r>
-              <a:rPr lang="en-US" sz="1800" dirty="0" smtClean="0"/>
+              <a:t>Callbacks are simple functions which are used to notify the calling instance when an asynchronous code block has been executed and the result is available</a:t>
+            </a:r>
+          </a:p>
+          <a:p>
+            <a:r>
+              <a:rPr lang="en-US" sz="1800" dirty="0"/>
               <a:t>Shown on the following page is a simple code example that uses a callback</a:t>
             </a:r>
           </a:p>
@@ -7049,7 +6798,7 @@
           <p:cNvPr id="6" name="Rectangle 5">
             <a:extLst>
               <a:ext uri="{FF2B5EF4-FFF2-40B4-BE49-F238E27FC236}">
-                <a16:creationId xmlns:a16="http://schemas.microsoft.com/office/drawing/2014/main" xmlns="" id="{0C71533A-4A29-47E2-A4D4-85E44356516A}"/>
+                <a16:creationId xmlns:a16="http://schemas.microsoft.com/office/drawing/2014/main" id="{0C71533A-4A29-47E2-A4D4-85E44356516A}"/>
               </a:ext>
             </a:extLst>
           </p:cNvPr>
@@ -7072,7 +6821,7 @@
           <a:lstStyle/>
           <a:p>
             <a:r>
-              <a:rPr lang="en-US" sz="1600" b="1" dirty="0" smtClean="0"/>
+              <a:rPr lang="en-US" sz="1600" b="1" dirty="0"/>
               <a:t>Source</a:t>
             </a:r>
           </a:p>
@@ -7101,13 +6850,6 @@
   <p:clrMapOvr>
     <a:masterClrMapping/>
   </p:clrMapOvr>
-  <p:timing>
-    <p:tnLst>
-      <p:par>
-        <p:cTn id="1" dur="indefinite" restart="never" nodeType="tmRoot"/>
-      </p:par>
-    </p:tnLst>
-  </p:timing>
 </p:sld>
 </file>
 
@@ -7133,7 +6875,7 @@
           <p:cNvPr id="2" name="Title 1">
             <a:extLst>
               <a:ext uri="{FF2B5EF4-FFF2-40B4-BE49-F238E27FC236}">
-                <a16:creationId xmlns:a16="http://schemas.microsoft.com/office/drawing/2014/main" xmlns="" id="{BDFAC13C-59B1-436E-B58F-C304E1C705CF}"/>
+                <a16:creationId xmlns:a16="http://schemas.microsoft.com/office/drawing/2014/main" id="{BDFAC13C-59B1-436E-B58F-C304E1C705CF}"/>
               </a:ext>
             </a:extLst>
           </p:cNvPr>
@@ -7157,14 +6899,9 @@
           <a:lstStyle/>
           <a:p>
             <a:r>
-              <a:rPr lang="en-US" u="sng" dirty="0" smtClean="0"/>
-              <a:t>Asynchronous JS Via </a:t>
-            </a:r>
-            <a:r>
-              <a:rPr lang="en-US" u="sng" dirty="0" smtClean="0"/>
-              <a:t>callbacks</a:t>
-            </a:r>
-            <a:endParaRPr lang="en-US" u="sng" dirty="0"/>
+              <a:rPr lang="en-US" u="sng" dirty="0"/>
+              <a:t>Asynchronous JS Via callbacks</a:t>
+            </a:r>
           </a:p>
         </p:txBody>
       </p:sp>
@@ -7173,7 +6910,7 @@
           <p:cNvPr id="3" name="Content Placeholder 2">
             <a:extLst>
               <a:ext uri="{FF2B5EF4-FFF2-40B4-BE49-F238E27FC236}">
-                <a16:creationId xmlns:a16="http://schemas.microsoft.com/office/drawing/2014/main" xmlns="" id="{844A3DC5-46BF-4BFF-8008-98FD467C4904}"/>
+                <a16:creationId xmlns:a16="http://schemas.microsoft.com/office/drawing/2014/main" id="{844A3DC5-46BF-4BFF-8008-98FD467C4904}"/>
               </a:ext>
             </a:extLst>
           </p:cNvPr>
@@ -7255,16 +6992,10 @@
               <a:buNone/>
             </a:pPr>
             <a:r>
-              <a:rPr lang="en-US" sz="1000" dirty="0" smtClean="0">
-                <a:latin typeface="Consolas" panose="020B0609020204030204" pitchFamily="49" charset="0"/>
-              </a:rPr>
-              <a:t>getTodo(todo </a:t>
-            </a:r>
-            <a:r>
               <a:rPr lang="en-US" sz="1000" dirty="0">
                 <a:latin typeface="Consolas" panose="020B0609020204030204" pitchFamily="49" charset="0"/>
               </a:rPr>
-              <a:t>=&gt; {</a:t>
+              <a:t>getTodo(todo =&gt; {</a:t>
             </a:r>
           </a:p>
           <a:p>
@@ -7288,9 +7019,6 @@
               </a:rPr>
               <a:t>})</a:t>
             </a:r>
-            <a:endParaRPr lang="en-US" sz="1000" dirty="0" smtClean="0">
-              <a:latin typeface="Consolas" panose="020B0609020204030204" pitchFamily="49" charset="0"/>
-            </a:endParaRPr>
           </a:p>
         </p:txBody>
       </p:sp>
@@ -7327,13 +7055,6 @@
   <p:clrMapOvr>
     <a:masterClrMapping/>
   </p:clrMapOvr>
-  <p:timing>
-    <p:tnLst>
-      <p:par>
-        <p:cTn id="1" dur="indefinite" restart="never" nodeType="tmRoot"/>
-      </p:par>
-    </p:tnLst>
-  </p:timing>
 </p:sld>
 </file>
 
@@ -7359,7 +7080,7 @@
           <p:cNvPr id="2" name="Title 1">
             <a:extLst>
               <a:ext uri="{FF2B5EF4-FFF2-40B4-BE49-F238E27FC236}">
-                <a16:creationId xmlns:a16="http://schemas.microsoft.com/office/drawing/2014/main" xmlns="" id="{BDFAC13C-59B1-436E-B58F-C304E1C705CF}"/>
+                <a16:creationId xmlns:a16="http://schemas.microsoft.com/office/drawing/2014/main" id="{BDFAC13C-59B1-436E-B58F-C304E1C705CF}"/>
               </a:ext>
             </a:extLst>
           </p:cNvPr>
@@ -7383,14 +7104,9 @@
           <a:lstStyle/>
           <a:p>
             <a:r>
-              <a:rPr lang="en-US" u="sng" dirty="0" smtClean="0"/>
-              <a:t>Asynchronous JS Via </a:t>
-            </a:r>
-            <a:r>
-              <a:rPr lang="en-US" u="sng" dirty="0" smtClean="0"/>
-              <a:t>callbacks</a:t>
-            </a:r>
-            <a:endParaRPr lang="en-US" u="sng" dirty="0"/>
+              <a:rPr lang="en-US" u="sng" dirty="0"/>
+              <a:t>Asynchronous JS Via callbacks</a:t>
+            </a:r>
           </a:p>
         </p:txBody>
       </p:sp>
@@ -7399,7 +7115,7 @@
           <p:cNvPr id="3" name="Content Placeholder 2">
             <a:extLst>
               <a:ext uri="{FF2B5EF4-FFF2-40B4-BE49-F238E27FC236}">
-                <a16:creationId xmlns:a16="http://schemas.microsoft.com/office/drawing/2014/main" xmlns="" id="{844A3DC5-46BF-4BFF-8008-98FD467C4904}"/>
+                <a16:creationId xmlns:a16="http://schemas.microsoft.com/office/drawing/2014/main" id="{844A3DC5-46BF-4BFF-8008-98FD467C4904}"/>
               </a:ext>
             </a:extLst>
           </p:cNvPr>
@@ -7424,19 +7140,7 @@
           <a:p>
             <a:r>
               <a:rPr lang="en-US" sz="1800" dirty="0"/>
-              <a:t>The getTodo function is defined so that it takes a callback function as a parameter. Inside getTodo the getTimeout function is used to delay the execution of code for 2000 milliseconds (2 seconds). Instead of just returning the object now the callback function is run. As an argument </a:t>
-            </a:r>
-            <a:r>
-              <a:rPr lang="en-US" sz="1800" dirty="0" smtClean="0"/>
-              <a:t>the </a:t>
-            </a:r>
-            <a:r>
-              <a:rPr lang="en-US" sz="1800" dirty="0"/>
-              <a:t>object which should be </a:t>
-            </a:r>
-            <a:r>
-              <a:rPr lang="en-US" sz="1800" dirty="0" smtClean="0"/>
-              <a:t>returned is passed in</a:t>
+              <a:t>The getTodo function is defined so that it takes a callback function as a parameter. Inside getTodo the getTimeout function is used to delay the execution of code for 2000 milliseconds (2 seconds). Instead of just returning the object now the callback function is run. As an argument the object which should be returned is passed in</a:t>
             </a:r>
           </a:p>
         </p:txBody>
@@ -7474,13 +7178,6 @@
   <p:clrMapOvr>
     <a:masterClrMapping/>
   </p:clrMapOvr>
-  <p:timing>
-    <p:tnLst>
-      <p:par>
-        <p:cTn id="1" dur="indefinite" restart="never" nodeType="tmRoot"/>
-      </p:par>
-    </p:tnLst>
-  </p:timing>
 </p:sld>
 </file>
 
@@ -7506,7 +7203,7 @@
           <p:cNvPr id="2" name="Title 1">
             <a:extLst>
               <a:ext uri="{FF2B5EF4-FFF2-40B4-BE49-F238E27FC236}">
-                <a16:creationId xmlns:a16="http://schemas.microsoft.com/office/drawing/2014/main" xmlns="" id="{BDFAC13C-59B1-436E-B58F-C304E1C705CF}"/>
+                <a16:creationId xmlns:a16="http://schemas.microsoft.com/office/drawing/2014/main" id="{BDFAC13C-59B1-436E-B58F-C304E1C705CF}"/>
               </a:ext>
             </a:extLst>
           </p:cNvPr>
@@ -7530,14 +7227,9 @@
           <a:lstStyle/>
           <a:p>
             <a:r>
-              <a:rPr lang="en-US" u="sng" dirty="0" smtClean="0"/>
-              <a:t>Asynchronous JS Via </a:t>
-            </a:r>
-            <a:r>
-              <a:rPr lang="en-US" u="sng" dirty="0" smtClean="0"/>
-              <a:t>callbacks</a:t>
-            </a:r>
-            <a:endParaRPr lang="en-US" u="sng" dirty="0"/>
+              <a:rPr lang="en-US" u="sng" dirty="0"/>
+              <a:t>Asynchronous JS Via callbacks</a:t>
+            </a:r>
           </a:p>
         </p:txBody>
       </p:sp>
@@ -7546,7 +7238,7 @@
           <p:cNvPr id="3" name="Content Placeholder 2">
             <a:extLst>
               <a:ext uri="{FF2B5EF4-FFF2-40B4-BE49-F238E27FC236}">
-                <a16:creationId xmlns:a16="http://schemas.microsoft.com/office/drawing/2014/main" xmlns="" id="{844A3DC5-46BF-4BFF-8008-98FD467C4904}"/>
+                <a16:creationId xmlns:a16="http://schemas.microsoft.com/office/drawing/2014/main" id="{844A3DC5-46BF-4BFF-8008-98FD467C4904}"/>
               </a:ext>
             </a:extLst>
           </p:cNvPr>
@@ -7571,41 +7263,8 @@
           <a:p>
             <a:r>
               <a:rPr lang="en-US" sz="1800" dirty="0"/>
-              <a:t>When calling getTodo </a:t>
-            </a:r>
-            <a:r>
-              <a:rPr lang="en-US" sz="1800" dirty="0" smtClean="0"/>
-              <a:t>you must make </a:t>
-            </a:r>
-            <a:r>
-              <a:rPr lang="en-US" sz="1800" dirty="0"/>
-              <a:t>sure to pass in a callback function as a parameter. In the example </a:t>
-            </a:r>
-            <a:r>
-              <a:rPr lang="en-US" sz="1800" dirty="0" smtClean="0"/>
-              <a:t>this is being done using </a:t>
-            </a:r>
-            <a:r>
-              <a:rPr lang="en-US" sz="1800" dirty="0"/>
-              <a:t>the fat arrow syntax </a:t>
-            </a:r>
-            <a:r>
-              <a:rPr lang="en-US" sz="1800" dirty="0" smtClean="0"/>
-              <a:t>(=&gt;) to </a:t>
-            </a:r>
-            <a:r>
-              <a:rPr lang="en-US" sz="1800" dirty="0"/>
-              <a:t>define an anonymous function. Inside that functions </a:t>
-            </a:r>
-            <a:r>
-              <a:rPr lang="en-US" sz="1800" dirty="0" smtClean="0"/>
-              <a:t>the todo.text is output. </a:t>
-            </a:r>
-            <a:r>
-              <a:rPr lang="en-US" sz="1800" dirty="0"/>
-              <a:t>This function is invoked from inside of getTodo when the 2000 millisecond delay is passed</a:t>
-            </a:r>
-            <a:endParaRPr lang="en-US" sz="1800" dirty="0" smtClean="0"/>
+              <a:t>When calling getTodo you must make sure to pass in a callback function as a parameter. In the example this is being done using the fat arrow syntax (=&gt;) to define an anonymous function. Inside that functions the todo.text is output. This function is invoked from inside of getTodo when the 2000 millisecond delay is passed</a:t>
+            </a:r>
           </a:p>
         </p:txBody>
       </p:sp>
@@ -7642,13 +7301,6 @@
   <p:clrMapOvr>
     <a:masterClrMapping/>
   </p:clrMapOvr>
-  <p:timing>
-    <p:tnLst>
-      <p:par>
-        <p:cTn id="1" dur="indefinite" restart="never" nodeType="tmRoot"/>
-      </p:par>
-    </p:tnLst>
-  </p:timing>
 </p:sld>
 </file>
 
@@ -7674,7 +7326,7 @@
           <p:cNvPr id="2" name="Title 1">
             <a:extLst>
               <a:ext uri="{FF2B5EF4-FFF2-40B4-BE49-F238E27FC236}">
-                <a16:creationId xmlns:a16="http://schemas.microsoft.com/office/drawing/2014/main" xmlns="" id="{BDFAC13C-59B1-436E-B58F-C304E1C705CF}"/>
+                <a16:creationId xmlns:a16="http://schemas.microsoft.com/office/drawing/2014/main" id="{BDFAC13C-59B1-436E-B58F-C304E1C705CF}"/>
               </a:ext>
             </a:extLst>
           </p:cNvPr>
@@ -7698,14 +7350,9 @@
           <a:lstStyle/>
           <a:p>
             <a:r>
-              <a:rPr lang="en-US" u="sng" dirty="0" smtClean="0"/>
-              <a:t>Asynchronous JS Via </a:t>
-            </a:r>
-            <a:r>
-              <a:rPr lang="en-US" u="sng" dirty="0" smtClean="0"/>
-              <a:t>promises</a:t>
-            </a:r>
-            <a:endParaRPr lang="en-US" u="sng" dirty="0"/>
+              <a:rPr lang="en-US" u="sng" dirty="0"/>
+              <a:t>Asynchronous JS Via promises</a:t>
+            </a:r>
           </a:p>
         </p:txBody>
       </p:sp>
@@ -7714,7 +7361,7 @@
           <p:cNvPr id="3" name="Content Placeholder 2">
             <a:extLst>
               <a:ext uri="{FF2B5EF4-FFF2-40B4-BE49-F238E27FC236}">
-                <a16:creationId xmlns:a16="http://schemas.microsoft.com/office/drawing/2014/main" xmlns="" id="{844A3DC5-46BF-4BFF-8008-98FD467C4904}"/>
+                <a16:creationId xmlns:a16="http://schemas.microsoft.com/office/drawing/2014/main" id="{844A3DC5-46BF-4BFF-8008-98FD467C4904}"/>
               </a:ext>
             </a:extLst>
           </p:cNvPr>
@@ -7738,7 +7385,7 @@
           <a:lstStyle/>
           <a:p>
             <a:r>
-              <a:rPr lang="en-US" sz="1800" dirty="0" smtClean="0"/>
+              <a:rPr lang="en-US" sz="1800" dirty="0"/>
               <a:t>Promises include:</a:t>
             </a:r>
           </a:p>
@@ -7747,20 +7394,8 @@
               <a:buNone/>
             </a:pPr>
             <a:r>
-              <a:rPr lang="en-US" sz="1800" dirty="0" smtClean="0"/>
-              <a:t>Producing </a:t>
-            </a:r>
-            <a:r>
               <a:rPr lang="en-US" sz="1800" dirty="0"/>
-              <a:t>code that does something and takes time. For instance, some code that loads </a:t>
-            </a:r>
-            <a:r>
-              <a:rPr lang="en-US" sz="1800" dirty="0" smtClean="0"/>
-              <a:t>data </a:t>
-            </a:r>
-            <a:r>
-              <a:rPr lang="en-US" sz="1800" dirty="0"/>
-              <a:t>over a network</a:t>
+              <a:t>Producing code that does something and takes time. For instance, some code that loads data over a network</a:t>
             </a:r>
           </a:p>
           <a:p>
@@ -7780,7 +7415,6 @@
               <a:rPr lang="en-US" sz="1800" dirty="0"/>
               <a:t>A promise is a special JavaScript object that links the producing code and the consuming code together</a:t>
             </a:r>
-            <a:endParaRPr lang="en-US" sz="1800" dirty="0" smtClean="0"/>
           </a:p>
         </p:txBody>
       </p:sp>
@@ -7812,7 +7446,7 @@
           <p:cNvPr id="6" name="Rectangle 5">
             <a:extLst>
               <a:ext uri="{FF2B5EF4-FFF2-40B4-BE49-F238E27FC236}">
-                <a16:creationId xmlns:a16="http://schemas.microsoft.com/office/drawing/2014/main" xmlns="" id="{0C71533A-4A29-47E2-A4D4-85E44356516A}"/>
+                <a16:creationId xmlns:a16="http://schemas.microsoft.com/office/drawing/2014/main" id="{0C71533A-4A29-47E2-A4D4-85E44356516A}"/>
               </a:ext>
             </a:extLst>
           </p:cNvPr>
@@ -7835,7 +7469,7 @@
           <a:lstStyle/>
           <a:p>
             <a:r>
-              <a:rPr lang="en-US" sz="1600" b="1" dirty="0" smtClean="0"/>
+              <a:rPr lang="en-US" sz="1600" b="1" dirty="0"/>
               <a:t>Source</a:t>
             </a:r>
           </a:p>
@@ -7864,13 +7498,6 @@
   <p:clrMapOvr>
     <a:masterClrMapping/>
   </p:clrMapOvr>
-  <p:timing>
-    <p:tnLst>
-      <p:par>
-        <p:cTn id="1" dur="indefinite" restart="never" nodeType="tmRoot"/>
-      </p:par>
-    </p:tnLst>
-  </p:timing>
 </p:sld>
 </file>
 
@@ -7896,7 +7523,7 @@
           <p:cNvPr id="2" name="Title 1">
             <a:extLst>
               <a:ext uri="{FF2B5EF4-FFF2-40B4-BE49-F238E27FC236}">
-                <a16:creationId xmlns:a16="http://schemas.microsoft.com/office/drawing/2014/main" xmlns="" id="{BDFAC13C-59B1-436E-B58F-C304E1C705CF}"/>
+                <a16:creationId xmlns:a16="http://schemas.microsoft.com/office/drawing/2014/main" id="{BDFAC13C-59B1-436E-B58F-C304E1C705CF}"/>
               </a:ext>
             </a:extLst>
           </p:cNvPr>
@@ -7920,14 +7547,9 @@
           <a:lstStyle/>
           <a:p>
             <a:r>
-              <a:rPr lang="en-US" u="sng" dirty="0" smtClean="0"/>
-              <a:t>Asynchronous JS Via </a:t>
-            </a:r>
-            <a:r>
-              <a:rPr lang="en-US" u="sng" dirty="0" smtClean="0"/>
-              <a:t>promises</a:t>
-            </a:r>
-            <a:endParaRPr lang="en-US" u="sng" dirty="0"/>
+              <a:rPr lang="en-US" u="sng" dirty="0"/>
+              <a:t>Asynchronous JS Via promises</a:t>
+            </a:r>
           </a:p>
         </p:txBody>
       </p:sp>
@@ -7936,7 +7558,7 @@
           <p:cNvPr id="3" name="Content Placeholder 2">
             <a:extLst>
               <a:ext uri="{FF2B5EF4-FFF2-40B4-BE49-F238E27FC236}">
-                <a16:creationId xmlns:a16="http://schemas.microsoft.com/office/drawing/2014/main" xmlns="" id="{844A3DC5-46BF-4BFF-8008-98FD467C4904}"/>
+                <a16:creationId xmlns:a16="http://schemas.microsoft.com/office/drawing/2014/main" id="{844A3DC5-46BF-4BFF-8008-98FD467C4904}"/>
               </a:ext>
             </a:extLst>
           </p:cNvPr>
@@ -7960,44 +7582,15 @@
           <a:lstStyle/>
           <a:p>
             <a:r>
-              <a:rPr lang="en-US" sz="1800" dirty="0" smtClean="0"/>
-              <a:t>Promises are a </a:t>
-            </a:r>
-            <a:r>
               <a:rPr lang="en-US" sz="1800" dirty="0"/>
-              <a:t>built-in language feature of JavaScript </a:t>
-            </a:r>
-            <a:r>
-              <a:rPr lang="en-US" sz="1800" dirty="0" smtClean="0"/>
-              <a:t>that makes </a:t>
-            </a:r>
+              <a:t>Promises are a built-in language feature of JavaScript that makes handling asynchronous code easier and more readable</a:t>
+            </a:r>
+          </a:p>
+          <a:p>
             <a:r>
               <a:rPr lang="en-US" sz="1800" dirty="0"/>
-              <a:t>handling asynchronous code easier and more </a:t>
-            </a:r>
-            <a:r>
-              <a:rPr lang="en-US" sz="1800" dirty="0" smtClean="0"/>
-              <a:t>readable</a:t>
-            </a:r>
-          </a:p>
-          <a:p>
-            <a:r>
-              <a:rPr lang="en-US" sz="1800" dirty="0"/>
-              <a:t>Shown on the following page is </a:t>
-            </a:r>
-            <a:r>
-              <a:rPr lang="en-US" sz="1800" dirty="0" smtClean="0"/>
-              <a:t>the </a:t>
-            </a:r>
-            <a:r>
-              <a:rPr lang="en-US" sz="1800" dirty="0"/>
-              <a:t>simple code example </a:t>
-            </a:r>
-            <a:r>
-              <a:rPr lang="en-US" sz="1800" dirty="0" smtClean="0"/>
-              <a:t>with the callback replaced by a promise</a:t>
-            </a:r>
-            <a:endParaRPr lang="en-US" sz="1800" dirty="0"/>
+              <a:t>Shown on the following page is the simple code example with the callback replaced by a promise</a:t>
+            </a:r>
           </a:p>
         </p:txBody>
       </p:sp>
@@ -8029,7 +7622,7 @@
           <p:cNvPr id="6" name="Rectangle 5">
             <a:extLst>
               <a:ext uri="{FF2B5EF4-FFF2-40B4-BE49-F238E27FC236}">
-                <a16:creationId xmlns:a16="http://schemas.microsoft.com/office/drawing/2014/main" xmlns="" id="{0C71533A-4A29-47E2-A4D4-85E44356516A}"/>
+                <a16:creationId xmlns:a16="http://schemas.microsoft.com/office/drawing/2014/main" id="{0C71533A-4A29-47E2-A4D4-85E44356516A}"/>
               </a:ext>
             </a:extLst>
           </p:cNvPr>
@@ -8052,7 +7645,7 @@
           <a:lstStyle/>
           <a:p>
             <a:r>
-              <a:rPr lang="en-US" sz="1600" b="1" dirty="0" smtClean="0"/>
+              <a:rPr lang="en-US" sz="1600" b="1" dirty="0"/>
               <a:t>Source</a:t>
             </a:r>
           </a:p>
@@ -8081,13 +7674,6 @@
   <p:clrMapOvr>
     <a:masterClrMapping/>
   </p:clrMapOvr>
-  <p:timing>
-    <p:tnLst>
-      <p:par>
-        <p:cTn id="1" dur="indefinite" restart="never" nodeType="tmRoot"/>
-      </p:par>
-    </p:tnLst>
-  </p:timing>
 </p:sld>
 </file>
 
@@ -8113,7 +7699,7 @@
           <p:cNvPr id="2" name="Title 1">
             <a:extLst>
               <a:ext uri="{FF2B5EF4-FFF2-40B4-BE49-F238E27FC236}">
-                <a16:creationId xmlns:a16="http://schemas.microsoft.com/office/drawing/2014/main" xmlns="" id="{BDFAC13C-59B1-436E-B58F-C304E1C705CF}"/>
+                <a16:creationId xmlns:a16="http://schemas.microsoft.com/office/drawing/2014/main" id="{BDFAC13C-59B1-436E-B58F-C304E1C705CF}"/>
               </a:ext>
             </a:extLst>
           </p:cNvPr>
@@ -8137,14 +7723,9 @@
           <a:lstStyle/>
           <a:p>
             <a:r>
-              <a:rPr lang="en-US" u="sng" dirty="0" smtClean="0"/>
-              <a:t>Asynchronous JS Via </a:t>
-            </a:r>
-            <a:r>
-              <a:rPr lang="en-US" u="sng" dirty="0" smtClean="0"/>
-              <a:t>promises</a:t>
-            </a:r>
-            <a:endParaRPr lang="en-US" u="sng" dirty="0"/>
+              <a:rPr lang="en-US" u="sng" dirty="0"/>
+              <a:t>Asynchronous JS Via promises</a:t>
+            </a:r>
           </a:p>
         </p:txBody>
       </p:sp>
@@ -8153,7 +7734,7 @@
           <p:cNvPr id="3" name="Content Placeholder 2">
             <a:extLst>
               <a:ext uri="{FF2B5EF4-FFF2-40B4-BE49-F238E27FC236}">
-                <a16:creationId xmlns:a16="http://schemas.microsoft.com/office/drawing/2014/main" xmlns="" id="{844A3DC5-46BF-4BFF-8008-98FD467C4904}"/>
+                <a16:creationId xmlns:a16="http://schemas.microsoft.com/office/drawing/2014/main" id="{844A3DC5-46BF-4BFF-8008-98FD467C4904}"/>
               </a:ext>
             </a:extLst>
           </p:cNvPr>
@@ -8290,14 +7871,11 @@
               <a:buNone/>
             </a:pPr>
             <a:r>
-              <a:rPr lang="en-US" sz="1000" dirty="0" smtClean="0">
+              <a:rPr lang="en-US" sz="1000" dirty="0">
                 <a:latin typeface="Consolas" panose="020B0609020204030204" pitchFamily="49" charset="0"/>
               </a:rPr>
               <a:t>}</a:t>
             </a:r>
-            <a:endParaRPr lang="en-US" sz="1000" dirty="0">
-              <a:latin typeface="Consolas" panose="020B0609020204030204" pitchFamily="49" charset="0"/>
-            </a:endParaRPr>
           </a:p>
           <a:p>
             <a:pPr marL="0" indent="0">
@@ -8331,9 +7909,6 @@
               </a:rPr>
               <a:t>})</a:t>
             </a:r>
-            <a:endParaRPr lang="en-US" sz="1000" dirty="0" smtClean="0">
-              <a:latin typeface="Consolas" panose="020B0609020204030204" pitchFamily="49" charset="0"/>
-            </a:endParaRPr>
           </a:p>
         </p:txBody>
       </p:sp>
@@ -8370,13 +7945,6 @@
   <p:clrMapOvr>
     <a:masterClrMapping/>
   </p:clrMapOvr>
-  <p:timing>
-    <p:tnLst>
-      <p:par>
-        <p:cTn id="1" dur="indefinite" restart="never" nodeType="tmRoot"/>
-      </p:par>
-    </p:tnLst>
-  </p:timing>
 </p:sld>
 </file>
 
@@ -8402,7 +7970,7 @@
           <p:cNvPr id="2" name="Title 1">
             <a:extLst>
               <a:ext uri="{FF2B5EF4-FFF2-40B4-BE49-F238E27FC236}">
-                <a16:creationId xmlns:a16="http://schemas.microsoft.com/office/drawing/2014/main" xmlns="" id="{BDFAC13C-59B1-436E-B58F-C304E1C705CF}"/>
+                <a16:creationId xmlns:a16="http://schemas.microsoft.com/office/drawing/2014/main" id="{BDFAC13C-59B1-436E-B58F-C304E1C705CF}"/>
               </a:ext>
             </a:extLst>
           </p:cNvPr>
@@ -8426,14 +7994,9 @@
           <a:lstStyle/>
           <a:p>
             <a:r>
-              <a:rPr lang="en-US" u="sng" dirty="0" smtClean="0"/>
-              <a:t>Asynchronous JS Via </a:t>
-            </a:r>
-            <a:r>
-              <a:rPr lang="en-US" u="sng" dirty="0" smtClean="0"/>
-              <a:t>promises</a:t>
-            </a:r>
-            <a:endParaRPr lang="en-US" u="sng" dirty="0"/>
+              <a:rPr lang="en-US" u="sng" dirty="0"/>
+              <a:t>Asynchronous JS Via promises</a:t>
+            </a:r>
           </a:p>
         </p:txBody>
       </p:sp>
@@ -8442,7 +8005,7 @@
           <p:cNvPr id="3" name="Content Placeholder 2">
             <a:extLst>
               <a:ext uri="{FF2B5EF4-FFF2-40B4-BE49-F238E27FC236}">
-                <a16:creationId xmlns:a16="http://schemas.microsoft.com/office/drawing/2014/main" xmlns="" id="{844A3DC5-46BF-4BFF-8008-98FD467C4904}"/>
+                <a16:creationId xmlns:a16="http://schemas.microsoft.com/office/drawing/2014/main" id="{844A3DC5-46BF-4BFF-8008-98FD467C4904}"/>
               </a:ext>
             </a:extLst>
           </p:cNvPr>
@@ -8467,27 +8030,14 @@
           <a:p>
             <a:r>
               <a:rPr lang="en-US" sz="1800" dirty="0"/>
-              <a:t>This code is basically doing the same as seen before in </a:t>
-            </a:r>
-            <a:r>
-              <a:rPr lang="en-US" sz="1800" dirty="0" smtClean="0"/>
-              <a:t>the </a:t>
-            </a:r>
+              <a:t>This code is basically doing the same as seen before in the callback example but with Promises.</a:t>
+            </a:r>
+          </a:p>
+          <a:p>
             <a:r>
               <a:rPr lang="en-US" sz="1800" dirty="0"/>
-              <a:t>callback example but with Promises.</a:t>
-            </a:r>
-          </a:p>
-          <a:p>
-            <a:r>
-              <a:rPr lang="en-US" sz="1800" dirty="0"/>
-              <a:t>Inside the getTodo function a new Promise is returned. The constructor of the Promise class is expecting to get a function which contains the asynchronous code as a </a:t>
-            </a:r>
-            <a:r>
-              <a:rPr lang="en-US" sz="1800" dirty="0" smtClean="0"/>
-              <a:t>parameter</a:t>
-            </a:r>
-            <a:endParaRPr lang="en-US" sz="1800" dirty="0"/>
+              <a:t>Inside the getTodo function a new Promise is returned. The constructor of the Promise class is expecting to get a function which contains the asynchronous code as a parameter</a:t>
+            </a:r>
           </a:p>
         </p:txBody>
       </p:sp>
@@ -8524,13 +8074,6 @@
   <p:clrMapOvr>
     <a:masterClrMapping/>
   </p:clrMapOvr>
-  <p:timing>
-    <p:tnLst>
-      <p:par>
-        <p:cTn id="1" dur="indefinite" restart="never" nodeType="tmRoot"/>
-      </p:par>
-    </p:tnLst>
-  </p:timing>
 </p:sld>
 </file>
 
@@ -8556,7 +8099,7 @@
           <p:cNvPr id="2" name="Title 1">
             <a:extLst>
               <a:ext uri="{FF2B5EF4-FFF2-40B4-BE49-F238E27FC236}">
-                <a16:creationId xmlns:a16="http://schemas.microsoft.com/office/drawing/2014/main" xmlns="" id="{BDFAC13C-59B1-436E-B58F-C304E1C705CF}"/>
+                <a16:creationId xmlns:a16="http://schemas.microsoft.com/office/drawing/2014/main" id="{BDFAC13C-59B1-436E-B58F-C304E1C705CF}"/>
               </a:ext>
             </a:extLst>
           </p:cNvPr>
@@ -8580,14 +8123,9 @@
           <a:lstStyle/>
           <a:p>
             <a:r>
-              <a:rPr lang="en-US" u="sng" dirty="0" smtClean="0"/>
-              <a:t>Asynchronous JS Via </a:t>
-            </a:r>
-            <a:r>
-              <a:rPr lang="en-US" u="sng" dirty="0" smtClean="0"/>
-              <a:t>promises</a:t>
-            </a:r>
-            <a:endParaRPr lang="en-US" u="sng" dirty="0"/>
+              <a:rPr lang="en-US" u="sng" dirty="0"/>
+              <a:t>Asynchronous JS Via promises</a:t>
+            </a:r>
           </a:p>
         </p:txBody>
       </p:sp>
@@ -8596,7 +8134,7 @@
           <p:cNvPr id="3" name="Content Placeholder 2">
             <a:extLst>
               <a:ext uri="{FF2B5EF4-FFF2-40B4-BE49-F238E27FC236}">
-                <a16:creationId xmlns:a16="http://schemas.microsoft.com/office/drawing/2014/main" xmlns="" id="{844A3DC5-46BF-4BFF-8008-98FD467C4904}"/>
+                <a16:creationId xmlns:a16="http://schemas.microsoft.com/office/drawing/2014/main" id="{844A3DC5-46BF-4BFF-8008-98FD467C4904}"/>
               </a:ext>
             </a:extLst>
           </p:cNvPr>
@@ -8621,19 +8159,16 @@
           <a:p>
             <a:r>
               <a:rPr lang="en-US" sz="1800" dirty="0"/>
-              <a:t>The function is also expecting to get two parameters, resolve and reject, </a:t>
-            </a:r>
-            <a:r>
-              <a:rPr lang="en-US" sz="1800" dirty="0" smtClean="0"/>
-              <a:t>which contain </a:t>
-            </a:r>
+              <a:t>The function is also expecting to get two parameters, resolve and reject, which contain the asynchronous code which needs to be executed.</a:t>
+            </a:r>
+          </a:p>
+          <a:p>
+            <a:pPr marL="169863" indent="0">
+              <a:buNone/>
+            </a:pPr>
             <a:r>
               <a:rPr lang="en-US" sz="1800" dirty="0"/>
-              <a:t>the asynchronous code which needs to be executed</a:t>
-            </a:r>
-            <a:r>
-              <a:rPr lang="en-US" sz="1800" dirty="0" smtClean="0"/>
-              <a:t>.</a:t>
+              <a:t>If the asynchronous code executes successfully the resolve function is called</a:t>
             </a:r>
           </a:p>
           <a:p>
@@ -8641,43 +8176,9 @@
               <a:buNone/>
             </a:pPr>
             <a:r>
-              <a:rPr lang="en-US" sz="1800" dirty="0" smtClean="0"/>
-              <a:t>If </a:t>
-            </a:r>
-            <a:r>
               <a:rPr lang="en-US" sz="1800" dirty="0"/>
-              <a:t>the asynchronous code </a:t>
-            </a:r>
-            <a:r>
-              <a:rPr lang="en-US" sz="1800" dirty="0" smtClean="0"/>
-              <a:t>executes </a:t>
-            </a:r>
-            <a:r>
-              <a:rPr lang="en-US" sz="1800" dirty="0"/>
-              <a:t>successfully </a:t>
-            </a:r>
-            <a:r>
-              <a:rPr lang="en-US" sz="1800" dirty="0" smtClean="0"/>
-              <a:t>the resolve function is called</a:t>
-            </a:r>
-          </a:p>
-          <a:p>
-            <a:pPr marL="169863" indent="0">
-              <a:buNone/>
-            </a:pPr>
-            <a:r>
-              <a:rPr lang="en-US" sz="1800" dirty="0" smtClean="0"/>
-              <a:t>If the asynchronous code does not execute successfully the </a:t>
-            </a:r>
-            <a:r>
-              <a:rPr lang="en-US" sz="1800" dirty="0"/>
-              <a:t>reject </a:t>
-            </a:r>
-            <a:r>
-              <a:rPr lang="en-US" sz="1800" dirty="0" smtClean="0"/>
-              <a:t>function is called</a:t>
-            </a:r>
-            <a:endParaRPr lang="en-US" sz="1800" dirty="0"/>
+              <a:t>If the asynchronous code does not execute successfully the reject function is called</a:t>
+            </a:r>
           </a:p>
           <a:p>
             <a:endParaRPr lang="en-US" sz="1800" dirty="0"/>
@@ -8717,13 +8218,6 @@
   <p:clrMapOvr>
     <a:masterClrMapping/>
   </p:clrMapOvr>
-  <p:timing>
-    <p:tnLst>
-      <p:par>
-        <p:cTn id="1" dur="indefinite" restart="never" nodeType="tmRoot"/>
-      </p:par>
-    </p:tnLst>
-  </p:timing>
 </p:sld>
 </file>
 
@@ -8749,7 +8243,7 @@
           <p:cNvPr id="2" name="Title 1">
             <a:extLst>
               <a:ext uri="{FF2B5EF4-FFF2-40B4-BE49-F238E27FC236}">
-                <a16:creationId xmlns:a16="http://schemas.microsoft.com/office/drawing/2014/main" xmlns="" id="{BDFAC13C-59B1-436E-B58F-C304E1C705CF}"/>
+                <a16:creationId xmlns:a16="http://schemas.microsoft.com/office/drawing/2014/main" id="{BDFAC13C-59B1-436E-B58F-C304E1C705CF}"/>
               </a:ext>
             </a:extLst>
           </p:cNvPr>
@@ -8773,10 +8267,9 @@
           <a:lstStyle/>
           <a:p>
             <a:r>
-              <a:rPr lang="en-US" u="sng" dirty="0" smtClean="0"/>
+              <a:rPr lang="en-US" u="sng" dirty="0"/>
               <a:t>Asynchronous JS Via async-await</a:t>
             </a:r>
-            <a:endParaRPr lang="en-US" u="sng" dirty="0"/>
           </a:p>
         </p:txBody>
       </p:sp>
@@ -8785,7 +8278,7 @@
           <p:cNvPr id="3" name="Content Placeholder 2">
             <a:extLst>
               <a:ext uri="{FF2B5EF4-FFF2-40B4-BE49-F238E27FC236}">
-                <a16:creationId xmlns:a16="http://schemas.microsoft.com/office/drawing/2014/main" xmlns="" id="{844A3DC5-46BF-4BFF-8008-98FD467C4904}"/>
+                <a16:creationId xmlns:a16="http://schemas.microsoft.com/office/drawing/2014/main" id="{844A3DC5-46BF-4BFF-8008-98FD467C4904}"/>
               </a:ext>
             </a:extLst>
           </p:cNvPr>
@@ -8810,47 +8303,19 @@
           <a:p>
             <a:r>
               <a:rPr lang="en-US" sz="1800" dirty="0"/>
-              <a:t>Async functions </a:t>
-            </a:r>
-            <a:r>
-              <a:rPr lang="en-US" sz="1800" dirty="0" smtClean="0"/>
-              <a:t>let the programmer </a:t>
-            </a:r>
+              <a:t>Async functions let the programmer write promise based code as if it were synchronous, but without blocking the execution thread. It operates asynchronously via the event-loop. Async functions will always return a value (promise)</a:t>
+            </a:r>
+          </a:p>
+          <a:p>
             <a:r>
               <a:rPr lang="en-US" sz="1800" dirty="0"/>
-              <a:t>write promise based code as if it were synchronous, but without blocking the execution thread. It operates asynchronously via the event-loop. Async functions will always return a </a:t>
-            </a:r>
-            <a:r>
-              <a:rPr lang="en-US" sz="1800" dirty="0" smtClean="0"/>
-              <a:t>value (promise)</a:t>
+              <a:t>The await operator is used to wait for a Promise. It can be used inside an Async block only. The keyword Await makes JavaScript wait until the promise returns a result</a:t>
             </a:r>
           </a:p>
           <a:p>
             <a:r>
               <a:rPr lang="en-US" sz="1800" dirty="0"/>
-              <a:t>The await operator is used to wait for a Promise. It can be used inside an Async block only. The keyword Await makes JavaScript wait until the promise returns a </a:t>
-            </a:r>
-            <a:r>
-              <a:rPr lang="en-US" sz="1800" dirty="0" smtClean="0"/>
-              <a:t>result</a:t>
-            </a:r>
-          </a:p>
-          <a:p>
-            <a:r>
-              <a:rPr lang="en-US" sz="1800" dirty="0"/>
-              <a:t>Shown on the following </a:t>
-            </a:r>
-            <a:r>
-              <a:rPr lang="en-US" sz="1800" dirty="0" smtClean="0"/>
-              <a:t>2 pages </a:t>
-            </a:r>
-            <a:r>
-              <a:rPr lang="en-US" sz="1800" dirty="0"/>
-              <a:t>is the simple code example with the callback replaced by </a:t>
-            </a:r>
-            <a:r>
-              <a:rPr lang="en-US" sz="1800" dirty="0" smtClean="0"/>
-              <a:t>async-await</a:t>
+              <a:t>Shown on the following 2 pages is the simple code example with the callback replaced by async-await</a:t>
             </a:r>
           </a:p>
         </p:txBody>
@@ -8883,7 +8348,7 @@
           <p:cNvPr id="6" name="Rectangle 5">
             <a:extLst>
               <a:ext uri="{FF2B5EF4-FFF2-40B4-BE49-F238E27FC236}">
-                <a16:creationId xmlns:a16="http://schemas.microsoft.com/office/drawing/2014/main" xmlns="" id="{0C71533A-4A29-47E2-A4D4-85E44356516A}"/>
+                <a16:creationId xmlns:a16="http://schemas.microsoft.com/office/drawing/2014/main" id="{0C71533A-4A29-47E2-A4D4-85E44356516A}"/>
               </a:ext>
             </a:extLst>
           </p:cNvPr>
@@ -8906,7 +8371,7 @@
           <a:lstStyle/>
           <a:p>
             <a:r>
-              <a:rPr lang="en-US" sz="1600" b="1" dirty="0" smtClean="0"/>
+              <a:rPr lang="en-US" sz="1600" b="1" dirty="0"/>
               <a:t>Source</a:t>
             </a:r>
           </a:p>
@@ -8935,13 +8400,6 @@
   <p:clrMapOvr>
     <a:masterClrMapping/>
   </p:clrMapOvr>
-  <p:timing>
-    <p:tnLst>
-      <p:par>
-        <p:cTn id="1" dur="indefinite" restart="never" nodeType="tmRoot"/>
-      </p:par>
-    </p:tnLst>
-  </p:timing>
 </p:sld>
 </file>
 
@@ -8967,7 +8425,7 @@
           <p:cNvPr id="2" name="Title 1">
             <a:extLst>
               <a:ext uri="{FF2B5EF4-FFF2-40B4-BE49-F238E27FC236}">
-                <a16:creationId xmlns:a16="http://schemas.microsoft.com/office/drawing/2014/main" xmlns="" id="{BDFAC13C-59B1-436E-B58F-C304E1C705CF}"/>
+                <a16:creationId xmlns:a16="http://schemas.microsoft.com/office/drawing/2014/main" id="{BDFAC13C-59B1-436E-B58F-C304E1C705CF}"/>
               </a:ext>
             </a:extLst>
           </p:cNvPr>
@@ -8991,10 +8449,9 @@
           <a:lstStyle/>
           <a:p>
             <a:r>
-              <a:rPr lang="en-US" u="sng" dirty="0" smtClean="0"/>
+              <a:rPr lang="en-US" u="sng" dirty="0"/>
               <a:t>Node.js Installation</a:t>
             </a:r>
-            <a:endParaRPr lang="en-US" u="sng" dirty="0"/>
           </a:p>
         </p:txBody>
       </p:sp>
@@ -9003,7 +8460,7 @@
           <p:cNvPr id="3" name="Content Placeholder 2">
             <a:extLst>
               <a:ext uri="{FF2B5EF4-FFF2-40B4-BE49-F238E27FC236}">
-                <a16:creationId xmlns:a16="http://schemas.microsoft.com/office/drawing/2014/main" xmlns="" id="{844A3DC5-46BF-4BFF-8008-98FD467C4904}"/>
+                <a16:creationId xmlns:a16="http://schemas.microsoft.com/office/drawing/2014/main" id="{844A3DC5-46BF-4BFF-8008-98FD467C4904}"/>
               </a:ext>
             </a:extLst>
           </p:cNvPr>
@@ -9027,7 +8484,7 @@
           <a:lstStyle/>
           <a:p>
             <a:r>
-              <a:rPr lang="en-US" sz="1800" dirty="0" smtClean="0"/>
+              <a:rPr lang="en-US" sz="1800" dirty="0"/>
               <a:t>Go out to the official Node.js website and install Node.js LTS (long-term support) version</a:t>
             </a:r>
           </a:p>
@@ -9041,7 +8498,7 @@
           <p:cNvPr id="4" name="Rectangle 3">
             <a:extLst>
               <a:ext uri="{FF2B5EF4-FFF2-40B4-BE49-F238E27FC236}">
-                <a16:creationId xmlns:a16="http://schemas.microsoft.com/office/drawing/2014/main" xmlns="" id="{0C71533A-4A29-47E2-A4D4-85E44356516A}"/>
+                <a16:creationId xmlns:a16="http://schemas.microsoft.com/office/drawing/2014/main" id="{0C71533A-4A29-47E2-A4D4-85E44356516A}"/>
               </a:ext>
             </a:extLst>
           </p:cNvPr>
@@ -9064,7 +8521,7 @@
           <a:lstStyle/>
           <a:p>
             <a:r>
-              <a:rPr lang="en-US" sz="1600" b="1" dirty="0" smtClean="0"/>
+              <a:rPr lang="en-US" sz="1600" b="1" dirty="0"/>
               <a:t>Source</a:t>
             </a:r>
           </a:p>
@@ -9140,13 +8597,6 @@
   <p:clrMapOvr>
     <a:masterClrMapping/>
   </p:clrMapOvr>
-  <p:timing>
-    <p:tnLst>
-      <p:par>
-        <p:cTn id="1" dur="indefinite" restart="never" nodeType="tmRoot"/>
-      </p:par>
-    </p:tnLst>
-  </p:timing>
 </p:sld>
 </file>
 
@@ -9172,7 +8622,7 @@
           <p:cNvPr id="2" name="Title 1">
             <a:extLst>
               <a:ext uri="{FF2B5EF4-FFF2-40B4-BE49-F238E27FC236}">
-                <a16:creationId xmlns:a16="http://schemas.microsoft.com/office/drawing/2014/main" xmlns="" id="{BDFAC13C-59B1-436E-B58F-C304E1C705CF}"/>
+                <a16:creationId xmlns:a16="http://schemas.microsoft.com/office/drawing/2014/main" id="{BDFAC13C-59B1-436E-B58F-C304E1C705CF}"/>
               </a:ext>
             </a:extLst>
           </p:cNvPr>
@@ -9196,10 +8646,9 @@
           <a:lstStyle/>
           <a:p>
             <a:r>
-              <a:rPr lang="en-US" u="sng" dirty="0" smtClean="0"/>
+              <a:rPr lang="en-US" u="sng" dirty="0"/>
               <a:t>Asynchronous JS Via async-await</a:t>
             </a:r>
-            <a:endParaRPr lang="en-US" u="sng" dirty="0"/>
           </a:p>
         </p:txBody>
       </p:sp>
@@ -9208,7 +8657,7 @@
           <p:cNvPr id="3" name="Content Placeholder 2">
             <a:extLst>
               <a:ext uri="{FF2B5EF4-FFF2-40B4-BE49-F238E27FC236}">
-                <a16:creationId xmlns:a16="http://schemas.microsoft.com/office/drawing/2014/main" xmlns="" id="{844A3DC5-46BF-4BFF-8008-98FD467C4904}"/>
+                <a16:creationId xmlns:a16="http://schemas.microsoft.com/office/drawing/2014/main" id="{844A3DC5-46BF-4BFF-8008-98FD467C4904}"/>
               </a:ext>
             </a:extLst>
           </p:cNvPr>
@@ -9350,9 +8799,6 @@
               </a:rPr>
               <a:t>}</a:t>
             </a:r>
-            <a:endParaRPr lang="en-US" sz="1000" dirty="0" smtClean="0">
-              <a:latin typeface="Consolas" panose="020B0609020204030204" pitchFamily="49" charset="0"/>
-            </a:endParaRPr>
           </a:p>
         </p:txBody>
       </p:sp>
@@ -9389,13 +8835,6 @@
   <p:clrMapOvr>
     <a:masterClrMapping/>
   </p:clrMapOvr>
-  <p:timing>
-    <p:tnLst>
-      <p:par>
-        <p:cTn id="1" dur="indefinite" restart="never" nodeType="tmRoot"/>
-      </p:par>
-    </p:tnLst>
-  </p:timing>
 </p:sld>
 </file>
 
@@ -9421,7 +8860,7 @@
           <p:cNvPr id="2" name="Title 1">
             <a:extLst>
               <a:ext uri="{FF2B5EF4-FFF2-40B4-BE49-F238E27FC236}">
-                <a16:creationId xmlns:a16="http://schemas.microsoft.com/office/drawing/2014/main" xmlns="" id="{BDFAC13C-59B1-436E-B58F-C304E1C705CF}"/>
+                <a16:creationId xmlns:a16="http://schemas.microsoft.com/office/drawing/2014/main" id="{BDFAC13C-59B1-436E-B58F-C304E1C705CF}"/>
               </a:ext>
             </a:extLst>
           </p:cNvPr>
@@ -9445,10 +8884,9 @@
           <a:lstStyle/>
           <a:p>
             <a:r>
-              <a:rPr lang="en-US" u="sng" dirty="0" smtClean="0"/>
+              <a:rPr lang="en-US" u="sng" dirty="0"/>
               <a:t>Asynchronous JS Via async-await</a:t>
             </a:r>
-            <a:endParaRPr lang="en-US" u="sng" dirty="0"/>
           </a:p>
         </p:txBody>
       </p:sp>
@@ -9457,7 +8895,7 @@
           <p:cNvPr id="3" name="Content Placeholder 2">
             <a:extLst>
               <a:ext uri="{FF2B5EF4-FFF2-40B4-BE49-F238E27FC236}">
-                <a16:creationId xmlns:a16="http://schemas.microsoft.com/office/drawing/2014/main" xmlns="" id="{844A3DC5-46BF-4BFF-8008-98FD467C4904}"/>
+                <a16:creationId xmlns:a16="http://schemas.microsoft.com/office/drawing/2014/main" id="{844A3DC5-46BF-4BFF-8008-98FD467C4904}"/>
               </a:ext>
             </a:extLst>
           </p:cNvPr>
@@ -9541,9 +8979,6 @@
               </a:rPr>
               <a:t>fetchTodo().then(todo =&gt; console.log(todo.text))</a:t>
             </a:r>
-            <a:endParaRPr lang="en-US" sz="1000" dirty="0" smtClean="0">
-              <a:latin typeface="Consolas" panose="020B0609020204030204" pitchFamily="49" charset="0"/>
-            </a:endParaRPr>
           </a:p>
         </p:txBody>
       </p:sp>
@@ -9580,13 +9015,6 @@
   <p:clrMapOvr>
     <a:masterClrMapping/>
   </p:clrMapOvr>
-  <p:timing>
-    <p:tnLst>
-      <p:par>
-        <p:cTn id="1" dur="indefinite" restart="never" nodeType="tmRoot"/>
-      </p:par>
-    </p:tnLst>
-  </p:timing>
 </p:sld>
 </file>
 
@@ -9612,7 +9040,7 @@
           <p:cNvPr id="2" name="Title 1">
             <a:extLst>
               <a:ext uri="{FF2B5EF4-FFF2-40B4-BE49-F238E27FC236}">
-                <a16:creationId xmlns:a16="http://schemas.microsoft.com/office/drawing/2014/main" xmlns="" id="{BDFAC13C-59B1-436E-B58F-C304E1C705CF}"/>
+                <a16:creationId xmlns:a16="http://schemas.microsoft.com/office/drawing/2014/main" id="{BDFAC13C-59B1-436E-B58F-C304E1C705CF}"/>
               </a:ext>
             </a:extLst>
           </p:cNvPr>
@@ -9636,10 +9064,9 @@
           <a:lstStyle/>
           <a:p>
             <a:r>
-              <a:rPr lang="en-US" u="sng" dirty="0" smtClean="0"/>
+              <a:rPr lang="en-US" u="sng" dirty="0"/>
               <a:t>Asynchronous JS Via async-await</a:t>
             </a:r>
-            <a:endParaRPr lang="en-US" u="sng" dirty="0"/>
           </a:p>
         </p:txBody>
       </p:sp>
@@ -9648,7 +9075,7 @@
           <p:cNvPr id="3" name="Content Placeholder 2">
             <a:extLst>
               <a:ext uri="{FF2B5EF4-FFF2-40B4-BE49-F238E27FC236}">
-                <a16:creationId xmlns:a16="http://schemas.microsoft.com/office/drawing/2014/main" xmlns="" id="{844A3DC5-46BF-4BFF-8008-98FD467C4904}"/>
+                <a16:creationId xmlns:a16="http://schemas.microsoft.com/office/drawing/2014/main" id="{844A3DC5-46BF-4BFF-8008-98FD467C4904}"/>
               </a:ext>
             </a:extLst>
           </p:cNvPr>
@@ -9673,50 +9100,17 @@
           <a:p>
             <a:r>
               <a:rPr lang="en-US" sz="1800" dirty="0"/>
-              <a:t>The implementation of the getTodo function has not </a:t>
-            </a:r>
-            <a:r>
-              <a:rPr lang="en-US" sz="1800" dirty="0" smtClean="0"/>
-              <a:t>changed.  The Promise is still  created </a:t>
-            </a:r>
+              <a:t>The implementation of the getTodo function has not changed.  The Promise is still  created and depending on the value of the error variable is resolved or rejected</a:t>
+            </a:r>
+          </a:p>
+          <a:p>
             <a:r>
               <a:rPr lang="en-US" sz="1800" dirty="0"/>
-              <a:t>and depending on the value of the error </a:t>
-            </a:r>
-            <a:r>
-              <a:rPr lang="en-US" sz="1800" dirty="0" smtClean="0"/>
-              <a:t>variable is </a:t>
-            </a:r>
-            <a:r>
-              <a:rPr lang="en-US" sz="1800" dirty="0"/>
-              <a:t>resolved or </a:t>
-            </a:r>
-            <a:r>
-              <a:rPr lang="en-US" sz="1800" dirty="0" smtClean="0"/>
-              <a:t>rejected</a:t>
-            </a:r>
-          </a:p>
-          <a:p>
-            <a:r>
-              <a:rPr lang="en-US" sz="1800" dirty="0"/>
-              <a:t>What has changed is the way the getTodo function is called. A new function fetchTodo is being </a:t>
-            </a:r>
-            <a:r>
-              <a:rPr lang="en-US" sz="1800" dirty="0" smtClean="0"/>
-              <a:t>implemented.  The async </a:t>
-            </a:r>
-            <a:r>
-              <a:rPr lang="en-US" sz="1800" dirty="0"/>
-              <a:t>keyword is used to indicate that this function is executing asynchronous code based on a </a:t>
-            </a:r>
-            <a:r>
-              <a:rPr lang="en-US" sz="1800" dirty="0" smtClean="0"/>
-              <a:t>Promise</a:t>
-            </a:r>
+              <a:t>What has changed is the way the getTodo function is called. A new function fetchTodo is being implemented.  The async keyword is used to indicate that this function is executing asynchronous code based on a Promise</a:t>
+            </a:r>
+          </a:p>
+          <a:p>
             <a:endParaRPr lang="en-US" sz="1800" dirty="0"/>
-          </a:p>
-          <a:p>
-            <a:endParaRPr lang="en-US" sz="1800" dirty="0" smtClean="0"/>
           </a:p>
         </p:txBody>
       </p:sp>
@@ -9753,13 +9147,6 @@
   <p:clrMapOvr>
     <a:masterClrMapping/>
   </p:clrMapOvr>
-  <p:timing>
-    <p:tnLst>
-      <p:par>
-        <p:cTn id="1" dur="indefinite" restart="never" nodeType="tmRoot"/>
-      </p:par>
-    </p:tnLst>
-  </p:timing>
 </p:sld>
 </file>
 
@@ -9785,7 +9172,7 @@
           <p:cNvPr id="2" name="Title 1">
             <a:extLst>
               <a:ext uri="{FF2B5EF4-FFF2-40B4-BE49-F238E27FC236}">
-                <a16:creationId xmlns:a16="http://schemas.microsoft.com/office/drawing/2014/main" xmlns="" id="{BDFAC13C-59B1-436E-B58F-C304E1C705CF}"/>
+                <a16:creationId xmlns:a16="http://schemas.microsoft.com/office/drawing/2014/main" id="{BDFAC13C-59B1-436E-B58F-C304E1C705CF}"/>
               </a:ext>
             </a:extLst>
           </p:cNvPr>
@@ -9809,10 +9196,9 @@
           <a:lstStyle/>
           <a:p>
             <a:r>
-              <a:rPr lang="en-US" u="sng" dirty="0" smtClean="0"/>
+              <a:rPr lang="en-US" u="sng" dirty="0"/>
               <a:t>Asynchronous JS Via async-await</a:t>
             </a:r>
-            <a:endParaRPr lang="en-US" u="sng" dirty="0"/>
           </a:p>
         </p:txBody>
       </p:sp>
@@ -9821,7 +9207,7 @@
           <p:cNvPr id="3" name="Content Placeholder 2">
             <a:extLst>
               <a:ext uri="{FF2B5EF4-FFF2-40B4-BE49-F238E27FC236}">
-                <a16:creationId xmlns:a16="http://schemas.microsoft.com/office/drawing/2014/main" xmlns="" id="{844A3DC5-46BF-4BFF-8008-98FD467C4904}"/>
+                <a16:creationId xmlns:a16="http://schemas.microsoft.com/office/drawing/2014/main" id="{844A3DC5-46BF-4BFF-8008-98FD467C4904}"/>
               </a:ext>
             </a:extLst>
           </p:cNvPr>
@@ -9846,41 +9232,13 @@
           <a:p>
             <a:r>
               <a:rPr lang="en-US" sz="1800" dirty="0"/>
-              <a:t>Inside of fetchTodo </a:t>
-            </a:r>
-            <a:r>
-              <a:rPr lang="en-US" sz="1800" dirty="0" smtClean="0"/>
-              <a:t>getTodo is called </a:t>
-            </a:r>
+              <a:t>Inside of fetchTodo getTodo is called using the keyword await. This indicates that getTodo is returning a Promise and we have to wait for the Promise to be resolved (or rejected). The result of what is being returned from the promise is stored in todo</a:t>
+            </a:r>
+          </a:p>
+          <a:p>
             <a:r>
               <a:rPr lang="en-US" sz="1800" dirty="0"/>
-              <a:t>using the keyword await. This indicates that getTodo is returning a Promise and we have to wait for the Promise to be resolved (or rejected). The result of what is being returned from the promise is stored in </a:t>
-            </a:r>
-            <a:r>
-              <a:rPr lang="en-US" sz="1800" dirty="0" smtClean="0"/>
-              <a:t>todo</a:t>
-            </a:r>
-          </a:p>
-          <a:p>
-            <a:r>
-              <a:rPr lang="en-US" sz="1800" dirty="0" smtClean="0"/>
-              <a:t>In </a:t>
-            </a:r>
-            <a:r>
-              <a:rPr lang="en-US" sz="1800" dirty="0"/>
-              <a:t>the next line of code the todo object is being returned. This is possible because by using the keyword await we’re making sure </a:t>
-            </a:r>
-            <a:r>
-              <a:rPr lang="en-US" sz="1800" dirty="0" smtClean="0"/>
-              <a:t>the </a:t>
-            </a:r>
-            <a:r>
-              <a:rPr lang="en-US" sz="1800" dirty="0"/>
-              <a:t>next line of code is being executed after the Promise (returned from getTodo) has been </a:t>
-            </a:r>
-            <a:r>
-              <a:rPr lang="en-US" sz="1800" dirty="0" smtClean="0"/>
-              <a:t>resolved</a:t>
+              <a:t>In the next line of code the todo object is being returned. This is possible because by using the keyword await we’re making sure the next line of code is being executed after the Promise (returned from getTodo) has been resolved</a:t>
             </a:r>
           </a:p>
         </p:txBody>
@@ -9918,13 +9276,6 @@
   <p:clrMapOvr>
     <a:masterClrMapping/>
   </p:clrMapOvr>
-  <p:timing>
-    <p:tnLst>
-      <p:par>
-        <p:cTn id="1" dur="indefinite" restart="never" nodeType="tmRoot"/>
-      </p:par>
-    </p:tnLst>
-  </p:timing>
 </p:sld>
 </file>
 
@@ -9950,7 +9301,7 @@
           <p:cNvPr id="2" name="Title 1">
             <a:extLst>
               <a:ext uri="{FF2B5EF4-FFF2-40B4-BE49-F238E27FC236}">
-                <a16:creationId xmlns:a16="http://schemas.microsoft.com/office/drawing/2014/main" xmlns="" id="{BDFAC13C-59B1-436E-B58F-C304E1C705CF}"/>
+                <a16:creationId xmlns:a16="http://schemas.microsoft.com/office/drawing/2014/main" id="{BDFAC13C-59B1-436E-B58F-C304E1C705CF}"/>
               </a:ext>
             </a:extLst>
           </p:cNvPr>
@@ -9974,18 +9325,13 @@
           <a:lstStyle/>
           <a:p>
             <a:r>
-              <a:rPr lang="en-US" u="sng" smtClean="0"/>
-              <a:t>What </a:t>
-            </a:r>
-            <a:r>
               <a:rPr lang="en-US" u="sng"/>
-              <a:t>We've </a:t>
-            </a:r>
-            <a:r>
-              <a:rPr lang="en-US" u="sng" dirty="0" smtClean="0"/>
+              <a:t>What We've </a:t>
+            </a:r>
+            <a:r>
+              <a:rPr lang="en-US" u="sng" dirty="0"/>
               <a:t>Covered</a:t>
             </a:r>
-            <a:endParaRPr lang="en-US" u="sng" dirty="0"/>
           </a:p>
         </p:txBody>
       </p:sp>
@@ -9994,7 +9340,7 @@
           <p:cNvPr id="3" name="Content Placeholder 2">
             <a:extLst>
               <a:ext uri="{FF2B5EF4-FFF2-40B4-BE49-F238E27FC236}">
-                <a16:creationId xmlns:a16="http://schemas.microsoft.com/office/drawing/2014/main" xmlns="" id="{844A3DC5-46BF-4BFF-8008-98FD467C4904}"/>
+                <a16:creationId xmlns:a16="http://schemas.microsoft.com/office/drawing/2014/main" id="{844A3DC5-46BF-4BFF-8008-98FD467C4904}"/>
               </a:ext>
             </a:extLst>
           </p:cNvPr>
@@ -10025,13 +9371,8 @@
           <a:p>
             <a:r>
               <a:rPr lang="en-US" sz="1800" dirty="0"/>
-              <a:t>How to create and run a simple Node.js </a:t>
-            </a:r>
-            <a:r>
-              <a:rPr lang="en-US" sz="1800" dirty="0" smtClean="0"/>
-              <a:t>application</a:t>
-            </a:r>
-            <a:endParaRPr lang="en-US" sz="1800" dirty="0"/>
+              <a:t>How to create and run a simple Node.js application</a:t>
+            </a:r>
           </a:p>
           <a:p>
             <a:r>
@@ -10042,41 +9383,26 @@
           <a:p>
             <a:r>
               <a:rPr lang="en-US" sz="1800" dirty="0"/>
-              <a:t>Asynchronous JavaScript </a:t>
-            </a:r>
-            <a:r>
-              <a:rPr lang="en-US" sz="1800" dirty="0" smtClean="0"/>
-              <a:t>using callbacks</a:t>
-            </a:r>
+              <a:t>Asynchronous JavaScript using callbacks</a:t>
+            </a:r>
+          </a:p>
+          <a:p>
+            <a:r>
+              <a:rPr lang="en-US" sz="1800" dirty="0"/>
+              <a:t>Asynchronous JavaScript using promises</a:t>
+            </a:r>
+          </a:p>
+          <a:p>
+            <a:r>
+              <a:rPr lang="en-US" sz="1800" dirty="0"/>
+              <a:t>Asynchronous JavaScript using async-await</a:t>
+            </a:r>
+          </a:p>
+          <a:p>
+            <a:pPr marL="169863" indent="0">
+              <a:buNone/>
+            </a:pPr>
             <a:endParaRPr lang="en-US" sz="1800" dirty="0"/>
-          </a:p>
-          <a:p>
-            <a:r>
-              <a:rPr lang="en-US" sz="1800" dirty="0"/>
-              <a:t>Asynchronous JavaScript </a:t>
-            </a:r>
-            <a:r>
-              <a:rPr lang="en-US" sz="1800" dirty="0" smtClean="0"/>
-              <a:t>using promises</a:t>
-            </a:r>
-            <a:endParaRPr lang="en-US" sz="1800" dirty="0"/>
-          </a:p>
-          <a:p>
-            <a:r>
-              <a:rPr lang="en-US" sz="1800" dirty="0"/>
-              <a:t>Asynchronous JavaScript </a:t>
-            </a:r>
-            <a:r>
-              <a:rPr lang="en-US" sz="1800" dirty="0" smtClean="0"/>
-              <a:t>using async-await</a:t>
-            </a:r>
-            <a:endParaRPr lang="en-US" sz="1800" dirty="0"/>
-          </a:p>
-          <a:p>
-            <a:pPr marL="169863" indent="0">
-              <a:buNone/>
-            </a:pPr>
-            <a:endParaRPr lang="en-US" sz="1800" dirty="0" smtClean="0"/>
           </a:p>
           <a:p>
             <a:endParaRPr lang="en-US" sz="1800" dirty="0"/>
@@ -10116,13 +9442,6 @@
   <p:clrMapOvr>
     <a:masterClrMapping/>
   </p:clrMapOvr>
-  <p:timing>
-    <p:tnLst>
-      <p:par>
-        <p:cTn id="1" dur="indefinite" restart="never" nodeType="tmRoot"/>
-      </p:par>
-    </p:tnLst>
-  </p:timing>
 </p:sld>
 </file>
 
@@ -10148,7 +9467,7 @@
           <p:cNvPr id="2" name="Title 1">
             <a:extLst>
               <a:ext uri="{FF2B5EF4-FFF2-40B4-BE49-F238E27FC236}">
-                <a16:creationId xmlns:a16="http://schemas.microsoft.com/office/drawing/2014/main" xmlns="" id="{BDFAC13C-59B1-436E-B58F-C304E1C705CF}"/>
+                <a16:creationId xmlns:a16="http://schemas.microsoft.com/office/drawing/2014/main" id="{BDFAC13C-59B1-436E-B58F-C304E1C705CF}"/>
               </a:ext>
             </a:extLst>
           </p:cNvPr>
@@ -10172,10 +9491,9 @@
           <a:lstStyle/>
           <a:p>
             <a:r>
-              <a:rPr lang="en-US" u="sng" dirty="0" smtClean="0"/>
+              <a:rPr lang="en-US" u="sng" dirty="0"/>
               <a:t>Verifying Node.js/NPM Install</a:t>
             </a:r>
-            <a:endParaRPr lang="en-US" u="sng" dirty="0"/>
           </a:p>
         </p:txBody>
       </p:sp>
@@ -10184,7 +9502,7 @@
           <p:cNvPr id="3" name="Content Placeholder 2">
             <a:extLst>
               <a:ext uri="{FF2B5EF4-FFF2-40B4-BE49-F238E27FC236}">
-                <a16:creationId xmlns:a16="http://schemas.microsoft.com/office/drawing/2014/main" xmlns="" id="{844A3DC5-46BF-4BFF-8008-98FD467C4904}"/>
+                <a16:creationId xmlns:a16="http://schemas.microsoft.com/office/drawing/2014/main" id="{844A3DC5-46BF-4BFF-8008-98FD467C4904}"/>
               </a:ext>
             </a:extLst>
           </p:cNvPr>
@@ -10208,7 +9526,7 @@
           <a:lstStyle/>
           <a:p>
             <a:r>
-              <a:rPr lang="en-US" sz="1800" dirty="0" smtClean="0"/>
+              <a:rPr lang="en-US" sz="1800" dirty="0"/>
               <a:t>From command line, key in the following command to check Node.js install</a:t>
             </a:r>
           </a:p>
@@ -10220,23 +9538,13 @@
               <a:rPr lang="en-US" sz="1800" dirty="0">
                 <a:latin typeface="Consolas" panose="020B0609020204030204" pitchFamily="49" charset="0"/>
               </a:rPr>
-              <a:t>n</a:t>
-            </a:r>
-            <a:r>
-              <a:rPr lang="en-US" sz="1800" dirty="0" smtClean="0">
-                <a:latin typeface="Consolas" panose="020B0609020204030204" pitchFamily="49" charset="0"/>
-              </a:rPr>
-              <a:t>ode -v</a:t>
+              <a:t>node -v</a:t>
             </a:r>
           </a:p>
           <a:p>
             <a:r>
               <a:rPr lang="en-US" sz="1800" dirty="0"/>
-              <a:t>From command line, key in the following command to check </a:t>
-            </a:r>
-            <a:r>
-              <a:rPr lang="en-US" sz="1800" dirty="0" smtClean="0"/>
-              <a:t>NPM install</a:t>
+              <a:t>From command line, key in the following command to check NPM install</a:t>
             </a:r>
           </a:p>
           <a:p>
@@ -10247,23 +9555,14 @@
               <a:rPr lang="en-US" sz="1800" dirty="0">
                 <a:latin typeface="Consolas" panose="020B0609020204030204" pitchFamily="49" charset="0"/>
               </a:rPr>
-              <a:t>n</a:t>
-            </a:r>
-            <a:r>
-              <a:rPr lang="en-US" sz="1800" dirty="0" smtClean="0">
-                <a:latin typeface="Consolas" panose="020B0609020204030204" pitchFamily="49" charset="0"/>
-              </a:rPr>
-              <a:t>pm -v</a:t>
-            </a:r>
-            <a:endParaRPr lang="en-US" sz="1800" dirty="0">
-              <a:latin typeface="Consolas" panose="020B0609020204030204" pitchFamily="49" charset="0"/>
-            </a:endParaRPr>
+              <a:t>npm -v</a:t>
+            </a:r>
           </a:p>
           <a:p>
             <a:endParaRPr lang="en-US" sz="1800" dirty="0"/>
           </a:p>
           <a:p>
-            <a:endParaRPr lang="en-US" sz="1800" dirty="0" smtClean="0"/>
+            <a:endParaRPr lang="en-US" sz="1800" dirty="0"/>
           </a:p>
           <a:p>
             <a:endParaRPr lang="en-US" sz="1800" dirty="0"/>
@@ -10275,7 +9574,7 @@
           <p:cNvPr id="4" name="Rectangle 3">
             <a:extLst>
               <a:ext uri="{FF2B5EF4-FFF2-40B4-BE49-F238E27FC236}">
-                <a16:creationId xmlns:a16="http://schemas.microsoft.com/office/drawing/2014/main" xmlns="" id="{0C71533A-4A29-47E2-A4D4-85E44356516A}"/>
+                <a16:creationId xmlns:a16="http://schemas.microsoft.com/office/drawing/2014/main" id="{0C71533A-4A29-47E2-A4D4-85E44356516A}"/>
               </a:ext>
             </a:extLst>
           </p:cNvPr>
@@ -10298,7 +9597,7 @@
           <a:lstStyle/>
           <a:p>
             <a:r>
-              <a:rPr lang="en-US" sz="1600" b="1" dirty="0" smtClean="0"/>
+              <a:rPr lang="en-US" sz="1600" b="1" dirty="0"/>
               <a:t>Source</a:t>
             </a:r>
           </a:p>
@@ -10350,13 +9649,6 @@
   <p:clrMapOvr>
     <a:masterClrMapping/>
   </p:clrMapOvr>
-  <p:timing>
-    <p:tnLst>
-      <p:par>
-        <p:cTn id="1" dur="indefinite" restart="never" nodeType="tmRoot"/>
-      </p:par>
-    </p:tnLst>
-  </p:timing>
 </p:sld>
 </file>
 
@@ -10382,7 +9674,7 @@
           <p:cNvPr id="2" name="Title 1">
             <a:extLst>
               <a:ext uri="{FF2B5EF4-FFF2-40B4-BE49-F238E27FC236}">
-                <a16:creationId xmlns:a16="http://schemas.microsoft.com/office/drawing/2014/main" xmlns="" id="{BDFAC13C-59B1-436E-B58F-C304E1C705CF}"/>
+                <a16:creationId xmlns:a16="http://schemas.microsoft.com/office/drawing/2014/main" id="{BDFAC13C-59B1-436E-B58F-C304E1C705CF}"/>
               </a:ext>
             </a:extLst>
           </p:cNvPr>
@@ -10406,10 +9698,9 @@
           <a:lstStyle/>
           <a:p>
             <a:r>
-              <a:rPr lang="en-US" u="sng" dirty="0" smtClean="0"/>
+              <a:rPr lang="en-US" u="sng" dirty="0"/>
               <a:t>Node.js Simple Command-Line App</a:t>
             </a:r>
-            <a:endParaRPr lang="en-US" u="sng" dirty="0"/>
           </a:p>
         </p:txBody>
       </p:sp>
@@ -10418,7 +9709,7 @@
           <p:cNvPr id="3" name="Content Placeholder 2">
             <a:extLst>
               <a:ext uri="{FF2B5EF4-FFF2-40B4-BE49-F238E27FC236}">
-                <a16:creationId xmlns:a16="http://schemas.microsoft.com/office/drawing/2014/main" xmlns="" id="{844A3DC5-46BF-4BFF-8008-98FD467C4904}"/>
+                <a16:creationId xmlns:a16="http://schemas.microsoft.com/office/drawing/2014/main" id="{844A3DC5-46BF-4BFF-8008-98FD467C4904}"/>
               </a:ext>
             </a:extLst>
           </p:cNvPr>
@@ -10442,51 +9733,50 @@
           <a:lstStyle/>
           <a:p>
             <a:r>
-              <a:rPr lang="en-US" sz="1800" dirty="0" smtClean="0"/>
+              <a:rPr lang="en-US" sz="1800" dirty="0"/>
               <a:t>From your desktop, create a new nodeone directory</a:t>
             </a:r>
           </a:p>
           <a:p>
             <a:r>
-              <a:rPr lang="en-US" sz="1800" dirty="0" smtClean="0"/>
+              <a:rPr lang="en-US" sz="1800" dirty="0"/>
               <a:t>Do a </a:t>
             </a:r>
             <a:r>
-              <a:rPr lang="en-US" sz="1800" dirty="0" smtClean="0">
+              <a:rPr lang="en-US" sz="1800" dirty="0">
                 <a:latin typeface="Consolas" panose="020B0609020204030204" pitchFamily="49" charset="0"/>
               </a:rPr>
               <a:t>cd nodeone</a:t>
             </a:r>
             <a:r>
-              <a:rPr lang="en-US" sz="1800" dirty="0" smtClean="0"/>
+              <a:rPr lang="en-US" sz="1800" dirty="0"/>
               <a:t> (change directory)</a:t>
             </a:r>
           </a:p>
           <a:p>
             <a:r>
-              <a:rPr lang="en-US" sz="1800" dirty="0" smtClean="0"/>
+              <a:rPr lang="en-US" sz="1800" dirty="0"/>
               <a:t>Right mouse-click on the folder and choose Git Bash Here</a:t>
             </a:r>
           </a:p>
           <a:p>
             <a:r>
-              <a:rPr lang="en-US" sz="1800" dirty="0" smtClean="0"/>
+              <a:rPr lang="en-US" sz="1800" dirty="0"/>
               <a:t>In Git, key in </a:t>
             </a:r>
             <a:r>
-              <a:rPr lang="en-US" sz="1800" dirty="0" smtClean="0">
+              <a:rPr lang="en-US" sz="1800" dirty="0">
                 <a:latin typeface="Consolas" panose="020B0609020204030204" pitchFamily="49" charset="0"/>
               </a:rPr>
               <a:t>touch simple.js</a:t>
             </a:r>
             <a:r>
-              <a:rPr lang="en-US" sz="1800" dirty="0" smtClean="0"/>
+              <a:rPr lang="en-US" sz="1800" dirty="0"/>
               <a:t> to create the simple.js file</a:t>
             </a:r>
+          </a:p>
+          <a:p>
             <a:endParaRPr lang="en-US" sz="1800" dirty="0"/>
-          </a:p>
-          <a:p>
-            <a:endParaRPr lang="en-US" sz="1800" dirty="0" smtClean="0"/>
           </a:p>
           <a:p>
             <a:endParaRPr lang="en-US" sz="1800" dirty="0"/>
@@ -10498,7 +9788,7 @@
           <p:cNvPr id="4" name="Rectangle 3">
             <a:extLst>
               <a:ext uri="{FF2B5EF4-FFF2-40B4-BE49-F238E27FC236}">
-                <a16:creationId xmlns:a16="http://schemas.microsoft.com/office/drawing/2014/main" xmlns="" id="{0C71533A-4A29-47E2-A4D4-85E44356516A}"/>
+                <a16:creationId xmlns:a16="http://schemas.microsoft.com/office/drawing/2014/main" id="{0C71533A-4A29-47E2-A4D4-85E44356516A}"/>
               </a:ext>
             </a:extLst>
           </p:cNvPr>
@@ -10521,7 +9811,7 @@
           <a:lstStyle/>
           <a:p>
             <a:r>
-              <a:rPr lang="en-US" sz="1600" b="1" dirty="0" smtClean="0"/>
+              <a:rPr lang="en-US" sz="1600" b="1" dirty="0"/>
               <a:t>Source</a:t>
             </a:r>
           </a:p>
@@ -10573,13 +9863,6 @@
   <p:clrMapOvr>
     <a:masterClrMapping/>
   </p:clrMapOvr>
-  <p:timing>
-    <p:tnLst>
-      <p:par>
-        <p:cTn id="1" dur="indefinite" restart="never" nodeType="tmRoot"/>
-      </p:par>
-    </p:tnLst>
-  </p:timing>
 </p:sld>
 </file>
 
@@ -10605,7 +9888,7 @@
           <p:cNvPr id="2" name="Title 1">
             <a:extLst>
               <a:ext uri="{FF2B5EF4-FFF2-40B4-BE49-F238E27FC236}">
-                <a16:creationId xmlns:a16="http://schemas.microsoft.com/office/drawing/2014/main" xmlns="" id="{BDFAC13C-59B1-436E-B58F-C304E1C705CF}"/>
+                <a16:creationId xmlns:a16="http://schemas.microsoft.com/office/drawing/2014/main" id="{BDFAC13C-59B1-436E-B58F-C304E1C705CF}"/>
               </a:ext>
             </a:extLst>
           </p:cNvPr>
@@ -10629,10 +9912,9 @@
           <a:lstStyle/>
           <a:p>
             <a:r>
-              <a:rPr lang="en-US" u="sng" dirty="0" smtClean="0"/>
+              <a:rPr lang="en-US" u="sng" dirty="0"/>
               <a:t>Node.js Simple Command-Line App</a:t>
             </a:r>
-            <a:endParaRPr lang="en-US" u="sng" dirty="0"/>
           </a:p>
         </p:txBody>
       </p:sp>
@@ -10641,7 +9923,7 @@
           <p:cNvPr id="3" name="Content Placeholder 2">
             <a:extLst>
               <a:ext uri="{FF2B5EF4-FFF2-40B4-BE49-F238E27FC236}">
-                <a16:creationId xmlns:a16="http://schemas.microsoft.com/office/drawing/2014/main" xmlns="" id="{844A3DC5-46BF-4BFF-8008-98FD467C4904}"/>
+                <a16:creationId xmlns:a16="http://schemas.microsoft.com/office/drawing/2014/main" id="{844A3DC5-46BF-4BFF-8008-98FD467C4904}"/>
               </a:ext>
             </a:extLst>
           </p:cNvPr>
@@ -10665,13 +9947,13 @@
           <a:lstStyle/>
           <a:p>
             <a:r>
-              <a:rPr lang="en-US" sz="1800" dirty="0" smtClean="0"/>
+              <a:rPr lang="en-US" sz="1800" dirty="0"/>
               <a:t>Open this file with Visual Studio Code (VS Code)</a:t>
             </a:r>
           </a:p>
           <a:p>
             <a:r>
-              <a:rPr lang="en-US" sz="1800" dirty="0" smtClean="0"/>
+              <a:rPr lang="en-US" sz="1800" dirty="0"/>
               <a:t>Enter the following line of code into the simple.js file:</a:t>
             </a:r>
           </a:p>
@@ -10679,44 +9961,31 @@
             <a:pPr marL="169863" indent="0">
               <a:buNone/>
             </a:pPr>
-            <a:r>
-              <a:rPr lang="en-US" sz="1800" dirty="0" smtClean="0">
-                <a:latin typeface="Consolas" panose="020B0609020204030204" pitchFamily="49" charset="0"/>
-              </a:rPr>
-              <a:t>console.log(</a:t>
-            </a:r>
             <a:r>
               <a:rPr lang="en-US" sz="1800" dirty="0">
                 <a:latin typeface="Consolas" panose="020B0609020204030204" pitchFamily="49" charset="0"/>
               </a:rPr>
-              <a:t>"</a:t>
-            </a:r>
-            <a:r>
-              <a:rPr lang="en-US" sz="1800" dirty="0" smtClean="0">
-                <a:latin typeface="Consolas" panose="020B0609020204030204" pitchFamily="49" charset="0"/>
-              </a:rPr>
-              <a:t>My first Node.js Program!");</a:t>
-            </a:r>
-          </a:p>
-          <a:p>
-            <a:r>
-              <a:rPr lang="en-US" sz="1800" dirty="0" smtClean="0"/>
+              <a:t>console.log("My first Node.js Program!");</a:t>
+            </a:r>
+          </a:p>
+          <a:p>
+            <a:r>
+              <a:rPr lang="en-US" sz="1800" dirty="0"/>
               <a:t>Save the file.  From the Git Bash terminal, key in </a:t>
             </a:r>
             <a:r>
-              <a:rPr lang="en-US" sz="1800" dirty="0" smtClean="0">
+              <a:rPr lang="en-US" sz="1800" dirty="0">
                 <a:latin typeface="Consolas" panose="020B0609020204030204" pitchFamily="49" charset="0"/>
               </a:rPr>
               <a:t>node simple.js</a:t>
             </a:r>
             <a:r>
-              <a:rPr lang="en-US" sz="1800" dirty="0" smtClean="0"/>
+              <a:rPr lang="en-US" sz="1800" dirty="0"/>
               <a:t> and hit &lt;enter&gt;  Your expected results are shown on the next page</a:t>
             </a:r>
+          </a:p>
+          <a:p>
             <a:endParaRPr lang="en-US" sz="1800" dirty="0"/>
-          </a:p>
-          <a:p>
-            <a:endParaRPr lang="en-US" sz="1800" dirty="0" smtClean="0"/>
           </a:p>
           <a:p>
             <a:endParaRPr lang="en-US" sz="1800" dirty="0"/>
@@ -10756,13 +10025,6 @@
   <p:clrMapOvr>
     <a:masterClrMapping/>
   </p:clrMapOvr>
-  <p:timing>
-    <p:tnLst>
-      <p:par>
-        <p:cTn id="1" dur="indefinite" restart="never" nodeType="tmRoot"/>
-      </p:par>
-    </p:tnLst>
-  </p:timing>
 </p:sld>
 </file>
 
@@ -10788,7 +10050,7 @@
           <p:cNvPr id="2" name="Title 1">
             <a:extLst>
               <a:ext uri="{FF2B5EF4-FFF2-40B4-BE49-F238E27FC236}">
-                <a16:creationId xmlns:a16="http://schemas.microsoft.com/office/drawing/2014/main" xmlns="" id="{BDFAC13C-59B1-436E-B58F-C304E1C705CF}"/>
+                <a16:creationId xmlns:a16="http://schemas.microsoft.com/office/drawing/2014/main" id="{BDFAC13C-59B1-436E-B58F-C304E1C705CF}"/>
               </a:ext>
             </a:extLst>
           </p:cNvPr>
@@ -10812,10 +10074,9 @@
           <a:lstStyle/>
           <a:p>
             <a:r>
-              <a:rPr lang="en-US" u="sng" dirty="0" smtClean="0"/>
+              <a:rPr lang="en-US" u="sng" dirty="0"/>
               <a:t>Node.js Simple Command-Line App</a:t>
             </a:r>
-            <a:endParaRPr lang="en-US" u="sng" dirty="0"/>
           </a:p>
         </p:txBody>
       </p:sp>
@@ -10824,7 +10085,7 @@
           <p:cNvPr id="3" name="Content Placeholder 2">
             <a:extLst>
               <a:ext uri="{FF2B5EF4-FFF2-40B4-BE49-F238E27FC236}">
-                <a16:creationId xmlns:a16="http://schemas.microsoft.com/office/drawing/2014/main" xmlns="" id="{844A3DC5-46BF-4BFF-8008-98FD467C4904}"/>
+                <a16:creationId xmlns:a16="http://schemas.microsoft.com/office/drawing/2014/main" id="{844A3DC5-46BF-4BFF-8008-98FD467C4904}"/>
               </a:ext>
             </a:extLst>
           </p:cNvPr>
@@ -10847,7 +10108,7 @@
           </a:bodyPr>
           <a:lstStyle/>
           <a:p>
-            <a:endParaRPr lang="en-US" sz="1800" dirty="0" smtClean="0"/>
+            <a:endParaRPr lang="en-US" sz="1800" dirty="0"/>
           </a:p>
           <a:p>
             <a:endParaRPr lang="en-US" sz="1800" dirty="0"/>
@@ -10911,13 +10172,6 @@
   <p:clrMapOvr>
     <a:masterClrMapping/>
   </p:clrMapOvr>
-  <p:timing>
-    <p:tnLst>
-      <p:par>
-        <p:cTn id="1" dur="indefinite" restart="never" nodeType="tmRoot"/>
-      </p:par>
-    </p:tnLst>
-  </p:timing>
 </p:sld>
 </file>
 
@@ -10943,7 +10197,7 @@
           <p:cNvPr id="2" name="Title 1">
             <a:extLst>
               <a:ext uri="{FF2B5EF4-FFF2-40B4-BE49-F238E27FC236}">
-                <a16:creationId xmlns:a16="http://schemas.microsoft.com/office/drawing/2014/main" xmlns="" id="{BDFAC13C-59B1-436E-B58F-C304E1C705CF}"/>
+                <a16:creationId xmlns:a16="http://schemas.microsoft.com/office/drawing/2014/main" id="{BDFAC13C-59B1-436E-B58F-C304E1C705CF}"/>
               </a:ext>
             </a:extLst>
           </p:cNvPr>
@@ -10967,10 +10221,9 @@
           <a:lstStyle/>
           <a:p>
             <a:r>
-              <a:rPr lang="en-US" u="sng" dirty="0" smtClean="0"/>
+              <a:rPr lang="en-US" u="sng" dirty="0"/>
               <a:t>Node.js Simple Web Server</a:t>
             </a:r>
-            <a:endParaRPr lang="en-US" u="sng" dirty="0"/>
           </a:p>
         </p:txBody>
       </p:sp>
@@ -10979,7 +10232,7 @@
           <p:cNvPr id="3" name="Content Placeholder 2">
             <a:extLst>
               <a:ext uri="{FF2B5EF4-FFF2-40B4-BE49-F238E27FC236}">
-                <a16:creationId xmlns:a16="http://schemas.microsoft.com/office/drawing/2014/main" xmlns="" id="{844A3DC5-46BF-4BFF-8008-98FD467C4904}"/>
+                <a16:creationId xmlns:a16="http://schemas.microsoft.com/office/drawing/2014/main" id="{844A3DC5-46BF-4BFF-8008-98FD467C4904}"/>
               </a:ext>
             </a:extLst>
           </p:cNvPr>
@@ -11003,17 +10256,17 @@
           <a:lstStyle/>
           <a:p>
             <a:r>
-              <a:rPr lang="en-US" sz="1800" dirty="0" smtClean="0"/>
+              <a:rPr lang="en-US" sz="1800" dirty="0"/>
               <a:t>Close the simple.js file</a:t>
             </a:r>
           </a:p>
           <a:p>
             <a:r>
-              <a:rPr lang="en-US" sz="1800" dirty="0" smtClean="0"/>
+              <a:rPr lang="en-US" sz="1800" dirty="0"/>
               <a:t>Create a new JavaScript file via the command: </a:t>
             </a:r>
             <a:r>
-              <a:rPr lang="en-US" sz="1800" dirty="0" smtClean="0">
+              <a:rPr lang="en-US" sz="1800" dirty="0">
                 <a:latin typeface="Consolas" panose="020B0609020204030204" pitchFamily="49" charset="0"/>
               </a:rPr>
               <a:t>touch main.js</a:t>
@@ -11021,7 +10274,7 @@
           </a:p>
           <a:p>
             <a:r>
-              <a:rPr lang="en-US" sz="1800" dirty="0" smtClean="0"/>
+              <a:rPr lang="en-US" sz="1800" dirty="0"/>
               <a:t>Open this file up in VS code and add the code shown on the next page</a:t>
             </a:r>
           </a:p>
@@ -11063,13 +10316,6 @@
   <p:clrMapOvr>
     <a:masterClrMapping/>
   </p:clrMapOvr>
-  <p:timing>
-    <p:tnLst>
-      <p:par>
-        <p:cTn id="1" dur="indefinite" restart="never" nodeType="tmRoot"/>
-      </p:par>
-    </p:tnLst>
-  </p:timing>
 </p:sld>
 </file>
 
@@ -11095,7 +10341,7 @@
           <p:cNvPr id="2" name="Title 1">
             <a:extLst>
               <a:ext uri="{FF2B5EF4-FFF2-40B4-BE49-F238E27FC236}">
-                <a16:creationId xmlns:a16="http://schemas.microsoft.com/office/drawing/2014/main" xmlns="" id="{BDFAC13C-59B1-436E-B58F-C304E1C705CF}"/>
+                <a16:creationId xmlns:a16="http://schemas.microsoft.com/office/drawing/2014/main" id="{BDFAC13C-59B1-436E-B58F-C304E1C705CF}"/>
               </a:ext>
             </a:extLst>
           </p:cNvPr>
@@ -11119,10 +10365,9 @@
           <a:lstStyle/>
           <a:p>
             <a:r>
-              <a:rPr lang="en-US" u="sng" dirty="0" smtClean="0"/>
+              <a:rPr lang="en-US" u="sng" dirty="0"/>
               <a:t>Node.js Simple Web Server</a:t>
             </a:r>
-            <a:endParaRPr lang="en-US" u="sng" dirty="0"/>
           </a:p>
         </p:txBody>
       </p:sp>
@@ -11131,7 +10376,7 @@
           <p:cNvPr id="3" name="Content Placeholder 2">
             <a:extLst>
               <a:ext uri="{FF2B5EF4-FFF2-40B4-BE49-F238E27FC236}">
-                <a16:creationId xmlns:a16="http://schemas.microsoft.com/office/drawing/2014/main" xmlns="" id="{844A3DC5-46BF-4BFF-8008-98FD467C4904}"/>
+                <a16:creationId xmlns:a16="http://schemas.microsoft.com/office/drawing/2014/main" id="{844A3DC5-46BF-4BFF-8008-98FD467C4904}"/>
               </a:ext>
             </a:extLst>
           </p:cNvPr>
@@ -11161,30 +10406,18 @@
               <a:rPr lang="en-US" sz="1800" dirty="0">
                 <a:latin typeface="Consolas" panose="020B0609020204030204" pitchFamily="49" charset="0"/>
               </a:rPr>
-              <a:t>const http = require("http</a:t>
-            </a:r>
-            <a:r>
-              <a:rPr lang="en-US" sz="1800" dirty="0" smtClean="0">
-                <a:latin typeface="Consolas" panose="020B0609020204030204" pitchFamily="49" charset="0"/>
-              </a:rPr>
-              <a:t>");</a:t>
+              <a:t>const http = require("http");</a:t>
             </a:r>
           </a:p>
           <a:p>
             <a:pPr marL="0" indent="0">
               <a:buNone/>
             </a:pPr>
-            <a:r>
-              <a:rPr lang="en-US" sz="1800" dirty="0" smtClean="0">
-                <a:latin typeface="Consolas" panose="020B0609020204030204" pitchFamily="49" charset="0"/>
-              </a:rPr>
-              <a:t>const</a:t>
-            </a:r>
             <a:r>
               <a:rPr lang="en-US" sz="1800" dirty="0">
                 <a:latin typeface="Consolas" panose="020B0609020204030204" pitchFamily="49" charset="0"/>
               </a:rPr>
-              <a:t> PORT = process.env.PORT || 3000;</a:t>
+              <a:t>const PORT = process.env.PORT || 3000;</a:t>
             </a:r>
           </a:p>
           <a:p>
@@ -11195,74 +10428,41 @@
               <a:rPr lang="en-US" sz="1800" dirty="0">
                 <a:latin typeface="Consolas" panose="020B0609020204030204" pitchFamily="49" charset="0"/>
               </a:rPr>
-              <a:t>const server = </a:t>
-            </a:r>
-            <a:r>
-              <a:rPr lang="en-US" sz="1800" dirty="0" smtClean="0">
-                <a:latin typeface="Consolas" panose="020B0609020204030204" pitchFamily="49" charset="0"/>
-              </a:rPr>
-              <a:t>http.createServer(function</a:t>
-            </a:r>
+              <a:t>const server = http.createServer(function (req, res) {</a:t>
+            </a:r>
+          </a:p>
+          <a:p>
+            <a:pPr marL="0" indent="0">
+              <a:buNone/>
+            </a:pPr>
             <a:r>
               <a:rPr lang="en-US" sz="1800" dirty="0">
                 <a:latin typeface="Consolas" panose="020B0609020204030204" pitchFamily="49" charset="0"/>
               </a:rPr>
-              <a:t> (req, res) </a:t>
-            </a:r>
-            <a:r>
-              <a:rPr lang="en-US" sz="1800" dirty="0" smtClean="0">
-                <a:latin typeface="Consolas" panose="020B0609020204030204" pitchFamily="49" charset="0"/>
-              </a:rPr>
-              <a:t>{</a:t>
+              <a:t>  res.writeHead(200, {"Content-Type": "text/plain"});</a:t>
             </a:r>
           </a:p>
           <a:p>
             <a:pPr marL="0" indent="0">
               <a:buNone/>
             </a:pPr>
-            <a:r>
-              <a:rPr lang="en-US" sz="1800" dirty="0" smtClean="0">
-                <a:latin typeface="Consolas" panose="020B0609020204030204" pitchFamily="49" charset="0"/>
-              </a:rPr>
-              <a:t>  res.writeHead(200</a:t>
-            </a:r>
             <a:r>
               <a:rPr lang="en-US" sz="1800" dirty="0">
                 <a:latin typeface="Consolas" panose="020B0609020204030204" pitchFamily="49" charset="0"/>
               </a:rPr>
-              <a:t>, {"Content-Type": "text/plain"});</a:t>
+              <a:t>  res.end("Hello World!");</a:t>
             </a:r>
           </a:p>
           <a:p>
             <a:pPr marL="0" indent="0">
               <a:buNone/>
             </a:pPr>
-            <a:r>
-              <a:rPr lang="en-US" sz="1800" dirty="0" smtClean="0">
-                <a:latin typeface="Consolas" panose="020B0609020204030204" pitchFamily="49" charset="0"/>
-              </a:rPr>
-              <a:t>  res.end</a:t>
-            </a:r>
             <a:r>
               <a:rPr lang="en-US" sz="1800" dirty="0">
                 <a:latin typeface="Consolas" panose="020B0609020204030204" pitchFamily="49" charset="0"/>
               </a:rPr>
-              <a:t>("Hello World!");</a:t>
-            </a:r>
-          </a:p>
-          <a:p>
-            <a:pPr marL="0" indent="0">
-              <a:buNone/>
-            </a:pPr>
-            <a:r>
-              <a:rPr lang="en-US" sz="1800" dirty="0" smtClean="0">
-                <a:latin typeface="Consolas" panose="020B0609020204030204" pitchFamily="49" charset="0"/>
-              </a:rPr>
               <a:t>});</a:t>
             </a:r>
-            <a:endParaRPr lang="en-US" sz="1800" dirty="0">
-              <a:latin typeface="Consolas" panose="020B0609020204030204" pitchFamily="49" charset="0"/>
-            </a:endParaRPr>
           </a:p>
           <a:p>
             <a:pPr marL="0" indent="0">
@@ -11321,13 +10521,6 @@
   <p:clrMapOvr>
     <a:masterClrMapping/>
   </p:clrMapOvr>
-  <p:timing>
-    <p:tnLst>
-      <p:par>
-        <p:cTn id="1" dur="indefinite" restart="never" nodeType="tmRoot"/>
-      </p:par>
-    </p:tnLst>
-  </p:timing>
 </p:sld>
 </file>
 

--- a/unit_01/slides/Unit01-PartI.pptx
+++ b/unit_01/slides/Unit01-PartI.pptx
@@ -5,43 +5,46 @@
     <p:sldMasterId id="2147483673" r:id="rId4"/>
   </p:sldMasterIdLst>
   <p:notesMasterIdLst>
-    <p:notesMasterId r:id="rId39"/>
+    <p:notesMasterId r:id="rId42"/>
   </p:notesMasterIdLst>
   <p:sldIdLst>
     <p:sldId id="257" r:id="rId5"/>
     <p:sldId id="263" r:id="rId6"/>
-    <p:sldId id="266" r:id="rId7"/>
-    <p:sldId id="267" r:id="rId8"/>
-    <p:sldId id="268" r:id="rId9"/>
-    <p:sldId id="269" r:id="rId10"/>
-    <p:sldId id="270" r:id="rId11"/>
-    <p:sldId id="273" r:id="rId12"/>
-    <p:sldId id="274" r:id="rId13"/>
-    <p:sldId id="271" r:id="rId14"/>
-    <p:sldId id="275" r:id="rId15"/>
-    <p:sldId id="277" r:id="rId16"/>
-    <p:sldId id="278" r:id="rId17"/>
-    <p:sldId id="279" r:id="rId18"/>
-    <p:sldId id="280" r:id="rId19"/>
-    <p:sldId id="281" r:id="rId20"/>
-    <p:sldId id="282" r:id="rId21"/>
-    <p:sldId id="283" r:id="rId22"/>
-    <p:sldId id="284" r:id="rId23"/>
-    <p:sldId id="285" r:id="rId24"/>
-    <p:sldId id="286" r:id="rId25"/>
-    <p:sldId id="291" r:id="rId26"/>
-    <p:sldId id="292" r:id="rId27"/>
-    <p:sldId id="287" r:id="rId28"/>
-    <p:sldId id="293" r:id="rId29"/>
-    <p:sldId id="290" r:id="rId30"/>
-    <p:sldId id="295" r:id="rId31"/>
-    <p:sldId id="296" r:id="rId32"/>
-    <p:sldId id="289" r:id="rId33"/>
-    <p:sldId id="288" r:id="rId34"/>
-    <p:sldId id="297" r:id="rId35"/>
-    <p:sldId id="298" r:id="rId36"/>
-    <p:sldId id="299" r:id="rId37"/>
-    <p:sldId id="276" r:id="rId38"/>
+    <p:sldId id="303" r:id="rId7"/>
+    <p:sldId id="266" r:id="rId8"/>
+    <p:sldId id="267" r:id="rId9"/>
+    <p:sldId id="304" r:id="rId10"/>
+    <p:sldId id="268" r:id="rId11"/>
+    <p:sldId id="300" r:id="rId12"/>
+    <p:sldId id="305" r:id="rId13"/>
+    <p:sldId id="273" r:id="rId14"/>
+    <p:sldId id="274" r:id="rId15"/>
+    <p:sldId id="301" r:id="rId16"/>
+    <p:sldId id="302" r:id="rId17"/>
+    <p:sldId id="278" r:id="rId18"/>
+    <p:sldId id="279" r:id="rId19"/>
+    <p:sldId id="280" r:id="rId20"/>
+    <p:sldId id="281" r:id="rId21"/>
+    <p:sldId id="306" r:id="rId22"/>
+    <p:sldId id="282" r:id="rId23"/>
+    <p:sldId id="283" r:id="rId24"/>
+    <p:sldId id="284" r:id="rId25"/>
+    <p:sldId id="285" r:id="rId26"/>
+    <p:sldId id="286" r:id="rId27"/>
+    <p:sldId id="291" r:id="rId28"/>
+    <p:sldId id="292" r:id="rId29"/>
+    <p:sldId id="287" r:id="rId30"/>
+    <p:sldId id="293" r:id="rId31"/>
+    <p:sldId id="290" r:id="rId32"/>
+    <p:sldId id="295" r:id="rId33"/>
+    <p:sldId id="296" r:id="rId34"/>
+    <p:sldId id="289" r:id="rId35"/>
+    <p:sldId id="288" r:id="rId36"/>
+    <p:sldId id="297" r:id="rId37"/>
+    <p:sldId id="298" r:id="rId38"/>
+    <p:sldId id="299" r:id="rId39"/>
+    <p:sldId id="307" r:id="rId40"/>
+    <p:sldId id="276" r:id="rId41"/>
   </p:sldIdLst>
   <p:sldSz cx="12192000" cy="6858000"/>
   <p:notesSz cx="6858000" cy="9144000"/>
@@ -562,7 +565,7 @@
           <a:p>
             <a:fld id="{D7F58A06-DD4F-4924-BE66-8F95ED766CC7}" type="slidenum">
               <a:rPr lang="en-US" smtClean="0"/>
-              <a:t>3</a:t>
+              <a:t>4</a:t>
             </a:fld>
             <a:endParaRPr lang="en-US" dirty="0"/>
           </a:p>
@@ -4750,12 +4753,7 @@
             <p:ph type="title"/>
           </p:nvPr>
         </p:nvSpPr>
-        <p:spPr>
-          <a:xfrm>
-            <a:off x="664234" y="733579"/>
-            <a:ext cx="9038566" cy="1371600"/>
-          </a:xfrm>
-        </p:spPr>
+        <p:spPr/>
         <p:txBody>
           <a:bodyPr>
             <a:normAutofit/>
@@ -4763,8 +4761,12 @@
           <a:lstStyle/>
           <a:p>
             <a:r>
+              <a:rPr lang="en-US" u="sng"/>
+              <a:t>Simple </a:t>
+            </a:r>
+            <a:r>
               <a:rPr lang="en-US" u="sng" dirty="0"/>
-              <a:t>Node.js Simple Web Server</a:t>
+              <a:t>Web Server</a:t>
             </a:r>
           </a:p>
         </p:txBody>
@@ -4785,56 +4787,54 @@
             <p:ph idx="1"/>
           </p:nvPr>
         </p:nvSpPr>
-        <p:spPr>
-          <a:xfrm>
-            <a:off x="1066800" y="2733472"/>
-            <a:ext cx="10058400" cy="1919267"/>
-          </a:xfrm>
-        </p:spPr>
+        <p:spPr/>
         <p:txBody>
           <a:bodyPr>
-            <a:normAutofit lnSpcReduction="10000"/>
+            <a:normAutofit/>
           </a:bodyPr>
           <a:lstStyle/>
           <a:p>
             <a:r>
               <a:rPr lang="en-US" sz="1800" dirty="0"/>
-              <a:t>Save the main.js file</a:t>
-            </a:r>
-          </a:p>
-          <a:p>
-            <a:r>
-              <a:rPr lang="en-US" sz="1800" dirty="0"/>
-              <a:t>From the Git command line, enter in the following command and hit &lt;enter&gt;</a:t>
-            </a:r>
-          </a:p>
-          <a:p>
-            <a:pPr marL="169863" indent="0">
-              <a:buNone/>
-            </a:pPr>
-            <a:r>
-              <a:rPr lang="en-US" sz="1800" dirty="0">
+              <a:t>Close the </a:t>
+            </a:r>
+            <a:r>
+              <a:rPr lang="en-US" sz="1800" b="1" dirty="0">
                 <a:latin typeface="Consolas" panose="020B0609020204030204" pitchFamily="49" charset="0"/>
               </a:rPr>
-              <a:t>node main.js</a:t>
-            </a:r>
-          </a:p>
-          <a:p>
-            <a:pPr marL="169863" indent="0">
-              <a:buNone/>
-            </a:pPr>
+              <a:t>simple.js </a:t>
+            </a:r>
             <a:r>
               <a:rPr lang="en-US" sz="1800" dirty="0"/>
-              <a:t>An associated screenshot of the terminal is shown on the next page, followed by a screenshot of the associated server up and running on the page after that</a:t>
-            </a:r>
-          </a:p>
-          <a:p>
-            <a:pPr marL="169863" indent="0">
-              <a:buNone/>
-            </a:pPr>
-            <a:endParaRPr lang="en-US" sz="1800" dirty="0"/>
-          </a:p>
-          <a:p>
+              <a:t>file</a:t>
+            </a:r>
+          </a:p>
+          <a:p>
+            <a:r>
+              <a:rPr lang="en-US" sz="1800" dirty="0"/>
+              <a:t>Create a </a:t>
+            </a:r>
+            <a:r>
+              <a:rPr lang="en-US" sz="1800"/>
+              <a:t>new file named </a:t>
+            </a:r>
+            <a:r>
+              <a:rPr lang="en-US" sz="1800" b="1"/>
+              <a:t>program2.js</a:t>
+            </a:r>
+            <a:endParaRPr lang="en-US" sz="1800" b="1" dirty="0">
+              <a:latin typeface="Consolas" panose="020B0609020204030204" pitchFamily="49" charset="0"/>
+            </a:endParaRPr>
+          </a:p>
+          <a:p>
+            <a:r>
+              <a:rPr lang="en-US" sz="1800" dirty="0"/>
+              <a:t>Open </a:t>
+            </a:r>
+            <a:r>
+              <a:rPr lang="en-US" sz="1800"/>
+              <a:t>this file</a:t>
+            </a:r>
             <a:endParaRPr lang="en-US" sz="1800" dirty="0"/>
           </a:p>
         </p:txBody>
@@ -4865,7 +4865,7 @@
     </p:spTree>
     <p:extLst>
       <p:ext uri="{BB962C8B-B14F-4D97-AF65-F5344CB8AC3E}">
-        <p14:creationId xmlns:p14="http://schemas.microsoft.com/office/powerpoint/2010/main" val="1354561125"/>
+        <p14:creationId xmlns:p14="http://schemas.microsoft.com/office/powerpoint/2010/main" val="3972152926"/>
       </p:ext>
     </p:extLst>
   </p:cSld>
@@ -4908,12 +4908,7 @@
             <p:ph type="title"/>
           </p:nvPr>
         </p:nvSpPr>
-        <p:spPr>
-          <a:xfrm>
-            <a:off x="664234" y="733579"/>
-            <a:ext cx="9038566" cy="1371600"/>
-          </a:xfrm>
-        </p:spPr>
+        <p:spPr/>
         <p:txBody>
           <a:bodyPr>
             <a:normAutofit/>
@@ -4921,8 +4916,12 @@
           <a:lstStyle/>
           <a:p>
             <a:r>
+              <a:rPr lang="en-US" u="sng"/>
+              <a:t>Simple </a:t>
+            </a:r>
+            <a:r>
               <a:rPr lang="en-US" u="sng" dirty="0"/>
-              <a:t>Node.js Simple Web Server</a:t>
+              <a:t>Web Server</a:t>
             </a:r>
           </a:p>
         </p:txBody>
@@ -4943,25 +4942,166 @@
             <p:ph idx="1"/>
           </p:nvPr>
         </p:nvSpPr>
-        <p:spPr>
-          <a:xfrm>
-            <a:off x="1066800" y="2733472"/>
-            <a:ext cx="10058400" cy="1919267"/>
-          </a:xfrm>
-        </p:spPr>
+        <p:spPr/>
         <p:txBody>
           <a:bodyPr>
-            <a:normAutofit/>
+            <a:normAutofit lnSpcReduction="10000"/>
           </a:bodyPr>
           <a:lstStyle/>
           <a:p>
-            <a:pPr marL="169863" indent="0">
+            <a:pPr marL="0" indent="0">
               <a:buNone/>
             </a:pPr>
-            <a:endParaRPr lang="en-US" sz="1800" dirty="0"/>
-          </a:p>
-          <a:p>
-            <a:endParaRPr lang="en-US" sz="1800" dirty="0"/>
+            <a:r>
+              <a:rPr lang="en-US" sz="1800" b="1"/>
+              <a:t>Enter the code shown below into program2.js and save the file.</a:t>
+            </a:r>
+          </a:p>
+          <a:p>
+            <a:pPr marL="0" indent="0">
+              <a:buNone/>
+            </a:pPr>
+            <a:endParaRPr lang="en-US" sz="1800" b="1"/>
+          </a:p>
+          <a:p>
+            <a:pPr marL="274320" lvl="1" indent="0">
+              <a:spcBef>
+                <a:spcPts val="0"/>
+              </a:spcBef>
+              <a:buNone/>
+            </a:pPr>
+            <a:r>
+              <a:rPr lang="en-US" sz="1800">
+                <a:latin typeface="Consolas" panose="020B0609020204030204" pitchFamily="49" charset="0"/>
+              </a:rPr>
+              <a:t>const http = require('http');</a:t>
+            </a:r>
+          </a:p>
+          <a:p>
+            <a:pPr marL="274320" lvl="1" indent="0">
+              <a:spcBef>
+                <a:spcPts val="0"/>
+              </a:spcBef>
+              <a:buNone/>
+            </a:pPr>
+            <a:r>
+              <a:rPr lang="en-US" sz="1800">
+                <a:latin typeface="Consolas" panose="020B0609020204030204" pitchFamily="49" charset="0"/>
+              </a:rPr>
+              <a:t>const PORT = process.env.PORT || 3000;</a:t>
+            </a:r>
+          </a:p>
+          <a:p>
+            <a:pPr marL="274320" lvl="1" indent="0">
+              <a:spcBef>
+                <a:spcPts val="0"/>
+              </a:spcBef>
+              <a:buNone/>
+            </a:pPr>
+            <a:endParaRPr lang="en-US" sz="1800">
+              <a:latin typeface="Consolas" panose="020B0609020204030204" pitchFamily="49" charset="0"/>
+            </a:endParaRPr>
+          </a:p>
+          <a:p>
+            <a:pPr marL="274320" lvl="1" indent="0">
+              <a:spcBef>
+                <a:spcPts val="0"/>
+              </a:spcBef>
+              <a:buNone/>
+            </a:pPr>
+            <a:r>
+              <a:rPr lang="en-US" sz="1800">
+                <a:latin typeface="Consolas" panose="020B0609020204030204" pitchFamily="49" charset="0"/>
+              </a:rPr>
+              <a:t>const server = http.createServer((req, res) =&gt; {</a:t>
+            </a:r>
+          </a:p>
+          <a:p>
+            <a:pPr marL="274320" lvl="1" indent="0">
+              <a:spcBef>
+                <a:spcPts val="0"/>
+              </a:spcBef>
+              <a:buNone/>
+            </a:pPr>
+            <a:r>
+              <a:rPr lang="en-US" sz="1800">
+                <a:latin typeface="Consolas" panose="020B0609020204030204" pitchFamily="49" charset="0"/>
+              </a:rPr>
+              <a:t>  res.writeHead(200, { 'Content-Type': 'text/plain' });</a:t>
+            </a:r>
+          </a:p>
+          <a:p>
+            <a:pPr marL="274320" lvl="1" indent="0">
+              <a:spcBef>
+                <a:spcPts val="0"/>
+              </a:spcBef>
+              <a:buNone/>
+            </a:pPr>
+            <a:r>
+              <a:rPr lang="en-US" sz="1800">
+                <a:latin typeface="Consolas" panose="020B0609020204030204" pitchFamily="49" charset="0"/>
+              </a:rPr>
+              <a:t>  res.end('Hello World!');</a:t>
+            </a:r>
+          </a:p>
+          <a:p>
+            <a:pPr marL="274320" lvl="1" indent="0">
+              <a:spcBef>
+                <a:spcPts val="0"/>
+              </a:spcBef>
+              <a:buNone/>
+            </a:pPr>
+            <a:r>
+              <a:rPr lang="en-US" sz="1800">
+                <a:latin typeface="Consolas" panose="020B0609020204030204" pitchFamily="49" charset="0"/>
+              </a:rPr>
+              <a:t>});</a:t>
+            </a:r>
+          </a:p>
+          <a:p>
+            <a:pPr marL="274320" lvl="1" indent="0">
+              <a:spcBef>
+                <a:spcPts val="0"/>
+              </a:spcBef>
+              <a:buNone/>
+            </a:pPr>
+            <a:r>
+              <a:rPr lang="en-US" sz="1800">
+                <a:latin typeface="Consolas" panose="020B0609020204030204" pitchFamily="49" charset="0"/>
+              </a:rPr>
+              <a:t>server.listen(PORT, () =&gt; {</a:t>
+            </a:r>
+          </a:p>
+          <a:p>
+            <a:pPr marL="274320" lvl="1" indent="0">
+              <a:spcBef>
+                <a:spcPts val="0"/>
+              </a:spcBef>
+              <a:buNone/>
+            </a:pPr>
+            <a:r>
+              <a:rPr lang="en-US" sz="1800">
+                <a:latin typeface="Consolas" panose="020B0609020204030204" pitchFamily="49" charset="0"/>
+              </a:rPr>
+              <a:t>  console.log(`Server is listening on port ${PORT}`);</a:t>
+            </a:r>
+          </a:p>
+          <a:p>
+            <a:pPr marL="274320" lvl="1" indent="0">
+              <a:spcBef>
+                <a:spcPts val="0"/>
+              </a:spcBef>
+              <a:buNone/>
+            </a:pPr>
+            <a:r>
+              <a:rPr lang="en-US" sz="1800">
+                <a:latin typeface="Consolas" panose="020B0609020204030204" pitchFamily="49" charset="0"/>
+              </a:rPr>
+              <a:t>});</a:t>
+            </a:r>
+            <a:endParaRPr lang="en-US" sz="1800" dirty="0">
+              <a:latin typeface="Consolas" panose="020B0609020204030204" pitchFamily="49" charset="0"/>
+            </a:endParaRPr>
           </a:p>
         </p:txBody>
       </p:sp>
@@ -4988,34 +5128,10 @@
           </a:p>
         </p:txBody>
       </p:sp>
-      <p:pic>
-        <p:nvPicPr>
-          <p:cNvPr id="4" name="Picture 3"/>
-          <p:cNvPicPr>
-            <a:picLocks noChangeAspect="1"/>
-          </p:cNvPicPr>
-          <p:nvPr/>
-        </p:nvPicPr>
-        <p:blipFill>
-          <a:blip r:embed="rId2"/>
-          <a:stretch>
-            <a:fillRect/>
-          </a:stretch>
-        </p:blipFill>
-        <p:spPr>
-          <a:xfrm>
-            <a:off x="1131887" y="2733472"/>
-            <a:ext cx="6372225" cy="1704975"/>
-          </a:xfrm>
-          <a:prstGeom prst="rect">
-            <a:avLst/>
-          </a:prstGeom>
-        </p:spPr>
-      </p:pic>
     </p:spTree>
     <p:extLst>
       <p:ext uri="{BB962C8B-B14F-4D97-AF65-F5344CB8AC3E}">
-        <p14:creationId xmlns:p14="http://schemas.microsoft.com/office/powerpoint/2010/main" val="2597043229"/>
+        <p14:creationId xmlns:p14="http://schemas.microsoft.com/office/powerpoint/2010/main" val="1262910726"/>
       </p:ext>
     </p:extLst>
   </p:cSld>
@@ -5058,12 +5174,7 @@
             <p:ph type="title"/>
           </p:nvPr>
         </p:nvSpPr>
-        <p:spPr>
-          <a:xfrm>
-            <a:off x="664234" y="733579"/>
-            <a:ext cx="9038566" cy="1371600"/>
-          </a:xfrm>
-        </p:spPr>
+        <p:spPr/>
         <p:txBody>
           <a:bodyPr>
             <a:normAutofit/>
@@ -5071,9 +5182,10 @@
           <a:lstStyle/>
           <a:p>
             <a:r>
-              <a:rPr lang="en-US" u="sng" dirty="0"/>
-              <a:t>Node.js Simple Web Server</a:t>
-            </a:r>
+              <a:rPr lang="en-US" u="sng"/>
+              <a:t>Simple Web Server</a:t>
+            </a:r>
+            <a:endParaRPr lang="en-US" u="sng" dirty="0"/>
           </a:p>
         </p:txBody>
       </p:sp>
@@ -5095,8 +5207,8 @@
         </p:nvSpPr>
         <p:spPr>
           <a:xfrm>
-            <a:off x="1066800" y="2733472"/>
-            <a:ext cx="10058400" cy="1919267"/>
+            <a:off x="1066800" y="2103119"/>
+            <a:ext cx="10058400" cy="1697093"/>
           </a:xfrm>
         </p:spPr>
         <p:txBody>
@@ -5105,13 +5217,58 @@
           </a:bodyPr>
           <a:lstStyle/>
           <a:p>
-            <a:pPr marL="169863" indent="0">
+            <a:r>
+              <a:rPr lang="en-US" sz="1800"/>
+              <a:t>Open a terminal window inside Visual Studio Code</a:t>
+            </a:r>
+          </a:p>
+          <a:p>
+            <a:r>
+              <a:rPr lang="en-US" sz="1800"/>
+              <a:t>Type the following command:</a:t>
+            </a:r>
+          </a:p>
+          <a:p>
+            <a:pPr marL="347472" indent="0">
               <a:buNone/>
             </a:pPr>
-            <a:endParaRPr lang="en-US" sz="1800" dirty="0"/>
-          </a:p>
-          <a:p>
-            <a:endParaRPr lang="en-US" sz="1800" dirty="0"/>
+            <a:r>
+              <a:rPr lang="en-US" sz="1800" b="1">
+                <a:latin typeface="Consolas" panose="020B0609020204030204" pitchFamily="49" charset="0"/>
+              </a:rPr>
+              <a:t>node program1.js</a:t>
+            </a:r>
+          </a:p>
+          <a:p>
+            <a:r>
+              <a:rPr lang="en-US" sz="1800"/>
+              <a:t>The expected results are shown below</a:t>
+            </a:r>
+            <a:endParaRPr lang="en-US" sz="1800" b="1">
+              <a:latin typeface="Consolas" panose="020B0609020204030204" pitchFamily="49" charset="0"/>
+            </a:endParaRPr>
+          </a:p>
+          <a:p>
+            <a:pPr marL="347472" indent="0">
+              <a:buNone/>
+            </a:pPr>
+            <a:endParaRPr lang="en-US" sz="1800" b="1">
+              <a:latin typeface="Consolas" panose="020B0609020204030204" pitchFamily="49" charset="0"/>
+            </a:endParaRPr>
+          </a:p>
+          <a:p>
+            <a:pPr marL="342900" indent="-342900">
+              <a:buFont typeface="+mj-lt"/>
+              <a:buAutoNum type="arabicPeriod" startAt="7"/>
+            </a:pPr>
+            <a:endParaRPr lang="en-US" sz="1800"/>
+          </a:p>
+          <a:p>
+            <a:pPr marL="342900" indent="-342900">
+              <a:buFont typeface="+mj-lt"/>
+              <a:buAutoNum type="arabicPeriod" startAt="7"/>
+            </a:pPr>
+            <a:endParaRPr lang="en-US" sz="1800"/>
           </a:p>
         </p:txBody>
       </p:sp>
@@ -5140,7 +5297,13 @@
       </p:sp>
       <p:pic>
         <p:nvPicPr>
-          <p:cNvPr id="7" name="Picture 6"/>
+          <p:cNvPr id="7" name="Picture 6">
+            <a:extLst>
+              <a:ext uri="{FF2B5EF4-FFF2-40B4-BE49-F238E27FC236}">
+                <a16:creationId xmlns:a16="http://schemas.microsoft.com/office/drawing/2014/main" id="{33FD4B16-60B0-4813-98FC-33CF0C11F341}"/>
+              </a:ext>
+            </a:extLst>
+          </p:cNvPr>
           <p:cNvPicPr>
             <a:picLocks noChangeAspect="1"/>
           </p:cNvPicPr>
@@ -5154,8 +5317,8 @@
         </p:blipFill>
         <p:spPr>
           <a:xfrm>
-            <a:off x="1066800" y="2733472"/>
-            <a:ext cx="2762250" cy="1514475"/>
+            <a:off x="1066800" y="4260268"/>
+            <a:ext cx="6372225" cy="1704975"/>
           </a:xfrm>
           <a:prstGeom prst="rect">
             <a:avLst/>
@@ -5165,7 +5328,7 @@
     </p:spTree>
     <p:extLst>
       <p:ext uri="{BB962C8B-B14F-4D97-AF65-F5344CB8AC3E}">
-        <p14:creationId xmlns:p14="http://schemas.microsoft.com/office/powerpoint/2010/main" val="2773600518"/>
+        <p14:creationId xmlns:p14="http://schemas.microsoft.com/office/powerpoint/2010/main" val="2758850425"/>
       </p:ext>
     </p:extLst>
   </p:cSld>
@@ -5208,12 +5371,7 @@
             <p:ph type="title"/>
           </p:nvPr>
         </p:nvSpPr>
-        <p:spPr>
-          <a:xfrm>
-            <a:off x="664234" y="733579"/>
-            <a:ext cx="9038566" cy="1371600"/>
-          </a:xfrm>
-        </p:spPr>
+        <p:spPr/>
         <p:txBody>
           <a:bodyPr>
             <a:normAutofit/>
@@ -5221,15 +5379,8 @@
           <a:lstStyle/>
           <a:p>
             <a:r>
-              <a:rPr lang="en-US" u="sng" dirty="0"/>
-              <a:t>Node.js Simple Web Server</a:t>
-            </a:r>
-            <a:br>
-              <a:rPr lang="en-US" u="sng" dirty="0"/>
-            </a:br>
-            <a:r>
-              <a:rPr lang="en-US" sz="2400" dirty="0"/>
-              <a:t>(each statement explained)</a:t>
+              <a:rPr lang="en-US" u="sng"/>
+              <a:t>Simple Web Server</a:t>
             </a:r>
             <a:endParaRPr lang="en-US" u="sng" dirty="0"/>
           </a:p>
@@ -5253,8 +5404,8 @@
         </p:nvSpPr>
         <p:spPr>
           <a:xfrm>
-            <a:off x="1066800" y="2708072"/>
-            <a:ext cx="10058400" cy="1919267"/>
+            <a:off x="1066800" y="2103120"/>
+            <a:ext cx="10058400" cy="557784"/>
           </a:xfrm>
         </p:spPr>
         <p:txBody>
@@ -5267,26 +5418,22 @@
               <a:buNone/>
             </a:pPr>
             <a:r>
-              <a:rPr lang="en-US" sz="1800" dirty="0">
-                <a:latin typeface="Consolas" panose="020B0609020204030204" pitchFamily="49" charset="0"/>
+              <a:rPr lang="en-US" sz="1800" b="1"/>
+              <a:t>Open </a:t>
+            </a:r>
+            <a:r>
+              <a:rPr lang="en-US" sz="1800" b="1">
+                <a:hlinkClick r:id="rId2"/>
               </a:rPr>
-              <a:t>const http = require("http");</a:t>
-            </a:r>
-          </a:p>
-          <a:p>
-            <a:r>
-              <a:rPr lang="en-US" sz="1800" dirty="0"/>
-              <a:t>Node.js has a built-in module called HTTP, which allows Node.js to transfer data over the Hyper Text Transfer Protocol (HTTP).</a:t>
-            </a:r>
-          </a:p>
-          <a:p>
-            <a:r>
-              <a:rPr lang="en-US" sz="1800" dirty="0"/>
-              <a:t>To include the HTTP module (i.e. make it program available), the require() method is used</a:t>
-            </a:r>
-          </a:p>
-          <a:p>
-            <a:endParaRPr lang="en-US" sz="1800" dirty="0"/>
+              <a:t>http://localhost:3000</a:t>
+            </a:r>
+            <a:r>
+              <a:rPr lang="en-US" sz="1800" b="1"/>
+              <a:t> in your browser</a:t>
+            </a:r>
+            <a:endParaRPr lang="en-US" sz="1800" b="1">
+              <a:latin typeface="Consolas" panose="020B0609020204030204" pitchFamily="49" charset="0"/>
+            </a:endParaRPr>
           </a:p>
         </p:txBody>
       </p:sp>
@@ -5313,57 +5460,39 @@
           </a:p>
         </p:txBody>
       </p:sp>
-      <p:sp>
-        <p:nvSpPr>
-          <p:cNvPr id="6" name="Rectangle 5">
+      <p:pic>
+        <p:nvPicPr>
+          <p:cNvPr id="4" name="Picture 3">
             <a:extLst>
               <a:ext uri="{FF2B5EF4-FFF2-40B4-BE49-F238E27FC236}">
-                <a16:creationId xmlns:a16="http://schemas.microsoft.com/office/drawing/2014/main" id="{0C71533A-4A29-47E2-A4D4-85E44356516A}"/>
+                <a16:creationId xmlns:a16="http://schemas.microsoft.com/office/drawing/2014/main" id="{04A67975-EF64-4B14-8C25-EB8ADD57A674}"/>
               </a:ext>
             </a:extLst>
           </p:cNvPr>
-          <p:cNvSpPr/>
+          <p:cNvPicPr>
+            <a:picLocks noChangeAspect="1"/>
+          </p:cNvPicPr>
           <p:nvPr/>
-        </p:nvSpPr>
+        </p:nvPicPr>
+        <p:blipFill rotWithShape="1">
+          <a:blip r:embed="rId3"/>
+          <a:srcRect t="23190" r="7503"/>
+          <a:stretch/>
+        </p:blipFill>
         <p:spPr>
           <a:xfrm>
-            <a:off x="1066800" y="5818971"/>
-            <a:ext cx="10058400" cy="584775"/>
+            <a:off x="1066800" y="2871840"/>
+            <a:ext cx="6074247" cy="2765562"/>
           </a:xfrm>
           <a:prstGeom prst="rect">
             <a:avLst/>
           </a:prstGeom>
         </p:spPr>
-        <p:txBody>
-          <a:bodyPr wrap="square">
-            <a:spAutoFit/>
-          </a:bodyPr>
-          <a:lstStyle/>
-          <a:p>
-            <a:r>
-              <a:rPr lang="en-US" sz="1600" b="1" dirty="0"/>
-              <a:t>Source</a:t>
-            </a:r>
-          </a:p>
-          <a:p>
-            <a:r>
-              <a:rPr lang="en-US" sz="1600" dirty="0">
-                <a:hlinkClick r:id="rId2"/>
-              </a:rPr>
-              <a:t>https://www.w3schools.com/nodejs/nodejs_http.asp</a:t>
-            </a:r>
-            <a:endParaRPr lang="en-US" sz="1600" dirty="0">
-              <a:solidFill>
-                <a:srgbClr val="00B0F0"/>
-              </a:solidFill>
-            </a:endParaRPr>
-          </a:p>
-        </p:txBody>
-      </p:sp>
+      </p:pic>
     </p:spTree>
     <p:extLst>
       <p:ext uri="{BB962C8B-B14F-4D97-AF65-F5344CB8AC3E}">
-        <p14:creationId xmlns:p14="http://schemas.microsoft.com/office/powerpoint/2010/main" val="2900754368"/>
+        <p14:creationId xmlns:p14="http://schemas.microsoft.com/office/powerpoint/2010/main" val="450008166"/>
       </p:ext>
     </p:extLst>
   </p:cSld>
@@ -5406,12 +5535,7 @@
             <p:ph type="title"/>
           </p:nvPr>
         </p:nvSpPr>
-        <p:spPr>
-          <a:xfrm>
-            <a:off x="664234" y="733579"/>
-            <a:ext cx="9038566" cy="1371600"/>
-          </a:xfrm>
-        </p:spPr>
+        <p:spPr/>
         <p:txBody>
           <a:bodyPr>
             <a:normAutofit/>
@@ -5419,8 +5543,12 @@
           <a:lstStyle/>
           <a:p>
             <a:r>
+              <a:rPr lang="en-US" u="sng"/>
+              <a:t>Simple </a:t>
+            </a:r>
+            <a:r>
               <a:rPr lang="en-US" u="sng" dirty="0"/>
-              <a:t>Node.js Simple Web Server</a:t>
+              <a:t>Web Server</a:t>
             </a:r>
             <a:br>
               <a:rPr lang="en-US" u="sng" dirty="0"/>
@@ -5449,12 +5577,7 @@
             <p:ph idx="1"/>
           </p:nvPr>
         </p:nvSpPr>
-        <p:spPr>
-          <a:xfrm>
-            <a:off x="1066800" y="2733472"/>
-            <a:ext cx="10058400" cy="1919267"/>
-          </a:xfrm>
-        </p:spPr>
+        <p:spPr/>
         <p:txBody>
           <a:bodyPr>
             <a:normAutofit/>
@@ -5468,20 +5591,63 @@
               <a:rPr lang="en-US" sz="1800" dirty="0">
                 <a:latin typeface="Consolas" panose="020B0609020204030204" pitchFamily="49" charset="0"/>
               </a:rPr>
-              <a:t>const PORT = process.env.PORT || 3000;</a:t>
-            </a:r>
+              <a:t>const http = require("</a:t>
+            </a:r>
+            <a:r>
+              <a:rPr lang="en-US" sz="1800">
+                <a:latin typeface="Consolas" panose="020B0609020204030204" pitchFamily="49" charset="0"/>
+              </a:rPr>
+              <a:t>http");</a:t>
+            </a:r>
+          </a:p>
+          <a:p>
+            <a:pPr marL="0" indent="0">
+              <a:buNone/>
+            </a:pPr>
+            <a:endParaRPr lang="en-US" sz="1800" dirty="0">
+              <a:latin typeface="Consolas" panose="020B0609020204030204" pitchFamily="49" charset="0"/>
+            </a:endParaRPr>
           </a:p>
           <a:p>
             <a:r>
               <a:rPr lang="en-US" sz="1800" dirty="0"/>
-              <a:t>In many environments, you can set the environment variable PORT to tell the web server what port to listen on</a:t>
-            </a:r>
-          </a:p>
-          <a:p>
+              <a:t>Node.js has a built-in module called HTTP, which </a:t>
+            </a:r>
+            <a:r>
+              <a:rPr lang="en-US" sz="1800"/>
+              <a:t>allows node</a:t>
+            </a:r>
             <a:r>
               <a:rPr lang="en-US" sz="1800" dirty="0"/>
-              <a:t>So, process.env.PORT || 3000 means set PORT to whatever is in the environment variable PORT, or use port 3000 if the environment variable has not been set</a:t>
-            </a:r>
+              <a:t>.js to transfer data over the Hyper Text Transfer Protocol (HTTP).</a:t>
+            </a:r>
+          </a:p>
+          <a:p>
+            <a:r>
+              <a:rPr lang="en-US" sz="1800" dirty="0"/>
+              <a:t>To </a:t>
+            </a:r>
+            <a:r>
+              <a:rPr lang="en-US" sz="1800"/>
+              <a:t>include a module </a:t>
+            </a:r>
+            <a:r>
+              <a:rPr lang="en-US" sz="1800" dirty="0"/>
+              <a:t>(i.e. </a:t>
+            </a:r>
+            <a:r>
+              <a:rPr lang="en-US" sz="1800"/>
+              <a:t>make it available to the program), use the </a:t>
+            </a:r>
+            <a:r>
+              <a:rPr lang="en-US" sz="1800" dirty="0"/>
+              <a:t>require</a:t>
+            </a:r>
+            <a:r>
+              <a:rPr lang="en-US" sz="1800"/>
+              <a:t>() method</a:t>
+            </a:r>
+            <a:endParaRPr lang="en-US" sz="1800" dirty="0"/>
           </a:p>
         </p:txBody>
       </p:sp>
@@ -5508,57 +5674,10 @@
           </a:p>
         </p:txBody>
       </p:sp>
-      <p:sp>
-        <p:nvSpPr>
-          <p:cNvPr id="6" name="Rectangle 5">
-            <a:extLst>
-              <a:ext uri="{FF2B5EF4-FFF2-40B4-BE49-F238E27FC236}">
-                <a16:creationId xmlns:a16="http://schemas.microsoft.com/office/drawing/2014/main" id="{0C71533A-4A29-47E2-A4D4-85E44356516A}"/>
-              </a:ext>
-            </a:extLst>
-          </p:cNvPr>
-          <p:cNvSpPr/>
-          <p:nvPr/>
-        </p:nvSpPr>
-        <p:spPr>
-          <a:xfrm>
-            <a:off x="1066800" y="5818971"/>
-            <a:ext cx="10058400" cy="584775"/>
-          </a:xfrm>
-          <a:prstGeom prst="rect">
-            <a:avLst/>
-          </a:prstGeom>
-        </p:spPr>
-        <p:txBody>
-          <a:bodyPr wrap="square">
-            <a:spAutoFit/>
-          </a:bodyPr>
-          <a:lstStyle/>
-          <a:p>
-            <a:r>
-              <a:rPr lang="en-US" sz="1600" b="1" dirty="0"/>
-              <a:t>Source</a:t>
-            </a:r>
-          </a:p>
-          <a:p>
-            <a:r>
-              <a:rPr lang="en-US" sz="1600" dirty="0">
-                <a:hlinkClick r:id="rId2"/>
-              </a:rPr>
-              <a:t>https://stackoverflow.com/questions/18864677/what-is-process-env-port-in-node-js</a:t>
-            </a:r>
-            <a:endParaRPr lang="en-US" sz="1600" dirty="0">
-              <a:solidFill>
-                <a:srgbClr val="00B0F0"/>
-              </a:solidFill>
-            </a:endParaRPr>
-          </a:p>
-        </p:txBody>
-      </p:sp>
     </p:spTree>
     <p:extLst>
       <p:ext uri="{BB962C8B-B14F-4D97-AF65-F5344CB8AC3E}">
-        <p14:creationId xmlns:p14="http://schemas.microsoft.com/office/powerpoint/2010/main" val="3979713343"/>
+        <p14:creationId xmlns:p14="http://schemas.microsoft.com/office/powerpoint/2010/main" val="2900754368"/>
       </p:ext>
     </p:extLst>
   </p:cSld>
@@ -5601,12 +5720,7 @@
             <p:ph type="title"/>
           </p:nvPr>
         </p:nvSpPr>
-        <p:spPr>
-          <a:xfrm>
-            <a:off x="664234" y="733579"/>
-            <a:ext cx="9038566" cy="1371600"/>
-          </a:xfrm>
-        </p:spPr>
+        <p:spPr/>
         <p:txBody>
           <a:bodyPr>
             <a:normAutofit/>
@@ -5614,8 +5728,12 @@
           <a:lstStyle/>
           <a:p>
             <a:r>
+              <a:rPr lang="en-US" u="sng"/>
+              <a:t>Simple </a:t>
+            </a:r>
+            <a:r>
               <a:rPr lang="en-US" u="sng" dirty="0"/>
-              <a:t>Node.js Simple Web Server</a:t>
+              <a:t>Web Server</a:t>
             </a:r>
             <a:br>
               <a:rPr lang="en-US" u="sng" dirty="0"/>
@@ -5644,12 +5762,7 @@
             <p:ph idx="1"/>
           </p:nvPr>
         </p:nvSpPr>
-        <p:spPr>
-          <a:xfrm>
-            <a:off x="1066800" y="2733472"/>
-            <a:ext cx="10058400" cy="3159328"/>
-          </a:xfrm>
-        </p:spPr>
+        <p:spPr/>
         <p:txBody>
           <a:bodyPr>
             <a:normAutofit/>
@@ -5663,46 +5776,57 @@
               <a:rPr lang="en-US" sz="1800" dirty="0">
                 <a:latin typeface="Consolas" panose="020B0609020204030204" pitchFamily="49" charset="0"/>
               </a:rPr>
-              <a:t>const server = http.createServer(function (req, res) {</a:t>
-            </a:r>
-          </a:p>
-          <a:p>
-            <a:pPr marL="0" indent="0">
-              <a:buNone/>
-            </a:pPr>
-            <a:r>
-              <a:rPr lang="en-US" sz="1800" dirty="0">
+              <a:t>const PORT = process.env.PORT || </a:t>
+            </a:r>
+            <a:r>
+              <a:rPr lang="en-US" sz="1800">
                 <a:latin typeface="Consolas" panose="020B0609020204030204" pitchFamily="49" charset="0"/>
               </a:rPr>
-              <a:t>  res.writeHead(200, {"Content-Type": "text/plain"});</a:t>
+              <a:t>3000;</a:t>
             </a:r>
           </a:p>
           <a:p>
             <a:pPr marL="0" indent="0">
               <a:buNone/>
             </a:pPr>
-            <a:r>
-              <a:rPr lang="en-US" sz="1800" dirty="0">
+            <a:endParaRPr lang="en-US" sz="1800" dirty="0">
+              <a:latin typeface="Consolas" panose="020B0609020204030204" pitchFamily="49" charset="0"/>
+            </a:endParaRPr>
+          </a:p>
+          <a:p>
+            <a:r>
+              <a:rPr lang="en-US" sz="1800"/>
+              <a:t>You </a:t>
+            </a:r>
+            <a:r>
+              <a:rPr lang="en-US" sz="1800" dirty="0"/>
+              <a:t>can set the environment variable PORT to tell the web server what port to listen on</a:t>
+            </a:r>
+          </a:p>
+          <a:p>
+            <a:r>
+              <a:rPr lang="en-US" sz="1800" b="1">
                 <a:latin typeface="Consolas" panose="020B0609020204030204" pitchFamily="49" charset="0"/>
               </a:rPr>
-              <a:t>  res.end("Hello World!");</a:t>
-            </a:r>
-          </a:p>
-          <a:p>
-            <a:pPr marL="0" indent="0">
-              <a:buNone/>
-            </a:pPr>
-            <a:r>
-              <a:rPr lang="en-US" sz="1800" dirty="0">
+              <a:t>process</a:t>
+            </a:r>
+            <a:r>
+              <a:rPr lang="en-US" sz="1800" b="1" dirty="0">
                 <a:latin typeface="Consolas" panose="020B0609020204030204" pitchFamily="49" charset="0"/>
               </a:rPr>
-              <a:t>});</a:t>
-            </a:r>
-          </a:p>
-          <a:p>
+              <a:t>.env.PORT || 3000</a:t>
+            </a:r>
             <a:r>
               <a:rPr lang="en-US" sz="1800" dirty="0"/>
-              <a:t>This code actually creates the server.  The server is told (via the writeHead) to return 200 (OK), expect plain text input, and output the text Hello World! </a:t>
+              <a:t> </a:t>
+            </a:r>
+            <a:r>
+              <a:rPr lang="en-US" sz="1800"/>
+              <a:t>means use </a:t>
+            </a:r>
+            <a:r>
+              <a:rPr lang="en-US" sz="1800" dirty="0"/>
+              <a:t>the environment variable PORT, or use port 3000 if the environment variable has not been set</a:t>
             </a:r>
           </a:p>
         </p:txBody>
@@ -5733,7 +5857,7 @@
     </p:spTree>
     <p:extLst>
       <p:ext uri="{BB962C8B-B14F-4D97-AF65-F5344CB8AC3E}">
-        <p14:creationId xmlns:p14="http://schemas.microsoft.com/office/powerpoint/2010/main" val="1650954036"/>
+        <p14:creationId xmlns:p14="http://schemas.microsoft.com/office/powerpoint/2010/main" val="3979713343"/>
       </p:ext>
     </p:extLst>
   </p:cSld>
@@ -5776,12 +5900,7 @@
             <p:ph type="title"/>
           </p:nvPr>
         </p:nvSpPr>
-        <p:spPr>
-          <a:xfrm>
-            <a:off x="664234" y="733579"/>
-            <a:ext cx="9038566" cy="1371600"/>
-          </a:xfrm>
-        </p:spPr>
+        <p:spPr/>
         <p:txBody>
           <a:bodyPr>
             <a:normAutofit/>
@@ -5789,8 +5908,12 @@
           <a:lstStyle/>
           <a:p>
             <a:r>
+              <a:rPr lang="en-US" u="sng"/>
+              <a:t>Simple </a:t>
+            </a:r>
+            <a:r>
               <a:rPr lang="en-US" u="sng" dirty="0"/>
-              <a:t>Node.js Simple Web Server</a:t>
+              <a:t>Web Server</a:t>
             </a:r>
             <a:br>
               <a:rPr lang="en-US" u="sng" dirty="0"/>
@@ -5819,12 +5942,7 @@
             <p:ph idx="1"/>
           </p:nvPr>
         </p:nvSpPr>
-        <p:spPr>
-          <a:xfrm>
-            <a:off x="1066800" y="2733472"/>
-            <a:ext cx="10058400" cy="3159328"/>
-          </a:xfrm>
-        </p:spPr>
+        <p:spPr/>
         <p:txBody>
           <a:bodyPr>
             <a:normAutofit/>
@@ -5832,41 +5950,113 @@
           <a:lstStyle/>
           <a:p>
             <a:pPr marL="0" indent="0">
+              <a:spcBef>
+                <a:spcPts val="0"/>
+              </a:spcBef>
               <a:buNone/>
             </a:pPr>
             <a:r>
-              <a:rPr lang="en-US" sz="1800" dirty="0">
+              <a:rPr lang="en-US" sz="1800">
                 <a:latin typeface="Consolas" panose="020B0609020204030204" pitchFamily="49" charset="0"/>
               </a:rPr>
-              <a:t>console.log(`App is up and running on Port ${PORT}`);</a:t>
-            </a:r>
-          </a:p>
-          <a:p>
-            <a:r>
-              <a:rPr lang="en-US" sz="1800" dirty="0"/>
-              <a:t>This code will write the text App is up and running on the port number set by the </a:t>
-            </a:r>
-            <a:r>
-              <a:rPr lang="en-US" sz="1800" dirty="0">
+              <a:t>const server = http.createServer((req, res) =&gt; {</a:t>
+            </a:r>
+          </a:p>
+          <a:p>
+            <a:pPr marL="0" indent="0">
+              <a:spcBef>
+                <a:spcPts val="0"/>
+              </a:spcBef>
+              <a:buNone/>
+            </a:pPr>
+            <a:r>
+              <a:rPr lang="en-US" sz="1800">
                 <a:latin typeface="Consolas" panose="020B0609020204030204" pitchFamily="49" charset="0"/>
               </a:rPr>
-              <a:t>process.env.PORT </a:t>
-            </a:r>
+              <a:t>  res.writeHead(200, { 'Content-Type': 'text/plain' });</a:t>
+            </a:r>
+          </a:p>
+          <a:p>
+            <a:pPr marL="0" indent="0">
+              <a:spcBef>
+                <a:spcPts val="0"/>
+              </a:spcBef>
+              <a:buNone/>
+            </a:pPr>
+            <a:r>
+              <a:rPr lang="en-US" sz="1800">
+                <a:latin typeface="Consolas" panose="020B0609020204030204" pitchFamily="49" charset="0"/>
+              </a:rPr>
+              <a:t>  res.end('Hello World!');</a:t>
+            </a:r>
+          </a:p>
+          <a:p>
+            <a:pPr marL="0" indent="0">
+              <a:spcBef>
+                <a:spcPts val="0"/>
+              </a:spcBef>
+              <a:buNone/>
+            </a:pPr>
+            <a:r>
+              <a:rPr lang="en-US" sz="1800">
+                <a:latin typeface="Consolas" panose="020B0609020204030204" pitchFamily="49" charset="0"/>
+              </a:rPr>
+              <a:t>});</a:t>
+            </a:r>
+          </a:p>
+          <a:p>
+            <a:pPr marL="0" indent="0">
+              <a:spcBef>
+                <a:spcPts val="0"/>
+              </a:spcBef>
+              <a:buNone/>
+            </a:pPr>
+            <a:endParaRPr lang="en-US" sz="1800" dirty="0">
+              <a:latin typeface="Consolas" panose="020B0609020204030204" pitchFamily="49" charset="0"/>
+            </a:endParaRPr>
+          </a:p>
+          <a:p>
             <a:r>
               <a:rPr lang="en-US" sz="1800" dirty="0"/>
-              <a:t>variable (if it has been set) or 3000 if it has not been set</a:t>
-            </a:r>
-          </a:p>
-          <a:p>
+              <a:t>This code actually creates the server</a:t>
+            </a:r>
+            <a:r>
+              <a:rPr lang="en-US" sz="1800"/>
+              <a:t>.  </a:t>
+            </a:r>
+          </a:p>
+          <a:p>
+            <a:r>
+              <a:rPr lang="en-US" sz="1800"/>
+              <a:t>The </a:t>
+            </a:r>
             <a:r>
               <a:rPr lang="en-US" sz="1800" dirty="0"/>
-              <a:t>Note the use of `` in this line of code.  These represent Java ES6 template literals.  These literals contain placeholders, which are indicated by the dollar sign and curly braces ($(expression})</a:t>
-            </a:r>
-          </a:p>
-          <a:p>
+              <a:t>server </a:t>
+            </a:r>
+            <a:r>
+              <a:rPr lang="en-US" sz="1800"/>
+              <a:t>is told to </a:t>
+            </a:r>
             <a:r>
               <a:rPr lang="en-US" sz="1800" dirty="0"/>
-              <a:t>When the program runs, this is replaced with the value of the variable</a:t>
+              <a:t>(via the writeHead</a:t>
+            </a:r>
+            <a:r>
+              <a:rPr lang="en-US" sz="1800"/>
+              <a:t>) return status code </a:t>
+            </a:r>
+            <a:r>
+              <a:rPr lang="en-US" sz="1800" dirty="0"/>
+              <a:t>200 (OK</a:t>
+            </a:r>
+            <a:r>
+              <a:rPr lang="en-US" sz="1800"/>
+              <a:t>), send a plain text response, and write </a:t>
+            </a:r>
+            <a:r>
+              <a:rPr lang="en-US" sz="1800" dirty="0"/>
+              <a:t>the text Hello World! </a:t>
             </a:r>
           </a:p>
         </p:txBody>
@@ -5894,57 +6084,10 @@
           </a:p>
         </p:txBody>
       </p:sp>
-      <p:sp>
-        <p:nvSpPr>
-          <p:cNvPr id="6" name="Rectangle 5">
-            <a:extLst>
-              <a:ext uri="{FF2B5EF4-FFF2-40B4-BE49-F238E27FC236}">
-                <a16:creationId xmlns:a16="http://schemas.microsoft.com/office/drawing/2014/main" id="{0C71533A-4A29-47E2-A4D4-85E44356516A}"/>
-              </a:ext>
-            </a:extLst>
-          </p:cNvPr>
-          <p:cNvSpPr/>
-          <p:nvPr/>
-        </p:nvSpPr>
-        <p:spPr>
-          <a:xfrm>
-            <a:off x="1066800" y="5818971"/>
-            <a:ext cx="10058400" cy="584775"/>
-          </a:xfrm>
-          <a:prstGeom prst="rect">
-            <a:avLst/>
-          </a:prstGeom>
-        </p:spPr>
-        <p:txBody>
-          <a:bodyPr wrap="square">
-            <a:spAutoFit/>
-          </a:bodyPr>
-          <a:lstStyle/>
-          <a:p>
-            <a:r>
-              <a:rPr lang="en-US" sz="1600" b="1" dirty="0"/>
-              <a:t>Source</a:t>
-            </a:r>
-          </a:p>
-          <a:p>
-            <a:r>
-              <a:rPr lang="en-US" sz="1600" dirty="0">
-                <a:hlinkClick r:id="rId2"/>
-              </a:rPr>
-              <a:t>https://www.javatpoint.com/es6-template-literals</a:t>
-            </a:r>
-            <a:endParaRPr lang="en-US" sz="1600" dirty="0">
-              <a:solidFill>
-                <a:srgbClr val="00B0F0"/>
-              </a:solidFill>
-            </a:endParaRPr>
-          </a:p>
-        </p:txBody>
-      </p:sp>
     </p:spTree>
     <p:extLst>
       <p:ext uri="{BB962C8B-B14F-4D97-AF65-F5344CB8AC3E}">
-        <p14:creationId xmlns:p14="http://schemas.microsoft.com/office/powerpoint/2010/main" val="395114544"/>
+        <p14:creationId xmlns:p14="http://schemas.microsoft.com/office/powerpoint/2010/main" val="1650954036"/>
       </p:ext>
     </p:extLst>
   </p:cSld>
@@ -5987,12 +6130,7 @@
             <p:ph type="title"/>
           </p:nvPr>
         </p:nvSpPr>
-        <p:spPr>
-          <a:xfrm>
-            <a:off x="664234" y="733579"/>
-            <a:ext cx="9038566" cy="1371600"/>
-          </a:xfrm>
-        </p:spPr>
+        <p:spPr/>
         <p:txBody>
           <a:bodyPr>
             <a:normAutofit/>
@@ -6000,12 +6138,20 @@
           <a:lstStyle/>
           <a:p>
             <a:r>
+              <a:rPr lang="en-US" u="sng"/>
+              <a:t>Simple </a:t>
+            </a:r>
+            <a:r>
               <a:rPr lang="en-US" u="sng" dirty="0"/>
-              <a:t>Asynchronous JavaScript</a:t>
+              <a:t>Web Server</a:t>
             </a:r>
             <a:br>
               <a:rPr lang="en-US" u="sng" dirty="0"/>
             </a:br>
+            <a:r>
+              <a:rPr lang="en-US" sz="2400" dirty="0"/>
+              <a:t>(each statement explained)</a:t>
+            </a:r>
             <a:endParaRPr lang="en-US" u="sng" dirty="0"/>
           </a:p>
         </p:txBody>
@@ -6026,29 +6172,144 @@
             <p:ph idx="1"/>
           </p:nvPr>
         </p:nvSpPr>
-        <p:spPr>
-          <a:xfrm>
-            <a:off x="1066800" y="2733472"/>
-            <a:ext cx="10058400" cy="3159328"/>
-          </a:xfrm>
-        </p:spPr>
+        <p:spPr/>
         <p:txBody>
           <a:bodyPr>
             <a:normAutofit/>
           </a:bodyPr>
           <a:lstStyle/>
           <a:p>
+            <a:pPr marL="0" indent="0">
+              <a:spcBef>
+                <a:spcPts val="0"/>
+              </a:spcBef>
+              <a:buNone/>
+            </a:pPr>
+            <a:r>
+              <a:rPr lang="en-US" sz="1800">
+                <a:latin typeface="Consolas" panose="020B0609020204030204" pitchFamily="49" charset="0"/>
+              </a:rPr>
+              <a:t>server.listen(PORT, () =&gt; {</a:t>
+            </a:r>
+          </a:p>
+          <a:p>
+            <a:pPr marL="0" indent="0">
+              <a:spcBef>
+                <a:spcPts val="0"/>
+              </a:spcBef>
+              <a:buNone/>
+            </a:pPr>
+            <a:r>
+              <a:rPr lang="en-US" sz="1800">
+                <a:latin typeface="Consolas" panose="020B0609020204030204" pitchFamily="49" charset="0"/>
+              </a:rPr>
+              <a:t>  console.log(`Server is listening on port ${PORT}`);</a:t>
+            </a:r>
+          </a:p>
+          <a:p>
+            <a:pPr marL="0" indent="0">
+              <a:spcBef>
+                <a:spcPts val="0"/>
+              </a:spcBef>
+              <a:buNone/>
+            </a:pPr>
+            <a:r>
+              <a:rPr lang="en-US" sz="1800">
+                <a:latin typeface="Consolas" panose="020B0609020204030204" pitchFamily="49" charset="0"/>
+              </a:rPr>
+              <a:t>});</a:t>
+            </a:r>
+          </a:p>
+          <a:p>
+            <a:pPr marL="0" indent="0">
+              <a:spcBef>
+                <a:spcPts val="0"/>
+              </a:spcBef>
+              <a:buNone/>
+            </a:pPr>
+            <a:endParaRPr lang="en-US" sz="1800">
+              <a:latin typeface="Consolas" panose="020B0609020204030204" pitchFamily="49" charset="0"/>
+            </a:endParaRPr>
+          </a:p>
+          <a:p>
+            <a:r>
+              <a:rPr lang="en-US" sz="1800"/>
+              <a:t>This code starts the web server.</a:t>
+            </a:r>
+          </a:p>
+          <a:p>
+            <a:r>
+              <a:rPr lang="en-US" sz="1800"/>
+              <a:t>When the server starts, it will </a:t>
+            </a:r>
             <a:r>
               <a:rPr lang="en-US" sz="1800" dirty="0"/>
-              <a:t>Normally, program code runs straight along, with only one thing happening at once. If a function relies on the result of another function, it has to wait for the other function to finish and return, and until that happens, the entire program is essentially stopped from the perspective of the user.  This is a.k.a. </a:t>
-            </a:r>
-            <a:r>
-              <a:rPr lang="en-US" sz="1800" i="1" dirty="0"/>
-              <a:t>synchronous</a:t>
+              <a:t>write the </a:t>
+            </a:r>
+            <a:r>
+              <a:rPr lang="en-US" sz="1800"/>
+              <a:t>text 'Server is listening on port 3000' (or whichever port was set by the environment variable) to the console</a:t>
+            </a:r>
+          </a:p>
+          <a:p>
+            <a:r>
+              <a:rPr lang="en-US" sz="1800"/>
+              <a:t>Note </a:t>
             </a:r>
             <a:r>
               <a:rPr lang="en-US" sz="1800" dirty="0"/>
-              <a:t> programming</a:t>
+              <a:t>the use of </a:t>
+            </a:r>
+            <a:r>
+              <a:rPr lang="en-US" sz="1800" b="1" dirty="0"/>
+              <a:t>``</a:t>
+            </a:r>
+            <a:r>
+              <a:rPr lang="en-US" sz="1800" dirty="0"/>
+              <a:t> in this line of code.  </a:t>
+            </a:r>
+            <a:r>
+              <a:rPr lang="en-US" sz="1800"/>
+              <a:t>These represents an ES6 template literal.  </a:t>
+            </a:r>
+            <a:r>
+              <a:rPr lang="en-US" sz="1800" dirty="0"/>
+              <a:t>These </a:t>
+            </a:r>
+            <a:r>
+              <a:rPr lang="en-US" sz="1800"/>
+              <a:t>literals can contain </a:t>
+            </a:r>
+            <a:r>
+              <a:rPr lang="en-US" sz="1800" dirty="0"/>
+              <a:t>placeholders, which are indicated by the dollar sign and curly </a:t>
+            </a:r>
+            <a:r>
+              <a:rPr lang="en-US" sz="1800"/>
+              <a:t>braces </a:t>
+            </a:r>
+            <a:r>
+              <a:rPr lang="en-US" sz="1800" b="1">
+                <a:latin typeface="Consolas" panose="020B0609020204030204" pitchFamily="49" charset="0"/>
+              </a:rPr>
+              <a:t>${expression}</a:t>
+            </a:r>
+            <a:endParaRPr lang="en-US" sz="1800" b="1" dirty="0">
+              <a:latin typeface="Consolas" panose="020B0609020204030204" pitchFamily="49" charset="0"/>
+            </a:endParaRPr>
+          </a:p>
+          <a:p>
+            <a:r>
+              <a:rPr lang="en-US" sz="1800" dirty="0"/>
+              <a:t>When the program runs, </a:t>
+            </a:r>
+            <a:r>
+              <a:rPr lang="en-US" sz="1800"/>
+              <a:t>this placeholder is </a:t>
+            </a:r>
+            <a:r>
+              <a:rPr lang="en-US" sz="1800" dirty="0"/>
+              <a:t>replaced with the value of the variable</a:t>
             </a:r>
           </a:p>
         </p:txBody>
@@ -6076,57 +6337,10 @@
           </a:p>
         </p:txBody>
       </p:sp>
-      <p:sp>
-        <p:nvSpPr>
-          <p:cNvPr id="6" name="Rectangle 5">
-            <a:extLst>
-              <a:ext uri="{FF2B5EF4-FFF2-40B4-BE49-F238E27FC236}">
-                <a16:creationId xmlns:a16="http://schemas.microsoft.com/office/drawing/2014/main" id="{0C71533A-4A29-47E2-A4D4-85E44356516A}"/>
-              </a:ext>
-            </a:extLst>
-          </p:cNvPr>
-          <p:cNvSpPr/>
-          <p:nvPr/>
-        </p:nvSpPr>
-        <p:spPr>
-          <a:xfrm>
-            <a:off x="1066800" y="5818971"/>
-            <a:ext cx="10058400" cy="584775"/>
-          </a:xfrm>
-          <a:prstGeom prst="rect">
-            <a:avLst/>
-          </a:prstGeom>
-        </p:spPr>
-        <p:txBody>
-          <a:bodyPr wrap="square">
-            <a:spAutoFit/>
-          </a:bodyPr>
-          <a:lstStyle/>
-          <a:p>
-            <a:r>
-              <a:rPr lang="en-US" sz="1600" b="1" dirty="0"/>
-              <a:t>Source</a:t>
-            </a:r>
-          </a:p>
-          <a:p>
-            <a:r>
-              <a:rPr lang="en-US" sz="1600" dirty="0">
-                <a:hlinkClick r:id="rId2"/>
-              </a:rPr>
-              <a:t>https://developer.mozilla.org/en-US/docs/Learn/JavaScript/Asynchronous/Concepts</a:t>
-            </a:r>
-            <a:endParaRPr lang="en-US" sz="1600" dirty="0">
-              <a:solidFill>
-                <a:srgbClr val="00B0F0"/>
-              </a:solidFill>
-            </a:endParaRPr>
-          </a:p>
-        </p:txBody>
-      </p:sp>
     </p:spTree>
     <p:extLst>
       <p:ext uri="{BB962C8B-B14F-4D97-AF65-F5344CB8AC3E}">
-        <p14:creationId xmlns:p14="http://schemas.microsoft.com/office/powerpoint/2010/main" val="4061567281"/>
+        <p14:creationId xmlns:p14="http://schemas.microsoft.com/office/powerpoint/2010/main" val="395114544"/>
       </p:ext>
     </p:extLst>
   </p:cSld>
@@ -6155,10 +6369,10 @@
       </p:grpSpPr>
       <p:sp>
         <p:nvSpPr>
-          <p:cNvPr id="2" name="Title 1">
+          <p:cNvPr id="5" name="Title 4">
             <a:extLst>
               <a:ext uri="{FF2B5EF4-FFF2-40B4-BE49-F238E27FC236}">
-                <a16:creationId xmlns:a16="http://schemas.microsoft.com/office/drawing/2014/main" id="{BDFAC13C-59B1-436E-B58F-C304E1C705CF}"/>
+                <a16:creationId xmlns:a16="http://schemas.microsoft.com/office/drawing/2014/main" id="{0A2DA217-4A82-4776-8967-D0ECE1209DC7}"/>
               </a:ext>
             </a:extLst>
           </p:cNvPr>
@@ -6169,35 +6383,24 @@
             <p:ph type="title"/>
           </p:nvPr>
         </p:nvSpPr>
-        <p:spPr>
-          <a:xfrm>
-            <a:off x="664234" y="733579"/>
-            <a:ext cx="9038566" cy="1371600"/>
-          </a:xfrm>
-        </p:spPr>
-        <p:txBody>
-          <a:bodyPr>
-            <a:normAutofit/>
-          </a:bodyPr>
-          <a:lstStyle/>
-          <a:p>
-            <a:r>
-              <a:rPr lang="en-US" u="sng" dirty="0"/>
+        <p:spPr/>
+        <p:txBody>
+          <a:bodyPr/>
+          <a:lstStyle/>
+          <a:p>
+            <a:r>
+              <a:rPr lang="en-US" cap="none"/>
               <a:t>Asynchronous JavaScript</a:t>
             </a:r>
-            <a:br>
-              <a:rPr lang="en-US" u="sng" dirty="0"/>
-            </a:br>
-            <a:endParaRPr lang="en-US" u="sng" dirty="0"/>
-          </a:p>
-        </p:txBody>
-      </p:sp>
-      <p:sp>
-        <p:nvSpPr>
-          <p:cNvPr id="3" name="Content Placeholder 2">
+          </a:p>
+        </p:txBody>
+      </p:sp>
+      <p:sp>
+        <p:nvSpPr>
+          <p:cNvPr id="6" name="Text Placeholder 5">
             <a:extLst>
               <a:ext uri="{FF2B5EF4-FFF2-40B4-BE49-F238E27FC236}">
-                <a16:creationId xmlns:a16="http://schemas.microsoft.com/office/drawing/2014/main" id="{844A3DC5-46BF-4BFF-8008-98FD467C4904}"/>
+                <a16:creationId xmlns:a16="http://schemas.microsoft.com/office/drawing/2014/main" id="{400D90AB-7F38-42A8-B8C0-8EAE10F26AEA}"/>
               </a:ext>
             </a:extLst>
           </p:cNvPr>
@@ -6205,41 +6408,30 @@
             <a:spLocks noGrp="1"/>
           </p:cNvSpPr>
           <p:nvPr>
-            <p:ph idx="1"/>
-          </p:nvPr>
-        </p:nvSpPr>
-        <p:spPr>
-          <a:xfrm>
-            <a:off x="1066800" y="2733472"/>
-            <a:ext cx="10058400" cy="3159328"/>
-          </a:xfrm>
-        </p:spPr>
-        <p:txBody>
-          <a:bodyPr>
-            <a:normAutofit/>
-          </a:bodyPr>
-          <a:lstStyle/>
-          <a:p>
-            <a:r>
-              <a:rPr lang="en-US" sz="1800" dirty="0"/>
-              <a:t>This is not a good use of computer processing power. There's no sense waiting for something when you could let another task begin and let you know when it's done. This lets you get other work done in the meantime, which is the basis of asynchronous programming</a:t>
-            </a:r>
-          </a:p>
-          <a:p>
-            <a:r>
-              <a:rPr lang="en-US" sz="1800" dirty="0"/>
-              <a:t>It is up to the programming environment you are using (web browsers, in the case of web development) to provide APIs that allow tasks to run </a:t>
-            </a:r>
-            <a:r>
-              <a:rPr lang="en-US" sz="1800" i="1" dirty="0"/>
-              <a:t>asynchronously</a:t>
-            </a:r>
-          </a:p>
-        </p:txBody>
-      </p:sp>
-      <p:sp>
-        <p:nvSpPr>
-          <p:cNvPr id="5" name="Slide Number Placeholder 4"/>
+            <p:ph type="body" idx="1"/>
+          </p:nvPr>
+        </p:nvSpPr>
+        <p:spPr/>
+        <p:txBody>
+          <a:bodyPr/>
+          <a:lstStyle/>
+          <a:p>
+            <a:r>
+              <a:rPr lang="en-US"/>
+              <a:t>Writing asynchronous JavaScript using callbacks</a:t>
+            </a:r>
+          </a:p>
+        </p:txBody>
+      </p:sp>
+      <p:sp>
+        <p:nvSpPr>
+          <p:cNvPr id="4" name="Slide Number Placeholder 3">
+            <a:extLst>
+              <a:ext uri="{FF2B5EF4-FFF2-40B4-BE49-F238E27FC236}">
+                <a16:creationId xmlns:a16="http://schemas.microsoft.com/office/drawing/2014/main" id="{2CC545B9-0092-4D9C-A5A1-E84F8D4001AA}"/>
+              </a:ext>
+            </a:extLst>
+          </p:cNvPr>
           <p:cNvSpPr>
             <a:spLocks noGrp="1"/>
           </p:cNvSpPr>
@@ -6260,57 +6452,10 @@
           </a:p>
         </p:txBody>
       </p:sp>
-      <p:sp>
-        <p:nvSpPr>
-          <p:cNvPr id="6" name="Rectangle 5">
-            <a:extLst>
-              <a:ext uri="{FF2B5EF4-FFF2-40B4-BE49-F238E27FC236}">
-                <a16:creationId xmlns:a16="http://schemas.microsoft.com/office/drawing/2014/main" id="{0C71533A-4A29-47E2-A4D4-85E44356516A}"/>
-              </a:ext>
-            </a:extLst>
-          </p:cNvPr>
-          <p:cNvSpPr/>
-          <p:nvPr/>
-        </p:nvSpPr>
-        <p:spPr>
-          <a:xfrm>
-            <a:off x="1066800" y="5818971"/>
-            <a:ext cx="10058400" cy="584775"/>
-          </a:xfrm>
-          <a:prstGeom prst="rect">
-            <a:avLst/>
-          </a:prstGeom>
-        </p:spPr>
-        <p:txBody>
-          <a:bodyPr wrap="square">
-            <a:spAutoFit/>
-          </a:bodyPr>
-          <a:lstStyle/>
-          <a:p>
-            <a:r>
-              <a:rPr lang="en-US" sz="1600" b="1" dirty="0"/>
-              <a:t>Source</a:t>
-            </a:r>
-          </a:p>
-          <a:p>
-            <a:r>
-              <a:rPr lang="en-US" sz="1600" dirty="0">
-                <a:hlinkClick r:id="rId2"/>
-              </a:rPr>
-              <a:t>https://developer.mozilla.org/en-US/docs/Learn/JavaScript/Asynchronous/Concepts</a:t>
-            </a:r>
-            <a:endParaRPr lang="en-US" sz="1600" dirty="0">
-              <a:solidFill>
-                <a:srgbClr val="00B0F0"/>
-              </a:solidFill>
-            </a:endParaRPr>
-          </a:p>
-        </p:txBody>
-      </p:sp>
     </p:spTree>
     <p:extLst>
       <p:ext uri="{BB962C8B-B14F-4D97-AF65-F5344CB8AC3E}">
-        <p14:creationId xmlns:p14="http://schemas.microsoft.com/office/powerpoint/2010/main" val="415048293"/>
+        <p14:creationId xmlns:p14="http://schemas.microsoft.com/office/powerpoint/2010/main" val="653072398"/>
       </p:ext>
     </p:extLst>
   </p:cSld>
@@ -6353,12 +6498,7 @@
             <p:ph type="title"/>
           </p:nvPr>
         </p:nvSpPr>
-        <p:spPr>
-          <a:xfrm>
-            <a:off x="664234" y="733579"/>
-            <a:ext cx="9038566" cy="1371600"/>
-          </a:xfrm>
-        </p:spPr>
+        <p:spPr/>
         <p:txBody>
           <a:bodyPr>
             <a:normAutofit/>
@@ -6392,12 +6532,7 @@
             <p:ph idx="1"/>
           </p:nvPr>
         </p:nvSpPr>
-        <p:spPr>
-          <a:xfrm>
-            <a:off x="1066800" y="2733472"/>
-            <a:ext cx="10058400" cy="3159328"/>
-          </a:xfrm>
-        </p:spPr>
+        <p:spPr/>
         <p:txBody>
           <a:bodyPr>
             <a:normAutofit/>
@@ -6406,50 +6541,16 @@
           <a:p>
             <a:r>
               <a:rPr lang="en-US" sz="1800" dirty="0"/>
-              <a:t>JavaScript provides three ways to program asynchronously:</a:t>
-            </a:r>
-          </a:p>
-          <a:p>
-            <a:pPr marL="169863" indent="0">
-              <a:buNone/>
-            </a:pPr>
+              <a:t>Normally, program code runs straight along, with only one thing happening at once. If a function relies on the result of another function, it has to wait for the other function to finish and return, and until that happens, the entire program is essentially stopped from the perspective of the user.  This is a.k.a. </a:t>
+            </a:r>
+            <a:r>
+              <a:rPr lang="en-US" sz="1800" i="1" dirty="0"/>
+              <a:t>synchronous</a:t>
+            </a:r>
             <a:r>
               <a:rPr lang="en-US" sz="1800" dirty="0"/>
-              <a:t>Asynchronous JavaScript programming via the use of </a:t>
-            </a:r>
-            <a:r>
-              <a:rPr lang="en-US" sz="1800" i="1" dirty="0"/>
-              <a:t>callbacks</a:t>
-            </a:r>
-            <a:endParaRPr lang="en-US" sz="1800" dirty="0"/>
-          </a:p>
-          <a:p>
-            <a:pPr marL="169863" indent="0">
-              <a:buNone/>
-            </a:pPr>
-            <a:r>
-              <a:rPr lang="en-US" sz="1800" dirty="0"/>
-              <a:t>Asynchronous JavaScript programming via the use of </a:t>
-            </a:r>
-            <a:r>
-              <a:rPr lang="en-US" sz="1800" i="1" dirty="0"/>
-              <a:t>promises</a:t>
-            </a:r>
-            <a:endParaRPr lang="en-US" sz="1800" dirty="0"/>
-          </a:p>
-          <a:p>
-            <a:pPr marL="169863" indent="0">
-              <a:buNone/>
-            </a:pPr>
-            <a:r>
-              <a:rPr lang="en-US" sz="1800" dirty="0"/>
-              <a:t>Asynchronous JavaScript programming via the use of </a:t>
-            </a:r>
-            <a:r>
-              <a:rPr lang="en-US" sz="1800" i="1" dirty="0"/>
-              <a:t>async-await</a:t>
-            </a:r>
-            <a:endParaRPr lang="en-US" sz="1800" dirty="0"/>
+              <a:t> programming</a:t>
+            </a:r>
           </a:p>
         </p:txBody>
       </p:sp>
@@ -6476,10 +6577,57 @@
           </a:p>
         </p:txBody>
       </p:sp>
+      <p:sp>
+        <p:nvSpPr>
+          <p:cNvPr id="6" name="Rectangle 5">
+            <a:extLst>
+              <a:ext uri="{FF2B5EF4-FFF2-40B4-BE49-F238E27FC236}">
+                <a16:creationId xmlns:a16="http://schemas.microsoft.com/office/drawing/2014/main" id="{0C71533A-4A29-47E2-A4D4-85E44356516A}"/>
+              </a:ext>
+            </a:extLst>
+          </p:cNvPr>
+          <p:cNvSpPr/>
+          <p:nvPr/>
+        </p:nvSpPr>
+        <p:spPr>
+          <a:xfrm>
+            <a:off x="1066800" y="5818971"/>
+            <a:ext cx="10058400" cy="584775"/>
+          </a:xfrm>
+          <a:prstGeom prst="rect">
+            <a:avLst/>
+          </a:prstGeom>
+        </p:spPr>
+        <p:txBody>
+          <a:bodyPr wrap="square">
+            <a:spAutoFit/>
+          </a:bodyPr>
+          <a:lstStyle/>
+          <a:p>
+            <a:r>
+              <a:rPr lang="en-US" sz="1600" b="1" dirty="0"/>
+              <a:t>Source</a:t>
+            </a:r>
+          </a:p>
+          <a:p>
+            <a:r>
+              <a:rPr lang="en-US" sz="1600" dirty="0">
+                <a:hlinkClick r:id="rId2"/>
+              </a:rPr>
+              <a:t>https://developer.mozilla.org/en-US/docs/Learn/JavaScript/Asynchronous/Concepts</a:t>
+            </a:r>
+            <a:endParaRPr lang="en-US" sz="1600" dirty="0">
+              <a:solidFill>
+                <a:srgbClr val="00B0F0"/>
+              </a:solidFill>
+            </a:endParaRPr>
+          </a:p>
+        </p:txBody>
+      </p:sp>
     </p:spTree>
     <p:extLst>
       <p:ext uri="{BB962C8B-B14F-4D97-AF65-F5344CB8AC3E}">
-        <p14:creationId xmlns:p14="http://schemas.microsoft.com/office/powerpoint/2010/main" val="2082898809"/>
+        <p14:creationId xmlns:p14="http://schemas.microsoft.com/office/powerpoint/2010/main" val="4061567281"/>
       </p:ext>
     </p:extLst>
   </p:cSld>
@@ -6522,12 +6670,7 @@
             <p:ph type="title"/>
           </p:nvPr>
         </p:nvSpPr>
-        <p:spPr>
-          <a:xfrm>
-            <a:off x="664234" y="733579"/>
-            <a:ext cx="5077520" cy="1371600"/>
-          </a:xfrm>
-        </p:spPr>
+        <p:spPr/>
         <p:txBody>
           <a:bodyPr>
             <a:normAutofit/>
@@ -6557,12 +6700,7 @@
             <p:ph idx="1"/>
           </p:nvPr>
         </p:nvSpPr>
-        <p:spPr>
-          <a:xfrm>
-            <a:off x="1066800" y="2733472"/>
-            <a:ext cx="10058400" cy="1919267"/>
-          </a:xfrm>
-        </p:spPr>
+        <p:spPr/>
         <p:txBody>
           <a:bodyPr>
             <a:normAutofit/>
@@ -6570,74 +6708,48 @@
           <a:lstStyle/>
           <a:p>
             <a:r>
+              <a:rPr lang="en-US" sz="1800"/>
+              <a:t>Install node</a:t>
+            </a:r>
+            <a:r>
               <a:rPr lang="en-US" sz="1800" dirty="0"/>
-              <a:t>Go through installation instructions for Node.js</a:t>
+              <a:t>.js</a:t>
             </a:r>
           </a:p>
           <a:p>
             <a:r>
               <a:rPr lang="en-US" sz="1800" dirty="0"/>
-              <a:t>Build and run a simple Node.js application</a:t>
-            </a:r>
-          </a:p>
-          <a:p>
+              <a:t>Build and run a </a:t>
+            </a:r>
+            <a:r>
+              <a:rPr lang="en-US" sz="1800"/>
+              <a:t>simple node</a:t>
+            </a:r>
             <a:r>
               <a:rPr lang="en-US" sz="1800" dirty="0"/>
-              <a:t>Build and run a simple Node.js web server</a:t>
+              <a:t>.js application</a:t>
             </a:r>
           </a:p>
           <a:p>
             <a:r>
               <a:rPr lang="en-US" sz="1800" dirty="0"/>
-              <a:t>Understand basic JavaScript asynchronous methods</a:t>
-            </a:r>
-          </a:p>
-        </p:txBody>
-      </p:sp>
-      <p:sp>
-        <p:nvSpPr>
-          <p:cNvPr id="4" name="Rectangle 3">
-            <a:extLst>
-              <a:ext uri="{FF2B5EF4-FFF2-40B4-BE49-F238E27FC236}">
-                <a16:creationId xmlns:a16="http://schemas.microsoft.com/office/drawing/2014/main" id="{0C71533A-4A29-47E2-A4D4-85E44356516A}"/>
-              </a:ext>
-            </a:extLst>
-          </p:cNvPr>
-          <p:cNvSpPr/>
-          <p:nvPr/>
-        </p:nvSpPr>
-        <p:spPr>
-          <a:xfrm>
-            <a:off x="1066800" y="5818971"/>
-            <a:ext cx="10058400" cy="584775"/>
-          </a:xfrm>
-          <a:prstGeom prst="rect">
-            <a:avLst/>
-          </a:prstGeom>
-        </p:spPr>
-        <p:txBody>
-          <a:bodyPr wrap="square">
-            <a:spAutoFit/>
-          </a:bodyPr>
-          <a:lstStyle/>
-          <a:p>
-            <a:r>
-              <a:rPr lang="en-US" sz="1600" b="1" dirty="0"/>
-              <a:t>Source</a:t>
-            </a:r>
-          </a:p>
-          <a:p>
-            <a:r>
-              <a:rPr lang="en-US" sz="1600" dirty="0">
-                <a:hlinkClick r:id="rId2"/>
-              </a:rPr>
-              <a:t>https://www.osradar.com/how-to-install-node-js-on-windows-10/</a:t>
-            </a:r>
-            <a:endParaRPr lang="en-US" sz="1600" dirty="0">
-              <a:solidFill>
-                <a:srgbClr val="00B0F0"/>
-              </a:solidFill>
-            </a:endParaRPr>
+              <a:t>Build and run a </a:t>
+            </a:r>
+            <a:r>
+              <a:rPr lang="en-US" sz="1800"/>
+              <a:t>simple node</a:t>
+            </a:r>
+            <a:r>
+              <a:rPr lang="en-US" sz="1800" dirty="0"/>
+              <a:t>.js web server</a:t>
+            </a:r>
+          </a:p>
+          <a:p>
+            <a:r>
+              <a:rPr lang="en-US" sz="1800"/>
+              <a:t>Discuss basics of asynchronous methods in JavaScript</a:t>
+            </a:r>
+            <a:endParaRPr lang="en-US" sz="1800" dirty="0"/>
           </a:p>
         </p:txBody>
       </p:sp>
@@ -6710,12 +6822,7 @@
             <p:ph type="title"/>
           </p:nvPr>
         </p:nvSpPr>
-        <p:spPr>
-          <a:xfrm>
-            <a:off x="664234" y="733579"/>
-            <a:ext cx="9038566" cy="1371600"/>
-          </a:xfrm>
-        </p:spPr>
+        <p:spPr/>
         <p:txBody>
           <a:bodyPr>
             <a:normAutofit/>
@@ -6724,8 +6831,12 @@
           <a:p>
             <a:r>
               <a:rPr lang="en-US" u="sng" dirty="0"/>
-              <a:t>Asynchronous JS Via callbacks</a:t>
-            </a:r>
+              <a:t>Asynchronous JavaScript</a:t>
+            </a:r>
+            <a:br>
+              <a:rPr lang="en-US" u="sng" dirty="0"/>
+            </a:br>
+            <a:endParaRPr lang="en-US" u="sng" dirty="0"/>
           </a:p>
         </p:txBody>
       </p:sp>
@@ -6745,12 +6856,7 @@
             <p:ph idx="1"/>
           </p:nvPr>
         </p:nvSpPr>
-        <p:spPr>
-          <a:xfrm>
-            <a:off x="1066800" y="2733472"/>
-            <a:ext cx="10058400" cy="3159328"/>
-          </a:xfrm>
-        </p:spPr>
+        <p:spPr/>
         <p:txBody>
           <a:bodyPr>
             <a:normAutofit/>
@@ -6759,13 +6865,17 @@
           <a:p>
             <a:r>
               <a:rPr lang="en-US" sz="1800" dirty="0"/>
-              <a:t>Callbacks are simple functions which are used to notify the calling instance when an asynchronous code block has been executed and the result is available</a:t>
+              <a:t>This is not a good use of computer processing power. There's no sense waiting for something when you could let another task begin and let you know when it's done. This lets you get other work done in the meantime, which is the basis of asynchronous programming</a:t>
             </a:r>
           </a:p>
           <a:p>
             <a:r>
               <a:rPr lang="en-US" sz="1800" dirty="0"/>
-              <a:t>Shown on the following page is a simple code example that uses a callback</a:t>
+              <a:t>It is up to the programming environment you are using (web browsers, in the case of web development) to provide APIs that allow tasks to run </a:t>
+            </a:r>
+            <a:r>
+              <a:rPr lang="en-US" sz="1800" i="1" dirty="0"/>
+              <a:t>asynchronously</a:t>
             </a:r>
           </a:p>
         </p:txBody>
@@ -6807,8 +6917,8 @@
         </p:nvSpPr>
         <p:spPr>
           <a:xfrm>
-            <a:off x="1066800" y="5690096"/>
-            <a:ext cx="10058400" cy="830997"/>
+            <a:off x="1066800" y="5818971"/>
+            <a:ext cx="10058400" cy="584775"/>
           </a:xfrm>
           <a:prstGeom prst="rect">
             <a:avLst/>
@@ -6830,7 +6940,7 @@
               <a:rPr lang="en-US" sz="1600" dirty="0">
                 <a:hlinkClick r:id="rId2"/>
               </a:rPr>
-              <a:t>https://codingthesmartway.com/async-programming-with-javascript-callbacks-promises-and-async-await/</a:t>
+              <a:t>https://developer.mozilla.org/en-US/docs/Learn/JavaScript/Asynchronous/Concepts</a:t>
             </a:r>
             <a:endParaRPr lang="en-US" sz="1600" dirty="0">
               <a:solidFill>
@@ -6843,7 +6953,7 @@
     </p:spTree>
     <p:extLst>
       <p:ext uri="{BB962C8B-B14F-4D97-AF65-F5344CB8AC3E}">
-        <p14:creationId xmlns:p14="http://schemas.microsoft.com/office/powerpoint/2010/main" val="1277588296"/>
+        <p14:creationId xmlns:p14="http://schemas.microsoft.com/office/powerpoint/2010/main" val="415048293"/>
       </p:ext>
     </p:extLst>
   </p:cSld>
@@ -6886,12 +6996,7 @@
             <p:ph type="title"/>
           </p:nvPr>
         </p:nvSpPr>
-        <p:spPr>
-          <a:xfrm>
-            <a:off x="664234" y="733579"/>
-            <a:ext cx="9038566" cy="1371600"/>
-          </a:xfrm>
-        </p:spPr>
+        <p:spPr/>
         <p:txBody>
           <a:bodyPr>
             <a:normAutofit/>
@@ -6900,8 +7005,12 @@
           <a:p>
             <a:r>
               <a:rPr lang="en-US" u="sng" dirty="0"/>
-              <a:t>Asynchronous JS Via callbacks</a:t>
-            </a:r>
+              <a:t>Asynchronous JavaScript</a:t>
+            </a:r>
+            <a:br>
+              <a:rPr lang="en-US" u="sng" dirty="0"/>
+            </a:br>
+            <a:endParaRPr lang="en-US" u="sng" dirty="0"/>
           </a:p>
         </p:txBody>
       </p:sp>
@@ -6921,104 +7030,59 @@
             <p:ph idx="1"/>
           </p:nvPr>
         </p:nvSpPr>
-        <p:spPr>
-          <a:xfrm>
-            <a:off x="1066800" y="2733472"/>
-            <a:ext cx="10058400" cy="3159328"/>
-          </a:xfrm>
-        </p:spPr>
+        <p:spPr/>
         <p:txBody>
           <a:bodyPr>
-            <a:noAutofit/>
+            <a:normAutofit/>
           </a:bodyPr>
           <a:lstStyle/>
           <a:p>
-            <a:pPr marL="0" indent="0">
+            <a:r>
+              <a:rPr lang="en-US" sz="1800" dirty="0"/>
+              <a:t>JavaScript provides three ways to program asynchronously:</a:t>
+            </a:r>
+          </a:p>
+          <a:p>
+            <a:pPr marL="169863" indent="0">
               <a:buNone/>
             </a:pPr>
             <a:r>
-              <a:rPr lang="en-US" sz="1000" dirty="0">
-                <a:latin typeface="Consolas" panose="020B0609020204030204" pitchFamily="49" charset="0"/>
-              </a:rPr>
-              <a:t>const getTodo = callback =&gt; {</a:t>
-            </a:r>
-          </a:p>
-          <a:p>
-            <a:pPr marL="0" indent="0">
+              <a:rPr lang="en-US" sz="1800" dirty="0"/>
+              <a:t>Asynchronous JavaScript programming via the use of </a:t>
+            </a:r>
+            <a:r>
+              <a:rPr lang="en-US" sz="1800" i="1" dirty="0"/>
+              <a:t>callbacks</a:t>
+            </a:r>
+            <a:endParaRPr lang="en-US" sz="1800" dirty="0"/>
+          </a:p>
+          <a:p>
+            <a:pPr marL="169863" indent="0">
               <a:buNone/>
             </a:pPr>
             <a:r>
-              <a:rPr lang="en-US" sz="1000" dirty="0">
-                <a:latin typeface="Consolas" panose="020B0609020204030204" pitchFamily="49" charset="0"/>
-              </a:rPr>
-              <a:t>    setTimeout(() =&gt; {</a:t>
-            </a:r>
-          </a:p>
-          <a:p>
-            <a:pPr marL="0" indent="0">
+              <a:rPr lang="en-US" sz="1800" dirty="0"/>
+              <a:t>Asynchronous JavaScript programming via the use of </a:t>
+            </a:r>
+            <a:r>
+              <a:rPr lang="en-US" sz="1800" i="1" dirty="0"/>
+              <a:t>promises</a:t>
+            </a:r>
+            <a:endParaRPr lang="en-US" sz="1800" dirty="0"/>
+          </a:p>
+          <a:p>
+            <a:pPr marL="169863" indent="0">
               <a:buNone/>
             </a:pPr>
             <a:r>
-              <a:rPr lang="en-US" sz="1000" dirty="0">
-                <a:latin typeface="Consolas" panose="020B0609020204030204" pitchFamily="49" charset="0"/>
-              </a:rPr>
-              <a:t>       callback ({ text: 'Complete Code Example' })</a:t>
-            </a:r>
-          </a:p>
-          <a:p>
-            <a:pPr marL="0" indent="0">
-              <a:buNone/>
-            </a:pPr>
-            <a:r>
-              <a:rPr lang="en-US" sz="1000" dirty="0">
-                <a:latin typeface="Consolas" panose="020B0609020204030204" pitchFamily="49" charset="0"/>
-              </a:rPr>
-              <a:t>    }, 2000)</a:t>
-            </a:r>
-          </a:p>
-          <a:p>
-            <a:pPr marL="0" indent="0">
-              <a:buNone/>
-            </a:pPr>
-            <a:r>
-              <a:rPr lang="en-US" sz="1000" dirty="0">
-                <a:latin typeface="Consolas" panose="020B0609020204030204" pitchFamily="49" charset="0"/>
-              </a:rPr>
-              <a:t>}</a:t>
-            </a:r>
-          </a:p>
-          <a:p>
-            <a:pPr marL="0" indent="0">
-              <a:buNone/>
-            </a:pPr>
-            <a:r>
-              <a:rPr lang="en-US" sz="1000" dirty="0">
-                <a:latin typeface="Consolas" panose="020B0609020204030204" pitchFamily="49" charset="0"/>
-              </a:rPr>
-              <a:t>getTodo(todo =&gt; {</a:t>
-            </a:r>
-          </a:p>
-          <a:p>
-            <a:pPr marL="0" indent="0">
-              <a:buNone/>
-            </a:pPr>
-            <a:r>
-              <a:rPr lang="en-US" sz="1000" dirty="0">
-                <a:latin typeface="Consolas" panose="020B0609020204030204" pitchFamily="49" charset="0"/>
-              </a:rPr>
-              <a:t>    console.log(todo.text)</a:t>
-            </a:r>
-          </a:p>
-          <a:p>
-            <a:pPr marL="0" indent="0">
-              <a:buNone/>
-            </a:pPr>
-            <a:r>
-              <a:rPr lang="en-US" sz="1000" dirty="0">
-                <a:latin typeface="Consolas" panose="020B0609020204030204" pitchFamily="49" charset="0"/>
-              </a:rPr>
-              <a:t>})</a:t>
-            </a:r>
+              <a:rPr lang="en-US" sz="1800" dirty="0"/>
+              <a:t>Asynchronous JavaScript programming via the use of </a:t>
+            </a:r>
+            <a:r>
+              <a:rPr lang="en-US" sz="1800" i="1" dirty="0"/>
+              <a:t>async-await</a:t>
+            </a:r>
+            <a:endParaRPr lang="en-US" sz="1800" dirty="0"/>
           </a:p>
         </p:txBody>
       </p:sp>
@@ -7048,7 +7112,7 @@
     </p:spTree>
     <p:extLst>
       <p:ext uri="{BB962C8B-B14F-4D97-AF65-F5344CB8AC3E}">
-        <p14:creationId xmlns:p14="http://schemas.microsoft.com/office/powerpoint/2010/main" val="1009777305"/>
+        <p14:creationId xmlns:p14="http://schemas.microsoft.com/office/powerpoint/2010/main" val="2082898809"/>
       </p:ext>
     </p:extLst>
   </p:cSld>
@@ -7140,7 +7204,13 @@
           <a:p>
             <a:r>
               <a:rPr lang="en-US" sz="1800" dirty="0"/>
-              <a:t>The getTodo function is defined so that it takes a callback function as a parameter. Inside getTodo the getTimeout function is used to delay the execution of code for 2000 milliseconds (2 seconds). Instead of just returning the object now the callback function is run. As an argument the object which should be returned is passed in</a:t>
+              <a:t>Callbacks are simple functions which are used to notify the calling instance when an asynchronous code block has been executed and the result is available</a:t>
+            </a:r>
+          </a:p>
+          <a:p>
+            <a:r>
+              <a:rPr lang="en-US" sz="1800" dirty="0"/>
+              <a:t>Shown on the following page is a simple code example that uses a callback</a:t>
             </a:r>
           </a:p>
         </p:txBody>
@@ -7168,10 +7238,57 @@
           </a:p>
         </p:txBody>
       </p:sp>
+      <p:sp>
+        <p:nvSpPr>
+          <p:cNvPr id="6" name="Rectangle 5">
+            <a:extLst>
+              <a:ext uri="{FF2B5EF4-FFF2-40B4-BE49-F238E27FC236}">
+                <a16:creationId xmlns:a16="http://schemas.microsoft.com/office/drawing/2014/main" id="{0C71533A-4A29-47E2-A4D4-85E44356516A}"/>
+              </a:ext>
+            </a:extLst>
+          </p:cNvPr>
+          <p:cNvSpPr/>
+          <p:nvPr/>
+        </p:nvSpPr>
+        <p:spPr>
+          <a:xfrm>
+            <a:off x="1066800" y="5690096"/>
+            <a:ext cx="10058400" cy="830997"/>
+          </a:xfrm>
+          <a:prstGeom prst="rect">
+            <a:avLst/>
+          </a:prstGeom>
+        </p:spPr>
+        <p:txBody>
+          <a:bodyPr wrap="square">
+            <a:spAutoFit/>
+          </a:bodyPr>
+          <a:lstStyle/>
+          <a:p>
+            <a:r>
+              <a:rPr lang="en-US" sz="1600" b="1" dirty="0"/>
+              <a:t>Source</a:t>
+            </a:r>
+          </a:p>
+          <a:p>
+            <a:r>
+              <a:rPr lang="en-US" sz="1600" dirty="0">
+                <a:hlinkClick r:id="rId2"/>
+              </a:rPr>
+              <a:t>https://codingthesmartway.com/async-programming-with-javascript-callbacks-promises-and-async-await/</a:t>
+            </a:r>
+            <a:endParaRPr lang="en-US" sz="1600" dirty="0">
+              <a:solidFill>
+                <a:srgbClr val="00B0F0"/>
+              </a:solidFill>
+            </a:endParaRPr>
+          </a:p>
+        </p:txBody>
+      </p:sp>
     </p:spTree>
     <p:extLst>
       <p:ext uri="{BB962C8B-B14F-4D97-AF65-F5344CB8AC3E}">
-        <p14:creationId xmlns:p14="http://schemas.microsoft.com/office/powerpoint/2010/main" val="1169187037"/>
+        <p14:creationId xmlns:p14="http://schemas.microsoft.com/office/powerpoint/2010/main" val="1277588296"/>
       </p:ext>
     </p:extLst>
   </p:cSld>
@@ -7214,12 +7331,7 @@
             <p:ph type="title"/>
           </p:nvPr>
         </p:nvSpPr>
-        <p:spPr>
-          <a:xfrm>
-            <a:off x="664234" y="733579"/>
-            <a:ext cx="9038566" cy="1371600"/>
-          </a:xfrm>
-        </p:spPr>
+        <p:spPr/>
         <p:txBody>
           <a:bodyPr>
             <a:normAutofit/>
@@ -7249,22 +7361,192 @@
             <p:ph idx="1"/>
           </p:nvPr>
         </p:nvSpPr>
-        <p:spPr>
-          <a:xfrm>
-            <a:off x="1066800" y="2733472"/>
-            <a:ext cx="10058400" cy="3159328"/>
-          </a:xfrm>
-        </p:spPr>
+        <p:spPr/>
         <p:txBody>
           <a:bodyPr>
-            <a:normAutofit/>
+            <a:noAutofit/>
           </a:bodyPr>
           <a:lstStyle/>
           <a:p>
-            <a:r>
-              <a:rPr lang="en-US" sz="1800" dirty="0"/>
-              <a:t>When calling getTodo you must make sure to pass in a callback function as a parameter. In the example this is being done using the fat arrow syntax (=&gt;) to define an anonymous function. Inside that functions the todo.text is output. This function is invoked from inside of getTodo when the 2000 millisecond delay is passed</a:t>
-            </a:r>
+            <a:pPr marL="0" indent="0">
+              <a:lnSpc>
+                <a:spcPct val="150000"/>
+              </a:lnSpc>
+              <a:spcBef>
+                <a:spcPts val="0"/>
+              </a:spcBef>
+              <a:buNone/>
+            </a:pPr>
+            <a:r>
+              <a:rPr lang="en-US" sz="1800" dirty="0">
+                <a:latin typeface="Consolas" panose="020B0609020204030204" pitchFamily="49" charset="0"/>
+              </a:rPr>
+              <a:t>const getTodo </a:t>
+            </a:r>
+            <a:r>
+              <a:rPr lang="en-US" sz="1800">
+                <a:latin typeface="Consolas" panose="020B0609020204030204" pitchFamily="49" charset="0"/>
+              </a:rPr>
+              <a:t>= (callback) </a:t>
+            </a:r>
+            <a:r>
+              <a:rPr lang="en-US" sz="1800" dirty="0">
+                <a:latin typeface="Consolas" panose="020B0609020204030204" pitchFamily="49" charset="0"/>
+              </a:rPr>
+              <a:t>=&gt; {</a:t>
+            </a:r>
+          </a:p>
+          <a:p>
+            <a:pPr marL="0" indent="0">
+              <a:lnSpc>
+                <a:spcPct val="150000"/>
+              </a:lnSpc>
+              <a:spcBef>
+                <a:spcPts val="0"/>
+              </a:spcBef>
+              <a:buNone/>
+            </a:pPr>
+            <a:r>
+              <a:rPr lang="en-US" sz="1800">
+                <a:latin typeface="Consolas" panose="020B0609020204030204" pitchFamily="49" charset="0"/>
+              </a:rPr>
+              <a:t>  setTimeout</a:t>
+            </a:r>
+            <a:r>
+              <a:rPr lang="en-US" sz="1800" dirty="0">
+                <a:latin typeface="Consolas" panose="020B0609020204030204" pitchFamily="49" charset="0"/>
+              </a:rPr>
+              <a:t>(() =&gt; {</a:t>
+            </a:r>
+          </a:p>
+          <a:p>
+            <a:pPr marL="0" indent="0">
+              <a:lnSpc>
+                <a:spcPct val="150000"/>
+              </a:lnSpc>
+              <a:spcBef>
+                <a:spcPts val="0"/>
+              </a:spcBef>
+              <a:buNone/>
+            </a:pPr>
+            <a:r>
+              <a:rPr lang="en-US" sz="1800">
+                <a:latin typeface="Consolas" panose="020B0609020204030204" pitchFamily="49" charset="0"/>
+              </a:rPr>
+              <a:t>    callback </a:t>
+            </a:r>
+            <a:r>
+              <a:rPr lang="en-US" sz="1800" dirty="0">
+                <a:latin typeface="Consolas" panose="020B0609020204030204" pitchFamily="49" charset="0"/>
+              </a:rPr>
+              <a:t>({ text: 'Complete Code Example' })</a:t>
+            </a:r>
+          </a:p>
+          <a:p>
+            <a:pPr marL="0" indent="0">
+              <a:lnSpc>
+                <a:spcPct val="150000"/>
+              </a:lnSpc>
+              <a:spcBef>
+                <a:spcPts val="0"/>
+              </a:spcBef>
+              <a:buNone/>
+            </a:pPr>
+            <a:r>
+              <a:rPr lang="en-US" sz="1800">
+                <a:latin typeface="Consolas" panose="020B0609020204030204" pitchFamily="49" charset="0"/>
+              </a:rPr>
+              <a:t>  }, 2000);</a:t>
+            </a:r>
+            <a:endParaRPr lang="en-US" sz="1800" dirty="0">
+              <a:latin typeface="Consolas" panose="020B0609020204030204" pitchFamily="49" charset="0"/>
+            </a:endParaRPr>
+          </a:p>
+          <a:p>
+            <a:pPr marL="0" indent="0">
+              <a:lnSpc>
+                <a:spcPct val="150000"/>
+              </a:lnSpc>
+              <a:spcBef>
+                <a:spcPts val="0"/>
+              </a:spcBef>
+              <a:buNone/>
+            </a:pPr>
+            <a:r>
+              <a:rPr lang="en-US" sz="1800">
+                <a:latin typeface="Consolas" panose="020B0609020204030204" pitchFamily="49" charset="0"/>
+              </a:rPr>
+              <a:t>};</a:t>
+            </a:r>
+            <a:endParaRPr lang="en-US" sz="1800" dirty="0">
+              <a:latin typeface="Consolas" panose="020B0609020204030204" pitchFamily="49" charset="0"/>
+            </a:endParaRPr>
+          </a:p>
+          <a:p>
+            <a:pPr marL="0" indent="0">
+              <a:lnSpc>
+                <a:spcPct val="150000"/>
+              </a:lnSpc>
+              <a:spcBef>
+                <a:spcPts val="0"/>
+              </a:spcBef>
+              <a:buNone/>
+            </a:pPr>
+            <a:r>
+              <a:rPr lang="en-US" sz="1800">
+                <a:latin typeface="Consolas" panose="020B0609020204030204" pitchFamily="49" charset="0"/>
+              </a:rPr>
+              <a:t>getTodo((todo) </a:t>
+            </a:r>
+            <a:r>
+              <a:rPr lang="en-US" sz="1800" dirty="0">
+                <a:latin typeface="Consolas" panose="020B0609020204030204" pitchFamily="49" charset="0"/>
+              </a:rPr>
+              <a:t>=&gt; {</a:t>
+            </a:r>
+          </a:p>
+          <a:p>
+            <a:pPr marL="0" indent="0">
+              <a:lnSpc>
+                <a:spcPct val="150000"/>
+              </a:lnSpc>
+              <a:spcBef>
+                <a:spcPts val="0"/>
+              </a:spcBef>
+              <a:buNone/>
+            </a:pPr>
+            <a:r>
+              <a:rPr lang="en-US" sz="1800">
+                <a:latin typeface="Consolas" panose="020B0609020204030204" pitchFamily="49" charset="0"/>
+              </a:rPr>
+              <a:t>  console</a:t>
+            </a:r>
+            <a:r>
+              <a:rPr lang="en-US" sz="1800" dirty="0">
+                <a:latin typeface="Consolas" panose="020B0609020204030204" pitchFamily="49" charset="0"/>
+              </a:rPr>
+              <a:t>.log(todo.text)</a:t>
+            </a:r>
+          </a:p>
+          <a:p>
+            <a:pPr marL="0" indent="0">
+              <a:lnSpc>
+                <a:spcPct val="150000"/>
+              </a:lnSpc>
+              <a:spcBef>
+                <a:spcPts val="0"/>
+              </a:spcBef>
+              <a:buNone/>
+            </a:pPr>
+            <a:r>
+              <a:rPr lang="en-US" sz="1800">
+                <a:latin typeface="Consolas" panose="020B0609020204030204" pitchFamily="49" charset="0"/>
+              </a:rPr>
+              <a:t>});</a:t>
+            </a:r>
+            <a:endParaRPr lang="en-US" sz="1800" dirty="0">
+              <a:latin typeface="Consolas" panose="020B0609020204030204" pitchFamily="49" charset="0"/>
+            </a:endParaRPr>
           </a:p>
         </p:txBody>
       </p:sp>
@@ -7294,7 +7576,7 @@
     </p:spTree>
     <p:extLst>
       <p:ext uri="{BB962C8B-B14F-4D97-AF65-F5344CB8AC3E}">
-        <p14:creationId xmlns:p14="http://schemas.microsoft.com/office/powerpoint/2010/main" val="3759982094"/>
+        <p14:creationId xmlns:p14="http://schemas.microsoft.com/office/powerpoint/2010/main" val="1009777305"/>
       </p:ext>
     </p:extLst>
   </p:cSld>
@@ -7351,7 +7633,7 @@
           <a:p>
             <a:r>
               <a:rPr lang="en-US" u="sng" dirty="0"/>
-              <a:t>Asynchronous JS Via promises</a:t>
+              <a:t>Asynchronous JS Via callbacks</a:t>
             </a:r>
           </a:p>
         </p:txBody>
@@ -7374,7 +7656,7 @@
         </p:nvSpPr>
         <p:spPr>
           <a:xfrm>
-            <a:off x="1066800" y="2708072"/>
+            <a:off x="1066800" y="2733472"/>
             <a:ext cx="10058400" cy="3159328"/>
           </a:xfrm>
         </p:spPr>
@@ -7386,34 +7668,7 @@
           <a:p>
             <a:r>
               <a:rPr lang="en-US" sz="1800" dirty="0"/>
-              <a:t>Promises include:</a:t>
-            </a:r>
-          </a:p>
-          <a:p>
-            <a:pPr marL="228600" indent="0">
-              <a:buNone/>
-            </a:pPr>
-            <a:r>
-              <a:rPr lang="en-US" sz="1800" dirty="0"/>
-              <a:t>Producing code that does something and takes time. For instance, some code that loads data over a network</a:t>
-            </a:r>
-          </a:p>
-          <a:p>
-            <a:pPr marL="228600" indent="0">
-              <a:buNone/>
-            </a:pPr>
-            <a:r>
-              <a:rPr lang="en-US" sz="1800" dirty="0"/>
-              <a:t>Consuming code that wants the result of the producing code once it's ready. One or more functions may need this result</a:t>
-            </a:r>
-          </a:p>
-          <a:p>
-            <a:pPr marL="228600" indent="0">
-              <a:buNone/>
-            </a:pPr>
-            <a:r>
-              <a:rPr lang="en-US" sz="1800" dirty="0"/>
-              <a:t>A promise is a special JavaScript object that links the producing code and the consuming code together</a:t>
+              <a:t>The getTodo function is defined so that it takes a callback function as a parameter. Inside getTodo the getTimeout function is used to delay the execution of code for 2000 milliseconds (2 seconds). Instead of just returning the object now the callback function is run. As an argument the object which should be returned is passed in</a:t>
             </a:r>
           </a:p>
         </p:txBody>
@@ -7441,57 +7696,10 @@
           </a:p>
         </p:txBody>
       </p:sp>
-      <p:sp>
-        <p:nvSpPr>
-          <p:cNvPr id="6" name="Rectangle 5">
-            <a:extLst>
-              <a:ext uri="{FF2B5EF4-FFF2-40B4-BE49-F238E27FC236}">
-                <a16:creationId xmlns:a16="http://schemas.microsoft.com/office/drawing/2014/main" id="{0C71533A-4A29-47E2-A4D4-85E44356516A}"/>
-              </a:ext>
-            </a:extLst>
-          </p:cNvPr>
-          <p:cNvSpPr/>
-          <p:nvPr/>
-        </p:nvSpPr>
-        <p:spPr>
-          <a:xfrm>
-            <a:off x="1066800" y="5818971"/>
-            <a:ext cx="10058400" cy="584775"/>
-          </a:xfrm>
-          <a:prstGeom prst="rect">
-            <a:avLst/>
-          </a:prstGeom>
-        </p:spPr>
-        <p:txBody>
-          <a:bodyPr wrap="square">
-            <a:spAutoFit/>
-          </a:bodyPr>
-          <a:lstStyle/>
-          <a:p>
-            <a:r>
-              <a:rPr lang="en-US" sz="1600" b="1" dirty="0"/>
-              <a:t>Source</a:t>
-            </a:r>
-          </a:p>
-          <a:p>
-            <a:r>
-              <a:rPr lang="en-US" sz="1600" dirty="0">
-                <a:hlinkClick r:id="rId2"/>
-              </a:rPr>
-              <a:t>https://javascript.info/promise-basics</a:t>
-            </a:r>
-            <a:endParaRPr lang="en-US" sz="1600" dirty="0">
-              <a:solidFill>
-                <a:srgbClr val="00B0F0"/>
-              </a:solidFill>
-            </a:endParaRPr>
-          </a:p>
-        </p:txBody>
-      </p:sp>
     </p:spTree>
     <p:extLst>
       <p:ext uri="{BB962C8B-B14F-4D97-AF65-F5344CB8AC3E}">
-        <p14:creationId xmlns:p14="http://schemas.microsoft.com/office/powerpoint/2010/main" val="1217545895"/>
+        <p14:creationId xmlns:p14="http://schemas.microsoft.com/office/powerpoint/2010/main" val="1169187037"/>
       </p:ext>
     </p:extLst>
   </p:cSld>
@@ -7548,7 +7756,7 @@
           <a:p>
             <a:r>
               <a:rPr lang="en-US" u="sng" dirty="0"/>
-              <a:t>Asynchronous JS Via promises</a:t>
+              <a:t>Asynchronous JS Via callbacks</a:t>
             </a:r>
           </a:p>
         </p:txBody>
@@ -7571,7 +7779,7 @@
         </p:nvSpPr>
         <p:spPr>
           <a:xfrm>
-            <a:off x="1066800" y="2708072"/>
+            <a:off x="1066800" y="2733472"/>
             <a:ext cx="10058400" cy="3159328"/>
           </a:xfrm>
         </p:spPr>
@@ -7583,13 +7791,7 @@
           <a:p>
             <a:r>
               <a:rPr lang="en-US" sz="1800" dirty="0"/>
-              <a:t>Promises are a built-in language feature of JavaScript that makes handling asynchronous code easier and more readable</a:t>
-            </a:r>
-          </a:p>
-          <a:p>
-            <a:r>
-              <a:rPr lang="en-US" sz="1800" dirty="0"/>
-              <a:t>Shown on the following page is the simple code example with the callback replaced by a promise</a:t>
+              <a:t>When calling getTodo you must make sure to pass in a callback function as a parameter. In the example this is being done using the fat arrow syntax (=&gt;) to define an anonymous function. Inside that functions the todo.text is output. This function is invoked from inside of getTodo when the 2000 millisecond delay is passed</a:t>
             </a:r>
           </a:p>
         </p:txBody>
@@ -7617,57 +7819,10 @@
           </a:p>
         </p:txBody>
       </p:sp>
-      <p:sp>
-        <p:nvSpPr>
-          <p:cNvPr id="6" name="Rectangle 5">
-            <a:extLst>
-              <a:ext uri="{FF2B5EF4-FFF2-40B4-BE49-F238E27FC236}">
-                <a16:creationId xmlns:a16="http://schemas.microsoft.com/office/drawing/2014/main" id="{0C71533A-4A29-47E2-A4D4-85E44356516A}"/>
-              </a:ext>
-            </a:extLst>
-          </p:cNvPr>
-          <p:cNvSpPr/>
-          <p:nvPr/>
-        </p:nvSpPr>
-        <p:spPr>
-          <a:xfrm>
-            <a:off x="1049867" y="5700438"/>
-            <a:ext cx="9482668" cy="830997"/>
-          </a:xfrm>
-          <a:prstGeom prst="rect">
-            <a:avLst/>
-          </a:prstGeom>
-        </p:spPr>
-        <p:txBody>
-          <a:bodyPr wrap="square">
-            <a:spAutoFit/>
-          </a:bodyPr>
-          <a:lstStyle/>
-          <a:p>
-            <a:r>
-              <a:rPr lang="en-US" sz="1600" b="1" dirty="0"/>
-              <a:t>Source</a:t>
-            </a:r>
-          </a:p>
-          <a:p>
-            <a:r>
-              <a:rPr lang="en-US" sz="1600" dirty="0">
-                <a:hlinkClick r:id="rId2"/>
-              </a:rPr>
-              <a:t>https://codingthesmartway.com/async-programming-with-javascript-callbacks-promises-and-async-await/</a:t>
-            </a:r>
-            <a:endParaRPr lang="en-US" sz="1600" dirty="0">
-              <a:solidFill>
-                <a:srgbClr val="00B0F0"/>
-              </a:solidFill>
-            </a:endParaRPr>
-          </a:p>
-        </p:txBody>
-      </p:sp>
     </p:spTree>
     <p:extLst>
       <p:ext uri="{BB962C8B-B14F-4D97-AF65-F5344CB8AC3E}">
-        <p14:creationId xmlns:p14="http://schemas.microsoft.com/office/powerpoint/2010/main" val="549789581"/>
+        <p14:creationId xmlns:p14="http://schemas.microsoft.com/office/powerpoint/2010/main" val="3759982094"/>
       </p:ext>
     </p:extLst>
   </p:cSld>
@@ -7747,167 +7902,46 @@
         </p:nvSpPr>
         <p:spPr>
           <a:xfrm>
-            <a:off x="1066800" y="2733472"/>
+            <a:off x="1066800" y="2708072"/>
             <a:ext cx="10058400" cy="3159328"/>
           </a:xfrm>
         </p:spPr>
         <p:txBody>
           <a:bodyPr>
-            <a:noAutofit/>
+            <a:normAutofit/>
           </a:bodyPr>
           <a:lstStyle/>
           <a:p>
-            <a:pPr marL="0" indent="0">
+            <a:r>
+              <a:rPr lang="en-US" sz="1800" dirty="0"/>
+              <a:t>Promises include:</a:t>
+            </a:r>
+          </a:p>
+          <a:p>
+            <a:pPr marL="228600" indent="0">
               <a:buNone/>
             </a:pPr>
             <a:r>
-              <a:rPr lang="en-US" sz="1000" dirty="0">
-                <a:latin typeface="Consolas" panose="020B0609020204030204" pitchFamily="49" charset="0"/>
-              </a:rPr>
-              <a:t>const getTodo = () =&gt; {</a:t>
-            </a:r>
-          </a:p>
-          <a:p>
-            <a:pPr marL="0" indent="0">
+              <a:rPr lang="en-US" sz="1800" dirty="0"/>
+              <a:t>Producing code that does something and takes time. For instance, some code that loads data over a network</a:t>
+            </a:r>
+          </a:p>
+          <a:p>
+            <a:pPr marL="228600" indent="0">
               <a:buNone/>
             </a:pPr>
             <a:r>
-              <a:rPr lang="en-US" sz="1000" dirty="0">
-                <a:latin typeface="Consolas" panose="020B0609020204030204" pitchFamily="49" charset="0"/>
-              </a:rPr>
-              <a:t>    return new Promise((resolve, reject) =&gt; {</a:t>
-            </a:r>
-          </a:p>
-          <a:p>
-            <a:pPr marL="0" indent="0">
+              <a:rPr lang="en-US" sz="1800" dirty="0"/>
+              <a:t>Consuming code that wants the result of the producing code once it's ready. One or more functions may need this result</a:t>
+            </a:r>
+          </a:p>
+          <a:p>
+            <a:pPr marL="228600" indent="0">
               <a:buNone/>
             </a:pPr>
             <a:r>
-              <a:rPr lang="en-US" sz="1000" dirty="0">
-                <a:latin typeface="Consolas" panose="020B0609020204030204" pitchFamily="49" charset="0"/>
-              </a:rPr>
-              <a:t>        setTimeout(() =&gt; {</a:t>
-            </a:r>
-          </a:p>
-          <a:p>
-            <a:pPr marL="0" indent="0">
-              <a:buNone/>
-            </a:pPr>
-            <a:r>
-              <a:rPr lang="en-US" sz="1000" dirty="0">
-                <a:latin typeface="Consolas" panose="020B0609020204030204" pitchFamily="49" charset="0"/>
-              </a:rPr>
-              <a:t>            let error = false;</a:t>
-            </a:r>
-          </a:p>
-          <a:p>
-            <a:pPr marL="0" indent="0">
-              <a:buNone/>
-            </a:pPr>
-            <a:r>
-              <a:rPr lang="en-US" sz="1000" dirty="0">
-                <a:latin typeface="Consolas" panose="020B0609020204030204" pitchFamily="49" charset="0"/>
-              </a:rPr>
-              <a:t>            if(!error)</a:t>
-            </a:r>
-          </a:p>
-          <a:p>
-            <a:pPr marL="0" indent="0">
-              <a:buNone/>
-            </a:pPr>
-            <a:r>
-              <a:rPr lang="en-US" sz="1000" dirty="0">
-                <a:latin typeface="Consolas" panose="020B0609020204030204" pitchFamily="49" charset="0"/>
-              </a:rPr>
-              <a:t>                resolve({ text: 'Complete Code Example' })</a:t>
-            </a:r>
-          </a:p>
-          <a:p>
-            <a:pPr marL="0" indent="0">
-              <a:buNone/>
-            </a:pPr>
-            <a:r>
-              <a:rPr lang="en-US" sz="1000" dirty="0">
-                <a:latin typeface="Consolas" panose="020B0609020204030204" pitchFamily="49" charset="0"/>
-              </a:rPr>
-              <a:t>            else</a:t>
-            </a:r>
-          </a:p>
-          <a:p>
-            <a:pPr marL="0" indent="0">
-              <a:buNone/>
-            </a:pPr>
-            <a:r>
-              <a:rPr lang="en-US" sz="1000" dirty="0">
-                <a:latin typeface="Consolas" panose="020B0609020204030204" pitchFamily="49" charset="0"/>
-              </a:rPr>
-              <a:t>                reject()</a:t>
-            </a:r>
-          </a:p>
-          <a:p>
-            <a:pPr marL="0" indent="0">
-              <a:buNone/>
-            </a:pPr>
-            <a:r>
-              <a:rPr lang="en-US" sz="1000" dirty="0">
-                <a:latin typeface="Consolas" panose="020B0609020204030204" pitchFamily="49" charset="0"/>
-              </a:rPr>
-              <a:t>        }, 2000)     </a:t>
-            </a:r>
-          </a:p>
-          <a:p>
-            <a:pPr marL="0" indent="0">
-              <a:buNone/>
-            </a:pPr>
-            <a:r>
-              <a:rPr lang="en-US" sz="1000" dirty="0">
-                <a:latin typeface="Consolas" panose="020B0609020204030204" pitchFamily="49" charset="0"/>
-              </a:rPr>
-              <a:t>    })</a:t>
-            </a:r>
-          </a:p>
-          <a:p>
-            <a:pPr marL="0" indent="0">
-              <a:buNone/>
-            </a:pPr>
-            <a:r>
-              <a:rPr lang="en-US" sz="1000" dirty="0">
-                <a:latin typeface="Consolas" panose="020B0609020204030204" pitchFamily="49" charset="0"/>
-              </a:rPr>
-              <a:t>}</a:t>
-            </a:r>
-          </a:p>
-          <a:p>
-            <a:pPr marL="0" indent="0">
-              <a:buNone/>
-            </a:pPr>
-            <a:r>
-              <a:rPr lang="en-US" sz="1000" dirty="0">
-                <a:latin typeface="Consolas" panose="020B0609020204030204" pitchFamily="49" charset="0"/>
-              </a:rPr>
-              <a:t>getTodo().then(todo =&gt; {</a:t>
-            </a:r>
-          </a:p>
-          <a:p>
-            <a:pPr marL="0" indent="0">
-              <a:buNone/>
-            </a:pPr>
-            <a:r>
-              <a:rPr lang="en-US" sz="1000" dirty="0">
-                <a:latin typeface="Consolas" panose="020B0609020204030204" pitchFamily="49" charset="0"/>
-              </a:rPr>
-              <a:t>    console.log(todo.text)</a:t>
-            </a:r>
-          </a:p>
-          <a:p>
-            <a:pPr marL="0" indent="0">
-              <a:buNone/>
-            </a:pPr>
-            <a:r>
-              <a:rPr lang="en-US" sz="1000" dirty="0">
-                <a:latin typeface="Consolas" panose="020B0609020204030204" pitchFamily="49" charset="0"/>
-              </a:rPr>
-              <a:t>})</a:t>
+              <a:rPr lang="en-US" sz="1800" dirty="0"/>
+              <a:t>A promise is a special JavaScript object that links the producing code and the consuming code together</a:t>
             </a:r>
           </a:p>
         </p:txBody>
@@ -7935,10 +7969,57 @@
           </a:p>
         </p:txBody>
       </p:sp>
+      <p:sp>
+        <p:nvSpPr>
+          <p:cNvPr id="6" name="Rectangle 5">
+            <a:extLst>
+              <a:ext uri="{FF2B5EF4-FFF2-40B4-BE49-F238E27FC236}">
+                <a16:creationId xmlns:a16="http://schemas.microsoft.com/office/drawing/2014/main" id="{0C71533A-4A29-47E2-A4D4-85E44356516A}"/>
+              </a:ext>
+            </a:extLst>
+          </p:cNvPr>
+          <p:cNvSpPr/>
+          <p:nvPr/>
+        </p:nvSpPr>
+        <p:spPr>
+          <a:xfrm>
+            <a:off x="1066800" y="5818971"/>
+            <a:ext cx="10058400" cy="584775"/>
+          </a:xfrm>
+          <a:prstGeom prst="rect">
+            <a:avLst/>
+          </a:prstGeom>
+        </p:spPr>
+        <p:txBody>
+          <a:bodyPr wrap="square">
+            <a:spAutoFit/>
+          </a:bodyPr>
+          <a:lstStyle/>
+          <a:p>
+            <a:r>
+              <a:rPr lang="en-US" sz="1600" b="1" dirty="0"/>
+              <a:t>Source</a:t>
+            </a:r>
+          </a:p>
+          <a:p>
+            <a:r>
+              <a:rPr lang="en-US" sz="1600" dirty="0">
+                <a:hlinkClick r:id="rId2"/>
+              </a:rPr>
+              <a:t>https://javascript.info/promise-basics</a:t>
+            </a:r>
+            <a:endParaRPr lang="en-US" sz="1600" dirty="0">
+              <a:solidFill>
+                <a:srgbClr val="00B0F0"/>
+              </a:solidFill>
+            </a:endParaRPr>
+          </a:p>
+        </p:txBody>
+      </p:sp>
     </p:spTree>
     <p:extLst>
       <p:ext uri="{BB962C8B-B14F-4D97-AF65-F5344CB8AC3E}">
-        <p14:creationId xmlns:p14="http://schemas.microsoft.com/office/powerpoint/2010/main" val="2304251633"/>
+        <p14:creationId xmlns:p14="http://schemas.microsoft.com/office/powerpoint/2010/main" val="1217545895"/>
       </p:ext>
     </p:extLst>
   </p:cSld>
@@ -8018,7 +8099,7 @@
         </p:nvSpPr>
         <p:spPr>
           <a:xfrm>
-            <a:off x="1066800" y="2733472"/>
+            <a:off x="1066800" y="2708072"/>
             <a:ext cx="10058400" cy="3159328"/>
           </a:xfrm>
         </p:spPr>
@@ -8030,13 +8111,13 @@
           <a:p>
             <a:r>
               <a:rPr lang="en-US" sz="1800" dirty="0"/>
-              <a:t>This code is basically doing the same as seen before in the callback example but with Promises.</a:t>
+              <a:t>Promises are a built-in language feature of JavaScript that makes handling asynchronous code easier and more readable</a:t>
             </a:r>
           </a:p>
           <a:p>
             <a:r>
               <a:rPr lang="en-US" sz="1800" dirty="0"/>
-              <a:t>Inside the getTodo function a new Promise is returned. The constructor of the Promise class is expecting to get a function which contains the asynchronous code as a parameter</a:t>
+              <a:t>Shown on the following page is the simple code example with the callback replaced by a promise</a:t>
             </a:r>
           </a:p>
         </p:txBody>
@@ -8064,10 +8145,57 @@
           </a:p>
         </p:txBody>
       </p:sp>
+      <p:sp>
+        <p:nvSpPr>
+          <p:cNvPr id="6" name="Rectangle 5">
+            <a:extLst>
+              <a:ext uri="{FF2B5EF4-FFF2-40B4-BE49-F238E27FC236}">
+                <a16:creationId xmlns:a16="http://schemas.microsoft.com/office/drawing/2014/main" id="{0C71533A-4A29-47E2-A4D4-85E44356516A}"/>
+              </a:ext>
+            </a:extLst>
+          </p:cNvPr>
+          <p:cNvSpPr/>
+          <p:nvPr/>
+        </p:nvSpPr>
+        <p:spPr>
+          <a:xfrm>
+            <a:off x="1049867" y="5700438"/>
+            <a:ext cx="9482668" cy="830997"/>
+          </a:xfrm>
+          <a:prstGeom prst="rect">
+            <a:avLst/>
+          </a:prstGeom>
+        </p:spPr>
+        <p:txBody>
+          <a:bodyPr wrap="square">
+            <a:spAutoFit/>
+          </a:bodyPr>
+          <a:lstStyle/>
+          <a:p>
+            <a:r>
+              <a:rPr lang="en-US" sz="1600" b="1" dirty="0"/>
+              <a:t>Source</a:t>
+            </a:r>
+          </a:p>
+          <a:p>
+            <a:r>
+              <a:rPr lang="en-US" sz="1600" dirty="0">
+                <a:hlinkClick r:id="rId2"/>
+              </a:rPr>
+              <a:t>https://codingthesmartway.com/async-programming-with-javascript-callbacks-promises-and-async-await/</a:t>
+            </a:r>
+            <a:endParaRPr lang="en-US" sz="1600" dirty="0">
+              <a:solidFill>
+                <a:srgbClr val="00B0F0"/>
+              </a:solidFill>
+            </a:endParaRPr>
+          </a:p>
+        </p:txBody>
+      </p:sp>
     </p:spTree>
     <p:extLst>
       <p:ext uri="{BB962C8B-B14F-4D97-AF65-F5344CB8AC3E}">
-        <p14:creationId xmlns:p14="http://schemas.microsoft.com/office/powerpoint/2010/main" val="616597155"/>
+        <p14:creationId xmlns:p14="http://schemas.microsoft.com/office/powerpoint/2010/main" val="549789581"/>
       </p:ext>
     </p:extLst>
   </p:cSld>
@@ -8153,35 +8281,162 @@
         </p:spPr>
         <p:txBody>
           <a:bodyPr>
-            <a:normAutofit/>
+            <a:noAutofit/>
           </a:bodyPr>
           <a:lstStyle/>
           <a:p>
-            <a:r>
-              <a:rPr lang="en-US" sz="1800" dirty="0"/>
-              <a:t>The function is also expecting to get two parameters, resolve and reject, which contain the asynchronous code which needs to be executed.</a:t>
-            </a:r>
-          </a:p>
-          <a:p>
-            <a:pPr marL="169863" indent="0">
+            <a:pPr marL="0" indent="0">
               <a:buNone/>
             </a:pPr>
             <a:r>
-              <a:rPr lang="en-US" sz="1800" dirty="0"/>
-              <a:t>If the asynchronous code executes successfully the resolve function is called</a:t>
-            </a:r>
-          </a:p>
-          <a:p>
-            <a:pPr marL="169863" indent="0">
+              <a:rPr lang="en-US" sz="1000" dirty="0">
+                <a:latin typeface="Consolas" panose="020B0609020204030204" pitchFamily="49" charset="0"/>
+              </a:rPr>
+              <a:t>const getTodo = () =&gt; {</a:t>
+            </a:r>
+          </a:p>
+          <a:p>
+            <a:pPr marL="0" indent="0">
               <a:buNone/>
             </a:pPr>
             <a:r>
-              <a:rPr lang="en-US" sz="1800" dirty="0"/>
-              <a:t>If the asynchronous code does not execute successfully the reject function is called</a:t>
-            </a:r>
-          </a:p>
-          <a:p>
-            <a:endParaRPr lang="en-US" sz="1800" dirty="0"/>
+              <a:rPr lang="en-US" sz="1000" dirty="0">
+                <a:latin typeface="Consolas" panose="020B0609020204030204" pitchFamily="49" charset="0"/>
+              </a:rPr>
+              <a:t>    return new Promise((resolve, reject) =&gt; {</a:t>
+            </a:r>
+          </a:p>
+          <a:p>
+            <a:pPr marL="0" indent="0">
+              <a:buNone/>
+            </a:pPr>
+            <a:r>
+              <a:rPr lang="en-US" sz="1000" dirty="0">
+                <a:latin typeface="Consolas" panose="020B0609020204030204" pitchFamily="49" charset="0"/>
+              </a:rPr>
+              <a:t>        setTimeout(() =&gt; {</a:t>
+            </a:r>
+          </a:p>
+          <a:p>
+            <a:pPr marL="0" indent="0">
+              <a:buNone/>
+            </a:pPr>
+            <a:r>
+              <a:rPr lang="en-US" sz="1000" dirty="0">
+                <a:latin typeface="Consolas" panose="020B0609020204030204" pitchFamily="49" charset="0"/>
+              </a:rPr>
+              <a:t>            let error = false;</a:t>
+            </a:r>
+          </a:p>
+          <a:p>
+            <a:pPr marL="0" indent="0">
+              <a:buNone/>
+            </a:pPr>
+            <a:r>
+              <a:rPr lang="en-US" sz="1000" dirty="0">
+                <a:latin typeface="Consolas" panose="020B0609020204030204" pitchFamily="49" charset="0"/>
+              </a:rPr>
+              <a:t>            if(!error)</a:t>
+            </a:r>
+          </a:p>
+          <a:p>
+            <a:pPr marL="0" indent="0">
+              <a:buNone/>
+            </a:pPr>
+            <a:r>
+              <a:rPr lang="en-US" sz="1000" dirty="0">
+                <a:latin typeface="Consolas" panose="020B0609020204030204" pitchFamily="49" charset="0"/>
+              </a:rPr>
+              <a:t>                resolve({ text: 'Complete Code Example' })</a:t>
+            </a:r>
+          </a:p>
+          <a:p>
+            <a:pPr marL="0" indent="0">
+              <a:buNone/>
+            </a:pPr>
+            <a:r>
+              <a:rPr lang="en-US" sz="1000" dirty="0">
+                <a:latin typeface="Consolas" panose="020B0609020204030204" pitchFamily="49" charset="0"/>
+              </a:rPr>
+              <a:t>            else</a:t>
+            </a:r>
+          </a:p>
+          <a:p>
+            <a:pPr marL="0" indent="0">
+              <a:buNone/>
+            </a:pPr>
+            <a:r>
+              <a:rPr lang="en-US" sz="1000" dirty="0">
+                <a:latin typeface="Consolas" panose="020B0609020204030204" pitchFamily="49" charset="0"/>
+              </a:rPr>
+              <a:t>                reject()</a:t>
+            </a:r>
+          </a:p>
+          <a:p>
+            <a:pPr marL="0" indent="0">
+              <a:buNone/>
+            </a:pPr>
+            <a:r>
+              <a:rPr lang="en-US" sz="1000" dirty="0">
+                <a:latin typeface="Consolas" panose="020B0609020204030204" pitchFamily="49" charset="0"/>
+              </a:rPr>
+              <a:t>        }, 2000)     </a:t>
+            </a:r>
+          </a:p>
+          <a:p>
+            <a:pPr marL="0" indent="0">
+              <a:buNone/>
+            </a:pPr>
+            <a:r>
+              <a:rPr lang="en-US" sz="1000" dirty="0">
+                <a:latin typeface="Consolas" panose="020B0609020204030204" pitchFamily="49" charset="0"/>
+              </a:rPr>
+              <a:t>    })</a:t>
+            </a:r>
+          </a:p>
+          <a:p>
+            <a:pPr marL="0" indent="0">
+              <a:buNone/>
+            </a:pPr>
+            <a:r>
+              <a:rPr lang="en-US" sz="1000" dirty="0">
+                <a:latin typeface="Consolas" panose="020B0609020204030204" pitchFamily="49" charset="0"/>
+              </a:rPr>
+              <a:t>}</a:t>
+            </a:r>
+          </a:p>
+          <a:p>
+            <a:pPr marL="0" indent="0">
+              <a:buNone/>
+            </a:pPr>
+            <a:r>
+              <a:rPr lang="en-US" sz="1000" dirty="0">
+                <a:latin typeface="Consolas" panose="020B0609020204030204" pitchFamily="49" charset="0"/>
+              </a:rPr>
+              <a:t>getTodo().then(todo =&gt; {</a:t>
+            </a:r>
+          </a:p>
+          <a:p>
+            <a:pPr marL="0" indent="0">
+              <a:buNone/>
+            </a:pPr>
+            <a:r>
+              <a:rPr lang="en-US" sz="1000" dirty="0">
+                <a:latin typeface="Consolas" panose="020B0609020204030204" pitchFamily="49" charset="0"/>
+              </a:rPr>
+              <a:t>    console.log(todo.text)</a:t>
+            </a:r>
+          </a:p>
+          <a:p>
+            <a:pPr marL="0" indent="0">
+              <a:buNone/>
+            </a:pPr>
+            <a:r>
+              <a:rPr lang="en-US" sz="1000" dirty="0">
+                <a:latin typeface="Consolas" panose="020B0609020204030204" pitchFamily="49" charset="0"/>
+              </a:rPr>
+              <a:t>})</a:t>
+            </a:r>
           </a:p>
         </p:txBody>
       </p:sp>
@@ -8211,7 +8466,7 @@
     </p:spTree>
     <p:extLst>
       <p:ext uri="{BB962C8B-B14F-4D97-AF65-F5344CB8AC3E}">
-        <p14:creationId xmlns:p14="http://schemas.microsoft.com/office/powerpoint/2010/main" val="3592713350"/>
+        <p14:creationId xmlns:p14="http://schemas.microsoft.com/office/powerpoint/2010/main" val="2304251633"/>
       </p:ext>
     </p:extLst>
   </p:cSld>
@@ -8268,7 +8523,7 @@
           <a:p>
             <a:r>
               <a:rPr lang="en-US" u="sng" dirty="0"/>
-              <a:t>Asynchronous JS Via async-await</a:t>
+              <a:t>Asynchronous JS Via promises</a:t>
             </a:r>
           </a:p>
         </p:txBody>
@@ -8303,19 +8558,13 @@
           <a:p>
             <a:r>
               <a:rPr lang="en-US" sz="1800" dirty="0"/>
-              <a:t>Async functions let the programmer write promise based code as if it were synchronous, but without blocking the execution thread. It operates asynchronously via the event-loop. Async functions will always return a value (promise)</a:t>
+              <a:t>This code is basically doing the same as seen before in the callback example but with Promises.</a:t>
             </a:r>
           </a:p>
           <a:p>
             <a:r>
               <a:rPr lang="en-US" sz="1800" dirty="0"/>
-              <a:t>The await operator is used to wait for a Promise. It can be used inside an Async block only. The keyword Await makes JavaScript wait until the promise returns a result</a:t>
-            </a:r>
-          </a:p>
-          <a:p>
-            <a:r>
-              <a:rPr lang="en-US" sz="1800" dirty="0"/>
-              <a:t>Shown on the following 2 pages is the simple code example with the callback replaced by async-await</a:t>
+              <a:t>Inside the getTodo function a new Promise is returned. The constructor of the Promise class is expecting to get a function which contains the asynchronous code as a parameter</a:t>
             </a:r>
           </a:p>
         </p:txBody>
@@ -8343,57 +8592,10 @@
           </a:p>
         </p:txBody>
       </p:sp>
-      <p:sp>
-        <p:nvSpPr>
-          <p:cNvPr id="6" name="Rectangle 5">
-            <a:extLst>
-              <a:ext uri="{FF2B5EF4-FFF2-40B4-BE49-F238E27FC236}">
-                <a16:creationId xmlns:a16="http://schemas.microsoft.com/office/drawing/2014/main" id="{0C71533A-4A29-47E2-A4D4-85E44356516A}"/>
-              </a:ext>
-            </a:extLst>
-          </p:cNvPr>
-          <p:cNvSpPr/>
-          <p:nvPr/>
-        </p:nvSpPr>
-        <p:spPr>
-          <a:xfrm>
-            <a:off x="1049867" y="5700438"/>
-            <a:ext cx="9482668" cy="830997"/>
-          </a:xfrm>
-          <a:prstGeom prst="rect">
-            <a:avLst/>
-          </a:prstGeom>
-        </p:spPr>
-        <p:txBody>
-          <a:bodyPr wrap="square">
-            <a:spAutoFit/>
-          </a:bodyPr>
-          <a:lstStyle/>
-          <a:p>
-            <a:r>
-              <a:rPr lang="en-US" sz="1600" b="1" dirty="0"/>
-              <a:t>Source</a:t>
-            </a:r>
-          </a:p>
-          <a:p>
-            <a:r>
-              <a:rPr lang="en-US" sz="1600" dirty="0">
-                <a:hlinkClick r:id="rId2"/>
-              </a:rPr>
-              <a:t>https://codingthesmartway.com/async-programming-with-javascript-callbacks-promises-and-async-await/</a:t>
-            </a:r>
-            <a:endParaRPr lang="en-US" sz="1600" dirty="0">
-              <a:solidFill>
-                <a:srgbClr val="00B0F0"/>
-              </a:solidFill>
-            </a:endParaRPr>
-          </a:p>
-        </p:txBody>
-      </p:sp>
     </p:spTree>
     <p:extLst>
       <p:ext uri="{BB962C8B-B14F-4D97-AF65-F5344CB8AC3E}">
-        <p14:creationId xmlns:p14="http://schemas.microsoft.com/office/powerpoint/2010/main" val="2821838927"/>
+        <p14:creationId xmlns:p14="http://schemas.microsoft.com/office/powerpoint/2010/main" val="616597155"/>
       </p:ext>
     </p:extLst>
   </p:cSld>
@@ -8422,10 +8624,10 @@
       </p:grpSpPr>
       <p:sp>
         <p:nvSpPr>
-          <p:cNvPr id="2" name="Title 1">
+          <p:cNvPr id="5" name="Title 4">
             <a:extLst>
               <a:ext uri="{FF2B5EF4-FFF2-40B4-BE49-F238E27FC236}">
-                <a16:creationId xmlns:a16="http://schemas.microsoft.com/office/drawing/2014/main" id="{BDFAC13C-59B1-436E-B58F-C304E1C705CF}"/>
+                <a16:creationId xmlns:a16="http://schemas.microsoft.com/office/drawing/2014/main" id="{0A2DA217-4A82-4776-8967-D0ECE1209DC7}"/>
               </a:ext>
             </a:extLst>
           </p:cNvPr>
@@ -8436,31 +8638,24 @@
             <p:ph type="title"/>
           </p:nvPr>
         </p:nvSpPr>
-        <p:spPr>
-          <a:xfrm>
-            <a:off x="664234" y="733579"/>
-            <a:ext cx="5077520" cy="1371600"/>
-          </a:xfrm>
-        </p:spPr>
-        <p:txBody>
-          <a:bodyPr>
-            <a:normAutofit/>
-          </a:bodyPr>
-          <a:lstStyle/>
-          <a:p>
-            <a:r>
-              <a:rPr lang="en-US" u="sng" dirty="0"/>
-              <a:t>Node.js Installation</a:t>
-            </a:r>
-          </a:p>
-        </p:txBody>
-      </p:sp>
-      <p:sp>
-        <p:nvSpPr>
-          <p:cNvPr id="3" name="Content Placeholder 2">
+        <p:spPr/>
+        <p:txBody>
+          <a:bodyPr/>
+          <a:lstStyle/>
+          <a:p>
+            <a:r>
+              <a:rPr lang="en-US" cap="none"/>
+              <a:t>Installation</a:t>
+            </a:r>
+          </a:p>
+        </p:txBody>
+      </p:sp>
+      <p:sp>
+        <p:nvSpPr>
+          <p:cNvPr id="6" name="Text Placeholder 5">
             <a:extLst>
               <a:ext uri="{FF2B5EF4-FFF2-40B4-BE49-F238E27FC236}">
-                <a16:creationId xmlns:a16="http://schemas.microsoft.com/office/drawing/2014/main" id="{844A3DC5-46BF-4BFF-8008-98FD467C4904}"/>
+                <a16:creationId xmlns:a16="http://schemas.microsoft.com/office/drawing/2014/main" id="{400D90AB-7F38-42A8-B8C0-8EAE10F26AEA}"/>
               </a:ext>
             </a:extLst>
           </p:cNvPr>
@@ -8468,81 +8663,30 @@
             <a:spLocks noGrp="1"/>
           </p:cNvSpPr>
           <p:nvPr>
-            <p:ph idx="1"/>
-          </p:nvPr>
-        </p:nvSpPr>
-        <p:spPr>
-          <a:xfrm>
-            <a:off x="1066800" y="2733472"/>
-            <a:ext cx="10058400" cy="1919267"/>
-          </a:xfrm>
-        </p:spPr>
-        <p:txBody>
-          <a:bodyPr>
-            <a:normAutofit/>
-          </a:bodyPr>
-          <a:lstStyle/>
-          <a:p>
-            <a:r>
-              <a:rPr lang="en-US" sz="1800" dirty="0"/>
-              <a:t>Go out to the official Node.js website and install Node.js LTS (long-term support) version</a:t>
-            </a:r>
-          </a:p>
-          <a:p>
-            <a:endParaRPr lang="en-US" sz="1800" dirty="0"/>
-          </a:p>
-        </p:txBody>
-      </p:sp>
-      <p:sp>
-        <p:nvSpPr>
-          <p:cNvPr id="4" name="Rectangle 3">
+            <p:ph type="body" idx="1"/>
+          </p:nvPr>
+        </p:nvSpPr>
+        <p:spPr/>
+        <p:txBody>
+          <a:bodyPr/>
+          <a:lstStyle/>
+          <a:p>
+            <a:r>
+              <a:rPr lang="en-US"/>
+              <a:t>How to install node.js and npm</a:t>
+            </a:r>
+          </a:p>
+        </p:txBody>
+      </p:sp>
+      <p:sp>
+        <p:nvSpPr>
+          <p:cNvPr id="4" name="Slide Number Placeholder 3">
             <a:extLst>
               <a:ext uri="{FF2B5EF4-FFF2-40B4-BE49-F238E27FC236}">
-                <a16:creationId xmlns:a16="http://schemas.microsoft.com/office/drawing/2014/main" id="{0C71533A-4A29-47E2-A4D4-85E44356516A}"/>
+                <a16:creationId xmlns:a16="http://schemas.microsoft.com/office/drawing/2014/main" id="{2CC545B9-0092-4D9C-A5A1-E84F8D4001AA}"/>
               </a:ext>
             </a:extLst>
           </p:cNvPr>
-          <p:cNvSpPr/>
-          <p:nvPr/>
-        </p:nvSpPr>
-        <p:spPr>
-          <a:xfrm>
-            <a:off x="1066800" y="5818971"/>
-            <a:ext cx="10058400" cy="584775"/>
-          </a:xfrm>
-          <a:prstGeom prst="rect">
-            <a:avLst/>
-          </a:prstGeom>
-        </p:spPr>
-        <p:txBody>
-          <a:bodyPr wrap="square">
-            <a:spAutoFit/>
-          </a:bodyPr>
-          <a:lstStyle/>
-          <a:p>
-            <a:r>
-              <a:rPr lang="en-US" sz="1600" b="1" dirty="0"/>
-              <a:t>Source</a:t>
-            </a:r>
-          </a:p>
-          <a:p>
-            <a:r>
-              <a:rPr lang="en-US" sz="1600" dirty="0">
-                <a:hlinkClick r:id="rId3"/>
-              </a:rPr>
-              <a:t>https://nodejs.org/en/</a:t>
-            </a:r>
-            <a:endParaRPr lang="en-US" sz="1600" dirty="0">
-              <a:solidFill>
-                <a:srgbClr val="00B0F0"/>
-              </a:solidFill>
-            </a:endParaRPr>
-          </a:p>
-        </p:txBody>
-      </p:sp>
-      <p:sp>
-        <p:nvSpPr>
-          <p:cNvPr id="5" name="Slide Number Placeholder 4"/>
           <p:cNvSpPr>
             <a:spLocks noGrp="1"/>
           </p:cNvSpPr>
@@ -8563,34 +8707,10 @@
           </a:p>
         </p:txBody>
       </p:sp>
-      <p:pic>
-        <p:nvPicPr>
-          <p:cNvPr id="6" name="Picture 5"/>
-          <p:cNvPicPr>
-            <a:picLocks noChangeAspect="1"/>
-          </p:cNvPicPr>
-          <p:nvPr/>
-        </p:nvPicPr>
-        <p:blipFill>
-          <a:blip r:embed="rId4"/>
-          <a:stretch>
-            <a:fillRect/>
-          </a:stretch>
-        </p:blipFill>
-        <p:spPr>
-          <a:xfrm>
-            <a:off x="4280429" y="3271411"/>
-            <a:ext cx="3898371" cy="2767439"/>
-          </a:xfrm>
-          <a:prstGeom prst="rect">
-            <a:avLst/>
-          </a:prstGeom>
-        </p:spPr>
-      </p:pic>
     </p:spTree>
     <p:extLst>
       <p:ext uri="{BB962C8B-B14F-4D97-AF65-F5344CB8AC3E}">
-        <p14:creationId xmlns:p14="http://schemas.microsoft.com/office/powerpoint/2010/main" val="2520974838"/>
+        <p14:creationId xmlns:p14="http://schemas.microsoft.com/office/powerpoint/2010/main" val="342854469"/>
       </p:ext>
     </p:extLst>
   </p:cSld>
@@ -8647,7 +8767,7 @@
           <a:p>
             <a:r>
               <a:rPr lang="en-US" u="sng" dirty="0"/>
-              <a:t>Asynchronous JS Via async-await</a:t>
+              <a:t>Asynchronous JS Via promises</a:t>
             </a:r>
           </a:p>
         </p:txBody>
@@ -8680,125 +8800,31 @@
           </a:bodyPr>
           <a:lstStyle/>
           <a:p>
-            <a:pPr marL="0" indent="0">
+            <a:r>
+              <a:rPr lang="en-US" sz="1800" dirty="0"/>
+              <a:t>The function is also expecting to get two parameters, resolve and reject, which contain the asynchronous code which needs to be executed.</a:t>
+            </a:r>
+          </a:p>
+          <a:p>
+            <a:pPr marL="169863" indent="0">
               <a:buNone/>
             </a:pPr>
             <a:r>
-              <a:rPr lang="en-US" sz="1000" dirty="0">
-                <a:latin typeface="Consolas" panose="020B0609020204030204" pitchFamily="49" charset="0"/>
-              </a:rPr>
-              <a:t>const getTodo = () =&gt; {</a:t>
-            </a:r>
-          </a:p>
-          <a:p>
-            <a:pPr marL="0" indent="0">
+              <a:rPr lang="en-US" sz="1800" dirty="0"/>
+              <a:t>If the asynchronous code executes successfully the resolve function is called</a:t>
+            </a:r>
+          </a:p>
+          <a:p>
+            <a:pPr marL="169863" indent="0">
               <a:buNone/>
             </a:pPr>
             <a:r>
-              <a:rPr lang="en-US" sz="1000" dirty="0">
-                <a:latin typeface="Consolas" panose="020B0609020204030204" pitchFamily="49" charset="0"/>
-              </a:rPr>
-              <a:t>    return new Promise((resolve, reject) =&gt; {</a:t>
-            </a:r>
-          </a:p>
-          <a:p>
-            <a:pPr marL="0" indent="0">
-              <a:buNone/>
-            </a:pPr>
-            <a:r>
-              <a:rPr lang="en-US" sz="1000" dirty="0">
-                <a:latin typeface="Consolas" panose="020B0609020204030204" pitchFamily="49" charset="0"/>
-              </a:rPr>
-              <a:t>        setTimeout(() =&gt; {</a:t>
-            </a:r>
-          </a:p>
-          <a:p>
-            <a:pPr marL="0" indent="0">
-              <a:buNone/>
-            </a:pPr>
-            <a:r>
-              <a:rPr lang="en-US" sz="1000" dirty="0">
-                <a:latin typeface="Consolas" panose="020B0609020204030204" pitchFamily="49" charset="0"/>
-              </a:rPr>
-              <a:t>            let error = false;</a:t>
-            </a:r>
-          </a:p>
-          <a:p>
-            <a:pPr marL="0" indent="0">
-              <a:buNone/>
-            </a:pPr>
-            <a:r>
-              <a:rPr lang="en-US" sz="1000" dirty="0">
-                <a:latin typeface="Consolas" panose="020B0609020204030204" pitchFamily="49" charset="0"/>
-              </a:rPr>
-              <a:t>            if(!error)</a:t>
-            </a:r>
-          </a:p>
-          <a:p>
-            <a:pPr marL="0" indent="0">
-              <a:buNone/>
-            </a:pPr>
-            <a:r>
-              <a:rPr lang="en-US" sz="1000" dirty="0">
-                <a:latin typeface="Consolas" panose="020B0609020204030204" pitchFamily="49" charset="0"/>
-              </a:rPr>
-              <a:t>                resolve({ text: 'Complete Code Example' })</a:t>
-            </a:r>
-          </a:p>
-          <a:p>
-            <a:pPr marL="0" indent="0">
-              <a:buNone/>
-            </a:pPr>
-            <a:r>
-              <a:rPr lang="en-US" sz="1000" dirty="0">
-                <a:latin typeface="Consolas" panose="020B0609020204030204" pitchFamily="49" charset="0"/>
-              </a:rPr>
-              <a:t>            else</a:t>
-            </a:r>
-          </a:p>
-          <a:p>
-            <a:pPr marL="0" indent="0">
-              <a:buNone/>
-            </a:pPr>
-            <a:r>
-              <a:rPr lang="en-US" sz="1000" dirty="0">
-                <a:latin typeface="Consolas" panose="020B0609020204030204" pitchFamily="49" charset="0"/>
-              </a:rPr>
-              <a:t>                reject()</a:t>
-            </a:r>
-          </a:p>
-          <a:p>
-            <a:pPr marL="0" indent="0">
-              <a:buNone/>
-            </a:pPr>
-            <a:r>
-              <a:rPr lang="en-US" sz="1000" dirty="0">
-                <a:latin typeface="Consolas" panose="020B0609020204030204" pitchFamily="49" charset="0"/>
-              </a:rPr>
-              <a:t>        }, 2000)     </a:t>
-            </a:r>
-          </a:p>
-          <a:p>
-            <a:pPr marL="0" indent="0">
-              <a:buNone/>
-            </a:pPr>
-            <a:r>
-              <a:rPr lang="en-US" sz="1000" dirty="0">
-                <a:latin typeface="Consolas" panose="020B0609020204030204" pitchFamily="49" charset="0"/>
-              </a:rPr>
-              <a:t>    })</a:t>
-            </a:r>
-          </a:p>
-          <a:p>
-            <a:pPr marL="0" indent="0">
-              <a:buNone/>
-            </a:pPr>
-            <a:r>
-              <a:rPr lang="en-US" sz="1000" dirty="0">
-                <a:latin typeface="Consolas" panose="020B0609020204030204" pitchFamily="49" charset="0"/>
-              </a:rPr>
-              <a:t>}</a:t>
-            </a:r>
+              <a:rPr lang="en-US" sz="1800" dirty="0"/>
+              <a:t>If the asynchronous code does not execute successfully the reject function is called</a:t>
+            </a:r>
+          </a:p>
+          <a:p>
+            <a:endParaRPr lang="en-US" sz="1800" dirty="0"/>
           </a:p>
         </p:txBody>
       </p:sp>
@@ -8828,7 +8854,7 @@
     </p:spTree>
     <p:extLst>
       <p:ext uri="{BB962C8B-B14F-4D97-AF65-F5344CB8AC3E}">
-        <p14:creationId xmlns:p14="http://schemas.microsoft.com/office/powerpoint/2010/main" val="3771668853"/>
+        <p14:creationId xmlns:p14="http://schemas.microsoft.com/office/powerpoint/2010/main" val="3592713350"/>
       </p:ext>
     </p:extLst>
   </p:cSld>
@@ -8918,66 +8944,21 @@
           </a:bodyPr>
           <a:lstStyle/>
           <a:p>
-            <a:pPr marL="0" indent="0">
-              <a:buNone/>
-            </a:pPr>
-            <a:r>
-              <a:rPr lang="en-US" sz="1000" dirty="0">
-                <a:latin typeface="Consolas" panose="020B0609020204030204" pitchFamily="49" charset="0"/>
-              </a:rPr>
-              <a:t>async function fetchTodo () {</a:t>
-            </a:r>
-          </a:p>
-          <a:p>
-            <a:pPr marL="0" indent="0">
-              <a:buNone/>
-            </a:pPr>
-            <a:r>
-              <a:rPr lang="en-US" sz="1000" dirty="0">
-                <a:latin typeface="Consolas" panose="020B0609020204030204" pitchFamily="49" charset="0"/>
-              </a:rPr>
-              <a:t>    const todo = await getTodo()</a:t>
-            </a:r>
-          </a:p>
-          <a:p>
-            <a:pPr marL="0" indent="0">
-              <a:buNone/>
-            </a:pPr>
-            <a:r>
-              <a:rPr lang="en-US" sz="1000" dirty="0">
-                <a:latin typeface="Consolas" panose="020B0609020204030204" pitchFamily="49" charset="0"/>
-              </a:rPr>
-              <a:t>    return todo</a:t>
-            </a:r>
-          </a:p>
-          <a:p>
-            <a:pPr marL="0" indent="0">
-              <a:buNone/>
-            </a:pPr>
-            <a:r>
-              <a:rPr lang="en-US" sz="1000" dirty="0">
-                <a:latin typeface="Consolas" panose="020B0609020204030204" pitchFamily="49" charset="0"/>
-              </a:rPr>
-              <a:t>}</a:t>
-            </a:r>
-          </a:p>
-          <a:p>
-            <a:pPr marL="0" indent="0">
-              <a:buNone/>
-            </a:pPr>
-            <a:endParaRPr lang="en-US" sz="1000" dirty="0">
-              <a:latin typeface="Consolas" panose="020B0609020204030204" pitchFamily="49" charset="0"/>
-            </a:endParaRPr>
-          </a:p>
-          <a:p>
-            <a:pPr marL="0" indent="0">
-              <a:buNone/>
-            </a:pPr>
-            <a:r>
-              <a:rPr lang="en-US" sz="1000" dirty="0">
-                <a:latin typeface="Consolas" panose="020B0609020204030204" pitchFamily="49" charset="0"/>
-              </a:rPr>
-              <a:t>fetchTodo().then(todo =&gt; console.log(todo.text))</a:t>
+            <a:r>
+              <a:rPr lang="en-US" sz="1800" dirty="0"/>
+              <a:t>Async functions let the programmer write promise based code as if it were synchronous, but without blocking the execution thread. It operates asynchronously via the event-loop. Async functions will always return a value (promise)</a:t>
+            </a:r>
+          </a:p>
+          <a:p>
+            <a:r>
+              <a:rPr lang="en-US" sz="1800" dirty="0"/>
+              <a:t>The await operator is used to wait for a Promise. It can be used inside an Async block only. The keyword Await makes JavaScript wait until the promise returns a result</a:t>
+            </a:r>
+          </a:p>
+          <a:p>
+            <a:r>
+              <a:rPr lang="en-US" sz="1800" dirty="0"/>
+              <a:t>Shown on the following 2 pages is the simple code example with the callback replaced by async-await</a:t>
             </a:r>
           </a:p>
         </p:txBody>
@@ -9005,10 +8986,57 @@
           </a:p>
         </p:txBody>
       </p:sp>
+      <p:sp>
+        <p:nvSpPr>
+          <p:cNvPr id="6" name="Rectangle 5">
+            <a:extLst>
+              <a:ext uri="{FF2B5EF4-FFF2-40B4-BE49-F238E27FC236}">
+                <a16:creationId xmlns:a16="http://schemas.microsoft.com/office/drawing/2014/main" id="{0C71533A-4A29-47E2-A4D4-85E44356516A}"/>
+              </a:ext>
+            </a:extLst>
+          </p:cNvPr>
+          <p:cNvSpPr/>
+          <p:nvPr/>
+        </p:nvSpPr>
+        <p:spPr>
+          <a:xfrm>
+            <a:off x="1049867" y="5700438"/>
+            <a:ext cx="9482668" cy="830997"/>
+          </a:xfrm>
+          <a:prstGeom prst="rect">
+            <a:avLst/>
+          </a:prstGeom>
+        </p:spPr>
+        <p:txBody>
+          <a:bodyPr wrap="square">
+            <a:spAutoFit/>
+          </a:bodyPr>
+          <a:lstStyle/>
+          <a:p>
+            <a:r>
+              <a:rPr lang="en-US" sz="1600" b="1" dirty="0"/>
+              <a:t>Source</a:t>
+            </a:r>
+          </a:p>
+          <a:p>
+            <a:r>
+              <a:rPr lang="en-US" sz="1600" dirty="0">
+                <a:hlinkClick r:id="rId2"/>
+              </a:rPr>
+              <a:t>https://codingthesmartway.com/async-programming-with-javascript-callbacks-promises-and-async-await/</a:t>
+            </a:r>
+            <a:endParaRPr lang="en-US" sz="1600" dirty="0">
+              <a:solidFill>
+                <a:srgbClr val="00B0F0"/>
+              </a:solidFill>
+            </a:endParaRPr>
+          </a:p>
+        </p:txBody>
+      </p:sp>
     </p:spTree>
     <p:extLst>
       <p:ext uri="{BB962C8B-B14F-4D97-AF65-F5344CB8AC3E}">
-        <p14:creationId xmlns:p14="http://schemas.microsoft.com/office/powerpoint/2010/main" val="2450963996"/>
+        <p14:creationId xmlns:p14="http://schemas.microsoft.com/office/powerpoint/2010/main" val="2821838927"/>
       </p:ext>
     </p:extLst>
   </p:cSld>
@@ -9098,19 +9126,125 @@
           </a:bodyPr>
           <a:lstStyle/>
           <a:p>
-            <a:r>
-              <a:rPr lang="en-US" sz="1800" dirty="0"/>
-              <a:t>The implementation of the getTodo function has not changed.  The Promise is still  created and depending on the value of the error variable is resolved or rejected</a:t>
-            </a:r>
-          </a:p>
-          <a:p>
-            <a:r>
-              <a:rPr lang="en-US" sz="1800" dirty="0"/>
-              <a:t>What has changed is the way the getTodo function is called. A new function fetchTodo is being implemented.  The async keyword is used to indicate that this function is executing asynchronous code based on a Promise</a:t>
-            </a:r>
-          </a:p>
-          <a:p>
-            <a:endParaRPr lang="en-US" sz="1800" dirty="0"/>
+            <a:pPr marL="0" indent="0">
+              <a:buNone/>
+            </a:pPr>
+            <a:r>
+              <a:rPr lang="en-US" sz="1000" dirty="0">
+                <a:latin typeface="Consolas" panose="020B0609020204030204" pitchFamily="49" charset="0"/>
+              </a:rPr>
+              <a:t>const getTodo = () =&gt; {</a:t>
+            </a:r>
+          </a:p>
+          <a:p>
+            <a:pPr marL="0" indent="0">
+              <a:buNone/>
+            </a:pPr>
+            <a:r>
+              <a:rPr lang="en-US" sz="1000" dirty="0">
+                <a:latin typeface="Consolas" panose="020B0609020204030204" pitchFamily="49" charset="0"/>
+              </a:rPr>
+              <a:t>    return new Promise((resolve, reject) =&gt; {</a:t>
+            </a:r>
+          </a:p>
+          <a:p>
+            <a:pPr marL="0" indent="0">
+              <a:buNone/>
+            </a:pPr>
+            <a:r>
+              <a:rPr lang="en-US" sz="1000" dirty="0">
+                <a:latin typeface="Consolas" panose="020B0609020204030204" pitchFamily="49" charset="0"/>
+              </a:rPr>
+              <a:t>        setTimeout(() =&gt; {</a:t>
+            </a:r>
+          </a:p>
+          <a:p>
+            <a:pPr marL="0" indent="0">
+              <a:buNone/>
+            </a:pPr>
+            <a:r>
+              <a:rPr lang="en-US" sz="1000" dirty="0">
+                <a:latin typeface="Consolas" panose="020B0609020204030204" pitchFamily="49" charset="0"/>
+              </a:rPr>
+              <a:t>            let error = false;</a:t>
+            </a:r>
+          </a:p>
+          <a:p>
+            <a:pPr marL="0" indent="0">
+              <a:buNone/>
+            </a:pPr>
+            <a:r>
+              <a:rPr lang="en-US" sz="1000" dirty="0">
+                <a:latin typeface="Consolas" panose="020B0609020204030204" pitchFamily="49" charset="0"/>
+              </a:rPr>
+              <a:t>            if(!error)</a:t>
+            </a:r>
+          </a:p>
+          <a:p>
+            <a:pPr marL="0" indent="0">
+              <a:buNone/>
+            </a:pPr>
+            <a:r>
+              <a:rPr lang="en-US" sz="1000" dirty="0">
+                <a:latin typeface="Consolas" panose="020B0609020204030204" pitchFamily="49" charset="0"/>
+              </a:rPr>
+              <a:t>                resolve({ text: 'Complete Code Example' })</a:t>
+            </a:r>
+          </a:p>
+          <a:p>
+            <a:pPr marL="0" indent="0">
+              <a:buNone/>
+            </a:pPr>
+            <a:r>
+              <a:rPr lang="en-US" sz="1000" dirty="0">
+                <a:latin typeface="Consolas" panose="020B0609020204030204" pitchFamily="49" charset="0"/>
+              </a:rPr>
+              <a:t>            else</a:t>
+            </a:r>
+          </a:p>
+          <a:p>
+            <a:pPr marL="0" indent="0">
+              <a:buNone/>
+            </a:pPr>
+            <a:r>
+              <a:rPr lang="en-US" sz="1000" dirty="0">
+                <a:latin typeface="Consolas" panose="020B0609020204030204" pitchFamily="49" charset="0"/>
+              </a:rPr>
+              <a:t>                reject()</a:t>
+            </a:r>
+          </a:p>
+          <a:p>
+            <a:pPr marL="0" indent="0">
+              <a:buNone/>
+            </a:pPr>
+            <a:r>
+              <a:rPr lang="en-US" sz="1000" dirty="0">
+                <a:latin typeface="Consolas" panose="020B0609020204030204" pitchFamily="49" charset="0"/>
+              </a:rPr>
+              <a:t>        }, 2000)     </a:t>
+            </a:r>
+          </a:p>
+          <a:p>
+            <a:pPr marL="0" indent="0">
+              <a:buNone/>
+            </a:pPr>
+            <a:r>
+              <a:rPr lang="en-US" sz="1000" dirty="0">
+                <a:latin typeface="Consolas" panose="020B0609020204030204" pitchFamily="49" charset="0"/>
+              </a:rPr>
+              <a:t>    })</a:t>
+            </a:r>
+          </a:p>
+          <a:p>
+            <a:pPr marL="0" indent="0">
+              <a:buNone/>
+            </a:pPr>
+            <a:r>
+              <a:rPr lang="en-US" sz="1000" dirty="0">
+                <a:latin typeface="Consolas" panose="020B0609020204030204" pitchFamily="49" charset="0"/>
+              </a:rPr>
+              <a:t>}</a:t>
+            </a:r>
           </a:p>
         </p:txBody>
       </p:sp>
@@ -9140,7 +9274,7 @@
     </p:spTree>
     <p:extLst>
       <p:ext uri="{BB962C8B-B14F-4D97-AF65-F5344CB8AC3E}">
-        <p14:creationId xmlns:p14="http://schemas.microsoft.com/office/powerpoint/2010/main" val="384865524"/>
+        <p14:creationId xmlns:p14="http://schemas.microsoft.com/office/powerpoint/2010/main" val="3771668853"/>
       </p:ext>
     </p:extLst>
   </p:cSld>
@@ -9230,15 +9364,66 @@
           </a:bodyPr>
           <a:lstStyle/>
           <a:p>
-            <a:r>
-              <a:rPr lang="en-US" sz="1800" dirty="0"/>
-              <a:t>Inside of fetchTodo getTodo is called using the keyword await. This indicates that getTodo is returning a Promise and we have to wait for the Promise to be resolved (or rejected). The result of what is being returned from the promise is stored in todo</a:t>
-            </a:r>
-          </a:p>
-          <a:p>
-            <a:r>
-              <a:rPr lang="en-US" sz="1800" dirty="0"/>
-              <a:t>In the next line of code the todo object is being returned. This is possible because by using the keyword await we’re making sure the next line of code is being executed after the Promise (returned from getTodo) has been resolved</a:t>
+            <a:pPr marL="0" indent="0">
+              <a:buNone/>
+            </a:pPr>
+            <a:r>
+              <a:rPr lang="en-US" sz="1000" dirty="0">
+                <a:latin typeface="Consolas" panose="020B0609020204030204" pitchFamily="49" charset="0"/>
+              </a:rPr>
+              <a:t>async function fetchTodo () {</a:t>
+            </a:r>
+          </a:p>
+          <a:p>
+            <a:pPr marL="0" indent="0">
+              <a:buNone/>
+            </a:pPr>
+            <a:r>
+              <a:rPr lang="en-US" sz="1000" dirty="0">
+                <a:latin typeface="Consolas" panose="020B0609020204030204" pitchFamily="49" charset="0"/>
+              </a:rPr>
+              <a:t>    const todo = await getTodo()</a:t>
+            </a:r>
+          </a:p>
+          <a:p>
+            <a:pPr marL="0" indent="0">
+              <a:buNone/>
+            </a:pPr>
+            <a:r>
+              <a:rPr lang="en-US" sz="1000" dirty="0">
+                <a:latin typeface="Consolas" panose="020B0609020204030204" pitchFamily="49" charset="0"/>
+              </a:rPr>
+              <a:t>    return todo</a:t>
+            </a:r>
+          </a:p>
+          <a:p>
+            <a:pPr marL="0" indent="0">
+              <a:buNone/>
+            </a:pPr>
+            <a:r>
+              <a:rPr lang="en-US" sz="1000" dirty="0">
+                <a:latin typeface="Consolas" panose="020B0609020204030204" pitchFamily="49" charset="0"/>
+              </a:rPr>
+              <a:t>}</a:t>
+            </a:r>
+          </a:p>
+          <a:p>
+            <a:pPr marL="0" indent="0">
+              <a:buNone/>
+            </a:pPr>
+            <a:endParaRPr lang="en-US" sz="1000" dirty="0">
+              <a:latin typeface="Consolas" panose="020B0609020204030204" pitchFamily="49" charset="0"/>
+            </a:endParaRPr>
+          </a:p>
+          <a:p>
+            <a:pPr marL="0" indent="0">
+              <a:buNone/>
+            </a:pPr>
+            <a:r>
+              <a:rPr lang="en-US" sz="1000" dirty="0">
+                <a:latin typeface="Consolas" panose="020B0609020204030204" pitchFamily="49" charset="0"/>
+              </a:rPr>
+              <a:t>fetchTodo().then(todo =&gt; console.log(todo.text))</a:t>
             </a:r>
           </a:p>
         </p:txBody>
@@ -9269,7 +9454,7 @@
     </p:spTree>
     <p:extLst>
       <p:ext uri="{BB962C8B-B14F-4D97-AF65-F5344CB8AC3E}">
-        <p14:creationId xmlns:p14="http://schemas.microsoft.com/office/powerpoint/2010/main" val="2171276557"/>
+        <p14:creationId xmlns:p14="http://schemas.microsoft.com/office/powerpoint/2010/main" val="2450963996"/>
       </p:ext>
     </p:extLst>
   </p:cSld>
@@ -9325,12 +9510,8 @@
           <a:lstStyle/>
           <a:p>
             <a:r>
-              <a:rPr lang="en-US" u="sng"/>
-              <a:t>What We've </a:t>
-            </a:r>
-            <a:r>
               <a:rPr lang="en-US" u="sng" dirty="0"/>
-              <a:t>Covered</a:t>
+              <a:t>Asynchronous JS Via async-await</a:t>
             </a:r>
           </a:p>
         </p:txBody>
@@ -9354,6 +9535,386 @@
         <p:spPr>
           <a:xfrm>
             <a:off x="1066800" y="2733472"/>
+            <a:ext cx="10058400" cy="3159328"/>
+          </a:xfrm>
+        </p:spPr>
+        <p:txBody>
+          <a:bodyPr>
+            <a:normAutofit/>
+          </a:bodyPr>
+          <a:lstStyle/>
+          <a:p>
+            <a:r>
+              <a:rPr lang="en-US" sz="1800" dirty="0"/>
+              <a:t>The implementation of the getTodo function has not changed.  The Promise is still  created and depending on the value of the error variable is resolved or rejected</a:t>
+            </a:r>
+          </a:p>
+          <a:p>
+            <a:r>
+              <a:rPr lang="en-US" sz="1800" dirty="0"/>
+              <a:t>What has changed is the way the getTodo function is called. A new function fetchTodo is being implemented.  The async keyword is used to indicate that this function is executing asynchronous code based on a Promise</a:t>
+            </a:r>
+          </a:p>
+          <a:p>
+            <a:endParaRPr lang="en-US" sz="1800" dirty="0"/>
+          </a:p>
+        </p:txBody>
+      </p:sp>
+      <p:sp>
+        <p:nvSpPr>
+          <p:cNvPr id="5" name="Slide Number Placeholder 4"/>
+          <p:cNvSpPr>
+            <a:spLocks noGrp="1"/>
+          </p:cNvSpPr>
+          <p:nvPr>
+            <p:ph type="sldNum" sz="quarter" idx="12"/>
+          </p:nvPr>
+        </p:nvSpPr>
+        <p:spPr/>
+        <p:txBody>
+          <a:bodyPr/>
+          <a:lstStyle/>
+          <a:p>
+            <a:fld id="{34B7E4EF-A1BD-40F4-AB7B-04F084DD991D}" type="slidenum">
+              <a:rPr lang="en-US" smtClean="0"/>
+              <a:t>34</a:t>
+            </a:fld>
+            <a:endParaRPr lang="en-US" dirty="0"/>
+          </a:p>
+        </p:txBody>
+      </p:sp>
+    </p:spTree>
+    <p:extLst>
+      <p:ext uri="{BB962C8B-B14F-4D97-AF65-F5344CB8AC3E}">
+        <p14:creationId xmlns:p14="http://schemas.microsoft.com/office/powerpoint/2010/main" val="384865524"/>
+      </p:ext>
+    </p:extLst>
+  </p:cSld>
+  <p:clrMapOvr>
+    <a:masterClrMapping/>
+  </p:clrMapOvr>
+</p:sld>
+</file>
+
+<file path=ppt/slides/slide35.xml><?xml version="1.0" encoding="utf-8"?>
+<p:sld xmlns:a="http://schemas.openxmlformats.org/drawingml/2006/main" xmlns:r="http://schemas.openxmlformats.org/officeDocument/2006/relationships" xmlns:p="http://schemas.openxmlformats.org/presentationml/2006/main">
+  <p:cSld>
+    <p:spTree>
+      <p:nvGrpSpPr>
+        <p:cNvPr id="1" name=""/>
+        <p:cNvGrpSpPr/>
+        <p:nvPr/>
+      </p:nvGrpSpPr>
+      <p:grpSpPr>
+        <a:xfrm>
+          <a:off x="0" y="0"/>
+          <a:ext cx="0" cy="0"/>
+          <a:chOff x="0" y="0"/>
+          <a:chExt cx="0" cy="0"/>
+        </a:xfrm>
+      </p:grpSpPr>
+      <p:sp>
+        <p:nvSpPr>
+          <p:cNvPr id="2" name="Title 1">
+            <a:extLst>
+              <a:ext uri="{FF2B5EF4-FFF2-40B4-BE49-F238E27FC236}">
+                <a16:creationId xmlns:a16="http://schemas.microsoft.com/office/drawing/2014/main" id="{BDFAC13C-59B1-436E-B58F-C304E1C705CF}"/>
+              </a:ext>
+            </a:extLst>
+          </p:cNvPr>
+          <p:cNvSpPr>
+            <a:spLocks noGrp="1"/>
+          </p:cNvSpPr>
+          <p:nvPr>
+            <p:ph type="title"/>
+          </p:nvPr>
+        </p:nvSpPr>
+        <p:spPr>
+          <a:xfrm>
+            <a:off x="664234" y="733579"/>
+            <a:ext cx="9038566" cy="1371600"/>
+          </a:xfrm>
+        </p:spPr>
+        <p:txBody>
+          <a:bodyPr>
+            <a:normAutofit/>
+          </a:bodyPr>
+          <a:lstStyle/>
+          <a:p>
+            <a:r>
+              <a:rPr lang="en-US" u="sng" dirty="0"/>
+              <a:t>Asynchronous JS Via async-await</a:t>
+            </a:r>
+          </a:p>
+        </p:txBody>
+      </p:sp>
+      <p:sp>
+        <p:nvSpPr>
+          <p:cNvPr id="3" name="Content Placeholder 2">
+            <a:extLst>
+              <a:ext uri="{FF2B5EF4-FFF2-40B4-BE49-F238E27FC236}">
+                <a16:creationId xmlns:a16="http://schemas.microsoft.com/office/drawing/2014/main" id="{844A3DC5-46BF-4BFF-8008-98FD467C4904}"/>
+              </a:ext>
+            </a:extLst>
+          </p:cNvPr>
+          <p:cNvSpPr>
+            <a:spLocks noGrp="1"/>
+          </p:cNvSpPr>
+          <p:nvPr>
+            <p:ph idx="1"/>
+          </p:nvPr>
+        </p:nvSpPr>
+        <p:spPr>
+          <a:xfrm>
+            <a:off x="1066800" y="2733472"/>
+            <a:ext cx="10058400" cy="3159328"/>
+          </a:xfrm>
+        </p:spPr>
+        <p:txBody>
+          <a:bodyPr>
+            <a:normAutofit/>
+          </a:bodyPr>
+          <a:lstStyle/>
+          <a:p>
+            <a:r>
+              <a:rPr lang="en-US" sz="1800" dirty="0"/>
+              <a:t>Inside of fetchTodo getTodo is called using the keyword await. This indicates that getTodo is returning a Promise and we have to wait for the Promise to be resolved (or rejected). The result of what is being returned from the promise is stored in todo</a:t>
+            </a:r>
+          </a:p>
+          <a:p>
+            <a:r>
+              <a:rPr lang="en-US" sz="1800" dirty="0"/>
+              <a:t>In the next line of code the todo object is being returned. This is possible because by using the keyword await we’re making sure the next line of code is being executed after the Promise (returned from getTodo) has been resolved</a:t>
+            </a:r>
+          </a:p>
+        </p:txBody>
+      </p:sp>
+      <p:sp>
+        <p:nvSpPr>
+          <p:cNvPr id="5" name="Slide Number Placeholder 4"/>
+          <p:cNvSpPr>
+            <a:spLocks noGrp="1"/>
+          </p:cNvSpPr>
+          <p:nvPr>
+            <p:ph type="sldNum" sz="quarter" idx="12"/>
+          </p:nvPr>
+        </p:nvSpPr>
+        <p:spPr/>
+        <p:txBody>
+          <a:bodyPr/>
+          <a:lstStyle/>
+          <a:p>
+            <a:fld id="{34B7E4EF-A1BD-40F4-AB7B-04F084DD991D}" type="slidenum">
+              <a:rPr lang="en-US" smtClean="0"/>
+              <a:t>35</a:t>
+            </a:fld>
+            <a:endParaRPr lang="en-US" dirty="0"/>
+          </a:p>
+        </p:txBody>
+      </p:sp>
+    </p:spTree>
+    <p:extLst>
+      <p:ext uri="{BB962C8B-B14F-4D97-AF65-F5344CB8AC3E}">
+        <p14:creationId xmlns:p14="http://schemas.microsoft.com/office/powerpoint/2010/main" val="2171276557"/>
+      </p:ext>
+    </p:extLst>
+  </p:cSld>
+  <p:clrMapOvr>
+    <a:masterClrMapping/>
+  </p:clrMapOvr>
+</p:sld>
+</file>
+
+<file path=ppt/slides/slide36.xml><?xml version="1.0" encoding="utf-8"?>
+<p:sld xmlns:a="http://schemas.openxmlformats.org/drawingml/2006/main" xmlns:r="http://schemas.openxmlformats.org/officeDocument/2006/relationships" xmlns:p="http://schemas.openxmlformats.org/presentationml/2006/main">
+  <p:cSld>
+    <p:spTree>
+      <p:nvGrpSpPr>
+        <p:cNvPr id="1" name=""/>
+        <p:cNvGrpSpPr/>
+        <p:nvPr/>
+      </p:nvGrpSpPr>
+      <p:grpSpPr>
+        <a:xfrm>
+          <a:off x="0" y="0"/>
+          <a:ext cx="0" cy="0"/>
+          <a:chOff x="0" y="0"/>
+          <a:chExt cx="0" cy="0"/>
+        </a:xfrm>
+      </p:grpSpPr>
+      <p:sp>
+        <p:nvSpPr>
+          <p:cNvPr id="5" name="Title 4">
+            <a:extLst>
+              <a:ext uri="{FF2B5EF4-FFF2-40B4-BE49-F238E27FC236}">
+                <a16:creationId xmlns:a16="http://schemas.microsoft.com/office/drawing/2014/main" id="{19920336-7909-426F-8081-AFA24B193F14}"/>
+              </a:ext>
+            </a:extLst>
+          </p:cNvPr>
+          <p:cNvSpPr>
+            <a:spLocks noGrp="1"/>
+          </p:cNvSpPr>
+          <p:nvPr>
+            <p:ph type="title"/>
+          </p:nvPr>
+        </p:nvSpPr>
+        <p:spPr/>
+        <p:txBody>
+          <a:bodyPr/>
+          <a:lstStyle/>
+          <a:p>
+            <a:r>
+              <a:rPr lang="en-US" cap="none"/>
+              <a:t>Conclusion</a:t>
+            </a:r>
+          </a:p>
+        </p:txBody>
+      </p:sp>
+      <p:sp>
+        <p:nvSpPr>
+          <p:cNvPr id="6" name="Text Placeholder 5">
+            <a:extLst>
+              <a:ext uri="{FF2B5EF4-FFF2-40B4-BE49-F238E27FC236}">
+                <a16:creationId xmlns:a16="http://schemas.microsoft.com/office/drawing/2014/main" id="{DAE3D404-51E4-4D64-88D7-AFA22CFBA8F7}"/>
+              </a:ext>
+            </a:extLst>
+          </p:cNvPr>
+          <p:cNvSpPr>
+            <a:spLocks noGrp="1"/>
+          </p:cNvSpPr>
+          <p:nvPr>
+            <p:ph type="body" idx="1"/>
+          </p:nvPr>
+        </p:nvSpPr>
+        <p:spPr/>
+        <p:txBody>
+          <a:bodyPr/>
+          <a:lstStyle/>
+          <a:p>
+            <a:r>
+              <a:rPr lang="en-US"/>
+              <a:t>What did we learn today?</a:t>
+            </a:r>
+          </a:p>
+        </p:txBody>
+      </p:sp>
+      <p:sp>
+        <p:nvSpPr>
+          <p:cNvPr id="4" name="Slide Number Placeholder 3">
+            <a:extLst>
+              <a:ext uri="{FF2B5EF4-FFF2-40B4-BE49-F238E27FC236}">
+                <a16:creationId xmlns:a16="http://schemas.microsoft.com/office/drawing/2014/main" id="{B3E58610-8DF0-4BC8-B28F-9775BE8BC83F}"/>
+              </a:ext>
+            </a:extLst>
+          </p:cNvPr>
+          <p:cNvSpPr>
+            <a:spLocks noGrp="1"/>
+          </p:cNvSpPr>
+          <p:nvPr>
+            <p:ph type="sldNum" sz="quarter" idx="12"/>
+          </p:nvPr>
+        </p:nvSpPr>
+        <p:spPr/>
+        <p:txBody>
+          <a:bodyPr/>
+          <a:lstStyle/>
+          <a:p>
+            <a:fld id="{34B7E4EF-A1BD-40F4-AB7B-04F084DD991D}" type="slidenum">
+              <a:rPr lang="en-US" smtClean="0"/>
+              <a:t>36</a:t>
+            </a:fld>
+            <a:endParaRPr lang="en-US" dirty="0"/>
+          </a:p>
+        </p:txBody>
+      </p:sp>
+    </p:spTree>
+    <p:extLst>
+      <p:ext uri="{BB962C8B-B14F-4D97-AF65-F5344CB8AC3E}">
+        <p14:creationId xmlns:p14="http://schemas.microsoft.com/office/powerpoint/2010/main" val="1909237733"/>
+      </p:ext>
+    </p:extLst>
+  </p:cSld>
+  <p:clrMapOvr>
+    <a:masterClrMapping/>
+  </p:clrMapOvr>
+</p:sld>
+</file>
+
+<file path=ppt/slides/slide37.xml><?xml version="1.0" encoding="utf-8"?>
+<p:sld xmlns:a="http://schemas.openxmlformats.org/drawingml/2006/main" xmlns:r="http://schemas.openxmlformats.org/officeDocument/2006/relationships" xmlns:p="http://schemas.openxmlformats.org/presentationml/2006/main">
+  <p:cSld>
+    <p:spTree>
+      <p:nvGrpSpPr>
+        <p:cNvPr id="1" name=""/>
+        <p:cNvGrpSpPr/>
+        <p:nvPr/>
+      </p:nvGrpSpPr>
+      <p:grpSpPr>
+        <a:xfrm>
+          <a:off x="0" y="0"/>
+          <a:ext cx="0" cy="0"/>
+          <a:chOff x="0" y="0"/>
+          <a:chExt cx="0" cy="0"/>
+        </a:xfrm>
+      </p:grpSpPr>
+      <p:sp>
+        <p:nvSpPr>
+          <p:cNvPr id="2" name="Title 1">
+            <a:extLst>
+              <a:ext uri="{FF2B5EF4-FFF2-40B4-BE49-F238E27FC236}">
+                <a16:creationId xmlns:a16="http://schemas.microsoft.com/office/drawing/2014/main" id="{BDFAC13C-59B1-436E-B58F-C304E1C705CF}"/>
+              </a:ext>
+            </a:extLst>
+          </p:cNvPr>
+          <p:cNvSpPr>
+            <a:spLocks noGrp="1"/>
+          </p:cNvSpPr>
+          <p:nvPr>
+            <p:ph type="title"/>
+          </p:nvPr>
+        </p:nvSpPr>
+        <p:spPr>
+          <a:xfrm>
+            <a:off x="664234" y="733579"/>
+            <a:ext cx="9038566" cy="1371600"/>
+          </a:xfrm>
+        </p:spPr>
+        <p:txBody>
+          <a:bodyPr>
+            <a:normAutofit/>
+          </a:bodyPr>
+          <a:lstStyle/>
+          <a:p>
+            <a:r>
+              <a:rPr lang="en-US" u="sng"/>
+              <a:t>What We've </a:t>
+            </a:r>
+            <a:r>
+              <a:rPr lang="en-US" u="sng" dirty="0"/>
+              <a:t>Covered</a:t>
+            </a:r>
+          </a:p>
+        </p:txBody>
+      </p:sp>
+      <p:sp>
+        <p:nvSpPr>
+          <p:cNvPr id="3" name="Content Placeholder 2">
+            <a:extLst>
+              <a:ext uri="{FF2B5EF4-FFF2-40B4-BE49-F238E27FC236}">
+                <a16:creationId xmlns:a16="http://schemas.microsoft.com/office/drawing/2014/main" id="{844A3DC5-46BF-4BFF-8008-98FD467C4904}"/>
+              </a:ext>
+            </a:extLst>
+          </p:cNvPr>
+          <p:cNvSpPr>
+            <a:spLocks noGrp="1"/>
+          </p:cNvSpPr>
+          <p:nvPr>
+            <p:ph idx="1"/>
+          </p:nvPr>
+        </p:nvSpPr>
+        <p:spPr>
+          <a:xfrm>
+            <a:off x="1066800" y="2733472"/>
             <a:ext cx="10058400" cy="3301568"/>
           </a:xfrm>
         </p:spPr>
@@ -9426,7 +9987,7 @@
           <a:p>
             <a:fld id="{34B7E4EF-A1BD-40F4-AB7B-04F084DD991D}" type="slidenum">
               <a:rPr lang="en-US" smtClean="0"/>
-              <a:t>34</a:t>
+              <a:t>37</a:t>
             </a:fld>
             <a:endParaRPr lang="en-US" dirty="0"/>
           </a:p>
@@ -9478,12 +10039,7 @@
             <p:ph type="title"/>
           </p:nvPr>
         </p:nvSpPr>
-        <p:spPr>
-          <a:xfrm>
-            <a:off x="664234" y="733579"/>
-            <a:ext cx="8505166" cy="1371600"/>
-          </a:xfrm>
-        </p:spPr>
+        <p:spPr/>
         <p:txBody>
           <a:bodyPr>
             <a:normAutofit/>
@@ -9491,9 +10047,10 @@
           <a:lstStyle/>
           <a:p>
             <a:r>
-              <a:rPr lang="en-US" u="sng" dirty="0"/>
-              <a:t>Verifying Node.js/NPM Install</a:t>
-            </a:r>
+              <a:rPr lang="en-US" u="sng"/>
+              <a:t>Install Node.js</a:t>
+            </a:r>
+            <a:endParaRPr lang="en-US" u="sng" dirty="0"/>
           </a:p>
         </p:txBody>
       </p:sp>
@@ -9515,8 +10072,8 @@
         </p:nvSpPr>
         <p:spPr>
           <a:xfrm>
-            <a:off x="1066800" y="2733472"/>
-            <a:ext cx="10058400" cy="1919267"/>
+            <a:off x="1066800" y="2103120"/>
+            <a:ext cx="10058400" cy="1059530"/>
           </a:xfrm>
         </p:spPr>
         <p:txBody>
@@ -9525,124 +10082,103 @@
           </a:bodyPr>
           <a:lstStyle/>
           <a:p>
+            <a:pPr marL="0" indent="0">
+              <a:lnSpc>
+                <a:spcPct val="100000"/>
+              </a:lnSpc>
+              <a:spcBef>
+                <a:spcPts val="0"/>
+              </a:spcBef>
+              <a:buNone/>
+            </a:pPr>
+            <a:r>
+              <a:rPr lang="en-US" sz="1800"/>
+              <a:t>Download and install the LTS (Long Term </a:t>
+            </a:r>
             <a:r>
               <a:rPr lang="en-US" sz="1800" dirty="0"/>
-              <a:t>From command line, key in the following command to check Node.js install</a:t>
-            </a:r>
-          </a:p>
-          <a:p>
-            <a:pPr marL="169863" indent="0">
+              <a:t>S</a:t>
+            </a:r>
+            <a:r>
+              <a:rPr lang="en-US" sz="1800"/>
+              <a:t>upport) version of node.js</a:t>
+            </a:r>
+          </a:p>
+          <a:p>
+            <a:pPr marL="0" indent="0">
+              <a:lnSpc>
+                <a:spcPct val="100000"/>
+              </a:lnSpc>
+              <a:spcBef>
+                <a:spcPts val="0"/>
+              </a:spcBef>
               <a:buNone/>
             </a:pPr>
             <a:r>
-              <a:rPr lang="en-US" sz="1800" dirty="0">
-                <a:latin typeface="Consolas" panose="020B0609020204030204" pitchFamily="49" charset="0"/>
+              <a:rPr lang="en-US" sz="1800"/>
+              <a:t>from the </a:t>
+            </a:r>
+            <a:r>
+              <a:rPr lang="en-US" sz="1800">
+                <a:hlinkClick r:id="rId3"/>
               </a:rPr>
-              <a:t>node -v</a:t>
-            </a:r>
-          </a:p>
-          <a:p>
-            <a:r>
-              <a:rPr lang="en-US" sz="1800" dirty="0"/>
-              <a:t>From command line, key in the following command to check NPM install</a:t>
-            </a:r>
-          </a:p>
-          <a:p>
-            <a:pPr marL="169863" indent="0">
-              <a:buNone/>
-            </a:pPr>
-            <a:r>
-              <a:rPr lang="en-US" sz="1800" dirty="0">
-                <a:latin typeface="Consolas" panose="020B0609020204030204" pitchFamily="49" charset="0"/>
-              </a:rPr>
-              <a:t>npm -v</a:t>
-            </a:r>
-          </a:p>
-          <a:p>
+              <a:t>official Node.js website </a:t>
+            </a:r>
             <a:endParaRPr lang="en-US" sz="1800" dirty="0"/>
           </a:p>
-          <a:p>
-            <a:endParaRPr lang="en-US" sz="1800" dirty="0"/>
-          </a:p>
-          <a:p>
-            <a:endParaRPr lang="en-US" sz="1800" dirty="0"/>
-          </a:p>
-        </p:txBody>
-      </p:sp>
-      <p:sp>
-        <p:nvSpPr>
-          <p:cNvPr id="4" name="Rectangle 3">
-            <a:extLst>
-              <a:ext uri="{FF2B5EF4-FFF2-40B4-BE49-F238E27FC236}">
-                <a16:creationId xmlns:a16="http://schemas.microsoft.com/office/drawing/2014/main" id="{0C71533A-4A29-47E2-A4D4-85E44356516A}"/>
-              </a:ext>
-            </a:extLst>
-          </p:cNvPr>
-          <p:cNvSpPr/>
+        </p:txBody>
+      </p:sp>
+      <p:sp>
+        <p:nvSpPr>
+          <p:cNvPr id="5" name="Slide Number Placeholder 4"/>
+          <p:cNvSpPr>
+            <a:spLocks noGrp="1"/>
+          </p:cNvSpPr>
+          <p:nvPr>
+            <p:ph type="sldNum" sz="quarter" idx="12"/>
+          </p:nvPr>
+        </p:nvSpPr>
+        <p:spPr/>
+        <p:txBody>
+          <a:bodyPr/>
+          <a:lstStyle/>
+          <a:p>
+            <a:fld id="{34B7E4EF-A1BD-40F4-AB7B-04F084DD991D}" type="slidenum">
+              <a:rPr lang="en-US" smtClean="0"/>
+              <a:t>4</a:t>
+            </a:fld>
+            <a:endParaRPr lang="en-US" dirty="0"/>
+          </a:p>
+        </p:txBody>
+      </p:sp>
+      <p:pic>
+        <p:nvPicPr>
+          <p:cNvPr id="6" name="Picture 5"/>
+          <p:cNvPicPr>
+            <a:picLocks noChangeAspect="1"/>
+          </p:cNvPicPr>
           <p:nvPr/>
-        </p:nvSpPr>
+        </p:nvPicPr>
+        <p:blipFill>
+          <a:blip r:embed="rId4"/>
+          <a:stretch>
+            <a:fillRect/>
+          </a:stretch>
+        </p:blipFill>
         <p:spPr>
           <a:xfrm>
-            <a:off x="1066800" y="5818971"/>
-            <a:ext cx="10058400" cy="584775"/>
+            <a:off x="3531479" y="2988161"/>
+            <a:ext cx="3898371" cy="2767439"/>
           </a:xfrm>
           <a:prstGeom prst="rect">
             <a:avLst/>
           </a:prstGeom>
         </p:spPr>
-        <p:txBody>
-          <a:bodyPr wrap="square">
-            <a:spAutoFit/>
-          </a:bodyPr>
-          <a:lstStyle/>
-          <a:p>
-            <a:r>
-              <a:rPr lang="en-US" sz="1600" b="1" dirty="0"/>
-              <a:t>Source</a:t>
-            </a:r>
-          </a:p>
-          <a:p>
-            <a:r>
-              <a:rPr lang="en-US" sz="1600" dirty="0">
-                <a:hlinkClick r:id="rId2"/>
-              </a:rPr>
-              <a:t>https://www.npmjs.com/</a:t>
-            </a:r>
-            <a:endParaRPr lang="en-US" sz="1600" dirty="0">
-              <a:solidFill>
-                <a:srgbClr val="00B0F0"/>
-              </a:solidFill>
-            </a:endParaRPr>
-          </a:p>
-        </p:txBody>
-      </p:sp>
-      <p:sp>
-        <p:nvSpPr>
-          <p:cNvPr id="5" name="Slide Number Placeholder 4"/>
-          <p:cNvSpPr>
-            <a:spLocks noGrp="1"/>
-          </p:cNvSpPr>
-          <p:nvPr>
-            <p:ph type="sldNum" sz="quarter" idx="12"/>
-          </p:nvPr>
-        </p:nvSpPr>
-        <p:spPr/>
-        <p:txBody>
-          <a:bodyPr/>
-          <a:lstStyle/>
-          <a:p>
-            <a:fld id="{34B7E4EF-A1BD-40F4-AB7B-04F084DD991D}" type="slidenum">
-              <a:rPr lang="en-US" smtClean="0"/>
-              <a:t>4</a:t>
-            </a:fld>
-            <a:endParaRPr lang="en-US" dirty="0"/>
-          </a:p>
-        </p:txBody>
-      </p:sp>
+      </p:pic>
     </p:spTree>
     <p:extLst>
       <p:ext uri="{BB962C8B-B14F-4D97-AF65-F5344CB8AC3E}">
-        <p14:creationId xmlns:p14="http://schemas.microsoft.com/office/powerpoint/2010/main" val="2279178068"/>
+        <p14:creationId xmlns:p14="http://schemas.microsoft.com/office/powerpoint/2010/main" val="2520974838"/>
       </p:ext>
     </p:extLst>
   </p:cSld>
@@ -9685,12 +10221,7 @@
             <p:ph type="title"/>
           </p:nvPr>
         </p:nvSpPr>
-        <p:spPr>
-          <a:xfrm>
-            <a:off x="664234" y="733579"/>
-            <a:ext cx="9038566" cy="1371600"/>
-          </a:xfrm>
-        </p:spPr>
+        <p:spPr/>
         <p:txBody>
           <a:bodyPr>
             <a:normAutofit/>
@@ -9698,9 +10229,10 @@
           <a:lstStyle/>
           <a:p>
             <a:r>
-              <a:rPr lang="en-US" u="sng" dirty="0"/>
-              <a:t>Node.js Simple Command-Line App</a:t>
-            </a:r>
+              <a:rPr lang="en-US" u="sng"/>
+              <a:t>Verify your installation</a:t>
+            </a:r>
+            <a:endParaRPr lang="en-US" u="sng" dirty="0"/>
           </a:p>
         </p:txBody>
       </p:sp>
@@ -9720,12 +10252,7 @@
             <p:ph idx="1"/>
           </p:nvPr>
         </p:nvSpPr>
-        <p:spPr>
-          <a:xfrm>
-            <a:off x="1066800" y="2733472"/>
-            <a:ext cx="10058400" cy="1919267"/>
-          </a:xfrm>
-        </p:spPr>
+        <p:spPr/>
         <p:txBody>
           <a:bodyPr>
             <a:normAutofit/>
@@ -9734,45 +10261,67 @@
           <a:p>
             <a:r>
               <a:rPr lang="en-US" sz="1800" dirty="0"/>
-              <a:t>From your desktop, create a new nodeone directory</a:t>
-            </a:r>
-          </a:p>
-          <a:p>
+              <a:t>From command line</a:t>
+            </a:r>
+            <a:r>
+              <a:rPr lang="en-US" sz="1800"/>
+              <a:t>, type </a:t>
+            </a:r>
             <a:r>
               <a:rPr lang="en-US" sz="1800" dirty="0"/>
-              <a:t>Do a </a:t>
-            </a:r>
+              <a:t>in the following command to </a:t>
+            </a:r>
+            <a:r>
+              <a:rPr lang="en-US" sz="1800"/>
+              <a:t>check node</a:t>
+            </a:r>
+            <a:r>
+              <a:rPr lang="en-US" sz="1800" dirty="0"/>
+              <a:t>.js install</a:t>
+            </a:r>
+          </a:p>
+          <a:p>
+            <a:pPr marL="169863" indent="0">
+              <a:buNone/>
+            </a:pPr>
             <a:r>
               <a:rPr lang="en-US" sz="1800" dirty="0">
                 <a:latin typeface="Consolas" panose="020B0609020204030204" pitchFamily="49" charset="0"/>
               </a:rPr>
-              <a:t>cd nodeone</a:t>
-            </a:r>
+              <a:t>node -v</a:t>
+            </a:r>
+          </a:p>
+          <a:p>
             <a:r>
               <a:rPr lang="en-US" sz="1800" dirty="0"/>
-              <a:t> (change directory)</a:t>
-            </a:r>
-          </a:p>
-          <a:p>
+              <a:t>From command line</a:t>
+            </a:r>
+            <a:r>
+              <a:rPr lang="en-US" sz="1800"/>
+              <a:t>, type </a:t>
+            </a:r>
             <a:r>
               <a:rPr lang="en-US" sz="1800" dirty="0"/>
-              <a:t>Right mouse-click on the folder and choose Git Bash Here</a:t>
-            </a:r>
-          </a:p>
-          <a:p>
+              <a:t>in the following command to </a:t>
+            </a:r>
+            <a:r>
+              <a:rPr lang="en-US" sz="1800"/>
+              <a:t>check npm </a:t>
+            </a:r>
             <a:r>
               <a:rPr lang="en-US" sz="1800" dirty="0"/>
-              <a:t>In Git, key in </a:t>
-            </a:r>
+              <a:t>install</a:t>
+            </a:r>
+          </a:p>
+          <a:p>
+            <a:pPr marL="169863" indent="0">
+              <a:buNone/>
+            </a:pPr>
             <a:r>
               <a:rPr lang="en-US" sz="1800" dirty="0">
                 <a:latin typeface="Consolas" panose="020B0609020204030204" pitchFamily="49" charset="0"/>
               </a:rPr>
-              <a:t>touch simple.js</a:t>
-            </a:r>
-            <a:r>
-              <a:rPr lang="en-US" sz="1800" dirty="0"/>
-              <a:t> to create the simple.js file</a:t>
+              <a:t>npm -v</a:t>
             </a:r>
           </a:p>
           <a:p>
@@ -9781,52 +10330,8 @@
           <a:p>
             <a:endParaRPr lang="en-US" sz="1800" dirty="0"/>
           </a:p>
-        </p:txBody>
-      </p:sp>
-      <p:sp>
-        <p:nvSpPr>
-          <p:cNvPr id="4" name="Rectangle 3">
-            <a:extLst>
-              <a:ext uri="{FF2B5EF4-FFF2-40B4-BE49-F238E27FC236}">
-                <a16:creationId xmlns:a16="http://schemas.microsoft.com/office/drawing/2014/main" id="{0C71533A-4A29-47E2-A4D4-85E44356516A}"/>
-              </a:ext>
-            </a:extLst>
-          </p:cNvPr>
-          <p:cNvSpPr/>
-          <p:nvPr/>
-        </p:nvSpPr>
-        <p:spPr>
-          <a:xfrm>
-            <a:off x="1066800" y="5818971"/>
-            <a:ext cx="10058400" cy="584775"/>
-          </a:xfrm>
-          <a:prstGeom prst="rect">
-            <a:avLst/>
-          </a:prstGeom>
-        </p:spPr>
-        <p:txBody>
-          <a:bodyPr wrap="square">
-            <a:spAutoFit/>
-          </a:bodyPr>
-          <a:lstStyle/>
-          <a:p>
-            <a:r>
-              <a:rPr lang="en-US" sz="1600" b="1" dirty="0"/>
-              <a:t>Source</a:t>
-            </a:r>
-          </a:p>
-          <a:p>
-            <a:r>
-              <a:rPr lang="en-US" sz="1600" dirty="0">
-                <a:hlinkClick r:id="rId2"/>
-              </a:rPr>
-              <a:t>https://www.npmjs.com/</a:t>
-            </a:r>
-            <a:endParaRPr lang="en-US" sz="1600" dirty="0">
-              <a:solidFill>
-                <a:srgbClr val="00B0F0"/>
-              </a:solidFill>
-            </a:endParaRPr>
+          <a:p>
+            <a:endParaRPr lang="en-US" sz="1800" dirty="0"/>
           </a:p>
         </p:txBody>
       </p:sp>
@@ -9856,7 +10361,7 @@
     </p:spTree>
     <p:extLst>
       <p:ext uri="{BB962C8B-B14F-4D97-AF65-F5344CB8AC3E}">
-        <p14:creationId xmlns:p14="http://schemas.microsoft.com/office/powerpoint/2010/main" val="175786484"/>
+        <p14:creationId xmlns:p14="http://schemas.microsoft.com/office/powerpoint/2010/main" val="2279178068"/>
       </p:ext>
     </p:extLst>
   </p:cSld>
@@ -9885,10 +10390,10 @@
       </p:grpSpPr>
       <p:sp>
         <p:nvSpPr>
-          <p:cNvPr id="2" name="Title 1">
+          <p:cNvPr id="5" name="Title 4">
             <a:extLst>
               <a:ext uri="{FF2B5EF4-FFF2-40B4-BE49-F238E27FC236}">
-                <a16:creationId xmlns:a16="http://schemas.microsoft.com/office/drawing/2014/main" id="{BDFAC13C-59B1-436E-B58F-C304E1C705CF}"/>
+                <a16:creationId xmlns:a16="http://schemas.microsoft.com/office/drawing/2014/main" id="{0A2DA217-4A82-4776-8967-D0ECE1209DC7}"/>
               </a:ext>
             </a:extLst>
           </p:cNvPr>
@@ -9899,31 +10404,24 @@
             <p:ph type="title"/>
           </p:nvPr>
         </p:nvSpPr>
-        <p:spPr>
-          <a:xfrm>
-            <a:off x="664234" y="733579"/>
-            <a:ext cx="9038566" cy="1371600"/>
-          </a:xfrm>
-        </p:spPr>
-        <p:txBody>
-          <a:bodyPr>
-            <a:normAutofit/>
-          </a:bodyPr>
-          <a:lstStyle/>
-          <a:p>
-            <a:r>
-              <a:rPr lang="en-US" u="sng" dirty="0"/>
-              <a:t>Node.js Simple Command-Line App</a:t>
-            </a:r>
-          </a:p>
-        </p:txBody>
-      </p:sp>
-      <p:sp>
-        <p:nvSpPr>
-          <p:cNvPr id="3" name="Content Placeholder 2">
+        <p:spPr/>
+        <p:txBody>
+          <a:bodyPr/>
+          <a:lstStyle/>
+          <a:p>
+            <a:r>
+              <a:rPr lang="en-US" cap="none"/>
+              <a:t>Command-Line Apps</a:t>
+            </a:r>
+          </a:p>
+        </p:txBody>
+      </p:sp>
+      <p:sp>
+        <p:nvSpPr>
+          <p:cNvPr id="6" name="Text Placeholder 5">
             <a:extLst>
               <a:ext uri="{FF2B5EF4-FFF2-40B4-BE49-F238E27FC236}">
-                <a16:creationId xmlns:a16="http://schemas.microsoft.com/office/drawing/2014/main" id="{844A3DC5-46BF-4BFF-8008-98FD467C4904}"/>
+                <a16:creationId xmlns:a16="http://schemas.microsoft.com/office/drawing/2014/main" id="{400D90AB-7F38-42A8-B8C0-8EAE10F26AEA}"/>
               </a:ext>
             </a:extLst>
           </p:cNvPr>
@@ -9931,70 +10429,30 @@
             <a:spLocks noGrp="1"/>
           </p:cNvSpPr>
           <p:nvPr>
-            <p:ph idx="1"/>
-          </p:nvPr>
-        </p:nvSpPr>
-        <p:spPr>
-          <a:xfrm>
-            <a:off x="1066800" y="2733472"/>
-            <a:ext cx="10058400" cy="1919267"/>
-          </a:xfrm>
-        </p:spPr>
-        <p:txBody>
-          <a:bodyPr>
-            <a:normAutofit lnSpcReduction="10000"/>
-          </a:bodyPr>
-          <a:lstStyle/>
-          <a:p>
-            <a:r>
-              <a:rPr lang="en-US" sz="1800" dirty="0"/>
-              <a:t>Open this file with Visual Studio Code (VS Code)</a:t>
-            </a:r>
-          </a:p>
-          <a:p>
-            <a:r>
-              <a:rPr lang="en-US" sz="1800" dirty="0"/>
-              <a:t>Enter the following line of code into the simple.js file:</a:t>
-            </a:r>
-          </a:p>
-          <a:p>
-            <a:pPr marL="169863" indent="0">
-              <a:buNone/>
-            </a:pPr>
-            <a:r>
-              <a:rPr lang="en-US" sz="1800" dirty="0">
-                <a:latin typeface="Consolas" panose="020B0609020204030204" pitchFamily="49" charset="0"/>
-              </a:rPr>
-              <a:t>console.log("My first Node.js Program!");</a:t>
-            </a:r>
-          </a:p>
-          <a:p>
-            <a:r>
-              <a:rPr lang="en-US" sz="1800" dirty="0"/>
-              <a:t>Save the file.  From the Git Bash terminal, key in </a:t>
-            </a:r>
-            <a:r>
-              <a:rPr lang="en-US" sz="1800" dirty="0">
-                <a:latin typeface="Consolas" panose="020B0609020204030204" pitchFamily="49" charset="0"/>
-              </a:rPr>
-              <a:t>node simple.js</a:t>
-            </a:r>
-            <a:r>
-              <a:rPr lang="en-US" sz="1800" dirty="0"/>
-              <a:t> and hit &lt;enter&gt;  Your expected results are shown on the next page</a:t>
-            </a:r>
-          </a:p>
-          <a:p>
-            <a:endParaRPr lang="en-US" sz="1800" dirty="0"/>
-          </a:p>
-          <a:p>
-            <a:endParaRPr lang="en-US" sz="1800" dirty="0"/>
-          </a:p>
-        </p:txBody>
-      </p:sp>
-      <p:sp>
-        <p:nvSpPr>
-          <p:cNvPr id="5" name="Slide Number Placeholder 4"/>
+            <p:ph type="body" idx="1"/>
+          </p:nvPr>
+        </p:nvSpPr>
+        <p:spPr/>
+        <p:txBody>
+          <a:bodyPr/>
+          <a:lstStyle/>
+          <a:p>
+            <a:r>
+              <a:rPr lang="en-US"/>
+              <a:t>Let's build a super simple command line application!</a:t>
+            </a:r>
+          </a:p>
+        </p:txBody>
+      </p:sp>
+      <p:sp>
+        <p:nvSpPr>
+          <p:cNvPr id="4" name="Slide Number Placeholder 3">
+            <a:extLst>
+              <a:ext uri="{FF2B5EF4-FFF2-40B4-BE49-F238E27FC236}">
+                <a16:creationId xmlns:a16="http://schemas.microsoft.com/office/drawing/2014/main" id="{2CC545B9-0092-4D9C-A5A1-E84F8D4001AA}"/>
+              </a:ext>
+            </a:extLst>
+          </p:cNvPr>
           <p:cNvSpPr>
             <a:spLocks noGrp="1"/>
           </p:cNvSpPr>
@@ -10018,7 +10476,7 @@
     </p:spTree>
     <p:extLst>
       <p:ext uri="{BB962C8B-B14F-4D97-AF65-F5344CB8AC3E}">
-        <p14:creationId xmlns:p14="http://schemas.microsoft.com/office/powerpoint/2010/main" val="3288527920"/>
+        <p14:creationId xmlns:p14="http://schemas.microsoft.com/office/powerpoint/2010/main" val="2079064053"/>
       </p:ext>
     </p:extLst>
   </p:cSld>
@@ -10061,12 +10519,7 @@
             <p:ph type="title"/>
           </p:nvPr>
         </p:nvSpPr>
-        <p:spPr>
-          <a:xfrm>
-            <a:off x="664234" y="733579"/>
-            <a:ext cx="9038566" cy="1371600"/>
-          </a:xfrm>
-        </p:spPr>
+        <p:spPr/>
         <p:txBody>
           <a:bodyPr>
             <a:normAutofit/>
@@ -10074,8 +10527,12 @@
           <a:lstStyle/>
           <a:p>
             <a:r>
+              <a:rPr lang="en-US" u="sng"/>
+              <a:t>Simple </a:t>
+            </a:r>
+            <a:r>
               <a:rPr lang="en-US" u="sng" dirty="0"/>
-              <a:t>Node.js Simple Command-Line App</a:t>
+              <a:t>Command-Line App</a:t>
             </a:r>
           </a:p>
         </p:txBody>
@@ -10096,22 +10553,112 @@
             <p:ph idx="1"/>
           </p:nvPr>
         </p:nvSpPr>
-        <p:spPr>
-          <a:xfrm>
-            <a:off x="1066800" y="2733472"/>
-            <a:ext cx="10058400" cy="1919267"/>
-          </a:xfrm>
-        </p:spPr>
+        <p:spPr/>
         <p:txBody>
           <a:bodyPr>
             <a:normAutofit/>
           </a:bodyPr>
           <a:lstStyle/>
           <a:p>
-            <a:endParaRPr lang="en-US" sz="1800" dirty="0"/>
-          </a:p>
-          <a:p>
-            <a:endParaRPr lang="en-US" sz="1800" dirty="0"/>
+            <a:pPr marL="342900" indent="-342900">
+              <a:buFont typeface="+mj-lt"/>
+              <a:buAutoNum type="arabicPeriod"/>
+            </a:pPr>
+            <a:r>
+              <a:rPr lang="en-US" sz="1800"/>
+              <a:t>Create a new folder named </a:t>
+            </a:r>
+            <a:r>
+              <a:rPr lang="en-US" sz="1800" b="1">
+                <a:latin typeface="Consolas" panose="020B0609020204030204" pitchFamily="49" charset="0"/>
+              </a:rPr>
+              <a:t>nodeone</a:t>
+            </a:r>
+            <a:endParaRPr lang="en-US" sz="1800" b="1" dirty="0">
+              <a:latin typeface="Consolas" panose="020B0609020204030204" pitchFamily="49" charset="0"/>
+            </a:endParaRPr>
+          </a:p>
+          <a:p>
+            <a:pPr marL="342900" indent="-342900">
+              <a:buFont typeface="+mj-lt"/>
+              <a:buAutoNum type="arabicPeriod"/>
+            </a:pPr>
+            <a:r>
+              <a:rPr lang="en-US" sz="1800"/>
+              <a:t>Open this folder in </a:t>
+            </a:r>
+            <a:r>
+              <a:rPr lang="en-US" sz="1800" b="1"/>
+              <a:t>Visual Studio Code</a:t>
+            </a:r>
+          </a:p>
+          <a:p>
+            <a:pPr marL="342900" indent="-342900">
+              <a:buFont typeface="+mj-lt"/>
+              <a:buAutoNum type="arabicPeriod"/>
+            </a:pPr>
+            <a:r>
+              <a:rPr lang="en-US" sz="1800"/>
+              <a:t>Create a new file named </a:t>
+            </a:r>
+            <a:r>
+              <a:rPr lang="en-US" sz="1800" b="1">
+                <a:latin typeface="Consolas" panose="020B0609020204030204" pitchFamily="49" charset="0"/>
+              </a:rPr>
+              <a:t>simple.js</a:t>
+            </a:r>
+          </a:p>
+          <a:p>
+            <a:pPr marL="342900" indent="-342900">
+              <a:buFont typeface="+mj-lt"/>
+              <a:buAutoNum type="arabicPeriod"/>
+            </a:pPr>
+            <a:r>
+              <a:rPr lang="en-US" sz="1800"/>
+              <a:t>Open the </a:t>
+            </a:r>
+            <a:r>
+              <a:rPr lang="en-US" sz="1800" b="1">
+                <a:latin typeface="Consolas" panose="020B0609020204030204" pitchFamily="49" charset="0"/>
+              </a:rPr>
+              <a:t>simple.js</a:t>
+            </a:r>
+            <a:r>
+              <a:rPr lang="en-US" sz="1800"/>
+              <a:t> file</a:t>
+            </a:r>
+          </a:p>
+          <a:p>
+            <a:pPr marL="342900" indent="-342900">
+              <a:buFont typeface="+mj-lt"/>
+              <a:buAutoNum type="arabicPeriod"/>
+            </a:pPr>
+            <a:r>
+              <a:rPr lang="en-US" sz="1800"/>
+              <a:t>Enter the following line of code into the simple.js file:</a:t>
+            </a:r>
+          </a:p>
+          <a:p>
+            <a:pPr marL="347472" indent="0">
+              <a:buNone/>
+            </a:pPr>
+            <a:r>
+              <a:rPr lang="en-US" sz="1800">
+                <a:latin typeface="Consolas" panose="020B0609020204030204" pitchFamily="49" charset="0"/>
+              </a:rPr>
+              <a:t>console.log('My first Node.js Program!');</a:t>
+            </a:r>
+            <a:endParaRPr lang="en-US" sz="1800"/>
+          </a:p>
+          <a:p>
+            <a:pPr marL="342900" indent="-342900">
+              <a:buFont typeface="+mj-lt"/>
+              <a:buAutoNum type="arabicPeriod" startAt="6"/>
+            </a:pPr>
+            <a:r>
+              <a:rPr lang="en-US" sz="1800"/>
+              <a:t>Save the file</a:t>
+            </a:r>
           </a:p>
         </p:txBody>
       </p:sp>
@@ -10138,34 +10685,10 @@
           </a:p>
         </p:txBody>
       </p:sp>
-      <p:pic>
-        <p:nvPicPr>
-          <p:cNvPr id="6" name="Picture 5"/>
-          <p:cNvPicPr>
-            <a:picLocks noChangeAspect="1"/>
-          </p:cNvPicPr>
-          <p:nvPr/>
-        </p:nvPicPr>
-        <p:blipFill>
-          <a:blip r:embed="rId2"/>
-          <a:stretch>
-            <a:fillRect/>
-          </a:stretch>
-        </p:blipFill>
-        <p:spPr>
-          <a:xfrm>
-            <a:off x="2801407" y="2825221"/>
-            <a:ext cx="5962650" cy="2714625"/>
-          </a:xfrm>
-          <a:prstGeom prst="rect">
-            <a:avLst/>
-          </a:prstGeom>
-        </p:spPr>
-      </p:pic>
     </p:spTree>
     <p:extLst>
       <p:ext uri="{BB962C8B-B14F-4D97-AF65-F5344CB8AC3E}">
-        <p14:creationId xmlns:p14="http://schemas.microsoft.com/office/powerpoint/2010/main" val="1266859260"/>
+        <p14:creationId xmlns:p14="http://schemas.microsoft.com/office/powerpoint/2010/main" val="175786484"/>
       </p:ext>
     </p:extLst>
   </p:cSld>
@@ -10208,12 +10731,7 @@
             <p:ph type="title"/>
           </p:nvPr>
         </p:nvSpPr>
-        <p:spPr>
-          <a:xfrm>
-            <a:off x="664234" y="733579"/>
-            <a:ext cx="9038566" cy="1371600"/>
-          </a:xfrm>
-        </p:spPr>
+        <p:spPr/>
         <p:txBody>
           <a:bodyPr>
             <a:normAutofit/>
@@ -10221,8 +10739,12 @@
           <a:lstStyle/>
           <a:p>
             <a:r>
+              <a:rPr lang="en-US" u="sng"/>
+              <a:t>Simple </a:t>
+            </a:r>
+            <a:r>
               <a:rPr lang="en-US" u="sng" dirty="0"/>
-              <a:t>Node.js Simple Web Server</a:t>
+              <a:t>Command-Line App</a:t>
             </a:r>
           </a:p>
         </p:txBody>
@@ -10245,8 +10767,8 @@
         </p:nvSpPr>
         <p:spPr>
           <a:xfrm>
-            <a:off x="1066800" y="2733472"/>
-            <a:ext cx="10058400" cy="1919267"/>
+            <a:off x="1066800" y="2103119"/>
+            <a:ext cx="10058400" cy="1697093"/>
           </a:xfrm>
         </p:spPr>
         <p:txBody>
@@ -10255,31 +10777,70 @@
           </a:bodyPr>
           <a:lstStyle/>
           <a:p>
-            <a:r>
-              <a:rPr lang="en-US" sz="1800" dirty="0"/>
-              <a:t>Close the simple.js file</a:t>
-            </a:r>
-          </a:p>
-          <a:p>
-            <a:r>
-              <a:rPr lang="en-US" sz="1800" dirty="0"/>
-              <a:t>Create a new JavaScript file via the command: </a:t>
-            </a:r>
-            <a:r>
-              <a:rPr lang="en-US" sz="1800" dirty="0">
+            <a:pPr marL="342900" indent="-342900">
+              <a:buFont typeface="+mj-lt"/>
+              <a:buAutoNum type="arabicPeriod" startAt="7"/>
+            </a:pPr>
+            <a:r>
+              <a:rPr lang="en-US" sz="1800"/>
+              <a:t>Open a terminal window inside Visual Studio Code</a:t>
+            </a:r>
+          </a:p>
+          <a:p>
+            <a:pPr marL="342900" indent="-342900">
+              <a:buFont typeface="+mj-lt"/>
+              <a:buAutoNum type="arabicPeriod" startAt="7"/>
+            </a:pPr>
+            <a:r>
+              <a:rPr lang="en-US" sz="1800"/>
+              <a:t>Type the following command:</a:t>
+            </a:r>
+          </a:p>
+          <a:p>
+            <a:pPr marL="347472" indent="0">
+              <a:buNone/>
+            </a:pPr>
+            <a:r>
+              <a:rPr lang="en-US" sz="1800" b="1">
                 <a:latin typeface="Consolas" panose="020B0609020204030204" pitchFamily="49" charset="0"/>
               </a:rPr>
-              <a:t>touch main.js</a:t>
-            </a:r>
-          </a:p>
-          <a:p>
-            <a:r>
-              <a:rPr lang="en-US" sz="1800" dirty="0"/>
-              <a:t>Open this file up in VS code and add the code shown on the next page</a:t>
-            </a:r>
-          </a:p>
-          <a:p>
-            <a:endParaRPr lang="en-US" sz="1800" dirty="0"/>
+              <a:t>node simple.js</a:t>
+            </a:r>
+          </a:p>
+          <a:p>
+            <a:pPr marL="342900" indent="-342900">
+              <a:buFont typeface="+mj-lt"/>
+              <a:buAutoNum type="arabicPeriod" startAt="9"/>
+            </a:pPr>
+            <a:r>
+              <a:rPr lang="en-US" sz="1800"/>
+              <a:t>The expected results are shown below</a:t>
+            </a:r>
+            <a:endParaRPr lang="en-US" sz="1800" b="1">
+              <a:latin typeface="Consolas" panose="020B0609020204030204" pitchFamily="49" charset="0"/>
+            </a:endParaRPr>
+          </a:p>
+          <a:p>
+            <a:pPr marL="347472" indent="0">
+              <a:buNone/>
+            </a:pPr>
+            <a:endParaRPr lang="en-US" sz="1800" b="1">
+              <a:latin typeface="Consolas" panose="020B0609020204030204" pitchFamily="49" charset="0"/>
+            </a:endParaRPr>
+          </a:p>
+          <a:p>
+            <a:pPr marL="342900" indent="-342900">
+              <a:buFont typeface="+mj-lt"/>
+              <a:buAutoNum type="arabicPeriod" startAt="7"/>
+            </a:pPr>
+            <a:endParaRPr lang="en-US" sz="1800"/>
+          </a:p>
+          <a:p>
+            <a:pPr marL="342900" indent="-342900">
+              <a:buFont typeface="+mj-lt"/>
+              <a:buAutoNum type="arabicPeriod" startAt="7"/>
+            </a:pPr>
+            <a:endParaRPr lang="en-US" sz="1800"/>
           </a:p>
         </p:txBody>
       </p:sp>
@@ -10306,10 +10867,39 @@
           </a:p>
         </p:txBody>
       </p:sp>
+      <p:pic>
+        <p:nvPicPr>
+          <p:cNvPr id="4" name="Picture 3">
+            <a:extLst>
+              <a:ext uri="{FF2B5EF4-FFF2-40B4-BE49-F238E27FC236}">
+                <a16:creationId xmlns:a16="http://schemas.microsoft.com/office/drawing/2014/main" id="{F8FAF0B5-A9AC-4CA0-A17D-2704D9C26DFA}"/>
+              </a:ext>
+            </a:extLst>
+          </p:cNvPr>
+          <p:cNvPicPr>
+            <a:picLocks noChangeAspect="1"/>
+          </p:cNvPicPr>
+          <p:nvPr/>
+        </p:nvPicPr>
+        <p:blipFill rotWithShape="1">
+          <a:blip r:embed="rId2"/>
+          <a:srcRect t="45303" b="-1"/>
+          <a:stretch/>
+        </p:blipFill>
+        <p:spPr>
+          <a:xfrm>
+            <a:off x="1335248" y="4082922"/>
+            <a:ext cx="5962650" cy="1484851"/>
+          </a:xfrm>
+          <a:prstGeom prst="rect">
+            <a:avLst/>
+          </a:prstGeom>
+        </p:spPr>
+      </p:pic>
     </p:spTree>
     <p:extLst>
       <p:ext uri="{BB962C8B-B14F-4D97-AF65-F5344CB8AC3E}">
-        <p14:creationId xmlns:p14="http://schemas.microsoft.com/office/powerpoint/2010/main" val="3972152926"/>
+        <p14:creationId xmlns:p14="http://schemas.microsoft.com/office/powerpoint/2010/main" val="1034576277"/>
       </p:ext>
     </p:extLst>
   </p:cSld>
@@ -10338,10 +10928,10 @@
       </p:grpSpPr>
       <p:sp>
         <p:nvSpPr>
-          <p:cNvPr id="2" name="Title 1">
+          <p:cNvPr id="5" name="Title 4">
             <a:extLst>
               <a:ext uri="{FF2B5EF4-FFF2-40B4-BE49-F238E27FC236}">
-                <a16:creationId xmlns:a16="http://schemas.microsoft.com/office/drawing/2014/main" id="{BDFAC13C-59B1-436E-B58F-C304E1C705CF}"/>
+                <a16:creationId xmlns:a16="http://schemas.microsoft.com/office/drawing/2014/main" id="{0A2DA217-4A82-4776-8967-D0ECE1209DC7}"/>
               </a:ext>
             </a:extLst>
           </p:cNvPr>
@@ -10352,31 +10942,24 @@
             <p:ph type="title"/>
           </p:nvPr>
         </p:nvSpPr>
-        <p:spPr>
-          <a:xfrm>
-            <a:off x="664234" y="733579"/>
-            <a:ext cx="9038566" cy="1371600"/>
-          </a:xfrm>
-        </p:spPr>
-        <p:txBody>
-          <a:bodyPr>
-            <a:normAutofit/>
-          </a:bodyPr>
-          <a:lstStyle/>
-          <a:p>
-            <a:r>
-              <a:rPr lang="en-US" u="sng" dirty="0"/>
-              <a:t>Node.js Simple Web Server</a:t>
-            </a:r>
-          </a:p>
-        </p:txBody>
-      </p:sp>
-      <p:sp>
-        <p:nvSpPr>
-          <p:cNvPr id="3" name="Content Placeholder 2">
+        <p:spPr/>
+        <p:txBody>
+          <a:bodyPr/>
+          <a:lstStyle/>
+          <a:p>
+            <a:r>
+              <a:rPr lang="en-US" cap="none"/>
+              <a:t>Web Servers</a:t>
+            </a:r>
+          </a:p>
+        </p:txBody>
+      </p:sp>
+      <p:sp>
+        <p:nvSpPr>
+          <p:cNvPr id="6" name="Text Placeholder 5">
             <a:extLst>
               <a:ext uri="{FF2B5EF4-FFF2-40B4-BE49-F238E27FC236}">
-                <a16:creationId xmlns:a16="http://schemas.microsoft.com/office/drawing/2014/main" id="{844A3DC5-46BF-4BFF-8008-98FD467C4904}"/>
+                <a16:creationId xmlns:a16="http://schemas.microsoft.com/office/drawing/2014/main" id="{400D90AB-7F38-42A8-B8C0-8EAE10F26AEA}"/>
               </a:ext>
             </a:extLst>
           </p:cNvPr>
@@ -10384,113 +10967,30 @@
             <a:spLocks noGrp="1"/>
           </p:cNvSpPr>
           <p:nvPr>
-            <p:ph idx="1"/>
-          </p:nvPr>
-        </p:nvSpPr>
-        <p:spPr>
-          <a:xfrm>
-            <a:off x="1066800" y="2733472"/>
-            <a:ext cx="10058400" cy="3167795"/>
-          </a:xfrm>
-        </p:spPr>
-        <p:txBody>
-          <a:bodyPr>
-            <a:normAutofit lnSpcReduction="10000"/>
-          </a:bodyPr>
-          <a:lstStyle/>
-          <a:p>
-            <a:pPr marL="0" indent="0">
-              <a:buNone/>
-            </a:pPr>
-            <a:r>
-              <a:rPr lang="en-US" sz="1800" dirty="0">
-                <a:latin typeface="Consolas" panose="020B0609020204030204" pitchFamily="49" charset="0"/>
-              </a:rPr>
-              <a:t>const http = require("http");</a:t>
-            </a:r>
-          </a:p>
-          <a:p>
-            <a:pPr marL="0" indent="0">
-              <a:buNone/>
-            </a:pPr>
-            <a:r>
-              <a:rPr lang="en-US" sz="1800" dirty="0">
-                <a:latin typeface="Consolas" panose="020B0609020204030204" pitchFamily="49" charset="0"/>
-              </a:rPr>
-              <a:t>const PORT = process.env.PORT || 3000;</a:t>
-            </a:r>
-          </a:p>
-          <a:p>
-            <a:pPr marL="0" indent="0">
-              <a:buNone/>
-            </a:pPr>
-            <a:r>
-              <a:rPr lang="en-US" sz="1800" dirty="0">
-                <a:latin typeface="Consolas" panose="020B0609020204030204" pitchFamily="49" charset="0"/>
-              </a:rPr>
-              <a:t>const server = http.createServer(function (req, res) {</a:t>
-            </a:r>
-          </a:p>
-          <a:p>
-            <a:pPr marL="0" indent="0">
-              <a:buNone/>
-            </a:pPr>
-            <a:r>
-              <a:rPr lang="en-US" sz="1800" dirty="0">
-                <a:latin typeface="Consolas" panose="020B0609020204030204" pitchFamily="49" charset="0"/>
-              </a:rPr>
-              <a:t>  res.writeHead(200, {"Content-Type": "text/plain"});</a:t>
-            </a:r>
-          </a:p>
-          <a:p>
-            <a:pPr marL="0" indent="0">
-              <a:buNone/>
-            </a:pPr>
-            <a:r>
-              <a:rPr lang="en-US" sz="1800" dirty="0">
-                <a:latin typeface="Consolas" panose="020B0609020204030204" pitchFamily="49" charset="0"/>
-              </a:rPr>
-              <a:t>  res.end("Hello World!");</a:t>
-            </a:r>
-          </a:p>
-          <a:p>
-            <a:pPr marL="0" indent="0">
-              <a:buNone/>
-            </a:pPr>
-            <a:r>
-              <a:rPr lang="en-US" sz="1800" dirty="0">
-                <a:latin typeface="Consolas" panose="020B0609020204030204" pitchFamily="49" charset="0"/>
-              </a:rPr>
-              <a:t>});</a:t>
-            </a:r>
-          </a:p>
-          <a:p>
-            <a:pPr marL="0" indent="0">
-              <a:buNone/>
-            </a:pPr>
-            <a:r>
-              <a:rPr lang="en-US" sz="1800" dirty="0">
-                <a:latin typeface="Consolas" panose="020B0609020204030204" pitchFamily="49" charset="0"/>
-              </a:rPr>
-              <a:t>server.listen(PORT);</a:t>
-            </a:r>
-          </a:p>
-          <a:p>
-            <a:pPr marL="0" indent="0">
-              <a:buNone/>
-            </a:pPr>
-            <a:r>
-              <a:rPr lang="en-US" sz="1800" dirty="0">
-                <a:latin typeface="Consolas" panose="020B0609020204030204" pitchFamily="49" charset="0"/>
-              </a:rPr>
-              <a:t>console.log(`App is up and running on Port ${PORT}`);</a:t>
-            </a:r>
-          </a:p>
-        </p:txBody>
-      </p:sp>
-      <p:sp>
-        <p:nvSpPr>
-          <p:cNvPr id="5" name="Slide Number Placeholder 4"/>
+            <p:ph type="body" idx="1"/>
+          </p:nvPr>
+        </p:nvSpPr>
+        <p:spPr/>
+        <p:txBody>
+          <a:bodyPr/>
+          <a:lstStyle/>
+          <a:p>
+            <a:r>
+              <a:rPr lang="en-US"/>
+              <a:t>Let's build a super simple web server!</a:t>
+            </a:r>
+          </a:p>
+        </p:txBody>
+      </p:sp>
+      <p:sp>
+        <p:nvSpPr>
+          <p:cNvPr id="4" name="Slide Number Placeholder 3">
+            <a:extLst>
+              <a:ext uri="{FF2B5EF4-FFF2-40B4-BE49-F238E27FC236}">
+                <a16:creationId xmlns:a16="http://schemas.microsoft.com/office/drawing/2014/main" id="{2CC545B9-0092-4D9C-A5A1-E84F8D4001AA}"/>
+              </a:ext>
+            </a:extLst>
+          </p:cNvPr>
           <p:cNvSpPr>
             <a:spLocks noGrp="1"/>
           </p:cNvSpPr>
@@ -10514,7 +11014,7 @@
     </p:spTree>
     <p:extLst>
       <p:ext uri="{BB962C8B-B14F-4D97-AF65-F5344CB8AC3E}">
-        <p14:creationId xmlns:p14="http://schemas.microsoft.com/office/powerpoint/2010/main" val="1262910726"/>
+        <p14:creationId xmlns:p14="http://schemas.microsoft.com/office/powerpoint/2010/main" val="2334281808"/>
       </p:ext>
     </p:extLst>
   </p:cSld>
@@ -11283,21 +11783,21 @@
 </file>
 
 <file path=customXml/item2.xml><?xml version="1.0" encoding="utf-8"?>
+<p:properties xmlns:p="http://schemas.microsoft.com/office/2006/metadata/properties" xmlns:xsi="http://www.w3.org/2001/XMLSchema-instance" xmlns:pc="http://schemas.microsoft.com/office/infopath/2007/PartnerControls">
+  <documentManagement>
+    <Status xmlns="71af3243-3dd4-4a8d-8c0d-dd76da1f02a5">Not started</Status>
+    <MediaServiceKeyPoints xmlns="71af3243-3dd4-4a8d-8c0d-dd76da1f02a5" xsi:nil="true"/>
+  </documentManagement>
+</p:properties>
+</file>
+
+<file path=customXml/item3.xml><?xml version="1.0" encoding="utf-8"?>
 <?mso-contentType ?>
 <FormTemplates xmlns="http://schemas.microsoft.com/sharepoint/v3/contenttype/forms">
   <Display>DocumentLibraryForm</Display>
   <Edit>DocumentLibraryForm</Edit>
   <New>DocumentLibraryForm</New>
 </FormTemplates>
-</file>
-
-<file path=customXml/item3.xml><?xml version="1.0" encoding="utf-8"?>
-<p:properties xmlns:p="http://schemas.microsoft.com/office/2006/metadata/properties" xmlns:xsi="http://www.w3.org/2001/XMLSchema-instance" xmlns:pc="http://schemas.microsoft.com/office/infopath/2007/PartnerControls">
-  <documentManagement>
-    <Status xmlns="71af3243-3dd4-4a8d-8c0d-dd76da1f02a5">Not started</Status>
-    <MediaServiceKeyPoints xmlns="71af3243-3dd4-4a8d-8c0d-dd76da1f02a5" xsi:nil="true"/>
-  </documentManagement>
-</p:properties>
 </file>
 
 <file path=customXml/itemProps1.xml><?xml version="1.0" encoding="utf-8"?>
@@ -11320,14 +11820,6 @@
 </file>
 
 <file path=customXml/itemProps2.xml><?xml version="1.0" encoding="utf-8"?>
-<ds:datastoreItem xmlns:ds="http://schemas.openxmlformats.org/officeDocument/2006/customXml" ds:itemID="{CDB58277-F8DF-46FF-84EC-EF41B835E69F}">
-  <ds:schemaRefs>
-    <ds:schemaRef ds:uri="http://schemas.microsoft.com/sharepoint/v3/contenttype/forms"/>
-  </ds:schemaRefs>
-</ds:datastoreItem>
-</file>
-
-<file path=customXml/itemProps3.xml><?xml version="1.0" encoding="utf-8"?>
 <ds:datastoreItem xmlns:ds="http://schemas.openxmlformats.org/officeDocument/2006/customXml" ds:itemID="{137651BA-F45C-4845-9AB3-E0A65B39F5E1}">
   <ds:schemaRefs>
     <ds:schemaRef ds:uri="http://purl.org/dc/terms/"/>
@@ -11342,4 +11834,12 @@
     <ds:schemaRef ds:uri="http://purl.org/dc/dcmitype/"/>
   </ds:schemaRefs>
 </ds:datastoreItem>
+</file>
+
+<file path=customXml/itemProps3.xml><?xml version="1.0" encoding="utf-8"?>
+<ds:datastoreItem xmlns:ds="http://schemas.openxmlformats.org/officeDocument/2006/customXml" ds:itemID="{CDB58277-F8DF-46FF-84EC-EF41B835E69F}">
+  <ds:schemaRefs>
+    <ds:schemaRef ds:uri="http://schemas.microsoft.com/sharepoint/v3/contenttype/forms"/>
+  </ds:schemaRefs>
+</ds:datastoreItem>
 </file>
--- a/unit_01/slides/Unit01-PartI.pptx
+++ b/unit_01/slides/Unit01-PartI.pptx
@@ -5,7 +5,7 @@
     <p:sldMasterId id="2147483673" r:id="rId4"/>
   </p:sldMasterIdLst>
   <p:notesMasterIdLst>
-    <p:notesMasterId r:id="rId42"/>
+    <p:notesMasterId r:id="rId35"/>
   </p:notesMasterIdLst>
   <p:sldIdLst>
     <p:sldId id="257" r:id="rId5"/>
@@ -31,20 +31,13 @@
     <p:sldId id="284" r:id="rId25"/>
     <p:sldId id="285" r:id="rId26"/>
     <p:sldId id="286" r:id="rId27"/>
-    <p:sldId id="291" r:id="rId28"/>
-    <p:sldId id="292" r:id="rId29"/>
-    <p:sldId id="287" r:id="rId30"/>
-    <p:sldId id="293" r:id="rId31"/>
-    <p:sldId id="290" r:id="rId32"/>
-    <p:sldId id="295" r:id="rId33"/>
-    <p:sldId id="296" r:id="rId34"/>
-    <p:sldId id="289" r:id="rId35"/>
-    <p:sldId id="288" r:id="rId36"/>
-    <p:sldId id="297" r:id="rId37"/>
-    <p:sldId id="298" r:id="rId38"/>
-    <p:sldId id="299" r:id="rId39"/>
-    <p:sldId id="307" r:id="rId40"/>
-    <p:sldId id="276" r:id="rId41"/>
+    <p:sldId id="292" r:id="rId28"/>
+    <p:sldId id="293" r:id="rId29"/>
+    <p:sldId id="290" r:id="rId30"/>
+    <p:sldId id="289" r:id="rId31"/>
+    <p:sldId id="308" r:id="rId32"/>
+    <p:sldId id="307" r:id="rId33"/>
+    <p:sldId id="276" r:id="rId34"/>
   </p:sldIdLst>
   <p:sldSz cx="12192000" cy="6858000"/>
   <p:notesSz cx="6858000" cy="9144000"/>
@@ -6506,12 +6499,9 @@
           <a:lstStyle/>
           <a:p>
             <a:r>
-              <a:rPr lang="en-US" u="sng" dirty="0"/>
-              <a:t>Asynchronous JavaScript</a:t>
-            </a:r>
-            <a:br>
-              <a:rPr lang="en-US" u="sng" dirty="0"/>
-            </a:br>
+              <a:rPr lang="en-US" u="sng"/>
+              <a:t>Synchronous Programming</a:t>
+            </a:r>
             <a:endParaRPr lang="en-US" u="sng" dirty="0"/>
           </a:p>
         </p:txBody>
@@ -6541,16 +6531,57 @@
           <a:p>
             <a:r>
               <a:rPr lang="en-US" sz="1800" dirty="0"/>
-              <a:t>Normally, program code runs straight along, with only one thing happening at once. If a function relies on the result of another function, it has to wait for the other function to finish and return, and until that happens, the entire program is essentially stopped from the perspective of the user.  This is a.k.a. </a:t>
-            </a:r>
-            <a:r>
-              <a:rPr lang="en-US" sz="1800" i="1" dirty="0"/>
-              <a:t>synchronous</a:t>
+              <a:t>Normally, program code runs </a:t>
+            </a:r>
+            <a:r>
+              <a:rPr lang="en-US" sz="1800"/>
+              <a:t>straight along, with only one thing happening at once. </a:t>
+            </a:r>
+          </a:p>
+          <a:p>
+            <a:r>
+              <a:rPr lang="en-US" sz="1800"/>
+              <a:t>If </a:t>
             </a:r>
             <a:r>
               <a:rPr lang="en-US" sz="1800" dirty="0"/>
-              <a:t> programming</a:t>
-            </a:r>
+              <a:t>a function relies on the result of another function, it has to wait for the other function to finish </a:t>
+            </a:r>
+            <a:r>
+              <a:rPr lang="en-US" sz="1800"/>
+              <a:t>and return.</a:t>
+            </a:r>
+          </a:p>
+          <a:p>
+            <a:r>
+              <a:rPr lang="en-US" sz="1800"/>
+              <a:t>Until </a:t>
+            </a:r>
+            <a:r>
+              <a:rPr lang="en-US" sz="1800" dirty="0"/>
+              <a:t>that happens, the entire program </a:t>
+            </a:r>
+            <a:r>
+              <a:rPr lang="en-US" sz="1800"/>
+              <a:t>is stopped.</a:t>
+            </a:r>
+          </a:p>
+          <a:p>
+            <a:r>
+              <a:rPr lang="en-US" sz="1800"/>
+              <a:t>This is known as </a:t>
+            </a:r>
+            <a:r>
+              <a:rPr lang="en-US" sz="1800" b="1"/>
+              <a:t>synchronous programming.</a:t>
+            </a:r>
+          </a:p>
+          <a:p>
+            <a:r>
+              <a:rPr lang="en-US" sz="1800"/>
+              <a:t>It leads to a very slow user experience and low throughput for our web servers</a:t>
+            </a:r>
+            <a:endParaRPr lang="en-US" sz="1800" dirty="0"/>
           </a:p>
         </p:txBody>
       </p:sp>
@@ -6612,7 +6643,16 @@
           <a:p>
             <a:r>
               <a:rPr lang="en-US" sz="1600" dirty="0">
-                <a:hlinkClick r:id="rId2"/>
+                <a:solidFill>
+                  <a:srgbClr val="00B0F0"/>
+                </a:solidFill>
+                <a:hlinkClick r:id="rId2">
+                  <a:extLst>
+                    <a:ext uri="{A12FA001-AC4F-418D-AE19-62706E023703}">
+                      <ahyp:hlinkClr xmlns:ahyp="http://schemas.microsoft.com/office/drawing/2018/hyperlinkcolor" val="tx"/>
+                    </a:ext>
+                  </a:extLst>
+                </a:hlinkClick>
               </a:rPr>
               <a:t>https://developer.mozilla.org/en-US/docs/Learn/JavaScript/Asynchronous/Concepts</a:t>
             </a:r>
@@ -6830,12 +6870,9 @@
           <a:lstStyle/>
           <a:p>
             <a:r>
-              <a:rPr lang="en-US" u="sng" dirty="0"/>
-              <a:t>Asynchronous JavaScript</a:t>
-            </a:r>
-            <a:br>
-              <a:rPr lang="en-US" u="sng" dirty="0"/>
-            </a:br>
+              <a:rPr lang="en-US" u="sng"/>
+              <a:t>Synchronous Programming</a:t>
+            </a:r>
             <a:endParaRPr lang="en-US" u="sng" dirty="0"/>
           </a:p>
         </p:txBody>
@@ -6865,13 +6902,68 @@
           <a:p>
             <a:r>
               <a:rPr lang="en-US" sz="1800" dirty="0"/>
-              <a:t>This is not a good use of computer processing power. There's no sense waiting for something when you could let another task begin and let you know when it's done. This lets you get other work done in the meantime, which is the basis of asynchronous programming</a:t>
-            </a:r>
-          </a:p>
-          <a:p>
+              <a:t>This is not a good use of computer processing power</a:t>
+            </a:r>
+            <a:r>
+              <a:rPr lang="en-US" sz="1800"/>
+              <a:t>. </a:t>
+            </a:r>
+          </a:p>
+          <a:p>
+            <a:r>
+              <a:rPr lang="en-US" sz="1800"/>
+              <a:t>There's </a:t>
+            </a:r>
             <a:r>
               <a:rPr lang="en-US" sz="1800" dirty="0"/>
-              <a:t>It is up to the programming environment you are using (web browsers, in the case of web development) to provide APIs that allow tasks to run </a:t>
+              <a:t>no sense waiting for something when you could let another </a:t>
+            </a:r>
+            <a:r>
+              <a:rPr lang="en-US" sz="1800"/>
+              <a:t>task begin, while the first task is waiting. </a:t>
+            </a:r>
+          </a:p>
+          <a:p>
+            <a:r>
+              <a:rPr lang="en-US" sz="1800"/>
+              <a:t>This allows you to get </a:t>
+            </a:r>
+            <a:r>
+              <a:rPr lang="en-US" sz="1800" dirty="0"/>
+              <a:t>other work done in </a:t>
+            </a:r>
+            <a:r>
+              <a:rPr lang="en-US" sz="1800"/>
+              <a:t>the meantime.</a:t>
+            </a:r>
+          </a:p>
+          <a:p>
+            <a:r>
+              <a:rPr lang="en-US" sz="1800"/>
+              <a:t>This </a:t>
+            </a:r>
+            <a:r>
+              <a:rPr lang="en-US" sz="1800" dirty="0"/>
+              <a:t>is the basis of </a:t>
+            </a:r>
+            <a:r>
+              <a:rPr lang="en-US" sz="1800" b="1"/>
+              <a:t>asynchronous programming.</a:t>
+            </a:r>
+            <a:endParaRPr lang="en-US" sz="1800" b="1" dirty="0"/>
+          </a:p>
+          <a:p>
+            <a:r>
+              <a:rPr lang="en-US" sz="1800" dirty="0"/>
+              <a:t>It is up to the programming environment you are </a:t>
+            </a:r>
+            <a:r>
+              <a:rPr lang="en-US" sz="1800"/>
+              <a:t>using to </a:t>
+            </a:r>
+            <a:r>
+              <a:rPr lang="en-US" sz="1800" dirty="0"/>
+              <a:t>provide APIs that allow tasks to run </a:t>
             </a:r>
             <a:r>
               <a:rPr lang="en-US" sz="1800" i="1" dirty="0"/>
@@ -7004,12 +7096,9 @@
           <a:lstStyle/>
           <a:p>
             <a:r>
-              <a:rPr lang="en-US" u="sng" dirty="0"/>
-              <a:t>Asynchronous JavaScript</a:t>
-            </a:r>
-            <a:br>
-              <a:rPr lang="en-US" u="sng" dirty="0"/>
-            </a:br>
+              <a:rPr lang="en-US" u="sng"/>
+              <a:t>Asynchronous Techniques</a:t>
+            </a:r>
             <a:endParaRPr lang="en-US" u="sng" dirty="0"/>
           </a:p>
         </p:txBody>
@@ -7037,18 +7126,26 @@
           </a:bodyPr>
           <a:lstStyle/>
           <a:p>
-            <a:r>
-              <a:rPr lang="en-US" sz="1800" dirty="0"/>
-              <a:t>JavaScript provides three ways to program asynchronously:</a:t>
-            </a:r>
-          </a:p>
-          <a:p>
-            <a:pPr marL="169863" indent="0">
+            <a:pPr marL="0" indent="0">
               <a:buNone/>
             </a:pPr>
             <a:r>
-              <a:rPr lang="en-US" sz="1800" dirty="0"/>
-              <a:t>Asynchronous JavaScript programming via the use of </a:t>
+              <a:rPr lang="en-US" sz="1800" b="1" dirty="0"/>
+              <a:t>JavaScript provides three </a:t>
+            </a:r>
+            <a:r>
+              <a:rPr lang="en-US" sz="1800" b="1"/>
+              <a:t>ways to execute code </a:t>
+            </a:r>
+            <a:r>
+              <a:rPr lang="en-US" sz="1800" b="1" dirty="0"/>
+              <a:t>asynchronously:</a:t>
+            </a:r>
+          </a:p>
+          <a:p>
+            <a:r>
+              <a:rPr lang="en-US" sz="1800"/>
+              <a:t>Using </a:t>
             </a:r>
             <a:r>
               <a:rPr lang="en-US" sz="1800" i="1" dirty="0"/>
@@ -7057,12 +7154,9 @@
             <a:endParaRPr lang="en-US" sz="1800" dirty="0"/>
           </a:p>
           <a:p>
-            <a:pPr marL="169863" indent="0">
-              <a:buNone/>
-            </a:pPr>
-            <a:r>
-              <a:rPr lang="en-US" sz="1800" dirty="0"/>
-              <a:t>Asynchronous JavaScript programming via the use of </a:t>
+            <a:r>
+              <a:rPr lang="en-US" sz="1800"/>
+              <a:t>Using </a:t>
             </a:r>
             <a:r>
               <a:rPr lang="en-US" sz="1800" i="1" dirty="0"/>
@@ -7071,18 +7165,34 @@
             <a:endParaRPr lang="en-US" sz="1800" dirty="0"/>
           </a:p>
           <a:p>
-            <a:pPr marL="169863" indent="0">
+            <a:r>
+              <a:rPr lang="en-US" sz="1800"/>
+              <a:t>Using </a:t>
+            </a:r>
+            <a:r>
+              <a:rPr lang="en-US" sz="1800" i="1"/>
+              <a:t>async-await</a:t>
+            </a:r>
+          </a:p>
+          <a:p>
+            <a:pPr marL="0" indent="0">
               <a:buNone/>
             </a:pPr>
-            <a:r>
-              <a:rPr lang="en-US" sz="1800" dirty="0"/>
-              <a:t>Asynchronous JavaScript programming via the use of </a:t>
+            <a:endParaRPr lang="en-US" sz="1800" i="1" dirty="0"/>
+          </a:p>
+          <a:p>
+            <a:pPr marL="0" indent="0">
+              <a:buNone/>
+            </a:pPr>
+            <a:r>
+              <a:rPr lang="en-US" sz="1800" i="1"/>
+              <a:t>Each of these three methods is a simplification of the former</a:t>
             </a:r>
             <a:r>
               <a:rPr lang="en-US" sz="1800" i="1" dirty="0"/>
-              <a:t>async-await</a:t>
-            </a:r>
-            <a:endParaRPr lang="en-US" sz="1800" dirty="0"/>
+              <a:t>.</a:t>
+            </a:r>
+            <a:endParaRPr lang="en-US" sz="1800" i="1"/>
           </a:p>
         </p:txBody>
       </p:sp>
@@ -7155,12 +7265,7 @@
             <p:ph type="title"/>
           </p:nvPr>
         </p:nvSpPr>
-        <p:spPr>
-          <a:xfrm>
-            <a:off x="664234" y="733579"/>
-            <a:ext cx="9038566" cy="1371600"/>
-          </a:xfrm>
-        </p:spPr>
+        <p:spPr/>
         <p:txBody>
           <a:bodyPr>
             <a:normAutofit/>
@@ -7168,9 +7273,10 @@
           <a:lstStyle/>
           <a:p>
             <a:r>
-              <a:rPr lang="en-US" u="sng" dirty="0"/>
-              <a:t>Asynchronous JS Via callbacks</a:t>
-            </a:r>
+              <a:rPr lang="en-US" u="sng"/>
+              <a:t>Callbacks</a:t>
+            </a:r>
+            <a:endParaRPr lang="en-US" u="sng" dirty="0"/>
           </a:p>
         </p:txBody>
       </p:sp>
@@ -7190,28 +7296,21 @@
             <p:ph idx="1"/>
           </p:nvPr>
         </p:nvSpPr>
-        <p:spPr>
-          <a:xfrm>
-            <a:off x="1066800" y="2733472"/>
-            <a:ext cx="10058400" cy="3159328"/>
-          </a:xfrm>
-        </p:spPr>
+        <p:spPr/>
         <p:txBody>
           <a:bodyPr>
             <a:normAutofit/>
           </a:bodyPr>
           <a:lstStyle/>
           <a:p>
-            <a:r>
-              <a:rPr lang="en-US" sz="1800" dirty="0"/>
-              <a:t>Callbacks are simple functions which are used to notify the calling instance when an asynchronous code block has been executed and the result is available</a:t>
-            </a:r>
-          </a:p>
-          <a:p>
-            <a:r>
-              <a:rPr lang="en-US" sz="1800" dirty="0"/>
-              <a:t>Shown on the following page is a simple code example that uses a callback</a:t>
-            </a:r>
+            <a:pPr marL="0" indent="0">
+              <a:buNone/>
+            </a:pPr>
+            <a:r>
+              <a:rPr lang="en-US" sz="2400"/>
+              <a:t>A callback is function which is called when an asynchronous operation is completed and the result is available</a:t>
+            </a:r>
+            <a:endParaRPr lang="en-US" sz="2400" dirty="0"/>
           </a:p>
         </p:txBody>
       </p:sp>
@@ -7235,53 +7334,6 @@
               <a:t>22</a:t>
             </a:fld>
             <a:endParaRPr lang="en-US" dirty="0"/>
-          </a:p>
-        </p:txBody>
-      </p:sp>
-      <p:sp>
-        <p:nvSpPr>
-          <p:cNvPr id="6" name="Rectangle 5">
-            <a:extLst>
-              <a:ext uri="{FF2B5EF4-FFF2-40B4-BE49-F238E27FC236}">
-                <a16:creationId xmlns:a16="http://schemas.microsoft.com/office/drawing/2014/main" id="{0C71533A-4A29-47E2-A4D4-85E44356516A}"/>
-              </a:ext>
-            </a:extLst>
-          </p:cNvPr>
-          <p:cNvSpPr/>
-          <p:nvPr/>
-        </p:nvSpPr>
-        <p:spPr>
-          <a:xfrm>
-            <a:off x="1066800" y="5690096"/>
-            <a:ext cx="10058400" cy="830997"/>
-          </a:xfrm>
-          <a:prstGeom prst="rect">
-            <a:avLst/>
-          </a:prstGeom>
-        </p:spPr>
-        <p:txBody>
-          <a:bodyPr wrap="square">
-            <a:spAutoFit/>
-          </a:bodyPr>
-          <a:lstStyle/>
-          <a:p>
-            <a:r>
-              <a:rPr lang="en-US" sz="1600" b="1" dirty="0"/>
-              <a:t>Source</a:t>
-            </a:r>
-          </a:p>
-          <a:p>
-            <a:r>
-              <a:rPr lang="en-US" sz="1600" dirty="0">
-                <a:hlinkClick r:id="rId2"/>
-              </a:rPr>
-              <a:t>https://codingthesmartway.com/async-programming-with-javascript-callbacks-promises-and-async-await/</a:t>
-            </a:r>
-            <a:endParaRPr lang="en-US" sz="1600" dirty="0">
-              <a:solidFill>
-                <a:srgbClr val="00B0F0"/>
-              </a:solidFill>
-            </a:endParaRPr>
           </a:p>
         </p:txBody>
       </p:sp>
@@ -7331,7 +7383,12 @@
             <p:ph type="title"/>
           </p:nvPr>
         </p:nvSpPr>
-        <p:spPr/>
+        <p:spPr>
+          <a:xfrm>
+            <a:off x="1066800" y="307035"/>
+            <a:ext cx="10058400" cy="1371600"/>
+          </a:xfrm>
+        </p:spPr>
         <p:txBody>
           <a:bodyPr>
             <a:normAutofit/>
@@ -7339,9 +7396,10 @@
           <a:lstStyle/>
           <a:p>
             <a:r>
-              <a:rPr lang="en-US" u="sng" dirty="0"/>
-              <a:t>Asynchronous JS Via callbacks</a:t>
-            </a:r>
+              <a:rPr lang="en-US" u="sng"/>
+              <a:t>Callback Example</a:t>
+            </a:r>
+            <a:endParaRPr lang="en-US" u="sng" dirty="0"/>
           </a:p>
         </p:txBody>
       </p:sp>
@@ -7361,7 +7419,17 @@
             <p:ph idx="1"/>
           </p:nvPr>
         </p:nvSpPr>
-        <p:spPr/>
+        <p:spPr>
+          <a:xfrm>
+            <a:off x="1066800" y="1476462"/>
+            <a:ext cx="10058400" cy="1778466"/>
+          </a:xfrm>
+          <a:ln>
+            <a:solidFill>
+              <a:schemeClr val="tx1"/>
+            </a:solidFill>
+          </a:ln>
+        </p:spPr>
         <p:txBody>
           <a:bodyPr>
             <a:noAutofit/>
@@ -7387,14 +7455,11 @@
               <a:rPr lang="en-US" sz="1800">
                 <a:latin typeface="Consolas" panose="020B0609020204030204" pitchFamily="49" charset="0"/>
               </a:rPr>
-              <a:t>= (callback) </a:t>
-            </a:r>
-            <a:r>
-              <a:rPr lang="en-US" sz="1800" dirty="0">
-                <a:latin typeface="Consolas" panose="020B0609020204030204" pitchFamily="49" charset="0"/>
-              </a:rPr>
-              <a:t>=&gt; {</a:t>
-            </a:r>
+              <a:t>= (callback) =&gt;</a:t>
+            </a:r>
+            <a:endParaRPr lang="en-US" sz="1800" dirty="0">
+              <a:latin typeface="Consolas" panose="020B0609020204030204" pitchFamily="49" charset="0"/>
+            </a:endParaRPr>
           </a:p>
           <a:p>
             <a:pPr marL="0" indent="0">
@@ -7416,8 +7481,29 @@
               <a:rPr lang="en-US" sz="1800" dirty="0">
                 <a:latin typeface="Consolas" panose="020B0609020204030204" pitchFamily="49" charset="0"/>
               </a:rPr>
-              <a:t>(() =&gt; {</a:t>
-            </a:r>
+              <a:t>(() </a:t>
+            </a:r>
+            <a:r>
+              <a:rPr lang="en-US" sz="1800">
+                <a:latin typeface="Consolas" panose="020B0609020204030204" pitchFamily="49" charset="0"/>
+              </a:rPr>
+              <a:t>=&gt; callback('Complete </a:t>
+            </a:r>
+            <a:r>
+              <a:rPr lang="en-US" sz="1800" dirty="0">
+                <a:latin typeface="Consolas" panose="020B0609020204030204" pitchFamily="49" charset="0"/>
+              </a:rPr>
+              <a:t>Code </a:t>
+            </a:r>
+            <a:r>
+              <a:rPr lang="en-US" sz="1800">
+                <a:latin typeface="Consolas" panose="020B0609020204030204" pitchFamily="49" charset="0"/>
+              </a:rPr>
+              <a:t>Example'), 2000);</a:t>
+            </a:r>
+            <a:endParaRPr lang="en-US" sz="1800" dirty="0">
+              <a:latin typeface="Consolas" panose="020B0609020204030204" pitchFamily="49" charset="0"/>
+            </a:endParaRPr>
           </a:p>
           <a:p>
             <a:pPr marL="0" indent="0">
@@ -7429,18 +7515,9 @@
               </a:spcBef>
               <a:buNone/>
             </a:pPr>
-            <a:r>
-              <a:rPr lang="en-US" sz="1800">
-                <a:latin typeface="Consolas" panose="020B0609020204030204" pitchFamily="49" charset="0"/>
-              </a:rPr>
-              <a:t>    callback </a:t>
-            </a:r>
-            <a:r>
-              <a:rPr lang="en-US" sz="1800" dirty="0">
-                <a:latin typeface="Consolas" panose="020B0609020204030204" pitchFamily="49" charset="0"/>
-              </a:rPr>
-              <a:t>({ text: 'Complete Code Example' })</a:t>
-            </a:r>
+            <a:endParaRPr lang="en-US" sz="1800">
+              <a:latin typeface="Consolas" panose="020B0609020204030204" pitchFamily="49" charset="0"/>
+            </a:endParaRPr>
           </a:p>
           <a:p>
             <a:pPr marL="0" indent="0">
@@ -7456,93 +7533,19 @@
               <a:rPr lang="en-US" sz="1800">
                 <a:latin typeface="Consolas" panose="020B0609020204030204" pitchFamily="49" charset="0"/>
               </a:rPr>
-              <a:t>  }, 2000);</a:t>
-            </a:r>
-            <a:endParaRPr lang="en-US" sz="1800" dirty="0">
-              <a:latin typeface="Consolas" panose="020B0609020204030204" pitchFamily="49" charset="0"/>
-            </a:endParaRPr>
-          </a:p>
-          <a:p>
-            <a:pPr marL="0" indent="0">
-              <a:lnSpc>
-                <a:spcPct val="150000"/>
-              </a:lnSpc>
-              <a:spcBef>
-                <a:spcPts val="0"/>
-              </a:spcBef>
-              <a:buNone/>
-            </a:pPr>
+              <a:t>getTodo((todo) =&gt; console</a:t>
+            </a:r>
+            <a:r>
+              <a:rPr lang="en-US" sz="1800" dirty="0">
+                <a:latin typeface="Consolas" panose="020B0609020204030204" pitchFamily="49" charset="0"/>
+              </a:rPr>
+              <a:t>.log(todo.</a:t>
+            </a:r>
             <a:r>
               <a:rPr lang="en-US" sz="1800">
                 <a:latin typeface="Consolas" panose="020B0609020204030204" pitchFamily="49" charset="0"/>
               </a:rPr>
-              <a:t>};</a:t>
-            </a:r>
-            <a:endParaRPr lang="en-US" sz="1800" dirty="0">
-              <a:latin typeface="Consolas" panose="020B0609020204030204" pitchFamily="49" charset="0"/>
-            </a:endParaRPr>
-          </a:p>
-          <a:p>
-            <a:pPr marL="0" indent="0">
-              <a:lnSpc>
-                <a:spcPct val="150000"/>
-              </a:lnSpc>
-              <a:spcBef>
-                <a:spcPts val="0"/>
-              </a:spcBef>
-              <a:buNone/>
-            </a:pPr>
-            <a:r>
-              <a:rPr lang="en-US" sz="1800">
-                <a:latin typeface="Consolas" panose="020B0609020204030204" pitchFamily="49" charset="0"/>
-              </a:rPr>
-              <a:t>getTodo((todo) </a:t>
-            </a:r>
-            <a:r>
-              <a:rPr lang="en-US" sz="1800" dirty="0">
-                <a:latin typeface="Consolas" panose="020B0609020204030204" pitchFamily="49" charset="0"/>
-              </a:rPr>
-              <a:t>=&gt; {</a:t>
-            </a:r>
-          </a:p>
-          <a:p>
-            <a:pPr marL="0" indent="0">
-              <a:lnSpc>
-                <a:spcPct val="150000"/>
-              </a:lnSpc>
-              <a:spcBef>
-                <a:spcPts val="0"/>
-              </a:spcBef>
-              <a:buNone/>
-            </a:pPr>
-            <a:r>
-              <a:rPr lang="en-US" sz="1800">
-                <a:latin typeface="Consolas" panose="020B0609020204030204" pitchFamily="49" charset="0"/>
-              </a:rPr>
-              <a:t>  console</a:t>
-            </a:r>
-            <a:r>
-              <a:rPr lang="en-US" sz="1800" dirty="0">
-                <a:latin typeface="Consolas" panose="020B0609020204030204" pitchFamily="49" charset="0"/>
-              </a:rPr>
-              <a:t>.log(todo.text)</a:t>
-            </a:r>
-          </a:p>
-          <a:p>
-            <a:pPr marL="0" indent="0">
-              <a:lnSpc>
-                <a:spcPct val="150000"/>
-              </a:lnSpc>
-              <a:spcBef>
-                <a:spcPts val="0"/>
-              </a:spcBef>
-              <a:buNone/>
-            </a:pPr>
-            <a:r>
-              <a:rPr lang="en-US" sz="1800">
-                <a:latin typeface="Consolas" panose="020B0609020204030204" pitchFamily="49" charset="0"/>
-              </a:rPr>
-              <a:t>});</a:t>
+              <a:t>text));</a:t>
             </a:r>
             <a:endParaRPr lang="en-US" sz="1800" dirty="0">
               <a:latin typeface="Consolas" panose="020B0609020204030204" pitchFamily="49" charset="0"/>
@@ -7570,6 +7573,311 @@
               <a:t>23</a:t>
             </a:fld>
             <a:endParaRPr lang="en-US" dirty="0"/>
+          </a:p>
+        </p:txBody>
+      </p:sp>
+      <p:sp>
+        <p:nvSpPr>
+          <p:cNvPr id="6" name="Content Placeholder 2">
+            <a:extLst>
+              <a:ext uri="{FF2B5EF4-FFF2-40B4-BE49-F238E27FC236}">
+                <a16:creationId xmlns:a16="http://schemas.microsoft.com/office/drawing/2014/main" id="{0865300A-78BB-4DBB-AE64-A12D81804904}"/>
+              </a:ext>
+            </a:extLst>
+          </p:cNvPr>
+          <p:cNvSpPr txBox="1">
+            <a:spLocks/>
+          </p:cNvSpPr>
+          <p:nvPr/>
+        </p:nvSpPr>
+        <p:spPr>
+          <a:xfrm>
+            <a:off x="1066800" y="3603073"/>
+            <a:ext cx="10058400" cy="2349671"/>
+          </a:xfrm>
+          <a:prstGeom prst="rect">
+            <a:avLst/>
+          </a:prstGeom>
+        </p:spPr>
+        <p:txBody>
+          <a:bodyPr vert="horz" lIns="91440" tIns="45720" rIns="91440" bIns="45720" rtlCol="0">
+            <a:normAutofit/>
+          </a:bodyPr>
+          <a:lstStyle>
+            <a:lvl1pPr marL="182880" indent="-182880" algn="l" defTabSz="914400" rtl="0" eaLnBrk="1" latinLnBrk="0" hangingPunct="1">
+              <a:lnSpc>
+                <a:spcPct val="110000"/>
+              </a:lnSpc>
+              <a:spcBef>
+                <a:spcPts val="900"/>
+              </a:spcBef>
+              <a:spcAft>
+                <a:spcPts val="0"/>
+              </a:spcAft>
+              <a:buClr>
+                <a:schemeClr val="tx1">
+                  <a:lumMod val="85000"/>
+                  <a:lumOff val="15000"/>
+                </a:schemeClr>
+              </a:buClr>
+              <a:buFont typeface="Garamond" pitchFamily="18" charset="0"/>
+              <a:buChar char="◦"/>
+              <a:defRPr sz="1500" kern="1200">
+                <a:solidFill>
+                  <a:schemeClr val="tx1"/>
+                </a:solidFill>
+                <a:latin typeface="+mn-lt"/>
+                <a:ea typeface="+mn-ea"/>
+                <a:cs typeface="+mn-cs"/>
+              </a:defRPr>
+            </a:lvl1pPr>
+            <a:lvl2pPr marL="457200" indent="-182880" algn="l" defTabSz="914400" rtl="0" eaLnBrk="1" latinLnBrk="0" hangingPunct="1">
+              <a:lnSpc>
+                <a:spcPct val="100000"/>
+              </a:lnSpc>
+              <a:spcBef>
+                <a:spcPts val="500"/>
+              </a:spcBef>
+              <a:buClr>
+                <a:schemeClr val="tx1">
+                  <a:lumMod val="85000"/>
+                  <a:lumOff val="15000"/>
+                </a:schemeClr>
+              </a:buClr>
+              <a:buFont typeface="Garamond" pitchFamily="18" charset="0"/>
+              <a:buChar char="◦"/>
+              <a:defRPr sz="1300" kern="1200">
+                <a:solidFill>
+                  <a:schemeClr val="tx1"/>
+                </a:solidFill>
+                <a:latin typeface="+mn-lt"/>
+                <a:ea typeface="+mn-ea"/>
+                <a:cs typeface="+mn-cs"/>
+              </a:defRPr>
+            </a:lvl2pPr>
+            <a:lvl3pPr marL="731520" indent="-182880" algn="l" defTabSz="914400" rtl="0" eaLnBrk="1" latinLnBrk="0" hangingPunct="1">
+              <a:lnSpc>
+                <a:spcPct val="100000"/>
+              </a:lnSpc>
+              <a:spcBef>
+                <a:spcPts val="500"/>
+              </a:spcBef>
+              <a:buClr>
+                <a:schemeClr val="tx1">
+                  <a:lumMod val="85000"/>
+                  <a:lumOff val="15000"/>
+                </a:schemeClr>
+              </a:buClr>
+              <a:buFont typeface="Garamond" pitchFamily="18" charset="0"/>
+              <a:buChar char="◦"/>
+              <a:defRPr sz="1200" kern="1200">
+                <a:solidFill>
+                  <a:schemeClr val="tx1"/>
+                </a:solidFill>
+                <a:latin typeface="+mn-lt"/>
+                <a:ea typeface="+mn-ea"/>
+                <a:cs typeface="+mn-cs"/>
+              </a:defRPr>
+            </a:lvl3pPr>
+            <a:lvl4pPr marL="1005840" indent="-182880" algn="l" defTabSz="914400" rtl="0" eaLnBrk="1" latinLnBrk="0" hangingPunct="1">
+              <a:lnSpc>
+                <a:spcPct val="100000"/>
+              </a:lnSpc>
+              <a:spcBef>
+                <a:spcPts val="500"/>
+              </a:spcBef>
+              <a:buClr>
+                <a:schemeClr val="tx1">
+                  <a:lumMod val="85000"/>
+                  <a:lumOff val="15000"/>
+                </a:schemeClr>
+              </a:buClr>
+              <a:buFont typeface="Garamond" pitchFamily="18" charset="0"/>
+              <a:buChar char="◦"/>
+              <a:defRPr sz="1200" kern="1200">
+                <a:solidFill>
+                  <a:schemeClr val="tx1"/>
+                </a:solidFill>
+                <a:latin typeface="+mn-lt"/>
+                <a:ea typeface="+mn-ea"/>
+                <a:cs typeface="+mn-cs"/>
+              </a:defRPr>
+            </a:lvl4pPr>
+            <a:lvl5pPr marL="1280160" indent="-182880" algn="l" defTabSz="914400" rtl="0" eaLnBrk="1" latinLnBrk="0" hangingPunct="1">
+              <a:lnSpc>
+                <a:spcPct val="100000"/>
+              </a:lnSpc>
+              <a:spcBef>
+                <a:spcPts val="500"/>
+              </a:spcBef>
+              <a:buClr>
+                <a:schemeClr val="tx1">
+                  <a:lumMod val="85000"/>
+                  <a:lumOff val="15000"/>
+                </a:schemeClr>
+              </a:buClr>
+              <a:buFont typeface="Garamond" pitchFamily="18" charset="0"/>
+              <a:buChar char="◦"/>
+              <a:defRPr sz="1200" kern="1200">
+                <a:solidFill>
+                  <a:schemeClr val="tx1"/>
+                </a:solidFill>
+                <a:latin typeface="+mn-lt"/>
+                <a:ea typeface="+mn-ea"/>
+                <a:cs typeface="+mn-cs"/>
+              </a:defRPr>
+            </a:lvl5pPr>
+            <a:lvl6pPr marL="1600000" indent="-228600" algn="l" defTabSz="914400" rtl="0" eaLnBrk="1" latinLnBrk="0" hangingPunct="1">
+              <a:lnSpc>
+                <a:spcPct val="100000"/>
+              </a:lnSpc>
+              <a:spcBef>
+                <a:spcPts val="500"/>
+              </a:spcBef>
+              <a:buClr>
+                <a:schemeClr val="tx1">
+                  <a:lumMod val="85000"/>
+                  <a:lumOff val="15000"/>
+                </a:schemeClr>
+              </a:buClr>
+              <a:buFont typeface="Garamond" pitchFamily="18" charset="0"/>
+              <a:buChar char="◦"/>
+              <a:defRPr sz="1400" kern="1200">
+                <a:solidFill>
+                  <a:schemeClr val="tx1"/>
+                </a:solidFill>
+                <a:latin typeface="+mn-lt"/>
+                <a:ea typeface="+mn-ea"/>
+                <a:cs typeface="+mn-cs"/>
+              </a:defRPr>
+            </a:lvl6pPr>
+            <a:lvl7pPr marL="1900000" indent="-228600" algn="l" defTabSz="914400" rtl="0" eaLnBrk="1" latinLnBrk="0" hangingPunct="1">
+              <a:lnSpc>
+                <a:spcPct val="100000"/>
+              </a:lnSpc>
+              <a:spcBef>
+                <a:spcPts val="500"/>
+              </a:spcBef>
+              <a:buClr>
+                <a:schemeClr val="tx1">
+                  <a:lumMod val="85000"/>
+                  <a:lumOff val="15000"/>
+                </a:schemeClr>
+              </a:buClr>
+              <a:buFont typeface="Garamond" pitchFamily="18" charset="0"/>
+              <a:buChar char="◦"/>
+              <a:defRPr sz="1400" kern="1200">
+                <a:solidFill>
+                  <a:schemeClr val="tx1"/>
+                </a:solidFill>
+                <a:latin typeface="+mn-lt"/>
+                <a:ea typeface="+mn-ea"/>
+                <a:cs typeface="+mn-cs"/>
+              </a:defRPr>
+            </a:lvl7pPr>
+            <a:lvl8pPr marL="2200000" indent="-228600" algn="l" defTabSz="914400" rtl="0" eaLnBrk="1" latinLnBrk="0" hangingPunct="1">
+              <a:lnSpc>
+                <a:spcPct val="100000"/>
+              </a:lnSpc>
+              <a:spcBef>
+                <a:spcPts val="500"/>
+              </a:spcBef>
+              <a:buClr>
+                <a:schemeClr val="tx1">
+                  <a:lumMod val="85000"/>
+                  <a:lumOff val="15000"/>
+                </a:schemeClr>
+              </a:buClr>
+              <a:buFont typeface="Garamond" pitchFamily="18" charset="0"/>
+              <a:buChar char="◦"/>
+              <a:defRPr sz="1400" kern="1200">
+                <a:solidFill>
+                  <a:schemeClr val="tx1"/>
+                </a:solidFill>
+                <a:latin typeface="+mn-lt"/>
+                <a:ea typeface="+mn-ea"/>
+                <a:cs typeface="+mn-cs"/>
+              </a:defRPr>
+            </a:lvl8pPr>
+            <a:lvl9pPr marL="2500000" indent="-228600" algn="l" defTabSz="914400" rtl="0" eaLnBrk="1" latinLnBrk="0" hangingPunct="1">
+              <a:lnSpc>
+                <a:spcPct val="100000"/>
+              </a:lnSpc>
+              <a:spcBef>
+                <a:spcPts val="500"/>
+              </a:spcBef>
+              <a:buClr>
+                <a:schemeClr val="tx1">
+                  <a:lumMod val="85000"/>
+                  <a:lumOff val="15000"/>
+                </a:schemeClr>
+              </a:buClr>
+              <a:buFont typeface="Garamond" pitchFamily="18" charset="0"/>
+              <a:buChar char="◦"/>
+              <a:defRPr sz="1400" kern="1200">
+                <a:solidFill>
+                  <a:schemeClr val="tx1"/>
+                </a:solidFill>
+                <a:latin typeface="+mn-lt"/>
+                <a:ea typeface="+mn-ea"/>
+                <a:cs typeface="+mn-cs"/>
+              </a:defRPr>
+            </a:lvl9pPr>
+          </a:lstStyle>
+          <a:p>
+            <a:r>
+              <a:rPr lang="en-US" sz="1800"/>
+              <a:t>The </a:t>
+            </a:r>
+            <a:r>
+              <a:rPr lang="en-US" sz="1800" b="1">
+                <a:latin typeface="Consolas" panose="020B0609020204030204" pitchFamily="49" charset="0"/>
+              </a:rPr>
+              <a:t>getTodo</a:t>
+            </a:r>
+            <a:r>
+              <a:rPr lang="en-US" sz="1800"/>
+              <a:t> function is defined so that it takes a callback function as a parameter. </a:t>
+            </a:r>
+          </a:p>
+          <a:p>
+            <a:r>
+              <a:rPr lang="en-US" sz="1800"/>
+              <a:t>Inside </a:t>
+            </a:r>
+            <a:r>
+              <a:rPr lang="en-US" sz="1800" b="1">
+                <a:latin typeface="Consolas" panose="020B0609020204030204" pitchFamily="49" charset="0"/>
+              </a:rPr>
+              <a:t>getTodo</a:t>
+            </a:r>
+            <a:r>
+              <a:rPr lang="en-US" sz="1800"/>
+              <a:t> the </a:t>
+            </a:r>
+            <a:r>
+              <a:rPr lang="en-US" sz="1800" b="1">
+                <a:latin typeface="Consolas" panose="020B0609020204030204" pitchFamily="49" charset="0"/>
+              </a:rPr>
+              <a:t>getTimeout</a:t>
+            </a:r>
+            <a:r>
+              <a:rPr lang="en-US" sz="1800"/>
+              <a:t> function is used to delay the execution of code for 2000 milliseconds (2 seconds). </a:t>
+            </a:r>
+          </a:p>
+          <a:p>
+            <a:r>
+              <a:rPr lang="en-US" sz="1800"/>
+              <a:t>Instead of returning the object now the callback function must be called. </a:t>
+            </a:r>
+          </a:p>
+          <a:p>
+            <a:r>
+              <a:rPr lang="en-US" sz="1800"/>
+              <a:t>The result object is passed into the callback function as an argument.</a:t>
+            </a:r>
+            <a:endParaRPr lang="en-US" sz="1800" dirty="0"/>
           </a:p>
         </p:txBody>
       </p:sp>
@@ -7619,12 +7927,7 @@
             <p:ph type="title"/>
           </p:nvPr>
         </p:nvSpPr>
-        <p:spPr>
-          <a:xfrm>
-            <a:off x="664234" y="733579"/>
-            <a:ext cx="9038566" cy="1371600"/>
-          </a:xfrm>
-        </p:spPr>
+        <p:spPr/>
         <p:txBody>
           <a:bodyPr>
             <a:normAutofit/>
@@ -7632,9 +7935,10 @@
           <a:lstStyle/>
           <a:p>
             <a:r>
-              <a:rPr lang="en-US" u="sng" dirty="0"/>
-              <a:t>Asynchronous JS Via callbacks</a:t>
-            </a:r>
+              <a:rPr lang="en-US" u="sng"/>
+              <a:t>Callback Example</a:t>
+            </a:r>
+            <a:endParaRPr lang="en-US" u="sng" dirty="0"/>
           </a:p>
         </p:txBody>
       </p:sp>
@@ -7654,12 +7958,7 @@
             <p:ph idx="1"/>
           </p:nvPr>
         </p:nvSpPr>
-        <p:spPr>
-          <a:xfrm>
-            <a:off x="1066800" y="2733472"/>
-            <a:ext cx="10058400" cy="3159328"/>
-          </a:xfrm>
-        </p:spPr>
+        <p:spPr/>
         <p:txBody>
           <a:bodyPr>
             <a:normAutofit/>
@@ -7668,8 +7967,77 @@
           <a:p>
             <a:r>
               <a:rPr lang="en-US" sz="1800" dirty="0"/>
-              <a:t>The getTodo function is defined so that it takes a callback function as a parameter. Inside getTodo the getTimeout function is used to delay the execution of code for 2000 milliseconds (2 seconds). Instead of just returning the object now the callback function is run. As an argument the object which should be returned is passed in</a:t>
-            </a:r>
+              <a:t>When calling </a:t>
+            </a:r>
+            <a:r>
+              <a:rPr lang="en-US" sz="1800" b="1" dirty="0"/>
+              <a:t>getTodo</a:t>
+            </a:r>
+            <a:r>
+              <a:rPr lang="en-US" sz="1800" dirty="0"/>
+              <a:t> you must make sure to pass in a callback function as a parameter</a:t>
+            </a:r>
+            <a:r>
+              <a:rPr lang="en-US" sz="1800"/>
+              <a:t>. </a:t>
+            </a:r>
+          </a:p>
+          <a:p>
+            <a:r>
+              <a:rPr lang="en-US" sz="1800"/>
+              <a:t>In the example, </a:t>
+            </a:r>
+            <a:r>
+              <a:rPr lang="en-US" sz="1800" dirty="0"/>
+              <a:t>this is being done using </a:t>
+            </a:r>
+            <a:r>
+              <a:rPr lang="en-US" sz="1800"/>
+              <a:t>the arrow </a:t>
+            </a:r>
+            <a:r>
+              <a:rPr lang="en-US" sz="1800" dirty="0"/>
+              <a:t>syntax (=&gt;) to define an anonymous function</a:t>
+            </a:r>
+            <a:r>
+              <a:rPr lang="en-US" sz="1800"/>
+              <a:t>. </a:t>
+            </a:r>
+          </a:p>
+          <a:p>
+            <a:r>
+              <a:rPr lang="en-US" sz="1800"/>
+              <a:t>Inside </a:t>
+            </a:r>
+            <a:r>
+              <a:rPr lang="en-US" sz="1800" dirty="0"/>
+              <a:t>that functions the todo.text is output</a:t>
+            </a:r>
+            <a:r>
+              <a:rPr lang="en-US" sz="1800"/>
+              <a:t>. </a:t>
+            </a:r>
+          </a:p>
+          <a:p>
+            <a:r>
+              <a:rPr lang="en-US" sz="1800"/>
+              <a:t>This </a:t>
+            </a:r>
+            <a:r>
+              <a:rPr lang="en-US" sz="1800" dirty="0"/>
+              <a:t>function is invoked from inside of getTodo when the 2000 millisecond delay </a:t>
+            </a:r>
+            <a:r>
+              <a:rPr lang="en-US" sz="1800"/>
+              <a:t>is passed</a:t>
+            </a:r>
+          </a:p>
+          <a:p>
+            <a:r>
+              <a:rPr lang="en-US" sz="1800"/>
+              <a:t>With callbacks you can't rely on a return value from the function, you have to wait for the callback to be execute.</a:t>
+            </a:r>
+            <a:endParaRPr lang="en-US" sz="1800" dirty="0"/>
           </a:p>
         </p:txBody>
       </p:sp>
@@ -7699,7 +8067,7 @@
     </p:spTree>
     <p:extLst>
       <p:ext uri="{BB962C8B-B14F-4D97-AF65-F5344CB8AC3E}">
-        <p14:creationId xmlns:p14="http://schemas.microsoft.com/office/powerpoint/2010/main" val="1169187037"/>
+        <p14:creationId xmlns:p14="http://schemas.microsoft.com/office/powerpoint/2010/main" val="3759982094"/>
       </p:ext>
     </p:extLst>
   </p:cSld>
@@ -7742,12 +8110,7 @@
             <p:ph type="title"/>
           </p:nvPr>
         </p:nvSpPr>
-        <p:spPr>
-          <a:xfrm>
-            <a:off x="664234" y="733579"/>
-            <a:ext cx="9038566" cy="1371600"/>
-          </a:xfrm>
-        </p:spPr>
+        <p:spPr/>
         <p:txBody>
           <a:bodyPr>
             <a:normAutofit/>
@@ -7755,9 +8118,10 @@
           <a:lstStyle/>
           <a:p>
             <a:r>
-              <a:rPr lang="en-US" u="sng" dirty="0"/>
-              <a:t>Asynchronous JS Via callbacks</a:t>
-            </a:r>
+              <a:rPr lang="en-US" u="sng"/>
+              <a:t>Promises</a:t>
+            </a:r>
+            <a:endParaRPr lang="en-US" u="sng" dirty="0"/>
           </a:p>
         </p:txBody>
       </p:sp>
@@ -7779,8 +8143,8 @@
         </p:nvSpPr>
         <p:spPr>
           <a:xfrm>
-            <a:off x="1066800" y="2733472"/>
-            <a:ext cx="10058400" cy="3159328"/>
+            <a:off x="1066800" y="2103120"/>
+            <a:ext cx="10058400" cy="3307779"/>
           </a:xfrm>
         </p:spPr>
         <p:txBody>
@@ -7791,8 +8155,46 @@
           <a:p>
             <a:r>
               <a:rPr lang="en-US" sz="1800" dirty="0"/>
-              <a:t>When calling getTodo you must make sure to pass in a callback function as a parameter. In the example this is being done using the fat arrow syntax (=&gt;) to define an anonymous function. Inside that functions the todo.text is output. This function is invoked from inside of getTodo when the 2000 millisecond delay is passed</a:t>
-            </a:r>
+              <a:t>Promises are a built-in language feature of </a:t>
+            </a:r>
+            <a:r>
+              <a:rPr lang="en-US" sz="1800"/>
+              <a:t>JavaScript which makes </a:t>
+            </a:r>
+            <a:r>
+              <a:rPr lang="en-US" sz="1800" dirty="0"/>
+              <a:t>handling asynchronous code easier and </a:t>
+            </a:r>
+            <a:r>
+              <a:rPr lang="en-US" sz="1800"/>
+              <a:t>more readable</a:t>
+            </a:r>
+          </a:p>
+          <a:p>
+            <a:r>
+              <a:rPr lang="en-US" sz="1800"/>
+              <a:t>Promises are used to wrap up bits of code that would normally be written as callbacks, in an easier to follow format.</a:t>
+            </a:r>
+            <a:endParaRPr lang="en-US" sz="1800" dirty="0"/>
+          </a:p>
+          <a:p>
+            <a:r>
+              <a:rPr lang="en-US" sz="1800" dirty="0"/>
+              <a:t>Shown on the following page is </a:t>
+            </a:r>
+            <a:r>
+              <a:rPr lang="en-US" sz="1800"/>
+              <a:t>the previous </a:t>
+            </a:r>
+            <a:r>
+              <a:rPr lang="en-US" sz="1800" dirty="0"/>
+              <a:t>code </a:t>
+            </a:r>
+            <a:r>
+              <a:rPr lang="en-US" sz="1800"/>
+              <a:t>example implemented with promises</a:t>
+            </a:r>
+            <a:endParaRPr lang="en-US" sz="1800" dirty="0"/>
           </a:p>
         </p:txBody>
       </p:sp>
@@ -7822,7 +8224,7 @@
     </p:spTree>
     <p:extLst>
       <p:ext uri="{BB962C8B-B14F-4D97-AF65-F5344CB8AC3E}">
-        <p14:creationId xmlns:p14="http://schemas.microsoft.com/office/powerpoint/2010/main" val="3759982094"/>
+        <p14:creationId xmlns:p14="http://schemas.microsoft.com/office/powerpoint/2010/main" val="549789581"/>
       </p:ext>
     </p:extLst>
   </p:cSld>
@@ -7867,8 +8269,8 @@
         </p:nvSpPr>
         <p:spPr>
           <a:xfrm>
-            <a:off x="664234" y="733579"/>
-            <a:ext cx="9038566" cy="1371600"/>
+            <a:off x="1066800" y="372344"/>
+            <a:ext cx="10058400" cy="1371600"/>
           </a:xfrm>
         </p:spPr>
         <p:txBody>
@@ -7878,9 +8280,10 @@
           <a:lstStyle/>
           <a:p>
             <a:r>
-              <a:rPr lang="en-US" u="sng" dirty="0"/>
-              <a:t>Asynchronous JS Via promises</a:t>
-            </a:r>
+              <a:rPr lang="en-US" u="sng"/>
+              <a:t>Promise Example</a:t>
+            </a:r>
+            <a:endParaRPr lang="en-US" u="sng" dirty="0"/>
           </a:p>
         </p:txBody>
       </p:sp>
@@ -7902,46 +8305,165 @@
         </p:nvSpPr>
         <p:spPr>
           <a:xfrm>
-            <a:off x="1066800" y="2708072"/>
-            <a:ext cx="10058400" cy="3159328"/>
+            <a:off x="1066800" y="1591866"/>
+            <a:ext cx="10058400" cy="2694908"/>
           </a:xfrm>
+          <a:ln>
+            <a:solidFill>
+              <a:schemeClr val="tx1"/>
+            </a:solidFill>
+          </a:ln>
         </p:spPr>
         <p:txBody>
           <a:bodyPr>
-            <a:normAutofit/>
+            <a:noAutofit/>
           </a:bodyPr>
           <a:lstStyle/>
           <a:p>
-            <a:r>
-              <a:rPr lang="en-US" sz="1800" dirty="0"/>
-              <a:t>Promises include:</a:t>
-            </a:r>
-          </a:p>
-          <a:p>
-            <a:pPr marL="228600" indent="0">
+            <a:pPr marL="0" indent="0">
+              <a:lnSpc>
+                <a:spcPct val="100000"/>
+              </a:lnSpc>
+              <a:spcBef>
+                <a:spcPts val="0"/>
+              </a:spcBef>
               <a:buNone/>
             </a:pPr>
             <a:r>
-              <a:rPr lang="en-US" sz="1800" dirty="0"/>
-              <a:t>Producing code that does something and takes time. For instance, some code that loads data over a network</a:t>
-            </a:r>
-          </a:p>
-          <a:p>
-            <a:pPr marL="228600" indent="0">
+              <a:rPr lang="en-US" sz="1800">
+                <a:latin typeface="Consolas" panose="020B0609020204030204" pitchFamily="49" charset="0"/>
+              </a:rPr>
+              <a:t>const wait = (delay) =&gt; </a:t>
+            </a:r>
+          </a:p>
+          <a:p>
+            <a:pPr marL="0" indent="0">
+              <a:lnSpc>
+                <a:spcPct val="100000"/>
+              </a:lnSpc>
+              <a:spcBef>
+                <a:spcPts val="0"/>
+              </a:spcBef>
               <a:buNone/>
             </a:pPr>
             <a:r>
-              <a:rPr lang="en-US" sz="1800" dirty="0"/>
-              <a:t>Consuming code that wants the result of the producing code once it's ready. One or more functions may need this result</a:t>
-            </a:r>
-          </a:p>
-          <a:p>
-            <a:pPr marL="228600" indent="0">
+              <a:rPr lang="en-US" sz="1800">
+                <a:latin typeface="Consolas" panose="020B0609020204030204" pitchFamily="49" charset="0"/>
+              </a:rPr>
+              <a:t>  new Promise((resolve, reject) =&gt; setTimeout(() =&gt; resolve(), delay));</a:t>
+            </a:r>
+          </a:p>
+          <a:p>
+            <a:pPr marL="0" indent="0">
+              <a:lnSpc>
+                <a:spcPct val="100000"/>
+              </a:lnSpc>
+              <a:spcBef>
+                <a:spcPts val="0"/>
+              </a:spcBef>
               <a:buNone/>
             </a:pPr>
-            <a:r>
-              <a:rPr lang="en-US" sz="1800" dirty="0"/>
-              <a:t>A promise is a special JavaScript object that links the producing code and the consuming code together</a:t>
+            <a:endParaRPr lang="en-US" sz="1800">
+              <a:latin typeface="Consolas" panose="020B0609020204030204" pitchFamily="49" charset="0"/>
+            </a:endParaRPr>
+          </a:p>
+          <a:p>
+            <a:pPr marL="0" indent="0">
+              <a:lnSpc>
+                <a:spcPct val="100000"/>
+              </a:lnSpc>
+              <a:spcBef>
+                <a:spcPts val="0"/>
+              </a:spcBef>
+              <a:buNone/>
+            </a:pPr>
+            <a:r>
+              <a:rPr lang="en-US" sz="1800">
+                <a:latin typeface="Consolas" panose="020B0609020204030204" pitchFamily="49" charset="0"/>
+              </a:rPr>
+              <a:t>const getTodo = () =&gt;</a:t>
+            </a:r>
+          </a:p>
+          <a:p>
+            <a:pPr marL="0" indent="0">
+              <a:lnSpc>
+                <a:spcPct val="100000"/>
+              </a:lnSpc>
+              <a:spcBef>
+                <a:spcPts val="0"/>
+              </a:spcBef>
+              <a:buNone/>
+            </a:pPr>
+            <a:r>
+              <a:rPr lang="en-US" sz="1800">
+                <a:latin typeface="Consolas" panose="020B0609020204030204" pitchFamily="49" charset="0"/>
+              </a:rPr>
+              <a:t>  wait(2000).then(() =&gt; 'Complete Code Example');</a:t>
+            </a:r>
+          </a:p>
+          <a:p>
+            <a:pPr marL="0" indent="0">
+              <a:lnSpc>
+                <a:spcPct val="100000"/>
+              </a:lnSpc>
+              <a:spcBef>
+                <a:spcPts val="0"/>
+              </a:spcBef>
+              <a:buNone/>
+            </a:pPr>
+            <a:endParaRPr lang="en-US" sz="1800">
+              <a:latin typeface="Consolas" panose="020B0609020204030204" pitchFamily="49" charset="0"/>
+            </a:endParaRPr>
+          </a:p>
+          <a:p>
+            <a:pPr marL="0" indent="0">
+              <a:lnSpc>
+                <a:spcPct val="100000"/>
+              </a:lnSpc>
+              <a:spcBef>
+                <a:spcPts val="0"/>
+              </a:spcBef>
+              <a:buNone/>
+            </a:pPr>
+            <a:r>
+              <a:rPr lang="en-US" sz="1800">
+                <a:latin typeface="Consolas" panose="020B0609020204030204" pitchFamily="49" charset="0"/>
+              </a:rPr>
+              <a:t>getTodo()</a:t>
+            </a:r>
+          </a:p>
+          <a:p>
+            <a:pPr marL="0" indent="0">
+              <a:lnSpc>
+                <a:spcPct val="100000"/>
+              </a:lnSpc>
+              <a:spcBef>
+                <a:spcPts val="0"/>
+              </a:spcBef>
+              <a:buNone/>
+            </a:pPr>
+            <a:r>
+              <a:rPr lang="en-US" sz="1800">
+                <a:latin typeface="Consolas" panose="020B0609020204030204" pitchFamily="49" charset="0"/>
+              </a:rPr>
+              <a:t>  .then((todo) =&gt; console.log(todo))</a:t>
+            </a:r>
+          </a:p>
+          <a:p>
+            <a:pPr marL="0" indent="0">
+              <a:lnSpc>
+                <a:spcPct val="100000"/>
+              </a:lnSpc>
+              <a:spcBef>
+                <a:spcPts val="0"/>
+              </a:spcBef>
+              <a:buNone/>
+            </a:pPr>
+            <a:r>
+              <a:rPr lang="en-US" sz="1800">
+                <a:latin typeface="Consolas" panose="020B0609020204030204" pitchFamily="49" charset="0"/>
+              </a:rPr>
+              <a:t>  .catch((err) =&gt; console.error(err));</a:t>
             </a:r>
           </a:p>
         </p:txBody>
@@ -7971,55 +8493,306 @@
       </p:sp>
       <p:sp>
         <p:nvSpPr>
-          <p:cNvPr id="6" name="Rectangle 5">
+          <p:cNvPr id="7" name="Content Placeholder 2">
             <a:extLst>
               <a:ext uri="{FF2B5EF4-FFF2-40B4-BE49-F238E27FC236}">
-                <a16:creationId xmlns:a16="http://schemas.microsoft.com/office/drawing/2014/main" id="{0C71533A-4A29-47E2-A4D4-85E44356516A}"/>
+                <a16:creationId xmlns:a16="http://schemas.microsoft.com/office/drawing/2014/main" id="{581AE4E9-4C4C-4519-A624-37264B415528}"/>
               </a:ext>
             </a:extLst>
           </p:cNvPr>
-          <p:cNvSpPr/>
+          <p:cNvSpPr txBox="1">
+            <a:spLocks/>
+          </p:cNvSpPr>
           <p:nvPr/>
         </p:nvSpPr>
         <p:spPr>
           <a:xfrm>
-            <a:off x="1066800" y="5818971"/>
-            <a:ext cx="10058400" cy="584775"/>
+            <a:off x="1066800" y="4639112"/>
+            <a:ext cx="10058400" cy="1846544"/>
           </a:xfrm>
           <a:prstGeom prst="rect">
             <a:avLst/>
           </a:prstGeom>
         </p:spPr>
         <p:txBody>
-          <a:bodyPr wrap="square">
-            <a:spAutoFit/>
+          <a:bodyPr vert="horz" lIns="91440" tIns="45720" rIns="91440" bIns="45720" rtlCol="0">
+            <a:normAutofit/>
           </a:bodyPr>
-          <a:lstStyle/>
-          <a:p>
-            <a:r>
-              <a:rPr lang="en-US" sz="1600" b="1" dirty="0"/>
-              <a:t>Source</a:t>
-            </a:r>
-          </a:p>
-          <a:p>
-            <a:r>
-              <a:rPr lang="en-US" sz="1600" dirty="0">
-                <a:hlinkClick r:id="rId2"/>
-              </a:rPr>
-              <a:t>https://javascript.info/promise-basics</a:t>
-            </a:r>
-            <a:endParaRPr lang="en-US" sz="1600" dirty="0">
-              <a:solidFill>
-                <a:srgbClr val="00B0F0"/>
-              </a:solidFill>
-            </a:endParaRPr>
+          <a:lstStyle>
+            <a:lvl1pPr marL="182880" indent="-182880" algn="l" defTabSz="914400" rtl="0" eaLnBrk="1" latinLnBrk="0" hangingPunct="1">
+              <a:lnSpc>
+                <a:spcPct val="110000"/>
+              </a:lnSpc>
+              <a:spcBef>
+                <a:spcPts val="900"/>
+              </a:spcBef>
+              <a:spcAft>
+                <a:spcPts val="0"/>
+              </a:spcAft>
+              <a:buClr>
+                <a:schemeClr val="tx1">
+                  <a:lumMod val="85000"/>
+                  <a:lumOff val="15000"/>
+                </a:schemeClr>
+              </a:buClr>
+              <a:buFont typeface="Garamond" pitchFamily="18" charset="0"/>
+              <a:buChar char="◦"/>
+              <a:defRPr sz="1500" kern="1200">
+                <a:solidFill>
+                  <a:schemeClr val="tx1"/>
+                </a:solidFill>
+                <a:latin typeface="+mn-lt"/>
+                <a:ea typeface="+mn-ea"/>
+                <a:cs typeface="+mn-cs"/>
+              </a:defRPr>
+            </a:lvl1pPr>
+            <a:lvl2pPr marL="457200" indent="-182880" algn="l" defTabSz="914400" rtl="0" eaLnBrk="1" latinLnBrk="0" hangingPunct="1">
+              <a:lnSpc>
+                <a:spcPct val="100000"/>
+              </a:lnSpc>
+              <a:spcBef>
+                <a:spcPts val="500"/>
+              </a:spcBef>
+              <a:buClr>
+                <a:schemeClr val="tx1">
+                  <a:lumMod val="85000"/>
+                  <a:lumOff val="15000"/>
+                </a:schemeClr>
+              </a:buClr>
+              <a:buFont typeface="Garamond" pitchFamily="18" charset="0"/>
+              <a:buChar char="◦"/>
+              <a:defRPr sz="1300" kern="1200">
+                <a:solidFill>
+                  <a:schemeClr val="tx1"/>
+                </a:solidFill>
+                <a:latin typeface="+mn-lt"/>
+                <a:ea typeface="+mn-ea"/>
+                <a:cs typeface="+mn-cs"/>
+              </a:defRPr>
+            </a:lvl2pPr>
+            <a:lvl3pPr marL="731520" indent="-182880" algn="l" defTabSz="914400" rtl="0" eaLnBrk="1" latinLnBrk="0" hangingPunct="1">
+              <a:lnSpc>
+                <a:spcPct val="100000"/>
+              </a:lnSpc>
+              <a:spcBef>
+                <a:spcPts val="500"/>
+              </a:spcBef>
+              <a:buClr>
+                <a:schemeClr val="tx1">
+                  <a:lumMod val="85000"/>
+                  <a:lumOff val="15000"/>
+                </a:schemeClr>
+              </a:buClr>
+              <a:buFont typeface="Garamond" pitchFamily="18" charset="0"/>
+              <a:buChar char="◦"/>
+              <a:defRPr sz="1200" kern="1200">
+                <a:solidFill>
+                  <a:schemeClr val="tx1"/>
+                </a:solidFill>
+                <a:latin typeface="+mn-lt"/>
+                <a:ea typeface="+mn-ea"/>
+                <a:cs typeface="+mn-cs"/>
+              </a:defRPr>
+            </a:lvl3pPr>
+            <a:lvl4pPr marL="1005840" indent="-182880" algn="l" defTabSz="914400" rtl="0" eaLnBrk="1" latinLnBrk="0" hangingPunct="1">
+              <a:lnSpc>
+                <a:spcPct val="100000"/>
+              </a:lnSpc>
+              <a:spcBef>
+                <a:spcPts val="500"/>
+              </a:spcBef>
+              <a:buClr>
+                <a:schemeClr val="tx1">
+                  <a:lumMod val="85000"/>
+                  <a:lumOff val="15000"/>
+                </a:schemeClr>
+              </a:buClr>
+              <a:buFont typeface="Garamond" pitchFamily="18" charset="0"/>
+              <a:buChar char="◦"/>
+              <a:defRPr sz="1200" kern="1200">
+                <a:solidFill>
+                  <a:schemeClr val="tx1"/>
+                </a:solidFill>
+                <a:latin typeface="+mn-lt"/>
+                <a:ea typeface="+mn-ea"/>
+                <a:cs typeface="+mn-cs"/>
+              </a:defRPr>
+            </a:lvl4pPr>
+            <a:lvl5pPr marL="1280160" indent="-182880" algn="l" defTabSz="914400" rtl="0" eaLnBrk="1" latinLnBrk="0" hangingPunct="1">
+              <a:lnSpc>
+                <a:spcPct val="100000"/>
+              </a:lnSpc>
+              <a:spcBef>
+                <a:spcPts val="500"/>
+              </a:spcBef>
+              <a:buClr>
+                <a:schemeClr val="tx1">
+                  <a:lumMod val="85000"/>
+                  <a:lumOff val="15000"/>
+                </a:schemeClr>
+              </a:buClr>
+              <a:buFont typeface="Garamond" pitchFamily="18" charset="0"/>
+              <a:buChar char="◦"/>
+              <a:defRPr sz="1200" kern="1200">
+                <a:solidFill>
+                  <a:schemeClr val="tx1"/>
+                </a:solidFill>
+                <a:latin typeface="+mn-lt"/>
+                <a:ea typeface="+mn-ea"/>
+                <a:cs typeface="+mn-cs"/>
+              </a:defRPr>
+            </a:lvl5pPr>
+            <a:lvl6pPr marL="1600000" indent="-228600" algn="l" defTabSz="914400" rtl="0" eaLnBrk="1" latinLnBrk="0" hangingPunct="1">
+              <a:lnSpc>
+                <a:spcPct val="100000"/>
+              </a:lnSpc>
+              <a:spcBef>
+                <a:spcPts val="500"/>
+              </a:spcBef>
+              <a:buClr>
+                <a:schemeClr val="tx1">
+                  <a:lumMod val="85000"/>
+                  <a:lumOff val="15000"/>
+                </a:schemeClr>
+              </a:buClr>
+              <a:buFont typeface="Garamond" pitchFamily="18" charset="0"/>
+              <a:buChar char="◦"/>
+              <a:defRPr sz="1400" kern="1200">
+                <a:solidFill>
+                  <a:schemeClr val="tx1"/>
+                </a:solidFill>
+                <a:latin typeface="+mn-lt"/>
+                <a:ea typeface="+mn-ea"/>
+                <a:cs typeface="+mn-cs"/>
+              </a:defRPr>
+            </a:lvl6pPr>
+            <a:lvl7pPr marL="1900000" indent="-228600" algn="l" defTabSz="914400" rtl="0" eaLnBrk="1" latinLnBrk="0" hangingPunct="1">
+              <a:lnSpc>
+                <a:spcPct val="100000"/>
+              </a:lnSpc>
+              <a:spcBef>
+                <a:spcPts val="500"/>
+              </a:spcBef>
+              <a:buClr>
+                <a:schemeClr val="tx1">
+                  <a:lumMod val="85000"/>
+                  <a:lumOff val="15000"/>
+                </a:schemeClr>
+              </a:buClr>
+              <a:buFont typeface="Garamond" pitchFamily="18" charset="0"/>
+              <a:buChar char="◦"/>
+              <a:defRPr sz="1400" kern="1200">
+                <a:solidFill>
+                  <a:schemeClr val="tx1"/>
+                </a:solidFill>
+                <a:latin typeface="+mn-lt"/>
+                <a:ea typeface="+mn-ea"/>
+                <a:cs typeface="+mn-cs"/>
+              </a:defRPr>
+            </a:lvl7pPr>
+            <a:lvl8pPr marL="2200000" indent="-228600" algn="l" defTabSz="914400" rtl="0" eaLnBrk="1" latinLnBrk="0" hangingPunct="1">
+              <a:lnSpc>
+                <a:spcPct val="100000"/>
+              </a:lnSpc>
+              <a:spcBef>
+                <a:spcPts val="500"/>
+              </a:spcBef>
+              <a:buClr>
+                <a:schemeClr val="tx1">
+                  <a:lumMod val="85000"/>
+                  <a:lumOff val="15000"/>
+                </a:schemeClr>
+              </a:buClr>
+              <a:buFont typeface="Garamond" pitchFamily="18" charset="0"/>
+              <a:buChar char="◦"/>
+              <a:defRPr sz="1400" kern="1200">
+                <a:solidFill>
+                  <a:schemeClr val="tx1"/>
+                </a:solidFill>
+                <a:latin typeface="+mn-lt"/>
+                <a:ea typeface="+mn-ea"/>
+                <a:cs typeface="+mn-cs"/>
+              </a:defRPr>
+            </a:lvl8pPr>
+            <a:lvl9pPr marL="2500000" indent="-228600" algn="l" defTabSz="914400" rtl="0" eaLnBrk="1" latinLnBrk="0" hangingPunct="1">
+              <a:lnSpc>
+                <a:spcPct val="100000"/>
+              </a:lnSpc>
+              <a:spcBef>
+                <a:spcPts val="500"/>
+              </a:spcBef>
+              <a:buClr>
+                <a:schemeClr val="tx1">
+                  <a:lumMod val="85000"/>
+                  <a:lumOff val="15000"/>
+                </a:schemeClr>
+              </a:buClr>
+              <a:buFont typeface="Garamond" pitchFamily="18" charset="0"/>
+              <a:buChar char="◦"/>
+              <a:defRPr sz="1400" kern="1200">
+                <a:solidFill>
+                  <a:schemeClr val="tx1"/>
+                </a:solidFill>
+                <a:latin typeface="+mn-lt"/>
+                <a:ea typeface="+mn-ea"/>
+                <a:cs typeface="+mn-cs"/>
+              </a:defRPr>
+            </a:lvl9pPr>
+          </a:lstStyle>
+          <a:p>
+            <a:r>
+              <a:rPr lang="en-US" sz="1800"/>
+              <a:t>Same as previous code example, but implemented with promises.</a:t>
+            </a:r>
+          </a:p>
+          <a:p>
+            <a:r>
+              <a:rPr lang="en-US" sz="1800"/>
+              <a:t>The </a:t>
+            </a:r>
+            <a:r>
+              <a:rPr lang="en-US" sz="1800" b="1"/>
+              <a:t>wait</a:t>
+            </a:r>
+            <a:r>
+              <a:rPr lang="en-US" sz="1800"/>
+              <a:t> function is constructiing a new Promise object to wrap the timeout logic.</a:t>
+            </a:r>
+          </a:p>
+          <a:p>
+            <a:r>
+              <a:rPr lang="en-US" sz="1800"/>
+              <a:t>The </a:t>
+            </a:r>
+            <a:r>
+              <a:rPr lang="en-US" sz="1800" b="1"/>
+              <a:t>getTodo</a:t>
+            </a:r>
+            <a:r>
+              <a:rPr lang="en-US" sz="1800"/>
+              <a:t> function invokes wait, to wait 2 seconds before returning the result.</a:t>
+            </a:r>
+          </a:p>
+          <a:p>
+            <a:r>
+              <a:rPr lang="en-US" sz="1800"/>
+              <a:t>Finally we invoke the </a:t>
+            </a:r>
+            <a:r>
+              <a:rPr lang="en-US" sz="1800" b="1"/>
+              <a:t>getTodo</a:t>
+            </a:r>
+            <a:r>
+              <a:rPr lang="en-US" sz="1800"/>
+              <a:t> function and display the output when it completes.</a:t>
+            </a:r>
           </a:p>
         </p:txBody>
       </p:sp>
     </p:spTree>
     <p:extLst>
       <p:ext uri="{BB962C8B-B14F-4D97-AF65-F5344CB8AC3E}">
-        <p14:creationId xmlns:p14="http://schemas.microsoft.com/office/powerpoint/2010/main" val="1217545895"/>
+        <p14:creationId xmlns:p14="http://schemas.microsoft.com/office/powerpoint/2010/main" val="2304251633"/>
       </p:ext>
     </p:extLst>
   </p:cSld>
@@ -8062,12 +8835,7 @@
             <p:ph type="title"/>
           </p:nvPr>
         </p:nvSpPr>
-        <p:spPr>
-          <a:xfrm>
-            <a:off x="664234" y="733579"/>
-            <a:ext cx="9038566" cy="1371600"/>
-          </a:xfrm>
-        </p:spPr>
+        <p:spPr/>
         <p:txBody>
           <a:bodyPr>
             <a:normAutofit/>
@@ -8075,9 +8843,10 @@
           <a:lstStyle/>
           <a:p>
             <a:r>
-              <a:rPr lang="en-US" u="sng" dirty="0"/>
-              <a:t>Asynchronous JS Via promises</a:t>
-            </a:r>
+              <a:rPr lang="en-US" u="sng"/>
+              <a:t>async-await</a:t>
+            </a:r>
+            <a:endParaRPr lang="en-US" u="sng" dirty="0"/>
           </a:p>
         </p:txBody>
       </p:sp>
@@ -8097,12 +8866,7 @@
             <p:ph idx="1"/>
           </p:nvPr>
         </p:nvSpPr>
-        <p:spPr>
-          <a:xfrm>
-            <a:off x="1066800" y="2708072"/>
-            <a:ext cx="10058400" cy="3159328"/>
-          </a:xfrm>
-        </p:spPr>
+        <p:spPr/>
         <p:txBody>
           <a:bodyPr>
             <a:normAutofit/>
@@ -8111,13 +8875,53 @@
           <a:p>
             <a:r>
               <a:rPr lang="en-US" sz="1800" dirty="0"/>
-              <a:t>Promises are a built-in language feature of JavaScript that makes handling asynchronous code easier and more readable</a:t>
-            </a:r>
-          </a:p>
-          <a:p>
+              <a:t>Async functions let the programmer write promise based code as if it were synchronous, but without blocking the execution thread</a:t>
+            </a:r>
+            <a:r>
+              <a:rPr lang="en-US" sz="1800"/>
+              <a:t>. </a:t>
+            </a:r>
+          </a:p>
+          <a:p>
+            <a:r>
+              <a:rPr lang="en-US" sz="1800"/>
+              <a:t>It </a:t>
+            </a:r>
             <a:r>
               <a:rPr lang="en-US" sz="1800" dirty="0"/>
-              <a:t>Shown on the following page is the simple code example with the callback replaced by a promise</a:t>
+              <a:t>operates </a:t>
+            </a:r>
+            <a:r>
+              <a:rPr lang="en-US" sz="1800"/>
+              <a:t>asynchronously using promises. </a:t>
+            </a:r>
+          </a:p>
+          <a:p>
+            <a:r>
+              <a:rPr lang="en-US" sz="1800"/>
+              <a:t>Async </a:t>
+            </a:r>
+            <a:r>
+              <a:rPr lang="en-US" sz="1800" dirty="0"/>
+              <a:t>functions will always return </a:t>
+            </a:r>
+            <a:r>
+              <a:rPr lang="en-US" sz="1800"/>
+              <a:t>a promise</a:t>
+            </a:r>
+            <a:r>
+              <a:rPr lang="en-US" sz="1800" dirty="0"/>
+              <a:t>.</a:t>
+            </a:r>
+          </a:p>
+          <a:p>
+            <a:r>
+              <a:rPr lang="en-US" sz="1800" dirty="0"/>
+              <a:t>The await operator is used to wait for </a:t>
+            </a:r>
+            <a:r>
+              <a:rPr lang="en-US" sz="1800"/>
+              <a:t>a promise. (But can only be used inside and async function.)</a:t>
             </a:r>
           </a:p>
         </p:txBody>
@@ -8145,57 +8949,10 @@
           </a:p>
         </p:txBody>
       </p:sp>
-      <p:sp>
-        <p:nvSpPr>
-          <p:cNvPr id="6" name="Rectangle 5">
-            <a:extLst>
-              <a:ext uri="{FF2B5EF4-FFF2-40B4-BE49-F238E27FC236}">
-                <a16:creationId xmlns:a16="http://schemas.microsoft.com/office/drawing/2014/main" id="{0C71533A-4A29-47E2-A4D4-85E44356516A}"/>
-              </a:ext>
-            </a:extLst>
-          </p:cNvPr>
-          <p:cNvSpPr/>
-          <p:nvPr/>
-        </p:nvSpPr>
-        <p:spPr>
-          <a:xfrm>
-            <a:off x="1049867" y="5700438"/>
-            <a:ext cx="9482668" cy="830997"/>
-          </a:xfrm>
-          <a:prstGeom prst="rect">
-            <a:avLst/>
-          </a:prstGeom>
-        </p:spPr>
-        <p:txBody>
-          <a:bodyPr wrap="square">
-            <a:spAutoFit/>
-          </a:bodyPr>
-          <a:lstStyle/>
-          <a:p>
-            <a:r>
-              <a:rPr lang="en-US" sz="1600" b="1" dirty="0"/>
-              <a:t>Source</a:t>
-            </a:r>
-          </a:p>
-          <a:p>
-            <a:r>
-              <a:rPr lang="en-US" sz="1600" dirty="0">
-                <a:hlinkClick r:id="rId2"/>
-              </a:rPr>
-              <a:t>https://codingthesmartway.com/async-programming-with-javascript-callbacks-promises-and-async-await/</a:t>
-            </a:r>
-            <a:endParaRPr lang="en-US" sz="1600" dirty="0">
-              <a:solidFill>
-                <a:srgbClr val="00B0F0"/>
-              </a:solidFill>
-            </a:endParaRPr>
-          </a:p>
-        </p:txBody>
-      </p:sp>
     </p:spTree>
     <p:extLst>
       <p:ext uri="{BB962C8B-B14F-4D97-AF65-F5344CB8AC3E}">
-        <p14:creationId xmlns:p14="http://schemas.microsoft.com/office/powerpoint/2010/main" val="549789581"/>
+        <p14:creationId xmlns:p14="http://schemas.microsoft.com/office/powerpoint/2010/main" val="2821838927"/>
       </p:ext>
     </p:extLst>
   </p:cSld>
@@ -8240,8 +8997,8 @@
         </p:nvSpPr>
         <p:spPr>
           <a:xfrm>
-            <a:off x="664234" y="733579"/>
-            <a:ext cx="9038566" cy="1371600"/>
+            <a:off x="1066800" y="372344"/>
+            <a:ext cx="10058400" cy="1371600"/>
           </a:xfrm>
         </p:spPr>
         <p:txBody>
@@ -8251,9 +9008,10 @@
           <a:lstStyle/>
           <a:p>
             <a:r>
-              <a:rPr lang="en-US" u="sng" dirty="0"/>
-              <a:t>Asynchronous JS Via promises</a:t>
-            </a:r>
+              <a:rPr lang="en-US" u="sng"/>
+              <a:t>async-await example</a:t>
+            </a:r>
+            <a:endParaRPr lang="en-US" u="sng" dirty="0"/>
           </a:p>
         </p:txBody>
       </p:sp>
@@ -8275,8 +9033,8 @@
         </p:nvSpPr>
         <p:spPr>
           <a:xfrm>
-            <a:off x="1066800" y="2733472"/>
-            <a:ext cx="10058400" cy="3159328"/>
+            <a:off x="1066800" y="1591866"/>
+            <a:ext cx="9629163" cy="4725044"/>
           </a:xfrm>
         </p:spPr>
         <p:txBody>
@@ -8286,120 +9044,115 @@
           <a:lstStyle/>
           <a:p>
             <a:pPr marL="0" indent="0">
+              <a:lnSpc>
+                <a:spcPct val="100000"/>
+              </a:lnSpc>
+              <a:spcBef>
+                <a:spcPts val="0"/>
+              </a:spcBef>
               <a:buNone/>
             </a:pPr>
             <a:r>
-              <a:rPr lang="en-US" sz="1000" dirty="0">
+              <a:rPr lang="en-US" sz="1800">
                 <a:latin typeface="Consolas" panose="020B0609020204030204" pitchFamily="49" charset="0"/>
               </a:rPr>
-              <a:t>const getTodo = () =&gt; {</a:t>
+              <a:t>const wait = (delay) =&gt; </a:t>
             </a:r>
           </a:p>
           <a:p>
             <a:pPr marL="0" indent="0">
+              <a:lnSpc>
+                <a:spcPct val="100000"/>
+              </a:lnSpc>
+              <a:spcBef>
+                <a:spcPts val="0"/>
+              </a:spcBef>
               <a:buNone/>
             </a:pPr>
             <a:r>
-              <a:rPr lang="en-US" sz="1000" dirty="0">
+              <a:rPr lang="en-US" sz="1800">
                 <a:latin typeface="Consolas" panose="020B0609020204030204" pitchFamily="49" charset="0"/>
               </a:rPr>
-              <a:t>    return new Promise((resolve, reject) =&gt; {</a:t>
+              <a:t>  new Promise((resolve, reject) =&gt; setTimeout(() =&gt; resolve(), delay));</a:t>
             </a:r>
           </a:p>
           <a:p>
             <a:pPr marL="0" indent="0">
+              <a:lnSpc>
+                <a:spcPct val="100000"/>
+              </a:lnSpc>
+              <a:spcBef>
+                <a:spcPts val="0"/>
+              </a:spcBef>
               <a:buNone/>
             </a:pPr>
-            <a:r>
-              <a:rPr lang="en-US" sz="1000" dirty="0">
+            <a:endParaRPr lang="en-US" sz="1800">
+              <a:latin typeface="Consolas" panose="020B0609020204030204" pitchFamily="49" charset="0"/>
+            </a:endParaRPr>
+          </a:p>
+          <a:p>
+            <a:pPr marL="0" indent="0">
+              <a:lnSpc>
+                <a:spcPct val="100000"/>
+              </a:lnSpc>
+              <a:spcBef>
+                <a:spcPts val="0"/>
+              </a:spcBef>
+              <a:buNone/>
+            </a:pPr>
+            <a:r>
+              <a:rPr lang="en-US" sz="1800">
                 <a:latin typeface="Consolas" panose="020B0609020204030204" pitchFamily="49" charset="0"/>
               </a:rPr>
-              <a:t>        setTimeout(() =&gt; {</a:t>
+              <a:t>const getTodo = async () =&gt; {</a:t>
             </a:r>
           </a:p>
           <a:p>
             <a:pPr marL="0" indent="0">
+              <a:lnSpc>
+                <a:spcPct val="100000"/>
+              </a:lnSpc>
+              <a:spcBef>
+                <a:spcPts val="0"/>
+              </a:spcBef>
               <a:buNone/>
             </a:pPr>
             <a:r>
-              <a:rPr lang="en-US" sz="1000" dirty="0">
+              <a:rPr lang="en-US" sz="1800">
                 <a:latin typeface="Consolas" panose="020B0609020204030204" pitchFamily="49" charset="0"/>
               </a:rPr>
-              <a:t>            let error = false;</a:t>
+              <a:t>  await wait(2000);</a:t>
             </a:r>
           </a:p>
           <a:p>
             <a:pPr marL="0" indent="0">
+              <a:lnSpc>
+                <a:spcPct val="100000"/>
+              </a:lnSpc>
+              <a:spcBef>
+                <a:spcPts val="0"/>
+              </a:spcBef>
               <a:buNone/>
             </a:pPr>
             <a:r>
-              <a:rPr lang="en-US" sz="1000" dirty="0">
+              <a:rPr lang="en-US" sz="1800">
                 <a:latin typeface="Consolas" panose="020B0609020204030204" pitchFamily="49" charset="0"/>
               </a:rPr>
-              <a:t>            if(!error)</a:t>
+              <a:t>  return 'Complete Code Example';</a:t>
             </a:r>
           </a:p>
           <a:p>
             <a:pPr marL="0" indent="0">
+              <a:lnSpc>
+                <a:spcPct val="100000"/>
+              </a:lnSpc>
+              <a:spcBef>
+                <a:spcPts val="0"/>
+              </a:spcBef>
               <a:buNone/>
             </a:pPr>
             <a:r>
-              <a:rPr lang="en-US" sz="1000" dirty="0">
-                <a:latin typeface="Consolas" panose="020B0609020204030204" pitchFamily="49" charset="0"/>
-              </a:rPr>
-              <a:t>                resolve({ text: 'Complete Code Example' })</a:t>
-            </a:r>
-          </a:p>
-          <a:p>
-            <a:pPr marL="0" indent="0">
-              <a:buNone/>
-            </a:pPr>
-            <a:r>
-              <a:rPr lang="en-US" sz="1000" dirty="0">
-                <a:latin typeface="Consolas" panose="020B0609020204030204" pitchFamily="49" charset="0"/>
-              </a:rPr>
-              <a:t>            else</a:t>
-            </a:r>
-          </a:p>
-          <a:p>
-            <a:pPr marL="0" indent="0">
-              <a:buNone/>
-            </a:pPr>
-            <a:r>
-              <a:rPr lang="en-US" sz="1000" dirty="0">
-                <a:latin typeface="Consolas" panose="020B0609020204030204" pitchFamily="49" charset="0"/>
-              </a:rPr>
-              <a:t>                reject()</a:t>
-            </a:r>
-          </a:p>
-          <a:p>
-            <a:pPr marL="0" indent="0">
-              <a:buNone/>
-            </a:pPr>
-            <a:r>
-              <a:rPr lang="en-US" sz="1000" dirty="0">
-                <a:latin typeface="Consolas" panose="020B0609020204030204" pitchFamily="49" charset="0"/>
-              </a:rPr>
-              <a:t>        }, 2000)     </a:t>
-            </a:r>
-          </a:p>
-          <a:p>
-            <a:pPr marL="0" indent="0">
-              <a:buNone/>
-            </a:pPr>
-            <a:r>
-              <a:rPr lang="en-US" sz="1000" dirty="0">
-                <a:latin typeface="Consolas" panose="020B0609020204030204" pitchFamily="49" charset="0"/>
-              </a:rPr>
-              <a:t>    })</a:t>
-            </a:r>
-          </a:p>
-          <a:p>
-            <a:pPr marL="0" indent="0">
-              <a:buNone/>
-            </a:pPr>
-            <a:r>
-              <a:rPr lang="en-US" sz="1000" dirty="0">
+              <a:rPr lang="en-US" sz="1800">
                 <a:latin typeface="Consolas" panose="020B0609020204030204" pitchFamily="49" charset="0"/>
               </a:rPr>
               <a:t>}</a:t>
@@ -8407,35 +9160,152 @@
           </a:p>
           <a:p>
             <a:pPr marL="0" indent="0">
+              <a:lnSpc>
+                <a:spcPct val="100000"/>
+              </a:lnSpc>
+              <a:spcBef>
+                <a:spcPts val="0"/>
+              </a:spcBef>
               <a:buNone/>
             </a:pPr>
-            <a:r>
-              <a:rPr lang="en-US" sz="1000" dirty="0">
+            <a:endParaRPr lang="en-US" sz="1800">
+              <a:latin typeface="Consolas" panose="020B0609020204030204" pitchFamily="49" charset="0"/>
+            </a:endParaRPr>
+          </a:p>
+          <a:p>
+            <a:pPr marL="0" indent="0">
+              <a:lnSpc>
+                <a:spcPct val="100000"/>
+              </a:lnSpc>
+              <a:spcBef>
+                <a:spcPts val="0"/>
+              </a:spcBef>
+              <a:buNone/>
+            </a:pPr>
+            <a:r>
+              <a:rPr lang="en-US" sz="1800">
                 <a:latin typeface="Consolas" panose="020B0609020204030204" pitchFamily="49" charset="0"/>
               </a:rPr>
-              <a:t>getTodo().then(todo =&gt; {</a:t>
+              <a:t>(async () =&gt; {</a:t>
             </a:r>
           </a:p>
           <a:p>
             <a:pPr marL="0" indent="0">
+              <a:lnSpc>
+                <a:spcPct val="100000"/>
+              </a:lnSpc>
+              <a:spcBef>
+                <a:spcPts val="0"/>
+              </a:spcBef>
               <a:buNone/>
             </a:pPr>
             <a:r>
-              <a:rPr lang="en-US" sz="1000" dirty="0">
+              <a:rPr lang="en-US" sz="1800">
                 <a:latin typeface="Consolas" panose="020B0609020204030204" pitchFamily="49" charset="0"/>
               </a:rPr>
-              <a:t>    console.log(todo.text)</a:t>
+              <a:t>  try {</a:t>
             </a:r>
           </a:p>
           <a:p>
             <a:pPr marL="0" indent="0">
+              <a:lnSpc>
+                <a:spcPct val="100000"/>
+              </a:lnSpc>
+              <a:spcBef>
+                <a:spcPts val="0"/>
+              </a:spcBef>
               <a:buNone/>
             </a:pPr>
             <a:r>
-              <a:rPr lang="en-US" sz="1000" dirty="0">
+              <a:rPr lang="en-US" sz="1800">
                 <a:latin typeface="Consolas" panose="020B0609020204030204" pitchFamily="49" charset="0"/>
               </a:rPr>
-              <a:t>})</a:t>
+              <a:t>    const todo = await getTodo();</a:t>
+            </a:r>
+          </a:p>
+          <a:p>
+            <a:pPr marL="0" indent="0">
+              <a:lnSpc>
+                <a:spcPct val="100000"/>
+              </a:lnSpc>
+              <a:spcBef>
+                <a:spcPts val="0"/>
+              </a:spcBef>
+              <a:buNone/>
+            </a:pPr>
+            <a:r>
+              <a:rPr lang="en-US" sz="1800">
+                <a:latin typeface="Consolas" panose="020B0609020204030204" pitchFamily="49" charset="0"/>
+              </a:rPr>
+              <a:t>    console.log(todo);</a:t>
+            </a:r>
+          </a:p>
+          <a:p>
+            <a:pPr marL="0" indent="0">
+              <a:lnSpc>
+                <a:spcPct val="100000"/>
+              </a:lnSpc>
+              <a:spcBef>
+                <a:spcPts val="0"/>
+              </a:spcBef>
+              <a:buNone/>
+            </a:pPr>
+            <a:r>
+              <a:rPr lang="en-US" sz="1800">
+                <a:latin typeface="Consolas" panose="020B0609020204030204" pitchFamily="49" charset="0"/>
+              </a:rPr>
+              <a:t>  } catch (err) {</a:t>
+            </a:r>
+          </a:p>
+          <a:p>
+            <a:pPr marL="0" indent="0">
+              <a:lnSpc>
+                <a:spcPct val="100000"/>
+              </a:lnSpc>
+              <a:spcBef>
+                <a:spcPts val="0"/>
+              </a:spcBef>
+              <a:buNone/>
+            </a:pPr>
+            <a:r>
+              <a:rPr lang="en-US" sz="1800">
+                <a:latin typeface="Consolas" panose="020B0609020204030204" pitchFamily="49" charset="0"/>
+              </a:rPr>
+              <a:t>    console.error(err)</a:t>
+            </a:r>
+          </a:p>
+          <a:p>
+            <a:pPr marL="0" indent="0">
+              <a:lnSpc>
+                <a:spcPct val="100000"/>
+              </a:lnSpc>
+              <a:spcBef>
+                <a:spcPts val="0"/>
+              </a:spcBef>
+              <a:buNone/>
+            </a:pPr>
+            <a:r>
+              <a:rPr lang="en-US" sz="1800">
+                <a:latin typeface="Consolas" panose="020B0609020204030204" pitchFamily="49" charset="0"/>
+              </a:rPr>
+              <a:t>  } </a:t>
+            </a:r>
+          </a:p>
+          <a:p>
+            <a:pPr marL="0" indent="0">
+              <a:lnSpc>
+                <a:spcPct val="100000"/>
+              </a:lnSpc>
+              <a:spcBef>
+                <a:spcPts val="0"/>
+              </a:spcBef>
+              <a:buNone/>
+            </a:pPr>
+            <a:r>
+              <a:rPr lang="en-US" sz="1800">
+                <a:latin typeface="Consolas" panose="020B0609020204030204" pitchFamily="49" charset="0"/>
+              </a:rPr>
+              <a:t>})();</a:t>
             </a:r>
           </a:p>
         </p:txBody>
@@ -8463,10 +9333,310 @@
           </a:p>
         </p:txBody>
       </p:sp>
+      <p:sp>
+        <p:nvSpPr>
+          <p:cNvPr id="7" name="Content Placeholder 2">
+            <a:extLst>
+              <a:ext uri="{FF2B5EF4-FFF2-40B4-BE49-F238E27FC236}">
+                <a16:creationId xmlns:a16="http://schemas.microsoft.com/office/drawing/2014/main" id="{581AE4E9-4C4C-4519-A624-37264B415528}"/>
+              </a:ext>
+            </a:extLst>
+          </p:cNvPr>
+          <p:cNvSpPr txBox="1">
+            <a:spLocks/>
+          </p:cNvSpPr>
+          <p:nvPr/>
+        </p:nvSpPr>
+        <p:spPr>
+          <a:xfrm>
+            <a:off x="7424257" y="3296873"/>
+            <a:ext cx="4313338" cy="3020037"/>
+          </a:xfrm>
+          <a:prstGeom prst="rect">
+            <a:avLst/>
+          </a:prstGeom>
+          <a:ln>
+            <a:solidFill>
+              <a:schemeClr val="tx1"/>
+            </a:solidFill>
+          </a:ln>
+        </p:spPr>
+        <p:txBody>
+          <a:bodyPr vert="horz" lIns="91440" tIns="45720" rIns="91440" bIns="45720" rtlCol="0">
+            <a:noAutofit/>
+          </a:bodyPr>
+          <a:lstStyle>
+            <a:lvl1pPr marL="182880" indent="-182880" algn="l" defTabSz="914400" rtl="0" eaLnBrk="1" latinLnBrk="0" hangingPunct="1">
+              <a:lnSpc>
+                <a:spcPct val="110000"/>
+              </a:lnSpc>
+              <a:spcBef>
+                <a:spcPts val="900"/>
+              </a:spcBef>
+              <a:spcAft>
+                <a:spcPts val="0"/>
+              </a:spcAft>
+              <a:buClr>
+                <a:schemeClr val="tx1">
+                  <a:lumMod val="85000"/>
+                  <a:lumOff val="15000"/>
+                </a:schemeClr>
+              </a:buClr>
+              <a:buFont typeface="Garamond" pitchFamily="18" charset="0"/>
+              <a:buChar char="◦"/>
+              <a:defRPr sz="1500" kern="1200">
+                <a:solidFill>
+                  <a:schemeClr val="tx1"/>
+                </a:solidFill>
+                <a:latin typeface="+mn-lt"/>
+                <a:ea typeface="+mn-ea"/>
+                <a:cs typeface="+mn-cs"/>
+              </a:defRPr>
+            </a:lvl1pPr>
+            <a:lvl2pPr marL="457200" indent="-182880" algn="l" defTabSz="914400" rtl="0" eaLnBrk="1" latinLnBrk="0" hangingPunct="1">
+              <a:lnSpc>
+                <a:spcPct val="100000"/>
+              </a:lnSpc>
+              <a:spcBef>
+                <a:spcPts val="500"/>
+              </a:spcBef>
+              <a:buClr>
+                <a:schemeClr val="tx1">
+                  <a:lumMod val="85000"/>
+                  <a:lumOff val="15000"/>
+                </a:schemeClr>
+              </a:buClr>
+              <a:buFont typeface="Garamond" pitchFamily="18" charset="0"/>
+              <a:buChar char="◦"/>
+              <a:defRPr sz="1300" kern="1200">
+                <a:solidFill>
+                  <a:schemeClr val="tx1"/>
+                </a:solidFill>
+                <a:latin typeface="+mn-lt"/>
+                <a:ea typeface="+mn-ea"/>
+                <a:cs typeface="+mn-cs"/>
+              </a:defRPr>
+            </a:lvl2pPr>
+            <a:lvl3pPr marL="731520" indent="-182880" algn="l" defTabSz="914400" rtl="0" eaLnBrk="1" latinLnBrk="0" hangingPunct="1">
+              <a:lnSpc>
+                <a:spcPct val="100000"/>
+              </a:lnSpc>
+              <a:spcBef>
+                <a:spcPts val="500"/>
+              </a:spcBef>
+              <a:buClr>
+                <a:schemeClr val="tx1">
+                  <a:lumMod val="85000"/>
+                  <a:lumOff val="15000"/>
+                </a:schemeClr>
+              </a:buClr>
+              <a:buFont typeface="Garamond" pitchFamily="18" charset="0"/>
+              <a:buChar char="◦"/>
+              <a:defRPr sz="1200" kern="1200">
+                <a:solidFill>
+                  <a:schemeClr val="tx1"/>
+                </a:solidFill>
+                <a:latin typeface="+mn-lt"/>
+                <a:ea typeface="+mn-ea"/>
+                <a:cs typeface="+mn-cs"/>
+              </a:defRPr>
+            </a:lvl3pPr>
+            <a:lvl4pPr marL="1005840" indent="-182880" algn="l" defTabSz="914400" rtl="0" eaLnBrk="1" latinLnBrk="0" hangingPunct="1">
+              <a:lnSpc>
+                <a:spcPct val="100000"/>
+              </a:lnSpc>
+              <a:spcBef>
+                <a:spcPts val="500"/>
+              </a:spcBef>
+              <a:buClr>
+                <a:schemeClr val="tx1">
+                  <a:lumMod val="85000"/>
+                  <a:lumOff val="15000"/>
+                </a:schemeClr>
+              </a:buClr>
+              <a:buFont typeface="Garamond" pitchFamily="18" charset="0"/>
+              <a:buChar char="◦"/>
+              <a:defRPr sz="1200" kern="1200">
+                <a:solidFill>
+                  <a:schemeClr val="tx1"/>
+                </a:solidFill>
+                <a:latin typeface="+mn-lt"/>
+                <a:ea typeface="+mn-ea"/>
+                <a:cs typeface="+mn-cs"/>
+              </a:defRPr>
+            </a:lvl4pPr>
+            <a:lvl5pPr marL="1280160" indent="-182880" algn="l" defTabSz="914400" rtl="0" eaLnBrk="1" latinLnBrk="0" hangingPunct="1">
+              <a:lnSpc>
+                <a:spcPct val="100000"/>
+              </a:lnSpc>
+              <a:spcBef>
+                <a:spcPts val="500"/>
+              </a:spcBef>
+              <a:buClr>
+                <a:schemeClr val="tx1">
+                  <a:lumMod val="85000"/>
+                  <a:lumOff val="15000"/>
+                </a:schemeClr>
+              </a:buClr>
+              <a:buFont typeface="Garamond" pitchFamily="18" charset="0"/>
+              <a:buChar char="◦"/>
+              <a:defRPr sz="1200" kern="1200">
+                <a:solidFill>
+                  <a:schemeClr val="tx1"/>
+                </a:solidFill>
+                <a:latin typeface="+mn-lt"/>
+                <a:ea typeface="+mn-ea"/>
+                <a:cs typeface="+mn-cs"/>
+              </a:defRPr>
+            </a:lvl5pPr>
+            <a:lvl6pPr marL="1600000" indent="-228600" algn="l" defTabSz="914400" rtl="0" eaLnBrk="1" latinLnBrk="0" hangingPunct="1">
+              <a:lnSpc>
+                <a:spcPct val="100000"/>
+              </a:lnSpc>
+              <a:spcBef>
+                <a:spcPts val="500"/>
+              </a:spcBef>
+              <a:buClr>
+                <a:schemeClr val="tx1">
+                  <a:lumMod val="85000"/>
+                  <a:lumOff val="15000"/>
+                </a:schemeClr>
+              </a:buClr>
+              <a:buFont typeface="Garamond" pitchFamily="18" charset="0"/>
+              <a:buChar char="◦"/>
+              <a:defRPr sz="1400" kern="1200">
+                <a:solidFill>
+                  <a:schemeClr val="tx1"/>
+                </a:solidFill>
+                <a:latin typeface="+mn-lt"/>
+                <a:ea typeface="+mn-ea"/>
+                <a:cs typeface="+mn-cs"/>
+              </a:defRPr>
+            </a:lvl6pPr>
+            <a:lvl7pPr marL="1900000" indent="-228600" algn="l" defTabSz="914400" rtl="0" eaLnBrk="1" latinLnBrk="0" hangingPunct="1">
+              <a:lnSpc>
+                <a:spcPct val="100000"/>
+              </a:lnSpc>
+              <a:spcBef>
+                <a:spcPts val="500"/>
+              </a:spcBef>
+              <a:buClr>
+                <a:schemeClr val="tx1">
+                  <a:lumMod val="85000"/>
+                  <a:lumOff val="15000"/>
+                </a:schemeClr>
+              </a:buClr>
+              <a:buFont typeface="Garamond" pitchFamily="18" charset="0"/>
+              <a:buChar char="◦"/>
+              <a:defRPr sz="1400" kern="1200">
+                <a:solidFill>
+                  <a:schemeClr val="tx1"/>
+                </a:solidFill>
+                <a:latin typeface="+mn-lt"/>
+                <a:ea typeface="+mn-ea"/>
+                <a:cs typeface="+mn-cs"/>
+              </a:defRPr>
+            </a:lvl7pPr>
+            <a:lvl8pPr marL="2200000" indent="-228600" algn="l" defTabSz="914400" rtl="0" eaLnBrk="1" latinLnBrk="0" hangingPunct="1">
+              <a:lnSpc>
+                <a:spcPct val="100000"/>
+              </a:lnSpc>
+              <a:spcBef>
+                <a:spcPts val="500"/>
+              </a:spcBef>
+              <a:buClr>
+                <a:schemeClr val="tx1">
+                  <a:lumMod val="85000"/>
+                  <a:lumOff val="15000"/>
+                </a:schemeClr>
+              </a:buClr>
+              <a:buFont typeface="Garamond" pitchFamily="18" charset="0"/>
+              <a:buChar char="◦"/>
+              <a:defRPr sz="1400" kern="1200">
+                <a:solidFill>
+                  <a:schemeClr val="tx1"/>
+                </a:solidFill>
+                <a:latin typeface="+mn-lt"/>
+                <a:ea typeface="+mn-ea"/>
+                <a:cs typeface="+mn-cs"/>
+              </a:defRPr>
+            </a:lvl8pPr>
+            <a:lvl9pPr marL="2500000" indent="-228600" algn="l" defTabSz="914400" rtl="0" eaLnBrk="1" latinLnBrk="0" hangingPunct="1">
+              <a:lnSpc>
+                <a:spcPct val="100000"/>
+              </a:lnSpc>
+              <a:spcBef>
+                <a:spcPts val="500"/>
+              </a:spcBef>
+              <a:buClr>
+                <a:schemeClr val="tx1">
+                  <a:lumMod val="85000"/>
+                  <a:lumOff val="15000"/>
+                </a:schemeClr>
+              </a:buClr>
+              <a:buFont typeface="Garamond" pitchFamily="18" charset="0"/>
+              <a:buChar char="◦"/>
+              <a:defRPr sz="1400" kern="1200">
+                <a:solidFill>
+                  <a:schemeClr val="tx1"/>
+                </a:solidFill>
+                <a:latin typeface="+mn-lt"/>
+                <a:ea typeface="+mn-ea"/>
+                <a:cs typeface="+mn-cs"/>
+              </a:defRPr>
+            </a:lvl9pPr>
+          </a:lstStyle>
+          <a:p>
+            <a:r>
+              <a:rPr lang="en-US" sz="1800"/>
+              <a:t>Same as previous code example, but implemented with async-await.</a:t>
+            </a:r>
+          </a:p>
+          <a:p>
+            <a:r>
+              <a:rPr lang="en-US" sz="1800"/>
+              <a:t>Again, the </a:t>
+            </a:r>
+            <a:r>
+              <a:rPr lang="en-US" sz="1800" b="1"/>
+              <a:t>wait</a:t>
+            </a:r>
+            <a:r>
+              <a:rPr lang="en-US" sz="1800"/>
+              <a:t> function is constructing a new Promise object to wrap the timeout logic.</a:t>
+            </a:r>
+          </a:p>
+          <a:p>
+            <a:r>
+              <a:rPr lang="en-US" sz="1800"/>
+              <a:t>An </a:t>
+            </a:r>
+            <a:r>
+              <a:rPr lang="en-US" sz="1800" b="1">
+                <a:solidFill>
+                  <a:srgbClr val="00B0F0"/>
+                </a:solidFill>
+                <a:hlinkClick r:id="rId2">
+                  <a:extLst>
+                    <a:ext uri="{A12FA001-AC4F-418D-AE19-62706E023703}">
+                      <ahyp:hlinkClr xmlns:ahyp="http://schemas.microsoft.com/office/drawing/2018/hyperlinkcolor" val="tx"/>
+                    </a:ext>
+                  </a:extLst>
+                </a:hlinkClick>
+              </a:rPr>
+              <a:t>IIFE</a:t>
+            </a:r>
+            <a:r>
+              <a:rPr lang="en-US" sz="1800"/>
+              <a:t> is required to call getTodo() because top-level await is not yet supported in Node.</a:t>
+            </a:r>
+          </a:p>
+        </p:txBody>
+      </p:sp>
     </p:spTree>
     <p:extLst>
       <p:ext uri="{BB962C8B-B14F-4D97-AF65-F5344CB8AC3E}">
-        <p14:creationId xmlns:p14="http://schemas.microsoft.com/office/powerpoint/2010/main" val="2304251633"/>
+        <p14:creationId xmlns:p14="http://schemas.microsoft.com/office/powerpoint/2010/main" val="3144840522"/>
       </p:ext>
     </p:extLst>
   </p:cSld>
@@ -8495,10 +9665,10 @@
       </p:grpSpPr>
       <p:sp>
         <p:nvSpPr>
-          <p:cNvPr id="2" name="Title 1">
+          <p:cNvPr id="5" name="Title 4">
             <a:extLst>
               <a:ext uri="{FF2B5EF4-FFF2-40B4-BE49-F238E27FC236}">
-                <a16:creationId xmlns:a16="http://schemas.microsoft.com/office/drawing/2014/main" id="{BDFAC13C-59B1-436E-B58F-C304E1C705CF}"/>
+                <a16:creationId xmlns:a16="http://schemas.microsoft.com/office/drawing/2014/main" id="{19920336-7909-426F-8081-AFA24B193F14}"/>
               </a:ext>
             </a:extLst>
           </p:cNvPr>
@@ -8509,31 +9679,24 @@
             <p:ph type="title"/>
           </p:nvPr>
         </p:nvSpPr>
-        <p:spPr>
-          <a:xfrm>
-            <a:off x="664234" y="733579"/>
-            <a:ext cx="9038566" cy="1371600"/>
-          </a:xfrm>
-        </p:spPr>
-        <p:txBody>
-          <a:bodyPr>
-            <a:normAutofit/>
-          </a:bodyPr>
-          <a:lstStyle/>
-          <a:p>
-            <a:r>
-              <a:rPr lang="en-US" u="sng" dirty="0"/>
-              <a:t>Asynchronous JS Via promises</a:t>
-            </a:r>
-          </a:p>
-        </p:txBody>
-      </p:sp>
-      <p:sp>
-        <p:nvSpPr>
-          <p:cNvPr id="3" name="Content Placeholder 2">
+        <p:spPr/>
+        <p:txBody>
+          <a:bodyPr/>
+          <a:lstStyle/>
+          <a:p>
+            <a:r>
+              <a:rPr lang="en-US" cap="none"/>
+              <a:t>Conclusion</a:t>
+            </a:r>
+          </a:p>
+        </p:txBody>
+      </p:sp>
+      <p:sp>
+        <p:nvSpPr>
+          <p:cNvPr id="6" name="Text Placeholder 5">
             <a:extLst>
               <a:ext uri="{FF2B5EF4-FFF2-40B4-BE49-F238E27FC236}">
-                <a16:creationId xmlns:a16="http://schemas.microsoft.com/office/drawing/2014/main" id="{844A3DC5-46BF-4BFF-8008-98FD467C4904}"/>
+                <a16:creationId xmlns:a16="http://schemas.microsoft.com/office/drawing/2014/main" id="{DAE3D404-51E4-4D64-88D7-AFA22CFBA8F7}"/>
               </a:ext>
             </a:extLst>
           </p:cNvPr>
@@ -8541,37 +9704,30 @@
             <a:spLocks noGrp="1"/>
           </p:cNvSpPr>
           <p:nvPr>
-            <p:ph idx="1"/>
-          </p:nvPr>
-        </p:nvSpPr>
-        <p:spPr>
-          <a:xfrm>
-            <a:off x="1066800" y="2733472"/>
-            <a:ext cx="10058400" cy="3159328"/>
-          </a:xfrm>
-        </p:spPr>
-        <p:txBody>
-          <a:bodyPr>
-            <a:normAutofit/>
-          </a:bodyPr>
-          <a:lstStyle/>
-          <a:p>
-            <a:r>
-              <a:rPr lang="en-US" sz="1800" dirty="0"/>
-              <a:t>This code is basically doing the same as seen before in the callback example but with Promises.</a:t>
-            </a:r>
-          </a:p>
-          <a:p>
-            <a:r>
-              <a:rPr lang="en-US" sz="1800" dirty="0"/>
-              <a:t>Inside the getTodo function a new Promise is returned. The constructor of the Promise class is expecting to get a function which contains the asynchronous code as a parameter</a:t>
-            </a:r>
-          </a:p>
-        </p:txBody>
-      </p:sp>
-      <p:sp>
-        <p:nvSpPr>
-          <p:cNvPr id="5" name="Slide Number Placeholder 4"/>
+            <p:ph type="body" idx="1"/>
+          </p:nvPr>
+        </p:nvSpPr>
+        <p:spPr/>
+        <p:txBody>
+          <a:bodyPr/>
+          <a:lstStyle/>
+          <a:p>
+            <a:r>
+              <a:rPr lang="en-US"/>
+              <a:t>What did we learn today?</a:t>
+            </a:r>
+          </a:p>
+        </p:txBody>
+      </p:sp>
+      <p:sp>
+        <p:nvSpPr>
+          <p:cNvPr id="4" name="Slide Number Placeholder 3">
+            <a:extLst>
+              <a:ext uri="{FF2B5EF4-FFF2-40B4-BE49-F238E27FC236}">
+                <a16:creationId xmlns:a16="http://schemas.microsoft.com/office/drawing/2014/main" id="{B3E58610-8DF0-4BC8-B28F-9775BE8BC83F}"/>
+              </a:ext>
+            </a:extLst>
+          </p:cNvPr>
           <p:cNvSpPr>
             <a:spLocks noGrp="1"/>
           </p:cNvSpPr>
@@ -8595,7 +9751,7 @@
     </p:spTree>
     <p:extLst>
       <p:ext uri="{BB962C8B-B14F-4D97-AF65-F5344CB8AC3E}">
-        <p14:creationId xmlns:p14="http://schemas.microsoft.com/office/powerpoint/2010/main" val="616597155"/>
+        <p14:creationId xmlns:p14="http://schemas.microsoft.com/office/powerpoint/2010/main" val="1909237733"/>
       </p:ext>
     </p:extLst>
   </p:cSld>
@@ -8753,12 +9909,7 @@
             <p:ph type="title"/>
           </p:nvPr>
         </p:nvSpPr>
-        <p:spPr>
-          <a:xfrm>
-            <a:off x="664234" y="733579"/>
-            <a:ext cx="9038566" cy="1371600"/>
-          </a:xfrm>
-        </p:spPr>
+        <p:spPr/>
         <p:txBody>
           <a:bodyPr>
             <a:normAutofit/>
@@ -8766,8 +9917,12 @@
           <a:lstStyle/>
           <a:p>
             <a:r>
+              <a:rPr lang="en-US" u="sng"/>
+              <a:t>What We've </a:t>
+            </a:r>
+            <a:r>
               <a:rPr lang="en-US" u="sng" dirty="0"/>
-              <a:t>Asynchronous JS Via promises</a:t>
+              <a:t>Covered</a:t>
             </a:r>
           </a:p>
         </p:txBody>
@@ -8788,12 +9943,7 @@
             <p:ph idx="1"/>
           </p:nvPr>
         </p:nvSpPr>
-        <p:spPr>
-          <a:xfrm>
-            <a:off x="1066800" y="2733472"/>
-            <a:ext cx="10058400" cy="3159328"/>
-          </a:xfrm>
-        </p:spPr>
+        <p:spPr/>
         <p:txBody>
           <a:bodyPr>
             <a:normAutofit/>
@@ -8801,30 +9951,44 @@
           <a:lstStyle/>
           <a:p>
             <a:r>
+              <a:rPr lang="en-US" sz="1800"/>
+              <a:t>How to install node.js</a:t>
+            </a:r>
+            <a:endParaRPr lang="en-US" sz="1800" dirty="0"/>
+          </a:p>
+          <a:p>
+            <a:r>
               <a:rPr lang="en-US" sz="1800" dirty="0"/>
-              <a:t>The function is also expecting to get two parameters, resolve and reject, which contain the asynchronous code which needs to be executed.</a:t>
-            </a:r>
-          </a:p>
-          <a:p>
-            <a:pPr marL="169863" indent="0">
-              <a:buNone/>
-            </a:pPr>
+              <a:t>How to create and run a </a:t>
+            </a:r>
+            <a:r>
+              <a:rPr lang="en-US" sz="1800"/>
+              <a:t>simple node</a:t>
+            </a:r>
             <a:r>
               <a:rPr lang="en-US" sz="1800" dirty="0"/>
-              <a:t>If the asynchronous code executes successfully the resolve function is called</a:t>
-            </a:r>
-          </a:p>
-          <a:p>
-            <a:pPr marL="169863" indent="0">
-              <a:buNone/>
-            </a:pPr>
+              <a:t>.js application</a:t>
+            </a:r>
+          </a:p>
+          <a:p>
             <a:r>
               <a:rPr lang="en-US" sz="1800" dirty="0"/>
-              <a:t>If the asynchronous code does not execute successfully the reject function is called</a:t>
-            </a:r>
-          </a:p>
-          <a:p>
-            <a:endParaRPr lang="en-US" sz="1800" dirty="0"/>
+              <a:t>How to create and run a </a:t>
+            </a:r>
+            <a:r>
+              <a:rPr lang="en-US" sz="1800"/>
+              <a:t>simple node</a:t>
+            </a:r>
+            <a:r>
+              <a:rPr lang="en-US" sz="1800" dirty="0"/>
+              <a:t>.js web server</a:t>
+            </a:r>
+          </a:p>
+          <a:p>
+            <a:r>
+              <a:rPr lang="en-US" sz="1800"/>
+              <a:t>How to write asynchronous code with callbacks, promises, and async-await</a:t>
+            </a:r>
           </a:p>
         </p:txBody>
       </p:sp>
@@ -8846,1148 +10010,6 @@
             <a:fld id="{34B7E4EF-A1BD-40F4-AB7B-04F084DD991D}" type="slidenum">
               <a:rPr lang="en-US" smtClean="0"/>
               <a:t>30</a:t>
-            </a:fld>
-            <a:endParaRPr lang="en-US" dirty="0"/>
-          </a:p>
-        </p:txBody>
-      </p:sp>
-    </p:spTree>
-    <p:extLst>
-      <p:ext uri="{BB962C8B-B14F-4D97-AF65-F5344CB8AC3E}">
-        <p14:creationId xmlns:p14="http://schemas.microsoft.com/office/powerpoint/2010/main" val="3592713350"/>
-      </p:ext>
-    </p:extLst>
-  </p:cSld>
-  <p:clrMapOvr>
-    <a:masterClrMapping/>
-  </p:clrMapOvr>
-</p:sld>
-</file>
-
-<file path=ppt/slides/slide31.xml><?xml version="1.0" encoding="utf-8"?>
-<p:sld xmlns:a="http://schemas.openxmlformats.org/drawingml/2006/main" xmlns:r="http://schemas.openxmlformats.org/officeDocument/2006/relationships" xmlns:p="http://schemas.openxmlformats.org/presentationml/2006/main">
-  <p:cSld>
-    <p:spTree>
-      <p:nvGrpSpPr>
-        <p:cNvPr id="1" name=""/>
-        <p:cNvGrpSpPr/>
-        <p:nvPr/>
-      </p:nvGrpSpPr>
-      <p:grpSpPr>
-        <a:xfrm>
-          <a:off x="0" y="0"/>
-          <a:ext cx="0" cy="0"/>
-          <a:chOff x="0" y="0"/>
-          <a:chExt cx="0" cy="0"/>
-        </a:xfrm>
-      </p:grpSpPr>
-      <p:sp>
-        <p:nvSpPr>
-          <p:cNvPr id="2" name="Title 1">
-            <a:extLst>
-              <a:ext uri="{FF2B5EF4-FFF2-40B4-BE49-F238E27FC236}">
-                <a16:creationId xmlns:a16="http://schemas.microsoft.com/office/drawing/2014/main" id="{BDFAC13C-59B1-436E-B58F-C304E1C705CF}"/>
-              </a:ext>
-            </a:extLst>
-          </p:cNvPr>
-          <p:cNvSpPr>
-            <a:spLocks noGrp="1"/>
-          </p:cNvSpPr>
-          <p:nvPr>
-            <p:ph type="title"/>
-          </p:nvPr>
-        </p:nvSpPr>
-        <p:spPr>
-          <a:xfrm>
-            <a:off x="664234" y="733579"/>
-            <a:ext cx="9038566" cy="1371600"/>
-          </a:xfrm>
-        </p:spPr>
-        <p:txBody>
-          <a:bodyPr>
-            <a:normAutofit/>
-          </a:bodyPr>
-          <a:lstStyle/>
-          <a:p>
-            <a:r>
-              <a:rPr lang="en-US" u="sng" dirty="0"/>
-              <a:t>Asynchronous JS Via async-await</a:t>
-            </a:r>
-          </a:p>
-        </p:txBody>
-      </p:sp>
-      <p:sp>
-        <p:nvSpPr>
-          <p:cNvPr id="3" name="Content Placeholder 2">
-            <a:extLst>
-              <a:ext uri="{FF2B5EF4-FFF2-40B4-BE49-F238E27FC236}">
-                <a16:creationId xmlns:a16="http://schemas.microsoft.com/office/drawing/2014/main" id="{844A3DC5-46BF-4BFF-8008-98FD467C4904}"/>
-              </a:ext>
-            </a:extLst>
-          </p:cNvPr>
-          <p:cNvSpPr>
-            <a:spLocks noGrp="1"/>
-          </p:cNvSpPr>
-          <p:nvPr>
-            <p:ph idx="1"/>
-          </p:nvPr>
-        </p:nvSpPr>
-        <p:spPr>
-          <a:xfrm>
-            <a:off x="1066800" y="2733472"/>
-            <a:ext cx="10058400" cy="3159328"/>
-          </a:xfrm>
-        </p:spPr>
-        <p:txBody>
-          <a:bodyPr>
-            <a:normAutofit/>
-          </a:bodyPr>
-          <a:lstStyle/>
-          <a:p>
-            <a:r>
-              <a:rPr lang="en-US" sz="1800" dirty="0"/>
-              <a:t>Async functions let the programmer write promise based code as if it were synchronous, but without blocking the execution thread. It operates asynchronously via the event-loop. Async functions will always return a value (promise)</a:t>
-            </a:r>
-          </a:p>
-          <a:p>
-            <a:r>
-              <a:rPr lang="en-US" sz="1800" dirty="0"/>
-              <a:t>The await operator is used to wait for a Promise. It can be used inside an Async block only. The keyword Await makes JavaScript wait until the promise returns a result</a:t>
-            </a:r>
-          </a:p>
-          <a:p>
-            <a:r>
-              <a:rPr lang="en-US" sz="1800" dirty="0"/>
-              <a:t>Shown on the following 2 pages is the simple code example with the callback replaced by async-await</a:t>
-            </a:r>
-          </a:p>
-        </p:txBody>
-      </p:sp>
-      <p:sp>
-        <p:nvSpPr>
-          <p:cNvPr id="5" name="Slide Number Placeholder 4"/>
-          <p:cNvSpPr>
-            <a:spLocks noGrp="1"/>
-          </p:cNvSpPr>
-          <p:nvPr>
-            <p:ph type="sldNum" sz="quarter" idx="12"/>
-          </p:nvPr>
-        </p:nvSpPr>
-        <p:spPr/>
-        <p:txBody>
-          <a:bodyPr/>
-          <a:lstStyle/>
-          <a:p>
-            <a:fld id="{34B7E4EF-A1BD-40F4-AB7B-04F084DD991D}" type="slidenum">
-              <a:rPr lang="en-US" smtClean="0"/>
-              <a:t>31</a:t>
-            </a:fld>
-            <a:endParaRPr lang="en-US" dirty="0"/>
-          </a:p>
-        </p:txBody>
-      </p:sp>
-      <p:sp>
-        <p:nvSpPr>
-          <p:cNvPr id="6" name="Rectangle 5">
-            <a:extLst>
-              <a:ext uri="{FF2B5EF4-FFF2-40B4-BE49-F238E27FC236}">
-                <a16:creationId xmlns:a16="http://schemas.microsoft.com/office/drawing/2014/main" id="{0C71533A-4A29-47E2-A4D4-85E44356516A}"/>
-              </a:ext>
-            </a:extLst>
-          </p:cNvPr>
-          <p:cNvSpPr/>
-          <p:nvPr/>
-        </p:nvSpPr>
-        <p:spPr>
-          <a:xfrm>
-            <a:off x="1049867" y="5700438"/>
-            <a:ext cx="9482668" cy="830997"/>
-          </a:xfrm>
-          <a:prstGeom prst="rect">
-            <a:avLst/>
-          </a:prstGeom>
-        </p:spPr>
-        <p:txBody>
-          <a:bodyPr wrap="square">
-            <a:spAutoFit/>
-          </a:bodyPr>
-          <a:lstStyle/>
-          <a:p>
-            <a:r>
-              <a:rPr lang="en-US" sz="1600" b="1" dirty="0"/>
-              <a:t>Source</a:t>
-            </a:r>
-          </a:p>
-          <a:p>
-            <a:r>
-              <a:rPr lang="en-US" sz="1600" dirty="0">
-                <a:hlinkClick r:id="rId2"/>
-              </a:rPr>
-              <a:t>https://codingthesmartway.com/async-programming-with-javascript-callbacks-promises-and-async-await/</a:t>
-            </a:r>
-            <a:endParaRPr lang="en-US" sz="1600" dirty="0">
-              <a:solidFill>
-                <a:srgbClr val="00B0F0"/>
-              </a:solidFill>
-            </a:endParaRPr>
-          </a:p>
-        </p:txBody>
-      </p:sp>
-    </p:spTree>
-    <p:extLst>
-      <p:ext uri="{BB962C8B-B14F-4D97-AF65-F5344CB8AC3E}">
-        <p14:creationId xmlns:p14="http://schemas.microsoft.com/office/powerpoint/2010/main" val="2821838927"/>
-      </p:ext>
-    </p:extLst>
-  </p:cSld>
-  <p:clrMapOvr>
-    <a:masterClrMapping/>
-  </p:clrMapOvr>
-</p:sld>
-</file>
-
-<file path=ppt/slides/slide32.xml><?xml version="1.0" encoding="utf-8"?>
-<p:sld xmlns:a="http://schemas.openxmlformats.org/drawingml/2006/main" xmlns:r="http://schemas.openxmlformats.org/officeDocument/2006/relationships" xmlns:p="http://schemas.openxmlformats.org/presentationml/2006/main">
-  <p:cSld>
-    <p:spTree>
-      <p:nvGrpSpPr>
-        <p:cNvPr id="1" name=""/>
-        <p:cNvGrpSpPr/>
-        <p:nvPr/>
-      </p:nvGrpSpPr>
-      <p:grpSpPr>
-        <a:xfrm>
-          <a:off x="0" y="0"/>
-          <a:ext cx="0" cy="0"/>
-          <a:chOff x="0" y="0"/>
-          <a:chExt cx="0" cy="0"/>
-        </a:xfrm>
-      </p:grpSpPr>
-      <p:sp>
-        <p:nvSpPr>
-          <p:cNvPr id="2" name="Title 1">
-            <a:extLst>
-              <a:ext uri="{FF2B5EF4-FFF2-40B4-BE49-F238E27FC236}">
-                <a16:creationId xmlns:a16="http://schemas.microsoft.com/office/drawing/2014/main" id="{BDFAC13C-59B1-436E-B58F-C304E1C705CF}"/>
-              </a:ext>
-            </a:extLst>
-          </p:cNvPr>
-          <p:cNvSpPr>
-            <a:spLocks noGrp="1"/>
-          </p:cNvSpPr>
-          <p:nvPr>
-            <p:ph type="title"/>
-          </p:nvPr>
-        </p:nvSpPr>
-        <p:spPr>
-          <a:xfrm>
-            <a:off x="664234" y="733579"/>
-            <a:ext cx="9038566" cy="1371600"/>
-          </a:xfrm>
-        </p:spPr>
-        <p:txBody>
-          <a:bodyPr>
-            <a:normAutofit/>
-          </a:bodyPr>
-          <a:lstStyle/>
-          <a:p>
-            <a:r>
-              <a:rPr lang="en-US" u="sng" dirty="0"/>
-              <a:t>Asynchronous JS Via async-await</a:t>
-            </a:r>
-          </a:p>
-        </p:txBody>
-      </p:sp>
-      <p:sp>
-        <p:nvSpPr>
-          <p:cNvPr id="3" name="Content Placeholder 2">
-            <a:extLst>
-              <a:ext uri="{FF2B5EF4-FFF2-40B4-BE49-F238E27FC236}">
-                <a16:creationId xmlns:a16="http://schemas.microsoft.com/office/drawing/2014/main" id="{844A3DC5-46BF-4BFF-8008-98FD467C4904}"/>
-              </a:ext>
-            </a:extLst>
-          </p:cNvPr>
-          <p:cNvSpPr>
-            <a:spLocks noGrp="1"/>
-          </p:cNvSpPr>
-          <p:nvPr>
-            <p:ph idx="1"/>
-          </p:nvPr>
-        </p:nvSpPr>
-        <p:spPr>
-          <a:xfrm>
-            <a:off x="1066800" y="2733472"/>
-            <a:ext cx="10058400" cy="3159328"/>
-          </a:xfrm>
-        </p:spPr>
-        <p:txBody>
-          <a:bodyPr>
-            <a:normAutofit/>
-          </a:bodyPr>
-          <a:lstStyle/>
-          <a:p>
-            <a:pPr marL="0" indent="0">
-              <a:buNone/>
-            </a:pPr>
-            <a:r>
-              <a:rPr lang="en-US" sz="1000" dirty="0">
-                <a:latin typeface="Consolas" panose="020B0609020204030204" pitchFamily="49" charset="0"/>
-              </a:rPr>
-              <a:t>const getTodo = () =&gt; {</a:t>
-            </a:r>
-          </a:p>
-          <a:p>
-            <a:pPr marL="0" indent="0">
-              <a:buNone/>
-            </a:pPr>
-            <a:r>
-              <a:rPr lang="en-US" sz="1000" dirty="0">
-                <a:latin typeface="Consolas" panose="020B0609020204030204" pitchFamily="49" charset="0"/>
-              </a:rPr>
-              <a:t>    return new Promise((resolve, reject) =&gt; {</a:t>
-            </a:r>
-          </a:p>
-          <a:p>
-            <a:pPr marL="0" indent="0">
-              <a:buNone/>
-            </a:pPr>
-            <a:r>
-              <a:rPr lang="en-US" sz="1000" dirty="0">
-                <a:latin typeface="Consolas" panose="020B0609020204030204" pitchFamily="49" charset="0"/>
-              </a:rPr>
-              <a:t>        setTimeout(() =&gt; {</a:t>
-            </a:r>
-          </a:p>
-          <a:p>
-            <a:pPr marL="0" indent="0">
-              <a:buNone/>
-            </a:pPr>
-            <a:r>
-              <a:rPr lang="en-US" sz="1000" dirty="0">
-                <a:latin typeface="Consolas" panose="020B0609020204030204" pitchFamily="49" charset="0"/>
-              </a:rPr>
-              <a:t>            let error = false;</a:t>
-            </a:r>
-          </a:p>
-          <a:p>
-            <a:pPr marL="0" indent="0">
-              <a:buNone/>
-            </a:pPr>
-            <a:r>
-              <a:rPr lang="en-US" sz="1000" dirty="0">
-                <a:latin typeface="Consolas" panose="020B0609020204030204" pitchFamily="49" charset="0"/>
-              </a:rPr>
-              <a:t>            if(!error)</a:t>
-            </a:r>
-          </a:p>
-          <a:p>
-            <a:pPr marL="0" indent="0">
-              <a:buNone/>
-            </a:pPr>
-            <a:r>
-              <a:rPr lang="en-US" sz="1000" dirty="0">
-                <a:latin typeface="Consolas" panose="020B0609020204030204" pitchFamily="49" charset="0"/>
-              </a:rPr>
-              <a:t>                resolve({ text: 'Complete Code Example' })</a:t>
-            </a:r>
-          </a:p>
-          <a:p>
-            <a:pPr marL="0" indent="0">
-              <a:buNone/>
-            </a:pPr>
-            <a:r>
-              <a:rPr lang="en-US" sz="1000" dirty="0">
-                <a:latin typeface="Consolas" panose="020B0609020204030204" pitchFamily="49" charset="0"/>
-              </a:rPr>
-              <a:t>            else</a:t>
-            </a:r>
-          </a:p>
-          <a:p>
-            <a:pPr marL="0" indent="0">
-              <a:buNone/>
-            </a:pPr>
-            <a:r>
-              <a:rPr lang="en-US" sz="1000" dirty="0">
-                <a:latin typeface="Consolas" panose="020B0609020204030204" pitchFamily="49" charset="0"/>
-              </a:rPr>
-              <a:t>                reject()</a:t>
-            </a:r>
-          </a:p>
-          <a:p>
-            <a:pPr marL="0" indent="0">
-              <a:buNone/>
-            </a:pPr>
-            <a:r>
-              <a:rPr lang="en-US" sz="1000" dirty="0">
-                <a:latin typeface="Consolas" panose="020B0609020204030204" pitchFamily="49" charset="0"/>
-              </a:rPr>
-              <a:t>        }, 2000)     </a:t>
-            </a:r>
-          </a:p>
-          <a:p>
-            <a:pPr marL="0" indent="0">
-              <a:buNone/>
-            </a:pPr>
-            <a:r>
-              <a:rPr lang="en-US" sz="1000" dirty="0">
-                <a:latin typeface="Consolas" panose="020B0609020204030204" pitchFamily="49" charset="0"/>
-              </a:rPr>
-              <a:t>    })</a:t>
-            </a:r>
-          </a:p>
-          <a:p>
-            <a:pPr marL="0" indent="0">
-              <a:buNone/>
-            </a:pPr>
-            <a:r>
-              <a:rPr lang="en-US" sz="1000" dirty="0">
-                <a:latin typeface="Consolas" panose="020B0609020204030204" pitchFamily="49" charset="0"/>
-              </a:rPr>
-              <a:t>}</a:t>
-            </a:r>
-          </a:p>
-        </p:txBody>
-      </p:sp>
-      <p:sp>
-        <p:nvSpPr>
-          <p:cNvPr id="5" name="Slide Number Placeholder 4"/>
-          <p:cNvSpPr>
-            <a:spLocks noGrp="1"/>
-          </p:cNvSpPr>
-          <p:nvPr>
-            <p:ph type="sldNum" sz="quarter" idx="12"/>
-          </p:nvPr>
-        </p:nvSpPr>
-        <p:spPr/>
-        <p:txBody>
-          <a:bodyPr/>
-          <a:lstStyle/>
-          <a:p>
-            <a:fld id="{34B7E4EF-A1BD-40F4-AB7B-04F084DD991D}" type="slidenum">
-              <a:rPr lang="en-US" smtClean="0"/>
-              <a:t>32</a:t>
-            </a:fld>
-            <a:endParaRPr lang="en-US" dirty="0"/>
-          </a:p>
-        </p:txBody>
-      </p:sp>
-    </p:spTree>
-    <p:extLst>
-      <p:ext uri="{BB962C8B-B14F-4D97-AF65-F5344CB8AC3E}">
-        <p14:creationId xmlns:p14="http://schemas.microsoft.com/office/powerpoint/2010/main" val="3771668853"/>
-      </p:ext>
-    </p:extLst>
-  </p:cSld>
-  <p:clrMapOvr>
-    <a:masterClrMapping/>
-  </p:clrMapOvr>
-</p:sld>
-</file>
-
-<file path=ppt/slides/slide33.xml><?xml version="1.0" encoding="utf-8"?>
-<p:sld xmlns:a="http://schemas.openxmlformats.org/drawingml/2006/main" xmlns:r="http://schemas.openxmlformats.org/officeDocument/2006/relationships" xmlns:p="http://schemas.openxmlformats.org/presentationml/2006/main">
-  <p:cSld>
-    <p:spTree>
-      <p:nvGrpSpPr>
-        <p:cNvPr id="1" name=""/>
-        <p:cNvGrpSpPr/>
-        <p:nvPr/>
-      </p:nvGrpSpPr>
-      <p:grpSpPr>
-        <a:xfrm>
-          <a:off x="0" y="0"/>
-          <a:ext cx="0" cy="0"/>
-          <a:chOff x="0" y="0"/>
-          <a:chExt cx="0" cy="0"/>
-        </a:xfrm>
-      </p:grpSpPr>
-      <p:sp>
-        <p:nvSpPr>
-          <p:cNvPr id="2" name="Title 1">
-            <a:extLst>
-              <a:ext uri="{FF2B5EF4-FFF2-40B4-BE49-F238E27FC236}">
-                <a16:creationId xmlns:a16="http://schemas.microsoft.com/office/drawing/2014/main" id="{BDFAC13C-59B1-436E-B58F-C304E1C705CF}"/>
-              </a:ext>
-            </a:extLst>
-          </p:cNvPr>
-          <p:cNvSpPr>
-            <a:spLocks noGrp="1"/>
-          </p:cNvSpPr>
-          <p:nvPr>
-            <p:ph type="title"/>
-          </p:nvPr>
-        </p:nvSpPr>
-        <p:spPr>
-          <a:xfrm>
-            <a:off x="664234" y="733579"/>
-            <a:ext cx="9038566" cy="1371600"/>
-          </a:xfrm>
-        </p:spPr>
-        <p:txBody>
-          <a:bodyPr>
-            <a:normAutofit/>
-          </a:bodyPr>
-          <a:lstStyle/>
-          <a:p>
-            <a:r>
-              <a:rPr lang="en-US" u="sng" dirty="0"/>
-              <a:t>Asynchronous JS Via async-await</a:t>
-            </a:r>
-          </a:p>
-        </p:txBody>
-      </p:sp>
-      <p:sp>
-        <p:nvSpPr>
-          <p:cNvPr id="3" name="Content Placeholder 2">
-            <a:extLst>
-              <a:ext uri="{FF2B5EF4-FFF2-40B4-BE49-F238E27FC236}">
-                <a16:creationId xmlns:a16="http://schemas.microsoft.com/office/drawing/2014/main" id="{844A3DC5-46BF-4BFF-8008-98FD467C4904}"/>
-              </a:ext>
-            </a:extLst>
-          </p:cNvPr>
-          <p:cNvSpPr>
-            <a:spLocks noGrp="1"/>
-          </p:cNvSpPr>
-          <p:nvPr>
-            <p:ph idx="1"/>
-          </p:nvPr>
-        </p:nvSpPr>
-        <p:spPr>
-          <a:xfrm>
-            <a:off x="1066800" y="2733472"/>
-            <a:ext cx="10058400" cy="3159328"/>
-          </a:xfrm>
-        </p:spPr>
-        <p:txBody>
-          <a:bodyPr>
-            <a:normAutofit/>
-          </a:bodyPr>
-          <a:lstStyle/>
-          <a:p>
-            <a:pPr marL="0" indent="0">
-              <a:buNone/>
-            </a:pPr>
-            <a:r>
-              <a:rPr lang="en-US" sz="1000" dirty="0">
-                <a:latin typeface="Consolas" panose="020B0609020204030204" pitchFamily="49" charset="0"/>
-              </a:rPr>
-              <a:t>async function fetchTodo () {</a:t>
-            </a:r>
-          </a:p>
-          <a:p>
-            <a:pPr marL="0" indent="0">
-              <a:buNone/>
-            </a:pPr>
-            <a:r>
-              <a:rPr lang="en-US" sz="1000" dirty="0">
-                <a:latin typeface="Consolas" panose="020B0609020204030204" pitchFamily="49" charset="0"/>
-              </a:rPr>
-              <a:t>    const todo = await getTodo()</a:t>
-            </a:r>
-          </a:p>
-          <a:p>
-            <a:pPr marL="0" indent="0">
-              <a:buNone/>
-            </a:pPr>
-            <a:r>
-              <a:rPr lang="en-US" sz="1000" dirty="0">
-                <a:latin typeface="Consolas" panose="020B0609020204030204" pitchFamily="49" charset="0"/>
-              </a:rPr>
-              <a:t>    return todo</a:t>
-            </a:r>
-          </a:p>
-          <a:p>
-            <a:pPr marL="0" indent="0">
-              <a:buNone/>
-            </a:pPr>
-            <a:r>
-              <a:rPr lang="en-US" sz="1000" dirty="0">
-                <a:latin typeface="Consolas" panose="020B0609020204030204" pitchFamily="49" charset="0"/>
-              </a:rPr>
-              <a:t>}</a:t>
-            </a:r>
-          </a:p>
-          <a:p>
-            <a:pPr marL="0" indent="0">
-              <a:buNone/>
-            </a:pPr>
-            <a:endParaRPr lang="en-US" sz="1000" dirty="0">
-              <a:latin typeface="Consolas" panose="020B0609020204030204" pitchFamily="49" charset="0"/>
-            </a:endParaRPr>
-          </a:p>
-          <a:p>
-            <a:pPr marL="0" indent="0">
-              <a:buNone/>
-            </a:pPr>
-            <a:r>
-              <a:rPr lang="en-US" sz="1000" dirty="0">
-                <a:latin typeface="Consolas" panose="020B0609020204030204" pitchFamily="49" charset="0"/>
-              </a:rPr>
-              <a:t>fetchTodo().then(todo =&gt; console.log(todo.text))</a:t>
-            </a:r>
-          </a:p>
-        </p:txBody>
-      </p:sp>
-      <p:sp>
-        <p:nvSpPr>
-          <p:cNvPr id="5" name="Slide Number Placeholder 4"/>
-          <p:cNvSpPr>
-            <a:spLocks noGrp="1"/>
-          </p:cNvSpPr>
-          <p:nvPr>
-            <p:ph type="sldNum" sz="quarter" idx="12"/>
-          </p:nvPr>
-        </p:nvSpPr>
-        <p:spPr/>
-        <p:txBody>
-          <a:bodyPr/>
-          <a:lstStyle/>
-          <a:p>
-            <a:fld id="{34B7E4EF-A1BD-40F4-AB7B-04F084DD991D}" type="slidenum">
-              <a:rPr lang="en-US" smtClean="0"/>
-              <a:t>33</a:t>
-            </a:fld>
-            <a:endParaRPr lang="en-US" dirty="0"/>
-          </a:p>
-        </p:txBody>
-      </p:sp>
-    </p:spTree>
-    <p:extLst>
-      <p:ext uri="{BB962C8B-B14F-4D97-AF65-F5344CB8AC3E}">
-        <p14:creationId xmlns:p14="http://schemas.microsoft.com/office/powerpoint/2010/main" val="2450963996"/>
-      </p:ext>
-    </p:extLst>
-  </p:cSld>
-  <p:clrMapOvr>
-    <a:masterClrMapping/>
-  </p:clrMapOvr>
-</p:sld>
-</file>
-
-<file path=ppt/slides/slide34.xml><?xml version="1.0" encoding="utf-8"?>
-<p:sld xmlns:a="http://schemas.openxmlformats.org/drawingml/2006/main" xmlns:r="http://schemas.openxmlformats.org/officeDocument/2006/relationships" xmlns:p="http://schemas.openxmlformats.org/presentationml/2006/main">
-  <p:cSld>
-    <p:spTree>
-      <p:nvGrpSpPr>
-        <p:cNvPr id="1" name=""/>
-        <p:cNvGrpSpPr/>
-        <p:nvPr/>
-      </p:nvGrpSpPr>
-      <p:grpSpPr>
-        <a:xfrm>
-          <a:off x="0" y="0"/>
-          <a:ext cx="0" cy="0"/>
-          <a:chOff x="0" y="0"/>
-          <a:chExt cx="0" cy="0"/>
-        </a:xfrm>
-      </p:grpSpPr>
-      <p:sp>
-        <p:nvSpPr>
-          <p:cNvPr id="2" name="Title 1">
-            <a:extLst>
-              <a:ext uri="{FF2B5EF4-FFF2-40B4-BE49-F238E27FC236}">
-                <a16:creationId xmlns:a16="http://schemas.microsoft.com/office/drawing/2014/main" id="{BDFAC13C-59B1-436E-B58F-C304E1C705CF}"/>
-              </a:ext>
-            </a:extLst>
-          </p:cNvPr>
-          <p:cNvSpPr>
-            <a:spLocks noGrp="1"/>
-          </p:cNvSpPr>
-          <p:nvPr>
-            <p:ph type="title"/>
-          </p:nvPr>
-        </p:nvSpPr>
-        <p:spPr>
-          <a:xfrm>
-            <a:off x="664234" y="733579"/>
-            <a:ext cx="9038566" cy="1371600"/>
-          </a:xfrm>
-        </p:spPr>
-        <p:txBody>
-          <a:bodyPr>
-            <a:normAutofit/>
-          </a:bodyPr>
-          <a:lstStyle/>
-          <a:p>
-            <a:r>
-              <a:rPr lang="en-US" u="sng" dirty="0"/>
-              <a:t>Asynchronous JS Via async-await</a:t>
-            </a:r>
-          </a:p>
-        </p:txBody>
-      </p:sp>
-      <p:sp>
-        <p:nvSpPr>
-          <p:cNvPr id="3" name="Content Placeholder 2">
-            <a:extLst>
-              <a:ext uri="{FF2B5EF4-FFF2-40B4-BE49-F238E27FC236}">
-                <a16:creationId xmlns:a16="http://schemas.microsoft.com/office/drawing/2014/main" id="{844A3DC5-46BF-4BFF-8008-98FD467C4904}"/>
-              </a:ext>
-            </a:extLst>
-          </p:cNvPr>
-          <p:cNvSpPr>
-            <a:spLocks noGrp="1"/>
-          </p:cNvSpPr>
-          <p:nvPr>
-            <p:ph idx="1"/>
-          </p:nvPr>
-        </p:nvSpPr>
-        <p:spPr>
-          <a:xfrm>
-            <a:off x="1066800" y="2733472"/>
-            <a:ext cx="10058400" cy="3159328"/>
-          </a:xfrm>
-        </p:spPr>
-        <p:txBody>
-          <a:bodyPr>
-            <a:normAutofit/>
-          </a:bodyPr>
-          <a:lstStyle/>
-          <a:p>
-            <a:r>
-              <a:rPr lang="en-US" sz="1800" dirty="0"/>
-              <a:t>The implementation of the getTodo function has not changed.  The Promise is still  created and depending on the value of the error variable is resolved or rejected</a:t>
-            </a:r>
-          </a:p>
-          <a:p>
-            <a:r>
-              <a:rPr lang="en-US" sz="1800" dirty="0"/>
-              <a:t>What has changed is the way the getTodo function is called. A new function fetchTodo is being implemented.  The async keyword is used to indicate that this function is executing asynchronous code based on a Promise</a:t>
-            </a:r>
-          </a:p>
-          <a:p>
-            <a:endParaRPr lang="en-US" sz="1800" dirty="0"/>
-          </a:p>
-        </p:txBody>
-      </p:sp>
-      <p:sp>
-        <p:nvSpPr>
-          <p:cNvPr id="5" name="Slide Number Placeholder 4"/>
-          <p:cNvSpPr>
-            <a:spLocks noGrp="1"/>
-          </p:cNvSpPr>
-          <p:nvPr>
-            <p:ph type="sldNum" sz="quarter" idx="12"/>
-          </p:nvPr>
-        </p:nvSpPr>
-        <p:spPr/>
-        <p:txBody>
-          <a:bodyPr/>
-          <a:lstStyle/>
-          <a:p>
-            <a:fld id="{34B7E4EF-A1BD-40F4-AB7B-04F084DD991D}" type="slidenum">
-              <a:rPr lang="en-US" smtClean="0"/>
-              <a:t>34</a:t>
-            </a:fld>
-            <a:endParaRPr lang="en-US" dirty="0"/>
-          </a:p>
-        </p:txBody>
-      </p:sp>
-    </p:spTree>
-    <p:extLst>
-      <p:ext uri="{BB962C8B-B14F-4D97-AF65-F5344CB8AC3E}">
-        <p14:creationId xmlns:p14="http://schemas.microsoft.com/office/powerpoint/2010/main" val="384865524"/>
-      </p:ext>
-    </p:extLst>
-  </p:cSld>
-  <p:clrMapOvr>
-    <a:masterClrMapping/>
-  </p:clrMapOvr>
-</p:sld>
-</file>
-
-<file path=ppt/slides/slide35.xml><?xml version="1.0" encoding="utf-8"?>
-<p:sld xmlns:a="http://schemas.openxmlformats.org/drawingml/2006/main" xmlns:r="http://schemas.openxmlformats.org/officeDocument/2006/relationships" xmlns:p="http://schemas.openxmlformats.org/presentationml/2006/main">
-  <p:cSld>
-    <p:spTree>
-      <p:nvGrpSpPr>
-        <p:cNvPr id="1" name=""/>
-        <p:cNvGrpSpPr/>
-        <p:nvPr/>
-      </p:nvGrpSpPr>
-      <p:grpSpPr>
-        <a:xfrm>
-          <a:off x="0" y="0"/>
-          <a:ext cx="0" cy="0"/>
-          <a:chOff x="0" y="0"/>
-          <a:chExt cx="0" cy="0"/>
-        </a:xfrm>
-      </p:grpSpPr>
-      <p:sp>
-        <p:nvSpPr>
-          <p:cNvPr id="2" name="Title 1">
-            <a:extLst>
-              <a:ext uri="{FF2B5EF4-FFF2-40B4-BE49-F238E27FC236}">
-                <a16:creationId xmlns:a16="http://schemas.microsoft.com/office/drawing/2014/main" id="{BDFAC13C-59B1-436E-B58F-C304E1C705CF}"/>
-              </a:ext>
-            </a:extLst>
-          </p:cNvPr>
-          <p:cNvSpPr>
-            <a:spLocks noGrp="1"/>
-          </p:cNvSpPr>
-          <p:nvPr>
-            <p:ph type="title"/>
-          </p:nvPr>
-        </p:nvSpPr>
-        <p:spPr>
-          <a:xfrm>
-            <a:off x="664234" y="733579"/>
-            <a:ext cx="9038566" cy="1371600"/>
-          </a:xfrm>
-        </p:spPr>
-        <p:txBody>
-          <a:bodyPr>
-            <a:normAutofit/>
-          </a:bodyPr>
-          <a:lstStyle/>
-          <a:p>
-            <a:r>
-              <a:rPr lang="en-US" u="sng" dirty="0"/>
-              <a:t>Asynchronous JS Via async-await</a:t>
-            </a:r>
-          </a:p>
-        </p:txBody>
-      </p:sp>
-      <p:sp>
-        <p:nvSpPr>
-          <p:cNvPr id="3" name="Content Placeholder 2">
-            <a:extLst>
-              <a:ext uri="{FF2B5EF4-FFF2-40B4-BE49-F238E27FC236}">
-                <a16:creationId xmlns:a16="http://schemas.microsoft.com/office/drawing/2014/main" id="{844A3DC5-46BF-4BFF-8008-98FD467C4904}"/>
-              </a:ext>
-            </a:extLst>
-          </p:cNvPr>
-          <p:cNvSpPr>
-            <a:spLocks noGrp="1"/>
-          </p:cNvSpPr>
-          <p:nvPr>
-            <p:ph idx="1"/>
-          </p:nvPr>
-        </p:nvSpPr>
-        <p:spPr>
-          <a:xfrm>
-            <a:off x="1066800" y="2733472"/>
-            <a:ext cx="10058400" cy="3159328"/>
-          </a:xfrm>
-        </p:spPr>
-        <p:txBody>
-          <a:bodyPr>
-            <a:normAutofit/>
-          </a:bodyPr>
-          <a:lstStyle/>
-          <a:p>
-            <a:r>
-              <a:rPr lang="en-US" sz="1800" dirty="0"/>
-              <a:t>Inside of fetchTodo getTodo is called using the keyword await. This indicates that getTodo is returning a Promise and we have to wait for the Promise to be resolved (or rejected). The result of what is being returned from the promise is stored in todo</a:t>
-            </a:r>
-          </a:p>
-          <a:p>
-            <a:r>
-              <a:rPr lang="en-US" sz="1800" dirty="0"/>
-              <a:t>In the next line of code the todo object is being returned. This is possible because by using the keyword await we’re making sure the next line of code is being executed after the Promise (returned from getTodo) has been resolved</a:t>
-            </a:r>
-          </a:p>
-        </p:txBody>
-      </p:sp>
-      <p:sp>
-        <p:nvSpPr>
-          <p:cNvPr id="5" name="Slide Number Placeholder 4"/>
-          <p:cNvSpPr>
-            <a:spLocks noGrp="1"/>
-          </p:cNvSpPr>
-          <p:nvPr>
-            <p:ph type="sldNum" sz="quarter" idx="12"/>
-          </p:nvPr>
-        </p:nvSpPr>
-        <p:spPr/>
-        <p:txBody>
-          <a:bodyPr/>
-          <a:lstStyle/>
-          <a:p>
-            <a:fld id="{34B7E4EF-A1BD-40F4-AB7B-04F084DD991D}" type="slidenum">
-              <a:rPr lang="en-US" smtClean="0"/>
-              <a:t>35</a:t>
-            </a:fld>
-            <a:endParaRPr lang="en-US" dirty="0"/>
-          </a:p>
-        </p:txBody>
-      </p:sp>
-    </p:spTree>
-    <p:extLst>
-      <p:ext uri="{BB962C8B-B14F-4D97-AF65-F5344CB8AC3E}">
-        <p14:creationId xmlns:p14="http://schemas.microsoft.com/office/powerpoint/2010/main" val="2171276557"/>
-      </p:ext>
-    </p:extLst>
-  </p:cSld>
-  <p:clrMapOvr>
-    <a:masterClrMapping/>
-  </p:clrMapOvr>
-</p:sld>
-</file>
-
-<file path=ppt/slides/slide36.xml><?xml version="1.0" encoding="utf-8"?>
-<p:sld xmlns:a="http://schemas.openxmlformats.org/drawingml/2006/main" xmlns:r="http://schemas.openxmlformats.org/officeDocument/2006/relationships" xmlns:p="http://schemas.openxmlformats.org/presentationml/2006/main">
-  <p:cSld>
-    <p:spTree>
-      <p:nvGrpSpPr>
-        <p:cNvPr id="1" name=""/>
-        <p:cNvGrpSpPr/>
-        <p:nvPr/>
-      </p:nvGrpSpPr>
-      <p:grpSpPr>
-        <a:xfrm>
-          <a:off x="0" y="0"/>
-          <a:ext cx="0" cy="0"/>
-          <a:chOff x="0" y="0"/>
-          <a:chExt cx="0" cy="0"/>
-        </a:xfrm>
-      </p:grpSpPr>
-      <p:sp>
-        <p:nvSpPr>
-          <p:cNvPr id="5" name="Title 4">
-            <a:extLst>
-              <a:ext uri="{FF2B5EF4-FFF2-40B4-BE49-F238E27FC236}">
-                <a16:creationId xmlns:a16="http://schemas.microsoft.com/office/drawing/2014/main" id="{19920336-7909-426F-8081-AFA24B193F14}"/>
-              </a:ext>
-            </a:extLst>
-          </p:cNvPr>
-          <p:cNvSpPr>
-            <a:spLocks noGrp="1"/>
-          </p:cNvSpPr>
-          <p:nvPr>
-            <p:ph type="title"/>
-          </p:nvPr>
-        </p:nvSpPr>
-        <p:spPr/>
-        <p:txBody>
-          <a:bodyPr/>
-          <a:lstStyle/>
-          <a:p>
-            <a:r>
-              <a:rPr lang="en-US" cap="none"/>
-              <a:t>Conclusion</a:t>
-            </a:r>
-          </a:p>
-        </p:txBody>
-      </p:sp>
-      <p:sp>
-        <p:nvSpPr>
-          <p:cNvPr id="6" name="Text Placeholder 5">
-            <a:extLst>
-              <a:ext uri="{FF2B5EF4-FFF2-40B4-BE49-F238E27FC236}">
-                <a16:creationId xmlns:a16="http://schemas.microsoft.com/office/drawing/2014/main" id="{DAE3D404-51E4-4D64-88D7-AFA22CFBA8F7}"/>
-              </a:ext>
-            </a:extLst>
-          </p:cNvPr>
-          <p:cNvSpPr>
-            <a:spLocks noGrp="1"/>
-          </p:cNvSpPr>
-          <p:nvPr>
-            <p:ph type="body" idx="1"/>
-          </p:nvPr>
-        </p:nvSpPr>
-        <p:spPr/>
-        <p:txBody>
-          <a:bodyPr/>
-          <a:lstStyle/>
-          <a:p>
-            <a:r>
-              <a:rPr lang="en-US"/>
-              <a:t>What did we learn today?</a:t>
-            </a:r>
-          </a:p>
-        </p:txBody>
-      </p:sp>
-      <p:sp>
-        <p:nvSpPr>
-          <p:cNvPr id="4" name="Slide Number Placeholder 3">
-            <a:extLst>
-              <a:ext uri="{FF2B5EF4-FFF2-40B4-BE49-F238E27FC236}">
-                <a16:creationId xmlns:a16="http://schemas.microsoft.com/office/drawing/2014/main" id="{B3E58610-8DF0-4BC8-B28F-9775BE8BC83F}"/>
-              </a:ext>
-            </a:extLst>
-          </p:cNvPr>
-          <p:cNvSpPr>
-            <a:spLocks noGrp="1"/>
-          </p:cNvSpPr>
-          <p:nvPr>
-            <p:ph type="sldNum" sz="quarter" idx="12"/>
-          </p:nvPr>
-        </p:nvSpPr>
-        <p:spPr/>
-        <p:txBody>
-          <a:bodyPr/>
-          <a:lstStyle/>
-          <a:p>
-            <a:fld id="{34B7E4EF-A1BD-40F4-AB7B-04F084DD991D}" type="slidenum">
-              <a:rPr lang="en-US" smtClean="0"/>
-              <a:t>36</a:t>
-            </a:fld>
-            <a:endParaRPr lang="en-US" dirty="0"/>
-          </a:p>
-        </p:txBody>
-      </p:sp>
-    </p:spTree>
-    <p:extLst>
-      <p:ext uri="{BB962C8B-B14F-4D97-AF65-F5344CB8AC3E}">
-        <p14:creationId xmlns:p14="http://schemas.microsoft.com/office/powerpoint/2010/main" val="1909237733"/>
-      </p:ext>
-    </p:extLst>
-  </p:cSld>
-  <p:clrMapOvr>
-    <a:masterClrMapping/>
-  </p:clrMapOvr>
-</p:sld>
-</file>
-
-<file path=ppt/slides/slide37.xml><?xml version="1.0" encoding="utf-8"?>
-<p:sld xmlns:a="http://schemas.openxmlformats.org/drawingml/2006/main" xmlns:r="http://schemas.openxmlformats.org/officeDocument/2006/relationships" xmlns:p="http://schemas.openxmlformats.org/presentationml/2006/main">
-  <p:cSld>
-    <p:spTree>
-      <p:nvGrpSpPr>
-        <p:cNvPr id="1" name=""/>
-        <p:cNvGrpSpPr/>
-        <p:nvPr/>
-      </p:nvGrpSpPr>
-      <p:grpSpPr>
-        <a:xfrm>
-          <a:off x="0" y="0"/>
-          <a:ext cx="0" cy="0"/>
-          <a:chOff x="0" y="0"/>
-          <a:chExt cx="0" cy="0"/>
-        </a:xfrm>
-      </p:grpSpPr>
-      <p:sp>
-        <p:nvSpPr>
-          <p:cNvPr id="2" name="Title 1">
-            <a:extLst>
-              <a:ext uri="{FF2B5EF4-FFF2-40B4-BE49-F238E27FC236}">
-                <a16:creationId xmlns:a16="http://schemas.microsoft.com/office/drawing/2014/main" id="{BDFAC13C-59B1-436E-B58F-C304E1C705CF}"/>
-              </a:ext>
-            </a:extLst>
-          </p:cNvPr>
-          <p:cNvSpPr>
-            <a:spLocks noGrp="1"/>
-          </p:cNvSpPr>
-          <p:nvPr>
-            <p:ph type="title"/>
-          </p:nvPr>
-        </p:nvSpPr>
-        <p:spPr>
-          <a:xfrm>
-            <a:off x="664234" y="733579"/>
-            <a:ext cx="9038566" cy="1371600"/>
-          </a:xfrm>
-        </p:spPr>
-        <p:txBody>
-          <a:bodyPr>
-            <a:normAutofit/>
-          </a:bodyPr>
-          <a:lstStyle/>
-          <a:p>
-            <a:r>
-              <a:rPr lang="en-US" u="sng"/>
-              <a:t>What We've </a:t>
-            </a:r>
-            <a:r>
-              <a:rPr lang="en-US" u="sng" dirty="0"/>
-              <a:t>Covered</a:t>
-            </a:r>
-          </a:p>
-        </p:txBody>
-      </p:sp>
-      <p:sp>
-        <p:nvSpPr>
-          <p:cNvPr id="3" name="Content Placeholder 2">
-            <a:extLst>
-              <a:ext uri="{FF2B5EF4-FFF2-40B4-BE49-F238E27FC236}">
-                <a16:creationId xmlns:a16="http://schemas.microsoft.com/office/drawing/2014/main" id="{844A3DC5-46BF-4BFF-8008-98FD467C4904}"/>
-              </a:ext>
-            </a:extLst>
-          </p:cNvPr>
-          <p:cNvSpPr>
-            <a:spLocks noGrp="1"/>
-          </p:cNvSpPr>
-          <p:nvPr>
-            <p:ph idx="1"/>
-          </p:nvPr>
-        </p:nvSpPr>
-        <p:spPr>
-          <a:xfrm>
-            <a:off x="1066800" y="2733472"/>
-            <a:ext cx="10058400" cy="3301568"/>
-          </a:xfrm>
-        </p:spPr>
-        <p:txBody>
-          <a:bodyPr>
-            <a:normAutofit/>
-          </a:bodyPr>
-          <a:lstStyle/>
-          <a:p>
-            <a:r>
-              <a:rPr lang="en-US" sz="1800" dirty="0"/>
-              <a:t>The Node.js installation process</a:t>
-            </a:r>
-          </a:p>
-          <a:p>
-            <a:r>
-              <a:rPr lang="en-US" sz="1800" dirty="0"/>
-              <a:t>How to create and run a simple Node.js application</a:t>
-            </a:r>
-          </a:p>
-          <a:p>
-            <a:r>
-              <a:rPr lang="en-US" sz="1800" dirty="0"/>
-              <a:t>How to create and run a simple Node.js web server</a:t>
-            </a:r>
-          </a:p>
-          <a:p>
-            <a:r>
-              <a:rPr lang="en-US" sz="1800" dirty="0"/>
-              <a:t>Asynchronous JavaScript using callbacks</a:t>
-            </a:r>
-          </a:p>
-          <a:p>
-            <a:r>
-              <a:rPr lang="en-US" sz="1800" dirty="0"/>
-              <a:t>Asynchronous JavaScript using promises</a:t>
-            </a:r>
-          </a:p>
-          <a:p>
-            <a:r>
-              <a:rPr lang="en-US" sz="1800" dirty="0"/>
-              <a:t>Asynchronous JavaScript using async-await</a:t>
-            </a:r>
-          </a:p>
-          <a:p>
-            <a:pPr marL="169863" indent="0">
-              <a:buNone/>
-            </a:pPr>
-            <a:endParaRPr lang="en-US" sz="1800" dirty="0"/>
-          </a:p>
-          <a:p>
-            <a:endParaRPr lang="en-US" sz="1800" dirty="0"/>
-          </a:p>
-        </p:txBody>
-      </p:sp>
-      <p:sp>
-        <p:nvSpPr>
-          <p:cNvPr id="5" name="Slide Number Placeholder 4"/>
-          <p:cNvSpPr>
-            <a:spLocks noGrp="1"/>
-          </p:cNvSpPr>
-          <p:nvPr>
-            <p:ph type="sldNum" sz="quarter" idx="12"/>
-          </p:nvPr>
-        </p:nvSpPr>
-        <p:spPr/>
-        <p:txBody>
-          <a:bodyPr/>
-          <a:lstStyle/>
-          <a:p>
-            <a:fld id="{34B7E4EF-A1BD-40F4-AB7B-04F084DD991D}" type="slidenum">
-              <a:rPr lang="en-US" smtClean="0"/>
-              <a:t>37</a:t>
             </a:fld>
             <a:endParaRPr lang="en-US" dirty="0"/>
           </a:p>

--- a/unit_01/slides/Unit01-PartI.pptx
+++ b/unit_01/slides/Unit01-PartI.pptx
@@ -226,7 +226,7 @@
           <a:p>
             <a:fld id="{DEF45A3F-F083-4E1A-8339-FCD652B27D36}" type="datetimeFigureOut">
               <a:rPr lang="en-US" smtClean="0"/>
-              <a:t>9/2/2020</a:t>
+              <a:t>9/3/2020</a:t>
             </a:fld>
             <a:endParaRPr lang="en-US" dirty="0"/>
           </a:p>
@@ -1046,7 +1046,7 @@
           <a:p>
             <a:fld id="{EB2553B6-A683-4C13-ADF3-6E78B5B860F6}" type="datetime1">
               <a:rPr lang="en-US" smtClean="0"/>
-              <a:t>9/2/2020</a:t>
+              <a:t>9/3/2020</a:t>
             </a:fld>
             <a:endParaRPr lang="en-US" dirty="0"/>
           </a:p>
@@ -1248,7 +1248,7 @@
           <a:p>
             <a:fld id="{6DA00B11-1D47-4652-AEE5-4C2B1235CB66}" type="datetime1">
               <a:rPr lang="en-US" smtClean="0"/>
-              <a:t>9/2/2020</a:t>
+              <a:t>9/3/2020</a:t>
             </a:fld>
             <a:endParaRPr lang="en-US" dirty="0"/>
           </a:p>
@@ -1847,7 +1847,7 @@
           <a:p>
             <a:fld id="{90AC2323-8C5A-462B-92B9-62EA14FA9E94}" type="datetime1">
               <a:rPr lang="en-US" smtClean="0"/>
-              <a:t>9/2/2020</a:t>
+              <a:t>9/3/2020</a:t>
             </a:fld>
             <a:endParaRPr lang="en-US" dirty="0"/>
           </a:p>
@@ -2167,7 +2167,7 @@
           <a:p>
             <a:fld id="{10DC40C2-59E9-46C8-B03E-7C20E5F4F12D}" type="datetime1">
               <a:rPr lang="en-US" smtClean="0"/>
-              <a:t>9/2/2020</a:t>
+              <a:t>9/3/2020</a:t>
             </a:fld>
             <a:endParaRPr lang="en-US" dirty="0"/>
           </a:p>
@@ -2604,7 +2604,7 @@
           <a:p>
             <a:fld id="{7FBC8CB6-941B-4270-8276-FD8E92A373DA}" type="datetime1">
               <a:rPr lang="en-US" smtClean="0"/>
-              <a:t>9/2/2020</a:t>
+              <a:t>9/3/2020</a:t>
             </a:fld>
             <a:endParaRPr lang="en-US" dirty="0"/>
           </a:p>
@@ -2722,7 +2722,7 @@
           <a:p>
             <a:fld id="{15E57E43-E251-46CB-9ADD-5572689A0D73}" type="datetime1">
               <a:rPr lang="en-US" smtClean="0"/>
-              <a:t>9/2/2020</a:t>
+              <a:t>9/3/2020</a:t>
             </a:fld>
             <a:endParaRPr lang="en-US" dirty="0"/>
           </a:p>
@@ -2817,7 +2817,7 @@
           <a:p>
             <a:fld id="{9582FC12-F480-42AE-9F3F-3DA69EB64A0D}" type="datetime1">
               <a:rPr lang="en-US" smtClean="0"/>
-              <a:t>9/2/2020</a:t>
+              <a:t>9/3/2020</a:t>
             </a:fld>
             <a:endParaRPr lang="en-US" dirty="0"/>
           </a:p>
@@ -3234,7 +3234,7 @@
           <a:p>
             <a:fld id="{545CEF3F-6F6A-4297-B757-FFB5D4A3AD64}" type="datetime1">
               <a:rPr lang="en-US" smtClean="0"/>
-              <a:t>9/2/2020</a:t>
+              <a:t>9/3/2020</a:t>
             </a:fld>
             <a:endParaRPr lang="en-US" dirty="0"/>
           </a:p>
@@ -3494,7 +3494,7 @@
           <a:p>
             <a:fld id="{EE2F6E23-5248-4ECD-8C29-1FB95B395C86}" type="datetime1">
               <a:rPr lang="en-US" smtClean="0"/>
-              <a:t>9/2/2020</a:t>
+              <a:t>9/3/2020</a:t>
             </a:fld>
             <a:endParaRPr lang="en-US" dirty="0"/>
           </a:p>
@@ -4010,7 +4010,7 @@
           <a:p>
             <a:fld id="{5DE9F2A3-885D-46CC-9642-01CAAE4EB600}" type="datetime1">
               <a:rPr lang="en-US" smtClean="0"/>
-              <a:t>9/2/2020</a:t>
+              <a:t>9/3/2020</a:t>
             </a:fld>
             <a:endParaRPr lang="en-US" dirty="0"/>
           </a:p>
@@ -6992,53 +6992,6 @@
               <a:t>20</a:t>
             </a:fld>
             <a:endParaRPr lang="en-US" dirty="0"/>
-          </a:p>
-        </p:txBody>
-      </p:sp>
-      <p:sp>
-        <p:nvSpPr>
-          <p:cNvPr id="6" name="Rectangle 5">
-            <a:extLst>
-              <a:ext uri="{FF2B5EF4-FFF2-40B4-BE49-F238E27FC236}">
-                <a16:creationId xmlns:a16="http://schemas.microsoft.com/office/drawing/2014/main" id="{0C71533A-4A29-47E2-A4D4-85E44356516A}"/>
-              </a:ext>
-            </a:extLst>
-          </p:cNvPr>
-          <p:cNvSpPr/>
-          <p:nvPr/>
-        </p:nvSpPr>
-        <p:spPr>
-          <a:xfrm>
-            <a:off x="1066800" y="5818971"/>
-            <a:ext cx="10058400" cy="584775"/>
-          </a:xfrm>
-          <a:prstGeom prst="rect">
-            <a:avLst/>
-          </a:prstGeom>
-        </p:spPr>
-        <p:txBody>
-          <a:bodyPr wrap="square">
-            <a:spAutoFit/>
-          </a:bodyPr>
-          <a:lstStyle/>
-          <a:p>
-            <a:r>
-              <a:rPr lang="en-US" sz="1600" b="1" dirty="0"/>
-              <a:t>Source</a:t>
-            </a:r>
-          </a:p>
-          <a:p>
-            <a:r>
-              <a:rPr lang="en-US" sz="1600" dirty="0">
-                <a:hlinkClick r:id="rId2"/>
-              </a:rPr>
-              <a:t>https://developer.mozilla.org/en-US/docs/Learn/JavaScript/Asynchronous/Concepts</a:t>
-            </a:r>
-            <a:endParaRPr lang="en-US" sz="1600" dirty="0">
-              <a:solidFill>
-                <a:srgbClr val="00B0F0"/>
-              </a:solidFill>
-            </a:endParaRPr>
           </a:p>
         </p:txBody>
       </p:sp>
@@ -11584,6 +11537,15 @@
 </file>
 
 <file path=customXml/item1.xml><?xml version="1.0" encoding="utf-8"?>
+<p:properties xmlns:p="http://schemas.microsoft.com/office/2006/metadata/properties" xmlns:xsi="http://www.w3.org/2001/XMLSchema-instance" xmlns:pc="http://schemas.microsoft.com/office/infopath/2007/PartnerControls">
+  <documentManagement>
+    <Status xmlns="71af3243-3dd4-4a8d-8c0d-dd76da1f02a5">Not started</Status>
+    <MediaServiceKeyPoints xmlns="71af3243-3dd4-4a8d-8c0d-dd76da1f02a5" xsi:nil="true"/>
+  </documentManagement>
+</p:properties>
+</file>
+
+<file path=customXml/item2.xml><?xml version="1.0" encoding="utf-8"?>
 <ct:contentTypeSchema xmlns:ct="http://schemas.microsoft.com/office/2006/metadata/contentType" xmlns:ma="http://schemas.microsoft.com/office/2006/metadata/properties/metaAttributes" ct:_="" ma:_="" ma:contentTypeName="Document" ma:contentTypeID="0x01010079F111ED35F8CC479449609E8A0923A6" ma:contentTypeVersion="12" ma:contentTypeDescription="Create a new document." ma:contentTypeScope="" ma:versionID="a410dd7f93c95333ffa1b60ed6adedd1">
   <xsd:schema xmlns:xsd="http://www.w3.org/2001/XMLSchema" xmlns:xs="http://www.w3.org/2001/XMLSchema" xmlns:p="http://schemas.microsoft.com/office/2006/metadata/properties" xmlns:ns2="71af3243-3dd4-4a8d-8c0d-dd76da1f02a5" xmlns:ns3="16c05727-aa75-4e4a-9b5f-8a80a1165891" targetNamespace="http://schemas.microsoft.com/office/2006/metadata/properties" ma:root="true" ma:fieldsID="a936d9baba76aa3866493feff160faab" ns2:_="" ns3:_="">
     <xsd:import namespace="71af3243-3dd4-4a8d-8c0d-dd76da1f02a5"/>
@@ -11804,15 +11766,6 @@
 </ct:contentTypeSchema>
 </file>
 
-<file path=customXml/item2.xml><?xml version="1.0" encoding="utf-8"?>
-<p:properties xmlns:p="http://schemas.microsoft.com/office/2006/metadata/properties" xmlns:xsi="http://www.w3.org/2001/XMLSchema-instance" xmlns:pc="http://schemas.microsoft.com/office/infopath/2007/PartnerControls">
-  <documentManagement>
-    <Status xmlns="71af3243-3dd4-4a8d-8c0d-dd76da1f02a5">Not started</Status>
-    <MediaServiceKeyPoints xmlns="71af3243-3dd4-4a8d-8c0d-dd76da1f02a5" xsi:nil="true"/>
-  </documentManagement>
-</p:properties>
-</file>
-
 <file path=customXml/item3.xml><?xml version="1.0" encoding="utf-8"?>
 <?mso-contentType ?>
 <FormTemplates xmlns="http://schemas.microsoft.com/sharepoint/v3/contenttype/forms">
@@ -11823,6 +11776,23 @@
 </file>
 
 <file path=customXml/itemProps1.xml><?xml version="1.0" encoding="utf-8"?>
+<ds:datastoreItem xmlns:ds="http://schemas.openxmlformats.org/officeDocument/2006/customXml" ds:itemID="{137651BA-F45C-4845-9AB3-E0A65B39F5E1}">
+  <ds:schemaRefs>
+    <ds:schemaRef ds:uri="http://purl.org/dc/terms/"/>
+    <ds:schemaRef ds:uri="http://schemas.openxmlformats.org/package/2006/metadata/core-properties"/>
+    <ds:schemaRef ds:uri="16c05727-aa75-4e4a-9b5f-8a80a1165891"/>
+    <ds:schemaRef ds:uri="http://schemas.microsoft.com/office/2006/documentManagement/types"/>
+    <ds:schemaRef ds:uri="http://schemas.microsoft.com/office/infopath/2007/PartnerControls"/>
+    <ds:schemaRef ds:uri="http://purl.org/dc/elements/1.1/"/>
+    <ds:schemaRef ds:uri="http://schemas.microsoft.com/office/2006/metadata/properties"/>
+    <ds:schemaRef ds:uri="71af3243-3dd4-4a8d-8c0d-dd76da1f02a5"/>
+    <ds:schemaRef ds:uri="http://www.w3.org/XML/1998/namespace"/>
+    <ds:schemaRef ds:uri="http://purl.org/dc/dcmitype/"/>
+  </ds:schemaRefs>
+</ds:datastoreItem>
+</file>
+
+<file path=customXml/itemProps2.xml><?xml version="1.0" encoding="utf-8"?>
 <ds:datastoreItem xmlns:ds="http://schemas.openxmlformats.org/officeDocument/2006/customXml" ds:itemID="{2D276E62-80A3-44DD-9BCC-97ED2B99B57F}">
   <ds:schemaRefs>
     <ds:schemaRef ds:uri="http://schemas.microsoft.com/office/2006/metadata/contentType"/>
@@ -11841,23 +11811,6 @@
 </ds:datastoreItem>
 </file>
 
-<file path=customXml/itemProps2.xml><?xml version="1.0" encoding="utf-8"?>
-<ds:datastoreItem xmlns:ds="http://schemas.openxmlformats.org/officeDocument/2006/customXml" ds:itemID="{137651BA-F45C-4845-9AB3-E0A65B39F5E1}">
-  <ds:schemaRefs>
-    <ds:schemaRef ds:uri="http://purl.org/dc/terms/"/>
-    <ds:schemaRef ds:uri="http://schemas.openxmlformats.org/package/2006/metadata/core-properties"/>
-    <ds:schemaRef ds:uri="16c05727-aa75-4e4a-9b5f-8a80a1165891"/>
-    <ds:schemaRef ds:uri="http://schemas.microsoft.com/office/2006/documentManagement/types"/>
-    <ds:schemaRef ds:uri="http://schemas.microsoft.com/office/infopath/2007/PartnerControls"/>
-    <ds:schemaRef ds:uri="http://purl.org/dc/elements/1.1/"/>
-    <ds:schemaRef ds:uri="http://schemas.microsoft.com/office/2006/metadata/properties"/>
-    <ds:schemaRef ds:uri="71af3243-3dd4-4a8d-8c0d-dd76da1f02a5"/>
-    <ds:schemaRef ds:uri="http://www.w3.org/XML/1998/namespace"/>
-    <ds:schemaRef ds:uri="http://purl.org/dc/dcmitype/"/>
-  </ds:schemaRefs>
-</ds:datastoreItem>
-</file>
-
 <file path=customXml/itemProps3.xml><?xml version="1.0" encoding="utf-8"?>
 <ds:datastoreItem xmlns:ds="http://schemas.openxmlformats.org/officeDocument/2006/customXml" ds:itemID="{CDB58277-F8DF-46FF-84EC-EF41B835E69F}">
   <ds:schemaRefs>

--- a/unit_01/slides/Unit01-PartI.pptx
+++ b/unit_01/slides/Unit01-PartI.pptx
@@ -226,7 +226,7 @@
           <a:p>
             <a:fld id="{DEF45A3F-F083-4E1A-8339-FCD652B27D36}" type="datetimeFigureOut">
               <a:rPr lang="en-US" smtClean="0"/>
-              <a:t>9/3/2020</a:t>
+              <a:t>9/8/2020</a:t>
             </a:fld>
             <a:endParaRPr lang="en-US" dirty="0"/>
           </a:p>
@@ -1046,7 +1046,7 @@
           <a:p>
             <a:fld id="{EB2553B6-A683-4C13-ADF3-6E78B5B860F6}" type="datetime1">
               <a:rPr lang="en-US" smtClean="0"/>
-              <a:t>9/3/2020</a:t>
+              <a:t>9/8/2020</a:t>
             </a:fld>
             <a:endParaRPr lang="en-US" dirty="0"/>
           </a:p>
@@ -1248,7 +1248,7 @@
           <a:p>
             <a:fld id="{6DA00B11-1D47-4652-AEE5-4C2B1235CB66}" type="datetime1">
               <a:rPr lang="en-US" smtClean="0"/>
-              <a:t>9/3/2020</a:t>
+              <a:t>9/8/2020</a:t>
             </a:fld>
             <a:endParaRPr lang="en-US" dirty="0"/>
           </a:p>
@@ -1847,7 +1847,7 @@
           <a:p>
             <a:fld id="{90AC2323-8C5A-462B-92B9-62EA14FA9E94}" type="datetime1">
               <a:rPr lang="en-US" smtClean="0"/>
-              <a:t>9/3/2020</a:t>
+              <a:t>9/8/2020</a:t>
             </a:fld>
             <a:endParaRPr lang="en-US" dirty="0"/>
           </a:p>
@@ -2167,7 +2167,7 @@
           <a:p>
             <a:fld id="{10DC40C2-59E9-46C8-B03E-7C20E5F4F12D}" type="datetime1">
               <a:rPr lang="en-US" smtClean="0"/>
-              <a:t>9/3/2020</a:t>
+              <a:t>9/8/2020</a:t>
             </a:fld>
             <a:endParaRPr lang="en-US" dirty="0"/>
           </a:p>
@@ -2604,7 +2604,7 @@
           <a:p>
             <a:fld id="{7FBC8CB6-941B-4270-8276-FD8E92A373DA}" type="datetime1">
               <a:rPr lang="en-US" smtClean="0"/>
-              <a:t>9/3/2020</a:t>
+              <a:t>9/8/2020</a:t>
             </a:fld>
             <a:endParaRPr lang="en-US" dirty="0"/>
           </a:p>
@@ -2722,7 +2722,7 @@
           <a:p>
             <a:fld id="{15E57E43-E251-46CB-9ADD-5572689A0D73}" type="datetime1">
               <a:rPr lang="en-US" smtClean="0"/>
-              <a:t>9/3/2020</a:t>
+              <a:t>9/8/2020</a:t>
             </a:fld>
             <a:endParaRPr lang="en-US" dirty="0"/>
           </a:p>
@@ -2817,7 +2817,7 @@
           <a:p>
             <a:fld id="{9582FC12-F480-42AE-9F3F-3DA69EB64A0D}" type="datetime1">
               <a:rPr lang="en-US" smtClean="0"/>
-              <a:t>9/3/2020</a:t>
+              <a:t>9/8/2020</a:t>
             </a:fld>
             <a:endParaRPr lang="en-US" dirty="0"/>
           </a:p>
@@ -3234,7 +3234,7 @@
           <a:p>
             <a:fld id="{545CEF3F-6F6A-4297-B757-FFB5D4A3AD64}" type="datetime1">
               <a:rPr lang="en-US" smtClean="0"/>
-              <a:t>9/3/2020</a:t>
+              <a:t>9/8/2020</a:t>
             </a:fld>
             <a:endParaRPr lang="en-US" dirty="0"/>
           </a:p>
@@ -3494,7 +3494,7 @@
           <a:p>
             <a:fld id="{EE2F6E23-5248-4ECD-8C29-1FB95B395C86}" type="datetime1">
               <a:rPr lang="en-US" smtClean="0"/>
-              <a:t>9/3/2020</a:t>
+              <a:t>9/8/2020</a:t>
             </a:fld>
             <a:endParaRPr lang="en-US" dirty="0"/>
           </a:p>
@@ -4010,7 +4010,7 @@
           <a:p>
             <a:fld id="{5DE9F2A3-885D-46CC-9642-01CAAE4EB600}" type="datetime1">
               <a:rPr lang="en-US" smtClean="0"/>
-              <a:t>9/3/2020</a:t>
+              <a:t>9/8/2020</a:t>
             </a:fld>
             <a:endParaRPr lang="en-US" dirty="0"/>
           </a:p>
@@ -5229,7 +5229,7 @@
               <a:rPr lang="en-US" sz="1800" b="1">
                 <a:latin typeface="Consolas" panose="020B0609020204030204" pitchFamily="49" charset="0"/>
               </a:rPr>
-              <a:t>node program1.js</a:t>
+              <a:t>node program2.js</a:t>
             </a:r>
           </a:p>
           <a:p>
@@ -7492,13 +7492,13 @@
               <a:rPr lang="en-US" sz="1800" dirty="0">
                 <a:latin typeface="Consolas" panose="020B0609020204030204" pitchFamily="49" charset="0"/>
               </a:rPr>
-              <a:t>.log(todo.</a:t>
+              <a:t>.log</a:t>
             </a:r>
             <a:r>
               <a:rPr lang="en-US" sz="1800">
                 <a:latin typeface="Consolas" panose="020B0609020204030204" pitchFamily="49" charset="0"/>
               </a:rPr>
-              <a:t>text));</a:t>
+              <a:t>(todo));</a:t>
             </a:r>
             <a:endParaRPr lang="en-US" sz="1800" dirty="0">
               <a:latin typeface="Consolas" panose="020B0609020204030204" pitchFamily="49" charset="0"/>
@@ -9224,7 +9224,7 @@
               <a:rPr lang="en-US" sz="1800">
                 <a:latin typeface="Consolas" panose="020B0609020204030204" pitchFamily="49" charset="0"/>
               </a:rPr>
-              <a:t>    console.error(err)</a:t>
+              <a:t>    console.error(err);</a:t>
             </a:r>
           </a:p>
           <a:p>
@@ -11537,15 +11537,6 @@
 </file>
 
 <file path=customXml/item1.xml><?xml version="1.0" encoding="utf-8"?>
-<p:properties xmlns:p="http://schemas.microsoft.com/office/2006/metadata/properties" xmlns:xsi="http://www.w3.org/2001/XMLSchema-instance" xmlns:pc="http://schemas.microsoft.com/office/infopath/2007/PartnerControls">
-  <documentManagement>
-    <Status xmlns="71af3243-3dd4-4a8d-8c0d-dd76da1f02a5">Not started</Status>
-    <MediaServiceKeyPoints xmlns="71af3243-3dd4-4a8d-8c0d-dd76da1f02a5" xsi:nil="true"/>
-  </documentManagement>
-</p:properties>
-</file>
-
-<file path=customXml/item2.xml><?xml version="1.0" encoding="utf-8"?>
 <ct:contentTypeSchema xmlns:ct="http://schemas.microsoft.com/office/2006/metadata/contentType" xmlns:ma="http://schemas.microsoft.com/office/2006/metadata/properties/metaAttributes" ct:_="" ma:_="" ma:contentTypeName="Document" ma:contentTypeID="0x01010079F111ED35F8CC479449609E8A0923A6" ma:contentTypeVersion="12" ma:contentTypeDescription="Create a new document." ma:contentTypeScope="" ma:versionID="a410dd7f93c95333ffa1b60ed6adedd1">
   <xsd:schema xmlns:xsd="http://www.w3.org/2001/XMLSchema" xmlns:xs="http://www.w3.org/2001/XMLSchema" xmlns:p="http://schemas.microsoft.com/office/2006/metadata/properties" xmlns:ns2="71af3243-3dd4-4a8d-8c0d-dd76da1f02a5" xmlns:ns3="16c05727-aa75-4e4a-9b5f-8a80a1165891" targetNamespace="http://schemas.microsoft.com/office/2006/metadata/properties" ma:root="true" ma:fieldsID="a936d9baba76aa3866493feff160faab" ns2:_="" ns3:_="">
     <xsd:import namespace="71af3243-3dd4-4a8d-8c0d-dd76da1f02a5"/>
@@ -11766,6 +11757,15 @@
 </ct:contentTypeSchema>
 </file>
 
+<file path=customXml/item2.xml><?xml version="1.0" encoding="utf-8"?>
+<p:properties xmlns:p="http://schemas.microsoft.com/office/2006/metadata/properties" xmlns:xsi="http://www.w3.org/2001/XMLSchema-instance" xmlns:pc="http://schemas.microsoft.com/office/infopath/2007/PartnerControls">
+  <documentManagement>
+    <Status xmlns="71af3243-3dd4-4a8d-8c0d-dd76da1f02a5">Not started</Status>
+    <MediaServiceKeyPoints xmlns="71af3243-3dd4-4a8d-8c0d-dd76da1f02a5" xsi:nil="true"/>
+  </documentManagement>
+</p:properties>
+</file>
+
 <file path=customXml/item3.xml><?xml version="1.0" encoding="utf-8"?>
 <?mso-contentType ?>
 <FormTemplates xmlns="http://schemas.microsoft.com/sharepoint/v3/contenttype/forms">
@@ -11776,23 +11776,6 @@
 </file>
 
 <file path=customXml/itemProps1.xml><?xml version="1.0" encoding="utf-8"?>
-<ds:datastoreItem xmlns:ds="http://schemas.openxmlformats.org/officeDocument/2006/customXml" ds:itemID="{137651BA-F45C-4845-9AB3-E0A65B39F5E1}">
-  <ds:schemaRefs>
-    <ds:schemaRef ds:uri="http://purl.org/dc/terms/"/>
-    <ds:schemaRef ds:uri="http://schemas.openxmlformats.org/package/2006/metadata/core-properties"/>
-    <ds:schemaRef ds:uri="16c05727-aa75-4e4a-9b5f-8a80a1165891"/>
-    <ds:schemaRef ds:uri="http://schemas.microsoft.com/office/2006/documentManagement/types"/>
-    <ds:schemaRef ds:uri="http://schemas.microsoft.com/office/infopath/2007/PartnerControls"/>
-    <ds:schemaRef ds:uri="http://purl.org/dc/elements/1.1/"/>
-    <ds:schemaRef ds:uri="http://schemas.microsoft.com/office/2006/metadata/properties"/>
-    <ds:schemaRef ds:uri="71af3243-3dd4-4a8d-8c0d-dd76da1f02a5"/>
-    <ds:schemaRef ds:uri="http://www.w3.org/XML/1998/namespace"/>
-    <ds:schemaRef ds:uri="http://purl.org/dc/dcmitype/"/>
-  </ds:schemaRefs>
-</ds:datastoreItem>
-</file>
-
-<file path=customXml/itemProps2.xml><?xml version="1.0" encoding="utf-8"?>
 <ds:datastoreItem xmlns:ds="http://schemas.openxmlformats.org/officeDocument/2006/customXml" ds:itemID="{2D276E62-80A3-44DD-9BCC-97ED2B99B57F}">
   <ds:schemaRefs>
     <ds:schemaRef ds:uri="http://schemas.microsoft.com/office/2006/metadata/contentType"/>
@@ -11811,6 +11794,23 @@
 </ds:datastoreItem>
 </file>
 
+<file path=customXml/itemProps2.xml><?xml version="1.0" encoding="utf-8"?>
+<ds:datastoreItem xmlns:ds="http://schemas.openxmlformats.org/officeDocument/2006/customXml" ds:itemID="{137651BA-F45C-4845-9AB3-E0A65B39F5E1}">
+  <ds:schemaRefs>
+    <ds:schemaRef ds:uri="http://purl.org/dc/terms/"/>
+    <ds:schemaRef ds:uri="http://schemas.openxmlformats.org/package/2006/metadata/core-properties"/>
+    <ds:schemaRef ds:uri="16c05727-aa75-4e4a-9b5f-8a80a1165891"/>
+    <ds:schemaRef ds:uri="http://schemas.microsoft.com/office/2006/documentManagement/types"/>
+    <ds:schemaRef ds:uri="http://schemas.microsoft.com/office/infopath/2007/PartnerControls"/>
+    <ds:schemaRef ds:uri="http://purl.org/dc/elements/1.1/"/>
+    <ds:schemaRef ds:uri="http://schemas.microsoft.com/office/2006/metadata/properties"/>
+    <ds:schemaRef ds:uri="71af3243-3dd4-4a8d-8c0d-dd76da1f02a5"/>
+    <ds:schemaRef ds:uri="http://www.w3.org/XML/1998/namespace"/>
+    <ds:schemaRef ds:uri="http://purl.org/dc/dcmitype/"/>
+  </ds:schemaRefs>
+</ds:datastoreItem>
+</file>
+
 <file path=customXml/itemProps3.xml><?xml version="1.0" encoding="utf-8"?>
 <ds:datastoreItem xmlns:ds="http://schemas.openxmlformats.org/officeDocument/2006/customXml" ds:itemID="{CDB58277-F8DF-46FF-84EC-EF41B835E69F}">
   <ds:schemaRefs>

--- a/unit_01/slides/Unit01-PartI.pptx
+++ b/unit_01/slides/Unit01-PartI.pptx
@@ -7812,7 +7812,7 @@
               <a:rPr lang="en-US" sz="1800" b="1">
                 <a:latin typeface="Consolas" panose="020B0609020204030204" pitchFamily="49" charset="0"/>
               </a:rPr>
-              <a:t>getTimeout</a:t>
+              <a:t>setTimeout</a:t>
             </a:r>
             <a:r>
               <a:rPr lang="en-US" sz="1800"/>
@@ -11537,6 +11537,15 @@
 </file>
 
 <file path=customXml/item1.xml><?xml version="1.0" encoding="utf-8"?>
+<p:properties xmlns:p="http://schemas.microsoft.com/office/2006/metadata/properties" xmlns:xsi="http://www.w3.org/2001/XMLSchema-instance" xmlns:pc="http://schemas.microsoft.com/office/infopath/2007/PartnerControls">
+  <documentManagement>
+    <Status xmlns="71af3243-3dd4-4a8d-8c0d-dd76da1f02a5">Not started</Status>
+    <MediaServiceKeyPoints xmlns="71af3243-3dd4-4a8d-8c0d-dd76da1f02a5" xsi:nil="true"/>
+  </documentManagement>
+</p:properties>
+</file>
+
+<file path=customXml/item2.xml><?xml version="1.0" encoding="utf-8"?>
 <ct:contentTypeSchema xmlns:ct="http://schemas.microsoft.com/office/2006/metadata/contentType" xmlns:ma="http://schemas.microsoft.com/office/2006/metadata/properties/metaAttributes" ct:_="" ma:_="" ma:contentTypeName="Document" ma:contentTypeID="0x01010079F111ED35F8CC479449609E8A0923A6" ma:contentTypeVersion="12" ma:contentTypeDescription="Create a new document." ma:contentTypeScope="" ma:versionID="a410dd7f93c95333ffa1b60ed6adedd1">
   <xsd:schema xmlns:xsd="http://www.w3.org/2001/XMLSchema" xmlns:xs="http://www.w3.org/2001/XMLSchema" xmlns:p="http://schemas.microsoft.com/office/2006/metadata/properties" xmlns:ns2="71af3243-3dd4-4a8d-8c0d-dd76da1f02a5" xmlns:ns3="16c05727-aa75-4e4a-9b5f-8a80a1165891" targetNamespace="http://schemas.microsoft.com/office/2006/metadata/properties" ma:root="true" ma:fieldsID="a936d9baba76aa3866493feff160faab" ns2:_="" ns3:_="">
     <xsd:import namespace="71af3243-3dd4-4a8d-8c0d-dd76da1f02a5"/>
@@ -11757,15 +11766,6 @@
 </ct:contentTypeSchema>
 </file>
 
-<file path=customXml/item2.xml><?xml version="1.0" encoding="utf-8"?>
-<p:properties xmlns:p="http://schemas.microsoft.com/office/2006/metadata/properties" xmlns:xsi="http://www.w3.org/2001/XMLSchema-instance" xmlns:pc="http://schemas.microsoft.com/office/infopath/2007/PartnerControls">
-  <documentManagement>
-    <Status xmlns="71af3243-3dd4-4a8d-8c0d-dd76da1f02a5">Not started</Status>
-    <MediaServiceKeyPoints xmlns="71af3243-3dd4-4a8d-8c0d-dd76da1f02a5" xsi:nil="true"/>
-  </documentManagement>
-</p:properties>
-</file>
-
 <file path=customXml/item3.xml><?xml version="1.0" encoding="utf-8"?>
 <?mso-contentType ?>
 <FormTemplates xmlns="http://schemas.microsoft.com/sharepoint/v3/contenttype/forms">
@@ -11776,6 +11776,23 @@
 </file>
 
 <file path=customXml/itemProps1.xml><?xml version="1.0" encoding="utf-8"?>
+<ds:datastoreItem xmlns:ds="http://schemas.openxmlformats.org/officeDocument/2006/customXml" ds:itemID="{137651BA-F45C-4845-9AB3-E0A65B39F5E1}">
+  <ds:schemaRefs>
+    <ds:schemaRef ds:uri="http://purl.org/dc/terms/"/>
+    <ds:schemaRef ds:uri="http://schemas.openxmlformats.org/package/2006/metadata/core-properties"/>
+    <ds:schemaRef ds:uri="16c05727-aa75-4e4a-9b5f-8a80a1165891"/>
+    <ds:schemaRef ds:uri="http://schemas.microsoft.com/office/2006/documentManagement/types"/>
+    <ds:schemaRef ds:uri="http://schemas.microsoft.com/office/infopath/2007/PartnerControls"/>
+    <ds:schemaRef ds:uri="http://purl.org/dc/elements/1.1/"/>
+    <ds:schemaRef ds:uri="http://schemas.microsoft.com/office/2006/metadata/properties"/>
+    <ds:schemaRef ds:uri="71af3243-3dd4-4a8d-8c0d-dd76da1f02a5"/>
+    <ds:schemaRef ds:uri="http://www.w3.org/XML/1998/namespace"/>
+    <ds:schemaRef ds:uri="http://purl.org/dc/dcmitype/"/>
+  </ds:schemaRefs>
+</ds:datastoreItem>
+</file>
+
+<file path=customXml/itemProps2.xml><?xml version="1.0" encoding="utf-8"?>
 <ds:datastoreItem xmlns:ds="http://schemas.openxmlformats.org/officeDocument/2006/customXml" ds:itemID="{2D276E62-80A3-44DD-9BCC-97ED2B99B57F}">
   <ds:schemaRefs>
     <ds:schemaRef ds:uri="http://schemas.microsoft.com/office/2006/metadata/contentType"/>
@@ -11794,23 +11811,6 @@
 </ds:datastoreItem>
 </file>
 
-<file path=customXml/itemProps2.xml><?xml version="1.0" encoding="utf-8"?>
-<ds:datastoreItem xmlns:ds="http://schemas.openxmlformats.org/officeDocument/2006/customXml" ds:itemID="{137651BA-F45C-4845-9AB3-E0A65B39F5E1}">
-  <ds:schemaRefs>
-    <ds:schemaRef ds:uri="http://purl.org/dc/terms/"/>
-    <ds:schemaRef ds:uri="http://schemas.openxmlformats.org/package/2006/metadata/core-properties"/>
-    <ds:schemaRef ds:uri="16c05727-aa75-4e4a-9b5f-8a80a1165891"/>
-    <ds:schemaRef ds:uri="http://schemas.microsoft.com/office/2006/documentManagement/types"/>
-    <ds:schemaRef ds:uri="http://schemas.microsoft.com/office/infopath/2007/PartnerControls"/>
-    <ds:schemaRef ds:uri="http://purl.org/dc/elements/1.1/"/>
-    <ds:schemaRef ds:uri="http://schemas.microsoft.com/office/2006/metadata/properties"/>
-    <ds:schemaRef ds:uri="71af3243-3dd4-4a8d-8c0d-dd76da1f02a5"/>
-    <ds:schemaRef ds:uri="http://www.w3.org/XML/1998/namespace"/>
-    <ds:schemaRef ds:uri="http://purl.org/dc/dcmitype/"/>
-  </ds:schemaRefs>
-</ds:datastoreItem>
-</file>
-
 <file path=customXml/itemProps3.xml><?xml version="1.0" encoding="utf-8"?>
 <ds:datastoreItem xmlns:ds="http://schemas.openxmlformats.org/officeDocument/2006/customXml" ds:itemID="{CDB58277-F8DF-46FF-84EC-EF41B835E69F}">
   <ds:schemaRefs>
